--- a/clases/Cap04_Clasificacion/presentations/PAT04_Bayes.pptx
+++ b/clases/Cap04_Clasificacion/presentations/PAT04_Bayes.pptx
@@ -5,7 +5,7 @@
     <p:sldMasterId id="2147483648" r:id="rId1"/>
   </p:sldMasterIdLst>
   <p:notesMasterIdLst>
-    <p:notesMasterId r:id="rId30"/>
+    <p:notesMasterId r:id="rId38"/>
   </p:notesMasterIdLst>
   <p:sldIdLst>
     <p:sldId id="294" r:id="rId2"/>
@@ -31,11 +31,19 @@
     <p:sldId id="319" r:id="rId22"/>
     <p:sldId id="311" r:id="rId23"/>
     <p:sldId id="313" r:id="rId24"/>
-    <p:sldId id="312" r:id="rId25"/>
-    <p:sldId id="314" r:id="rId26"/>
-    <p:sldId id="315" r:id="rId27"/>
-    <p:sldId id="317" r:id="rId28"/>
-    <p:sldId id="318" r:id="rId29"/>
+    <p:sldId id="320" r:id="rId25"/>
+    <p:sldId id="321" r:id="rId26"/>
+    <p:sldId id="322" r:id="rId27"/>
+    <p:sldId id="323" r:id="rId28"/>
+    <p:sldId id="317" r:id="rId29"/>
+    <p:sldId id="318" r:id="rId30"/>
+    <p:sldId id="324" r:id="rId31"/>
+    <p:sldId id="328" r:id="rId32"/>
+    <p:sldId id="329" r:id="rId33"/>
+    <p:sldId id="330" r:id="rId34"/>
+    <p:sldId id="331" r:id="rId35"/>
+    <p:sldId id="332" r:id="rId36"/>
+    <p:sldId id="333" r:id="rId37"/>
   </p:sldIdLst>
   <p:sldSz cx="9144000" cy="6858000" type="screen4x3"/>
   <p:notesSz cx="6858000" cy="9144000"/>
@@ -1162,7 +1170,7 @@
     </p:spTree>
     <p:extLst>
       <p:ext uri="{BB962C8B-B14F-4D97-AF65-F5344CB8AC3E}">
-        <p14:creationId xmlns:p14="http://schemas.microsoft.com/office/powerpoint/2010/main" val="607764014"/>
+        <p14:creationId xmlns:p14="http://schemas.microsoft.com/office/powerpoint/2010/main" val="3932638725"/>
       </p:ext>
     </p:extLst>
   </p:cSld>
@@ -1255,7 +1263,7 @@
     </p:spTree>
     <p:extLst>
       <p:ext uri="{BB962C8B-B14F-4D97-AF65-F5344CB8AC3E}">
-        <p14:creationId xmlns:p14="http://schemas.microsoft.com/office/powerpoint/2010/main" val="109175856"/>
+        <p14:creationId xmlns:p14="http://schemas.microsoft.com/office/powerpoint/2010/main" val="603106110"/>
       </p:ext>
     </p:extLst>
   </p:cSld>
@@ -1348,7 +1356,7 @@
     </p:spTree>
     <p:extLst>
       <p:ext uri="{BB962C8B-B14F-4D97-AF65-F5344CB8AC3E}">
-        <p14:creationId xmlns:p14="http://schemas.microsoft.com/office/powerpoint/2010/main" val="117170884"/>
+        <p14:creationId xmlns:p14="http://schemas.microsoft.com/office/powerpoint/2010/main" val="3201668547"/>
       </p:ext>
     </p:extLst>
   </p:cSld>
@@ -1395,7 +1403,100 @@
             <a:fld id="{44F56885-A447-6B45-8925-737427C81A80}" type="slidenum">
               <a:rPr lang="en-US"/>
               <a:pPr/>
-              <a:t>28</a:t>
+              <a:t>27</a:t>
+            </a:fld>
+            <a:endParaRPr lang="en-US"/>
+          </a:p>
+        </p:txBody>
+      </p:sp>
+      <p:sp>
+        <p:nvSpPr>
+          <p:cNvPr id="32771" name="Rectangle 2"/>
+          <p:cNvSpPr>
+            <a:spLocks noGrp="1" noRot="1" noChangeAspect="1" noChangeArrowheads="1" noTextEdit="1"/>
+          </p:cNvSpPr>
+          <p:nvPr>
+            <p:ph type="sldImg"/>
+          </p:nvPr>
+        </p:nvSpPr>
+        <p:spPr>
+          <a:ln/>
+        </p:spPr>
+      </p:sp>
+      <p:sp>
+        <p:nvSpPr>
+          <p:cNvPr id="32772" name="Rectangle 3"/>
+          <p:cNvSpPr>
+            <a:spLocks noGrp="1" noChangeArrowheads="1"/>
+          </p:cNvSpPr>
+          <p:nvPr>
+            <p:ph type="body" idx="1"/>
+          </p:nvPr>
+        </p:nvSpPr>
+        <p:spPr>
+          <a:noFill/>
+          <a:ln/>
+        </p:spPr>
+        <p:txBody>
+          <a:bodyPr/>
+          <a:lstStyle/>
+          <a:p>
+            <a:pPr eaLnBrk="1" hangingPunct="1"/>
+            <a:endParaRPr lang="es-CL"/>
+          </a:p>
+        </p:txBody>
+      </p:sp>
+    </p:spTree>
+    <p:extLst>
+      <p:ext uri="{BB962C8B-B14F-4D97-AF65-F5344CB8AC3E}">
+        <p14:creationId xmlns:p14="http://schemas.microsoft.com/office/powerpoint/2010/main" val="1249240252"/>
+      </p:ext>
+    </p:extLst>
+  </p:cSld>
+  <p:clrMapOvr>
+    <a:masterClrMapping/>
+  </p:clrMapOvr>
+</p:notes>
+</file>
+
+<file path=ppt/notesSlides/notesSlide18.xml><?xml version="1.0" encoding="utf-8"?>
+<p:notes xmlns:a="http://schemas.openxmlformats.org/drawingml/2006/main" xmlns:r="http://schemas.openxmlformats.org/officeDocument/2006/relationships" xmlns:p="http://schemas.openxmlformats.org/presentationml/2006/main">
+  <p:cSld>
+    <p:spTree>
+      <p:nvGrpSpPr>
+        <p:cNvPr id="1" name=""/>
+        <p:cNvGrpSpPr/>
+        <p:nvPr/>
+      </p:nvGrpSpPr>
+      <p:grpSpPr>
+        <a:xfrm>
+          <a:off x="0" y="0"/>
+          <a:ext cx="0" cy="0"/>
+          <a:chOff x="0" y="0"/>
+          <a:chExt cx="0" cy="0"/>
+        </a:xfrm>
+      </p:grpSpPr>
+      <p:sp>
+        <p:nvSpPr>
+          <p:cNvPr id="32770" name="Rectangle 7"/>
+          <p:cNvSpPr>
+            <a:spLocks noGrp="1" noChangeArrowheads="1"/>
+          </p:cNvSpPr>
+          <p:nvPr>
+            <p:ph type="sldNum" sz="quarter" idx="5"/>
+          </p:nvPr>
+        </p:nvSpPr>
+        <p:spPr>
+          <a:noFill/>
+        </p:spPr>
+        <p:txBody>
+          <a:bodyPr/>
+          <a:lstStyle/>
+          <a:p>
+            <a:fld id="{44F56885-A447-6B45-8925-737427C81A80}" type="slidenum">
+              <a:rPr lang="en-US"/>
+              <a:pPr/>
+              <a:t>29</a:t>
             </a:fld>
             <a:endParaRPr lang="en-US"/>
           </a:p>
@@ -18955,7 +19056,7 @@
         </p:nvSpPr>
         <p:spPr bwMode="auto">
           <a:xfrm>
-            <a:off x="457200" y="4012329"/>
+            <a:off x="457200" y="5714995"/>
             <a:ext cx="8153400" cy="0"/>
           </a:xfrm>
           <a:prstGeom prst="line">
@@ -18997,7 +19098,7 @@
         </p:nvGrpSpPr>
         <p:grpSpPr>
           <a:xfrm>
-            <a:off x="762000" y="2226447"/>
+            <a:off x="762000" y="3929113"/>
             <a:ext cx="7315200" cy="2090681"/>
             <a:chOff x="762000" y="1752600"/>
             <a:chExt cx="7315200" cy="4267200"/>
@@ -19286,7 +19387,7 @@
         </p:nvSpPr>
         <p:spPr bwMode="auto">
           <a:xfrm>
-            <a:off x="457200" y="4317129"/>
+            <a:off x="457200" y="6019795"/>
             <a:ext cx="8058150" cy="366713"/>
           </a:xfrm>
           <a:prstGeom prst="rect">
@@ -19380,7 +19481,7 @@
         </p:nvSpPr>
         <p:spPr>
           <a:xfrm>
-            <a:off x="882869" y="3029312"/>
+            <a:off x="882869" y="4731978"/>
             <a:ext cx="5885793" cy="994101"/>
           </a:xfrm>
           <a:custGeom>
@@ -19616,7 +19717,7 @@
         </p:nvSpPr>
         <p:spPr>
           <a:xfrm>
-            <a:off x="4340772" y="2959456"/>
+            <a:off x="4340772" y="4662122"/>
             <a:ext cx="4508938" cy="1055501"/>
           </a:xfrm>
           <a:custGeom>
@@ -19864,7 +19965,7 @@
         </p:blipFill>
         <p:spPr>
           <a:xfrm>
-            <a:off x="8454041" y="4164730"/>
+            <a:off x="8454041" y="5867396"/>
             <a:ext cx="165100" cy="139700"/>
           </a:xfrm>
           <a:prstGeom prst="rect">
@@ -19894,7 +19995,7 @@
         </p:blipFill>
         <p:spPr>
           <a:xfrm>
-            <a:off x="3424558" y="2594129"/>
+            <a:off x="3424558" y="4296795"/>
             <a:ext cx="965200" cy="317500"/>
           </a:xfrm>
           <a:prstGeom prst="rect">
@@ -19924,7 +20025,7 @@
         </p:blipFill>
         <p:spPr>
           <a:xfrm>
-            <a:off x="5681029" y="2557664"/>
+            <a:off x="5681029" y="4260330"/>
             <a:ext cx="965200" cy="317500"/>
           </a:xfrm>
           <a:prstGeom prst="rect">
@@ -19935,7 +20036,7 @@
     </p:spTree>
     <p:extLst>
       <p:ext uri="{BB962C8B-B14F-4D97-AF65-F5344CB8AC3E}">
-        <p14:creationId xmlns:p14="http://schemas.microsoft.com/office/powerpoint/2010/main" val="2952772711"/>
+        <p14:creationId xmlns:p14="http://schemas.microsoft.com/office/powerpoint/2010/main" val="1098308033"/>
       </p:ext>
     </p:extLst>
   </p:cSld>
@@ -20059,7 +20160,7 @@
         </p:nvSpPr>
         <p:spPr bwMode="auto">
           <a:xfrm>
-            <a:off x="457200" y="4012329"/>
+            <a:off x="457200" y="5714995"/>
             <a:ext cx="8153400" cy="0"/>
           </a:xfrm>
           <a:prstGeom prst="line">
@@ -20101,7 +20202,7 @@
         </p:nvGrpSpPr>
         <p:grpSpPr>
           <a:xfrm>
-            <a:off x="762000" y="2226447"/>
+            <a:off x="762000" y="3929113"/>
             <a:ext cx="7315200" cy="2090681"/>
             <a:chOff x="762000" y="1752600"/>
             <a:chExt cx="7315200" cy="4267200"/>
@@ -20390,7 +20491,7 @@
         </p:nvSpPr>
         <p:spPr bwMode="auto">
           <a:xfrm>
-            <a:off x="457200" y="4317129"/>
+            <a:off x="457200" y="6019795"/>
             <a:ext cx="8058150" cy="366713"/>
           </a:xfrm>
           <a:prstGeom prst="rect">
@@ -20484,7 +20585,7 @@
         </p:nvSpPr>
         <p:spPr>
           <a:xfrm>
-            <a:off x="882869" y="3029312"/>
+            <a:off x="882869" y="4731978"/>
             <a:ext cx="5885793" cy="994101"/>
           </a:xfrm>
           <a:custGeom>
@@ -20720,7 +20821,337 @@
         </p:nvSpPr>
         <p:spPr>
           <a:xfrm>
-            <a:off x="4340772" y="3390264"/>
+            <a:off x="4340772" y="4662122"/>
+            <a:ext cx="4508938" cy="1055501"/>
+          </a:xfrm>
+          <a:custGeom>
+            <a:avLst/>
+            <a:gdLst>
+              <a:gd name="connsiteX0" fmla="*/ 0 w 4508938"/>
+              <a:gd name="connsiteY0" fmla="*/ 1055501 h 1055501"/>
+              <a:gd name="connsiteX1" fmla="*/ 609600 w 4508938"/>
+              <a:gd name="connsiteY1" fmla="*/ 918866 h 1055501"/>
+              <a:gd name="connsiteX2" fmla="*/ 1240221 w 4508938"/>
+              <a:gd name="connsiteY2" fmla="*/ 593045 h 1055501"/>
+              <a:gd name="connsiteX3" fmla="*/ 1797269 w 4508938"/>
+              <a:gd name="connsiteY3" fmla="*/ 4466 h 1055501"/>
+              <a:gd name="connsiteX4" fmla="*/ 2438400 w 4508938"/>
+              <a:gd name="connsiteY4" fmla="*/ 330287 h 1055501"/>
+              <a:gd name="connsiteX5" fmla="*/ 3026980 w 4508938"/>
+              <a:gd name="connsiteY5" fmla="*/ 477432 h 1055501"/>
+              <a:gd name="connsiteX6" fmla="*/ 3762704 w 4508938"/>
+              <a:gd name="connsiteY6" fmla="*/ 656107 h 1055501"/>
+              <a:gd name="connsiteX7" fmla="*/ 4508938 w 4508938"/>
+              <a:gd name="connsiteY7" fmla="*/ 1044990 h 1055501"/>
+            </a:gdLst>
+            <a:ahLst/>
+            <a:cxnLst>
+              <a:cxn ang="0">
+                <a:pos x="connsiteX0" y="connsiteY0"/>
+              </a:cxn>
+              <a:cxn ang="0">
+                <a:pos x="connsiteX1" y="connsiteY1"/>
+              </a:cxn>
+              <a:cxn ang="0">
+                <a:pos x="connsiteX2" y="connsiteY2"/>
+              </a:cxn>
+              <a:cxn ang="0">
+                <a:pos x="connsiteX3" y="connsiteY3"/>
+              </a:cxn>
+              <a:cxn ang="0">
+                <a:pos x="connsiteX4" y="connsiteY4"/>
+              </a:cxn>
+              <a:cxn ang="0">
+                <a:pos x="connsiteX5" y="connsiteY5"/>
+              </a:cxn>
+              <a:cxn ang="0">
+                <a:pos x="connsiteX6" y="connsiteY6"/>
+              </a:cxn>
+              <a:cxn ang="0">
+                <a:pos x="connsiteX7" y="connsiteY7"/>
+              </a:cxn>
+            </a:cxnLst>
+            <a:rect l="l" t="t" r="r" b="b"/>
+            <a:pathLst>
+              <a:path w="4508938" h="1055501" extrusionOk="0">
+                <a:moveTo>
+                  <a:pt x="0" y="1055501"/>
+                </a:moveTo>
+                <a:cubicBezTo>
+                  <a:pt x="197032" y="1022997"/>
+                  <a:pt x="385097" y="1002623"/>
+                  <a:pt x="609600" y="918866"/>
+                </a:cubicBezTo>
+                <a:cubicBezTo>
+                  <a:pt x="872988" y="853723"/>
+                  <a:pt x="995671" y="746927"/>
+                  <a:pt x="1240221" y="593045"/>
+                </a:cubicBezTo>
+                <a:cubicBezTo>
+                  <a:pt x="1405626" y="472422"/>
+                  <a:pt x="1596010" y="56900"/>
+                  <a:pt x="1797269" y="4466"/>
+                </a:cubicBezTo>
+                <a:cubicBezTo>
+                  <a:pt x="1984470" y="-46163"/>
+                  <a:pt x="2280742" y="274056"/>
+                  <a:pt x="2438400" y="330287"/>
+                </a:cubicBezTo>
+                <a:cubicBezTo>
+                  <a:pt x="2643353" y="409115"/>
+                  <a:pt x="3026980" y="477431"/>
+                  <a:pt x="3026980" y="477432"/>
+                </a:cubicBezTo>
+                <a:cubicBezTo>
+                  <a:pt x="3207039" y="525509"/>
+                  <a:pt x="3476012" y="598890"/>
+                  <a:pt x="3762704" y="656107"/>
+                </a:cubicBezTo>
+                <a:cubicBezTo>
+                  <a:pt x="4008277" y="737160"/>
+                  <a:pt x="4219817" y="952739"/>
+                  <a:pt x="4508938" y="1044990"/>
+                </a:cubicBezTo>
+              </a:path>
+            </a:pathLst>
+          </a:custGeom>
+          <a:noFill/>
+          <a:ln w="25400">
+            <a:solidFill>
+              <a:srgbClr val="FF0000"/>
+            </a:solidFill>
+            <a:prstDash val="solid"/>
+            <a:extLst>
+              <a:ext uri="{C807C97D-BFC1-408E-A445-0C87EB9F89A2}">
+                <ask:lineSketchStyleProps xmlns:ask="http://schemas.microsoft.com/office/drawing/2018/sketchyshapes" sd="1219033472">
+                  <a:custGeom>
+                    <a:avLst/>
+                    <a:gdLst>
+                      <a:gd name="connsiteX0" fmla="*/ 0 w 4508938"/>
+                      <a:gd name="connsiteY0" fmla="*/ 1055501 h 1055501"/>
+                      <a:gd name="connsiteX1" fmla="*/ 609600 w 4508938"/>
+                      <a:gd name="connsiteY1" fmla="*/ 918866 h 1055501"/>
+                      <a:gd name="connsiteX2" fmla="*/ 1240221 w 4508938"/>
+                      <a:gd name="connsiteY2" fmla="*/ 593045 h 1055501"/>
+                      <a:gd name="connsiteX3" fmla="*/ 1797269 w 4508938"/>
+                      <a:gd name="connsiteY3" fmla="*/ 4466 h 1055501"/>
+                      <a:gd name="connsiteX4" fmla="*/ 2438400 w 4508938"/>
+                      <a:gd name="connsiteY4" fmla="*/ 330287 h 1055501"/>
+                      <a:gd name="connsiteX5" fmla="*/ 3026980 w 4508938"/>
+                      <a:gd name="connsiteY5" fmla="*/ 477432 h 1055501"/>
+                      <a:gd name="connsiteX6" fmla="*/ 3762704 w 4508938"/>
+                      <a:gd name="connsiteY6" fmla="*/ 656107 h 1055501"/>
+                      <a:gd name="connsiteX7" fmla="*/ 4508938 w 4508938"/>
+                      <a:gd name="connsiteY7" fmla="*/ 1044990 h 1055501"/>
+                    </a:gdLst>
+                    <a:ahLst/>
+                    <a:cxnLst>
+                      <a:cxn ang="0">
+                        <a:pos x="connsiteX0" y="connsiteY0"/>
+                      </a:cxn>
+                      <a:cxn ang="0">
+                        <a:pos x="connsiteX1" y="connsiteY1"/>
+                      </a:cxn>
+                      <a:cxn ang="0">
+                        <a:pos x="connsiteX2" y="connsiteY2"/>
+                      </a:cxn>
+                      <a:cxn ang="0">
+                        <a:pos x="connsiteX3" y="connsiteY3"/>
+                      </a:cxn>
+                      <a:cxn ang="0">
+                        <a:pos x="connsiteX4" y="connsiteY4"/>
+                      </a:cxn>
+                      <a:cxn ang="0">
+                        <a:pos x="connsiteX5" y="connsiteY5"/>
+                      </a:cxn>
+                      <a:cxn ang="0">
+                        <a:pos x="connsiteX6" y="connsiteY6"/>
+                      </a:cxn>
+                      <a:cxn ang="0">
+                        <a:pos x="connsiteX7" y="connsiteY7"/>
+                      </a:cxn>
+                    </a:cxnLst>
+                    <a:rect l="l" t="t" r="r" b="b"/>
+                    <a:pathLst>
+                      <a:path w="4508938" h="1055501">
+                        <a:moveTo>
+                          <a:pt x="0" y="1055501"/>
+                        </a:moveTo>
+                        <a:cubicBezTo>
+                          <a:pt x="201448" y="1025721"/>
+                          <a:pt x="402897" y="995942"/>
+                          <a:pt x="609600" y="918866"/>
+                        </a:cubicBezTo>
+                        <a:cubicBezTo>
+                          <a:pt x="816304" y="841790"/>
+                          <a:pt x="1042276" y="745445"/>
+                          <a:pt x="1240221" y="593045"/>
+                        </a:cubicBezTo>
+                        <a:cubicBezTo>
+                          <a:pt x="1438166" y="440645"/>
+                          <a:pt x="1597573" y="48259"/>
+                          <a:pt x="1797269" y="4466"/>
+                        </a:cubicBezTo>
+                        <a:cubicBezTo>
+                          <a:pt x="1996965" y="-39327"/>
+                          <a:pt x="2233448" y="251459"/>
+                          <a:pt x="2438400" y="330287"/>
+                        </a:cubicBezTo>
+                        <a:cubicBezTo>
+                          <a:pt x="2643352" y="409115"/>
+                          <a:pt x="3026980" y="477432"/>
+                          <a:pt x="3026980" y="477432"/>
+                        </a:cubicBezTo>
+                        <a:cubicBezTo>
+                          <a:pt x="3247697" y="531735"/>
+                          <a:pt x="3515711" y="561514"/>
+                          <a:pt x="3762704" y="656107"/>
+                        </a:cubicBezTo>
+                        <a:cubicBezTo>
+                          <a:pt x="4009697" y="750700"/>
+                          <a:pt x="4259317" y="897845"/>
+                          <a:pt x="4508938" y="1044990"/>
+                        </a:cubicBezTo>
+                      </a:path>
+                    </a:pathLst>
+                  </a:custGeom>
+                  <ask:type>
+                    <ask:lineSketchFreehand/>
+                  </ask:type>
+                </ask:lineSketchStyleProps>
+              </a:ext>
+            </a:extLst>
+          </a:ln>
+          <a:effectLst/>
+        </p:spPr>
+        <p:style>
+          <a:lnRef idx="1">
+            <a:schemeClr val="accent1"/>
+          </a:lnRef>
+          <a:fillRef idx="3">
+            <a:schemeClr val="accent1"/>
+          </a:fillRef>
+          <a:effectRef idx="2">
+            <a:schemeClr val="accent1"/>
+          </a:effectRef>
+          <a:fontRef idx="minor">
+            <a:schemeClr val="lt1"/>
+          </a:fontRef>
+        </p:style>
+        <p:txBody>
+          <a:bodyPr rtlCol="0" anchor="ctr"/>
+          <a:lstStyle/>
+          <a:p>
+            <a:pPr algn="ctr"/>
+            <a:endParaRPr lang="en-US"/>
+          </a:p>
+        </p:txBody>
+      </p:sp>
+      <p:pic>
+        <p:nvPicPr>
+          <p:cNvPr id="38" name="Picture 37">
+            <a:extLst>
+              <a:ext uri="{FF2B5EF4-FFF2-40B4-BE49-F238E27FC236}">
+                <a16:creationId xmlns:a16="http://schemas.microsoft.com/office/drawing/2014/main" id="{5F293E1E-1811-E548-A28A-ADE6C5F5C059}"/>
+              </a:ext>
+            </a:extLst>
+          </p:cNvPr>
+          <p:cNvPicPr>
+            <a:picLocks noChangeAspect="1"/>
+          </p:cNvPicPr>
+          <p:nvPr/>
+        </p:nvPicPr>
+        <p:blipFill>
+          <a:blip r:embed="rId3"/>
+          <a:stretch>
+            <a:fillRect/>
+          </a:stretch>
+        </p:blipFill>
+        <p:spPr>
+          <a:xfrm>
+            <a:off x="8454041" y="5867396"/>
+            <a:ext cx="165100" cy="139700"/>
+          </a:xfrm>
+          <a:prstGeom prst="rect">
+            <a:avLst/>
+          </a:prstGeom>
+        </p:spPr>
+      </p:pic>
+      <p:pic>
+        <p:nvPicPr>
+          <p:cNvPr id="2" name="Picture 1">
+            <a:extLst>
+              <a:ext uri="{FF2B5EF4-FFF2-40B4-BE49-F238E27FC236}">
+                <a16:creationId xmlns:a16="http://schemas.microsoft.com/office/drawing/2014/main" id="{FAC7CAC6-A0D5-BE47-BA72-9C1AA1F3C8CF}"/>
+              </a:ext>
+            </a:extLst>
+          </p:cNvPr>
+          <p:cNvPicPr>
+            <a:picLocks noChangeAspect="1"/>
+          </p:cNvPicPr>
+          <p:nvPr/>
+        </p:nvPicPr>
+        <p:blipFill>
+          <a:blip r:embed="rId4"/>
+          <a:stretch>
+            <a:fillRect/>
+          </a:stretch>
+        </p:blipFill>
+        <p:spPr>
+          <a:xfrm>
+            <a:off x="3424558" y="4296795"/>
+            <a:ext cx="965200" cy="317500"/>
+          </a:xfrm>
+          <a:prstGeom prst="rect">
+            <a:avLst/>
+          </a:prstGeom>
+        </p:spPr>
+      </p:pic>
+      <p:pic>
+        <p:nvPicPr>
+          <p:cNvPr id="7" name="Picture 6">
+            <a:extLst>
+              <a:ext uri="{FF2B5EF4-FFF2-40B4-BE49-F238E27FC236}">
+                <a16:creationId xmlns:a16="http://schemas.microsoft.com/office/drawing/2014/main" id="{312B459B-4AEE-5E40-BBA1-98D63A15BBB2}"/>
+              </a:ext>
+            </a:extLst>
+          </p:cNvPr>
+          <p:cNvPicPr>
+            <a:picLocks noChangeAspect="1"/>
+          </p:cNvPicPr>
+          <p:nvPr/>
+        </p:nvPicPr>
+        <p:blipFill>
+          <a:blip r:embed="rId5"/>
+          <a:stretch>
+            <a:fillRect/>
+          </a:stretch>
+        </p:blipFill>
+        <p:spPr>
+          <a:xfrm>
+            <a:off x="5681029" y="4260330"/>
+            <a:ext cx="965200" cy="317500"/>
+          </a:xfrm>
+          <a:prstGeom prst="rect">
+            <a:avLst/>
+          </a:prstGeom>
+        </p:spPr>
+      </p:pic>
+      <p:sp>
+        <p:nvSpPr>
+          <p:cNvPr id="20" name="Freeform 19">
+            <a:extLst>
+              <a:ext uri="{FF2B5EF4-FFF2-40B4-BE49-F238E27FC236}">
+                <a16:creationId xmlns:a16="http://schemas.microsoft.com/office/drawing/2014/main" id="{E00B5BF3-C28C-6A42-BB86-B668084729A4}"/>
+              </a:ext>
+            </a:extLst>
+          </p:cNvPr>
+          <p:cNvSpPr/>
+          <p:nvPr/>
+        </p:nvSpPr>
+        <p:spPr>
+          <a:xfrm>
+            <a:off x="4340772" y="5082425"/>
             <a:ext cx="4508938" cy="624693"/>
           </a:xfrm>
           <a:custGeom>
@@ -20948,100 +21379,10 @@
       </p:sp>
       <p:pic>
         <p:nvPicPr>
-          <p:cNvPr id="38" name="Picture 37">
-            <a:extLst>
-              <a:ext uri="{FF2B5EF4-FFF2-40B4-BE49-F238E27FC236}">
-                <a16:creationId xmlns:a16="http://schemas.microsoft.com/office/drawing/2014/main" id="{5F293E1E-1811-E548-A28A-ADE6C5F5C059}"/>
-              </a:ext>
-            </a:extLst>
-          </p:cNvPr>
-          <p:cNvPicPr>
-            <a:picLocks noChangeAspect="1"/>
-          </p:cNvPicPr>
-          <p:nvPr/>
-        </p:nvPicPr>
-        <p:blipFill>
-          <a:blip r:embed="rId3"/>
-          <a:stretch>
-            <a:fillRect/>
-          </a:stretch>
-        </p:blipFill>
-        <p:spPr>
-          <a:xfrm>
-            <a:off x="8454041" y="4164730"/>
-            <a:ext cx="165100" cy="139700"/>
-          </a:xfrm>
-          <a:prstGeom prst="rect">
-            <a:avLst/>
-          </a:prstGeom>
-        </p:spPr>
-      </p:pic>
-      <p:pic>
-        <p:nvPicPr>
           <p:cNvPr id="21" name="Picture 20">
             <a:extLst>
               <a:ext uri="{FF2B5EF4-FFF2-40B4-BE49-F238E27FC236}">
-                <a16:creationId xmlns:a16="http://schemas.microsoft.com/office/drawing/2014/main" id="{BF3C93CC-1015-AE48-843B-8833A93D3351}"/>
-              </a:ext>
-            </a:extLst>
-          </p:cNvPr>
-          <p:cNvPicPr>
-            <a:picLocks noChangeAspect="1"/>
-          </p:cNvPicPr>
-          <p:nvPr/>
-        </p:nvPicPr>
-        <p:blipFill>
-          <a:blip r:embed="rId4"/>
-          <a:stretch>
-            <a:fillRect/>
-          </a:stretch>
-        </p:blipFill>
-        <p:spPr>
-          <a:xfrm>
-            <a:off x="1144501" y="2477847"/>
-            <a:ext cx="1739900" cy="571500"/>
-          </a:xfrm>
-          <a:prstGeom prst="rect">
-            <a:avLst/>
-          </a:prstGeom>
-        </p:spPr>
-      </p:pic>
-      <p:pic>
-        <p:nvPicPr>
-          <p:cNvPr id="22" name="Picture 21">
-            <a:extLst>
-              <a:ext uri="{FF2B5EF4-FFF2-40B4-BE49-F238E27FC236}">
-                <a16:creationId xmlns:a16="http://schemas.microsoft.com/office/drawing/2014/main" id="{59C02DDE-5861-6C46-83EF-2339023A0BC3}"/>
-              </a:ext>
-            </a:extLst>
-          </p:cNvPr>
-          <p:cNvPicPr>
-            <a:picLocks noChangeAspect="1"/>
-          </p:cNvPicPr>
-          <p:nvPr/>
-        </p:nvPicPr>
-        <p:blipFill>
-          <a:blip r:embed="rId5"/>
-          <a:stretch>
-            <a:fillRect/>
-          </a:stretch>
-        </p:blipFill>
-        <p:spPr>
-          <a:xfrm>
-            <a:off x="7059010" y="2400657"/>
-            <a:ext cx="1790700" cy="546100"/>
-          </a:xfrm>
-          <a:prstGeom prst="rect">
-            <a:avLst/>
-          </a:prstGeom>
-        </p:spPr>
-      </p:pic>
-      <p:pic>
-        <p:nvPicPr>
-          <p:cNvPr id="23" name="Picture 22">
-            <a:extLst>
-              <a:ext uri="{FF2B5EF4-FFF2-40B4-BE49-F238E27FC236}">
-                <a16:creationId xmlns:a16="http://schemas.microsoft.com/office/drawing/2014/main" id="{9DF4F96F-9AAD-EB46-B6E6-65B07E2B0454}"/>
+                <a16:creationId xmlns:a16="http://schemas.microsoft.com/office/drawing/2014/main" id="{A3DEB757-21DA-0545-893A-C4B59A2BBB68}"/>
               </a:ext>
             </a:extLst>
           </p:cNvPr>
@@ -21058,8 +21399,8 @@
         </p:blipFill>
         <p:spPr>
           <a:xfrm>
-            <a:off x="3424558" y="2594129"/>
-            <a:ext cx="965200" cy="317500"/>
+            <a:off x="1144501" y="4170008"/>
+            <a:ext cx="1739900" cy="571500"/>
           </a:xfrm>
           <a:prstGeom prst="rect">
             <a:avLst/>
@@ -21068,10 +21409,10 @@
       </p:pic>
       <p:pic>
         <p:nvPicPr>
-          <p:cNvPr id="24" name="Picture 23">
+          <p:cNvPr id="22" name="Picture 21">
             <a:extLst>
               <a:ext uri="{FF2B5EF4-FFF2-40B4-BE49-F238E27FC236}">
-                <a16:creationId xmlns:a16="http://schemas.microsoft.com/office/drawing/2014/main" id="{648634FC-B7E0-FA44-A9F8-739627D82280}"/>
+                <a16:creationId xmlns:a16="http://schemas.microsoft.com/office/drawing/2014/main" id="{C3C356C7-9FE6-EB49-85D9-F7CEE67113A5}"/>
               </a:ext>
             </a:extLst>
           </p:cNvPr>
@@ -21088,8 +21429,8 @@
         </p:blipFill>
         <p:spPr>
           <a:xfrm>
-            <a:off x="5681029" y="2557664"/>
-            <a:ext cx="965200" cy="317500"/>
+            <a:off x="7059010" y="4092818"/>
+            <a:ext cx="1790700" cy="546100"/>
           </a:xfrm>
           <a:prstGeom prst="rect">
             <a:avLst/>
@@ -21098,10 +21439,10 @@
       </p:pic>
       <p:sp>
         <p:nvSpPr>
-          <p:cNvPr id="25" name="Freeform 24">
+          <p:cNvPr id="23" name="Freeform 22">
             <a:extLst>
               <a:ext uri="{FF2B5EF4-FFF2-40B4-BE49-F238E27FC236}">
-                <a16:creationId xmlns:a16="http://schemas.microsoft.com/office/drawing/2014/main" id="{D54A0A32-D8EC-8147-8CFA-08469E5433D4}"/>
+                <a16:creationId xmlns:a16="http://schemas.microsoft.com/office/drawing/2014/main" id="{31C1EC62-EBC2-504F-B1CE-53A45FCBAE5B}"/>
               </a:ext>
             </a:extLst>
           </p:cNvPr>
@@ -21110,7 +21451,7 @@
         </p:nvSpPr>
         <p:spPr>
           <a:xfrm>
-            <a:off x="896007" y="3402963"/>
+            <a:off x="896007" y="5095124"/>
             <a:ext cx="5885793" cy="618371"/>
           </a:xfrm>
           <a:custGeom>
@@ -21335,252 +21676,12 @@
           </a:p>
         </p:txBody>
       </p:sp>
-      <p:sp>
-        <p:nvSpPr>
-          <p:cNvPr id="27" name="Freeform 26">
+      <p:cxnSp>
+        <p:nvCxnSpPr>
+          <p:cNvPr id="24" name="Straight Connector 23">
             <a:extLst>
               <a:ext uri="{FF2B5EF4-FFF2-40B4-BE49-F238E27FC236}">
-                <a16:creationId xmlns:a16="http://schemas.microsoft.com/office/drawing/2014/main" id="{8CA2EB2A-9A85-AF4F-824A-43C1B31082B3}"/>
-              </a:ext>
-            </a:extLst>
-          </p:cNvPr>
-          <p:cNvSpPr/>
-          <p:nvPr/>
-        </p:nvSpPr>
-        <p:spPr>
-          <a:xfrm>
-            <a:off x="4340772" y="2959456"/>
-            <a:ext cx="4508938" cy="1055501"/>
-          </a:xfrm>
-          <a:custGeom>
-            <a:avLst/>
-            <a:gdLst>
-              <a:gd name="connsiteX0" fmla="*/ 0 w 4508938"/>
-              <a:gd name="connsiteY0" fmla="*/ 1055501 h 1055501"/>
-              <a:gd name="connsiteX1" fmla="*/ 609600 w 4508938"/>
-              <a:gd name="connsiteY1" fmla="*/ 918866 h 1055501"/>
-              <a:gd name="connsiteX2" fmla="*/ 1240221 w 4508938"/>
-              <a:gd name="connsiteY2" fmla="*/ 593045 h 1055501"/>
-              <a:gd name="connsiteX3" fmla="*/ 1797269 w 4508938"/>
-              <a:gd name="connsiteY3" fmla="*/ 4466 h 1055501"/>
-              <a:gd name="connsiteX4" fmla="*/ 2438400 w 4508938"/>
-              <a:gd name="connsiteY4" fmla="*/ 330287 h 1055501"/>
-              <a:gd name="connsiteX5" fmla="*/ 3026980 w 4508938"/>
-              <a:gd name="connsiteY5" fmla="*/ 477432 h 1055501"/>
-              <a:gd name="connsiteX6" fmla="*/ 3762704 w 4508938"/>
-              <a:gd name="connsiteY6" fmla="*/ 656107 h 1055501"/>
-              <a:gd name="connsiteX7" fmla="*/ 4508938 w 4508938"/>
-              <a:gd name="connsiteY7" fmla="*/ 1044990 h 1055501"/>
-            </a:gdLst>
-            <a:ahLst/>
-            <a:cxnLst>
-              <a:cxn ang="0">
-                <a:pos x="connsiteX0" y="connsiteY0"/>
-              </a:cxn>
-              <a:cxn ang="0">
-                <a:pos x="connsiteX1" y="connsiteY1"/>
-              </a:cxn>
-              <a:cxn ang="0">
-                <a:pos x="connsiteX2" y="connsiteY2"/>
-              </a:cxn>
-              <a:cxn ang="0">
-                <a:pos x="connsiteX3" y="connsiteY3"/>
-              </a:cxn>
-              <a:cxn ang="0">
-                <a:pos x="connsiteX4" y="connsiteY4"/>
-              </a:cxn>
-              <a:cxn ang="0">
-                <a:pos x="connsiteX5" y="connsiteY5"/>
-              </a:cxn>
-              <a:cxn ang="0">
-                <a:pos x="connsiteX6" y="connsiteY6"/>
-              </a:cxn>
-              <a:cxn ang="0">
-                <a:pos x="connsiteX7" y="connsiteY7"/>
-              </a:cxn>
-            </a:cxnLst>
-            <a:rect l="l" t="t" r="r" b="b"/>
-            <a:pathLst>
-              <a:path w="4508938" h="1055501" extrusionOk="0">
-                <a:moveTo>
-                  <a:pt x="0" y="1055501"/>
-                </a:moveTo>
-                <a:cubicBezTo>
-                  <a:pt x="197032" y="1022997"/>
-                  <a:pt x="385097" y="1002623"/>
-                  <a:pt x="609600" y="918866"/>
-                </a:cubicBezTo>
-                <a:cubicBezTo>
-                  <a:pt x="872988" y="853723"/>
-                  <a:pt x="995671" y="746927"/>
-                  <a:pt x="1240221" y="593045"/>
-                </a:cubicBezTo>
-                <a:cubicBezTo>
-                  <a:pt x="1405626" y="472422"/>
-                  <a:pt x="1596010" y="56900"/>
-                  <a:pt x="1797269" y="4466"/>
-                </a:cubicBezTo>
-                <a:cubicBezTo>
-                  <a:pt x="1984470" y="-46163"/>
-                  <a:pt x="2280742" y="274056"/>
-                  <a:pt x="2438400" y="330287"/>
-                </a:cubicBezTo>
-                <a:cubicBezTo>
-                  <a:pt x="2643353" y="409115"/>
-                  <a:pt x="3026980" y="477431"/>
-                  <a:pt x="3026980" y="477432"/>
-                </a:cubicBezTo>
-                <a:cubicBezTo>
-                  <a:pt x="3207039" y="525509"/>
-                  <a:pt x="3476012" y="598890"/>
-                  <a:pt x="3762704" y="656107"/>
-                </a:cubicBezTo>
-                <a:cubicBezTo>
-                  <a:pt x="4008277" y="737160"/>
-                  <a:pt x="4219817" y="952739"/>
-                  <a:pt x="4508938" y="1044990"/>
-                </a:cubicBezTo>
-              </a:path>
-            </a:pathLst>
-          </a:custGeom>
-          <a:noFill/>
-          <a:ln w="25400">
-            <a:solidFill>
-              <a:srgbClr val="FF0000"/>
-            </a:solidFill>
-            <a:prstDash val="solid"/>
-            <a:extLst>
-              <a:ext uri="{C807C97D-BFC1-408E-A445-0C87EB9F89A2}">
-                <ask:lineSketchStyleProps xmlns:ask="http://schemas.microsoft.com/office/drawing/2018/sketchyshapes" sd="1219033472">
-                  <a:custGeom>
-                    <a:avLst/>
-                    <a:gdLst>
-                      <a:gd name="connsiteX0" fmla="*/ 0 w 4508938"/>
-                      <a:gd name="connsiteY0" fmla="*/ 1055501 h 1055501"/>
-                      <a:gd name="connsiteX1" fmla="*/ 609600 w 4508938"/>
-                      <a:gd name="connsiteY1" fmla="*/ 918866 h 1055501"/>
-                      <a:gd name="connsiteX2" fmla="*/ 1240221 w 4508938"/>
-                      <a:gd name="connsiteY2" fmla="*/ 593045 h 1055501"/>
-                      <a:gd name="connsiteX3" fmla="*/ 1797269 w 4508938"/>
-                      <a:gd name="connsiteY3" fmla="*/ 4466 h 1055501"/>
-                      <a:gd name="connsiteX4" fmla="*/ 2438400 w 4508938"/>
-                      <a:gd name="connsiteY4" fmla="*/ 330287 h 1055501"/>
-                      <a:gd name="connsiteX5" fmla="*/ 3026980 w 4508938"/>
-                      <a:gd name="connsiteY5" fmla="*/ 477432 h 1055501"/>
-                      <a:gd name="connsiteX6" fmla="*/ 3762704 w 4508938"/>
-                      <a:gd name="connsiteY6" fmla="*/ 656107 h 1055501"/>
-                      <a:gd name="connsiteX7" fmla="*/ 4508938 w 4508938"/>
-                      <a:gd name="connsiteY7" fmla="*/ 1044990 h 1055501"/>
-                    </a:gdLst>
-                    <a:ahLst/>
-                    <a:cxnLst>
-                      <a:cxn ang="0">
-                        <a:pos x="connsiteX0" y="connsiteY0"/>
-                      </a:cxn>
-                      <a:cxn ang="0">
-                        <a:pos x="connsiteX1" y="connsiteY1"/>
-                      </a:cxn>
-                      <a:cxn ang="0">
-                        <a:pos x="connsiteX2" y="connsiteY2"/>
-                      </a:cxn>
-                      <a:cxn ang="0">
-                        <a:pos x="connsiteX3" y="connsiteY3"/>
-                      </a:cxn>
-                      <a:cxn ang="0">
-                        <a:pos x="connsiteX4" y="connsiteY4"/>
-                      </a:cxn>
-                      <a:cxn ang="0">
-                        <a:pos x="connsiteX5" y="connsiteY5"/>
-                      </a:cxn>
-                      <a:cxn ang="0">
-                        <a:pos x="connsiteX6" y="connsiteY6"/>
-                      </a:cxn>
-                      <a:cxn ang="0">
-                        <a:pos x="connsiteX7" y="connsiteY7"/>
-                      </a:cxn>
-                    </a:cxnLst>
-                    <a:rect l="l" t="t" r="r" b="b"/>
-                    <a:pathLst>
-                      <a:path w="4508938" h="1055501">
-                        <a:moveTo>
-                          <a:pt x="0" y="1055501"/>
-                        </a:moveTo>
-                        <a:cubicBezTo>
-                          <a:pt x="201448" y="1025721"/>
-                          <a:pt x="402897" y="995942"/>
-                          <a:pt x="609600" y="918866"/>
-                        </a:cubicBezTo>
-                        <a:cubicBezTo>
-                          <a:pt x="816304" y="841790"/>
-                          <a:pt x="1042276" y="745445"/>
-                          <a:pt x="1240221" y="593045"/>
-                        </a:cubicBezTo>
-                        <a:cubicBezTo>
-                          <a:pt x="1438166" y="440645"/>
-                          <a:pt x="1597573" y="48259"/>
-                          <a:pt x="1797269" y="4466"/>
-                        </a:cubicBezTo>
-                        <a:cubicBezTo>
-                          <a:pt x="1996965" y="-39327"/>
-                          <a:pt x="2233448" y="251459"/>
-                          <a:pt x="2438400" y="330287"/>
-                        </a:cubicBezTo>
-                        <a:cubicBezTo>
-                          <a:pt x="2643352" y="409115"/>
-                          <a:pt x="3026980" y="477432"/>
-                          <a:pt x="3026980" y="477432"/>
-                        </a:cubicBezTo>
-                        <a:cubicBezTo>
-                          <a:pt x="3247697" y="531735"/>
-                          <a:pt x="3515711" y="561514"/>
-                          <a:pt x="3762704" y="656107"/>
-                        </a:cubicBezTo>
-                        <a:cubicBezTo>
-                          <a:pt x="4009697" y="750700"/>
-                          <a:pt x="4259317" y="897845"/>
-                          <a:pt x="4508938" y="1044990"/>
-                        </a:cubicBezTo>
-                      </a:path>
-                    </a:pathLst>
-                  </a:custGeom>
-                  <ask:type>
-                    <ask:lineSketchFreehand/>
-                  </ask:type>
-                </ask:lineSketchStyleProps>
-              </a:ext>
-            </a:extLst>
-          </a:ln>
-          <a:effectLst/>
-        </p:spPr>
-        <p:style>
-          <a:lnRef idx="1">
-            <a:schemeClr val="accent1"/>
-          </a:lnRef>
-          <a:fillRef idx="3">
-            <a:schemeClr val="accent1"/>
-          </a:fillRef>
-          <a:effectRef idx="2">
-            <a:schemeClr val="accent1"/>
-          </a:effectRef>
-          <a:fontRef idx="minor">
-            <a:schemeClr val="lt1"/>
-          </a:fontRef>
-        </p:style>
-        <p:txBody>
-          <a:bodyPr rtlCol="0" anchor="ctr"/>
-          <a:lstStyle/>
-          <a:p>
-            <a:pPr algn="ctr"/>
-            <a:endParaRPr lang="en-US"/>
-          </a:p>
-        </p:txBody>
-      </p:sp>
-      <p:cxnSp>
-        <p:nvCxnSpPr>
-          <p:cNvPr id="5" name="Straight Connector 4">
-            <a:extLst>
-              <a:ext uri="{FF2B5EF4-FFF2-40B4-BE49-F238E27FC236}">
-                <a16:creationId xmlns:a16="http://schemas.microsoft.com/office/drawing/2014/main" id="{16DD72E7-8781-DA45-B795-8008F92EE78C}"/>
+                <a16:creationId xmlns:a16="http://schemas.microsoft.com/office/drawing/2014/main" id="{62D95979-0A77-F543-9D55-6E011F09BF16}"/>
               </a:ext>
             </a:extLst>
           </p:cNvPr>
@@ -21591,7 +21692,7 @@
         </p:nvCxnSpPr>
         <p:spPr>
           <a:xfrm flipH="1">
-            <a:off x="7162800" y="2946757"/>
+            <a:off x="7162800" y="4638918"/>
             <a:ext cx="791560" cy="717636"/>
           </a:xfrm>
           <a:prstGeom prst="line">
@@ -21620,23 +21721,23 @@
       </p:cxnSp>
       <p:cxnSp>
         <p:nvCxnSpPr>
-          <p:cNvPr id="30" name="Straight Connector 29">
+          <p:cNvPr id="25" name="Straight Connector 24">
             <a:extLst>
               <a:ext uri="{FF2B5EF4-FFF2-40B4-BE49-F238E27FC236}">
-                <a16:creationId xmlns:a16="http://schemas.microsoft.com/office/drawing/2014/main" id="{C70E74C6-327D-3447-9DF5-C3122C832627}"/>
+                <a16:creationId xmlns:a16="http://schemas.microsoft.com/office/drawing/2014/main" id="{F4B7F4D1-BD69-C043-9ECE-AE0959570858}"/>
               </a:ext>
             </a:extLst>
           </p:cNvPr>
           <p:cNvCxnSpPr>
             <a:cxnSpLocks/>
             <a:stCxn id="21" idx="2"/>
-            <a:endCxn id="25" idx="3"/>
+            <a:endCxn id="23" idx="3"/>
           </p:cNvCxnSpPr>
           <p:nvPr/>
         </p:nvCxnSpPr>
         <p:spPr>
           <a:xfrm>
-            <a:off x="2014451" y="3049347"/>
+            <a:off x="2014451" y="4741508"/>
             <a:ext cx="573721" cy="652905"/>
           </a:xfrm>
           <a:prstGeom prst="line">
@@ -21666,7 +21767,7 @@
     </p:spTree>
     <p:extLst>
       <p:ext uri="{BB962C8B-B14F-4D97-AF65-F5344CB8AC3E}">
-        <p14:creationId xmlns:p14="http://schemas.microsoft.com/office/powerpoint/2010/main" val="2469322187"/>
+        <p14:creationId xmlns:p14="http://schemas.microsoft.com/office/powerpoint/2010/main" val="511293673"/>
       </p:ext>
     </p:extLst>
   </p:cSld>
@@ -21790,7 +21891,7 @@
         </p:nvSpPr>
         <p:spPr bwMode="auto">
           <a:xfrm>
-            <a:off x="457200" y="4012329"/>
+            <a:off x="457200" y="5714995"/>
             <a:ext cx="8153400" cy="0"/>
           </a:xfrm>
           <a:prstGeom prst="line">
@@ -21832,7 +21933,7 @@
         </p:nvGrpSpPr>
         <p:grpSpPr>
           <a:xfrm>
-            <a:off x="762000" y="2226447"/>
+            <a:off x="762000" y="3929113"/>
             <a:ext cx="7315200" cy="2090681"/>
             <a:chOff x="762000" y="1752600"/>
             <a:chExt cx="7315200" cy="4267200"/>
@@ -22121,7 +22222,7 @@
         </p:nvSpPr>
         <p:spPr bwMode="auto">
           <a:xfrm>
-            <a:off x="457200" y="4317129"/>
+            <a:off x="457200" y="6019795"/>
             <a:ext cx="8058150" cy="366713"/>
           </a:xfrm>
           <a:prstGeom prst="rect">
@@ -22201,12 +22302,42 @@
           </a:p>
         </p:txBody>
       </p:sp>
-      <p:sp>
-        <p:nvSpPr>
-          <p:cNvPr id="6" name="Freeform 5">
+      <p:pic>
+        <p:nvPicPr>
+          <p:cNvPr id="38" name="Picture 37">
             <a:extLst>
               <a:ext uri="{FF2B5EF4-FFF2-40B4-BE49-F238E27FC236}">
-                <a16:creationId xmlns:a16="http://schemas.microsoft.com/office/drawing/2014/main" id="{0D10CD24-D979-5841-992F-3FBCBE0C8B4F}"/>
+                <a16:creationId xmlns:a16="http://schemas.microsoft.com/office/drawing/2014/main" id="{5F293E1E-1811-E548-A28A-ADE6C5F5C059}"/>
+              </a:ext>
+            </a:extLst>
+          </p:cNvPr>
+          <p:cNvPicPr>
+            <a:picLocks noChangeAspect="1"/>
+          </p:cNvPicPr>
+          <p:nvPr/>
+        </p:nvPicPr>
+        <p:blipFill>
+          <a:blip r:embed="rId3"/>
+          <a:stretch>
+            <a:fillRect/>
+          </a:stretch>
+        </p:blipFill>
+        <p:spPr>
+          <a:xfrm>
+            <a:off x="8454041" y="5867396"/>
+            <a:ext cx="165100" cy="139700"/>
+          </a:xfrm>
+          <a:prstGeom prst="rect">
+            <a:avLst/>
+          </a:prstGeom>
+        </p:spPr>
+      </p:pic>
+      <p:sp>
+        <p:nvSpPr>
+          <p:cNvPr id="20" name="Freeform 19">
+            <a:extLst>
+              <a:ext uri="{FF2B5EF4-FFF2-40B4-BE49-F238E27FC236}">
+                <a16:creationId xmlns:a16="http://schemas.microsoft.com/office/drawing/2014/main" id="{E00B5BF3-C28C-6A42-BB86-B668084729A4}"/>
               </a:ext>
             </a:extLst>
           </p:cNvPr>
@@ -22215,7 +22346,7 @@
         </p:nvSpPr>
         <p:spPr>
           <a:xfrm>
-            <a:off x="4340772" y="3390264"/>
+            <a:off x="4340772" y="5082425"/>
             <a:ext cx="4508938" cy="624693"/>
           </a:xfrm>
           <a:custGeom>
@@ -22443,40 +22574,10 @@
       </p:sp>
       <p:pic>
         <p:nvPicPr>
-          <p:cNvPr id="38" name="Picture 37">
-            <a:extLst>
-              <a:ext uri="{FF2B5EF4-FFF2-40B4-BE49-F238E27FC236}">
-                <a16:creationId xmlns:a16="http://schemas.microsoft.com/office/drawing/2014/main" id="{5F293E1E-1811-E548-A28A-ADE6C5F5C059}"/>
-              </a:ext>
-            </a:extLst>
-          </p:cNvPr>
-          <p:cNvPicPr>
-            <a:picLocks noChangeAspect="1"/>
-          </p:cNvPicPr>
-          <p:nvPr/>
-        </p:nvPicPr>
-        <p:blipFill>
-          <a:blip r:embed="rId3"/>
-          <a:stretch>
-            <a:fillRect/>
-          </a:stretch>
-        </p:blipFill>
-        <p:spPr>
-          <a:xfrm>
-            <a:off x="8454041" y="4164730"/>
-            <a:ext cx="165100" cy="139700"/>
-          </a:xfrm>
-          <a:prstGeom prst="rect">
-            <a:avLst/>
-          </a:prstGeom>
-        </p:spPr>
-      </p:pic>
-      <p:pic>
-        <p:nvPicPr>
           <p:cNvPr id="21" name="Picture 20">
             <a:extLst>
               <a:ext uri="{FF2B5EF4-FFF2-40B4-BE49-F238E27FC236}">
-                <a16:creationId xmlns:a16="http://schemas.microsoft.com/office/drawing/2014/main" id="{BF3C93CC-1015-AE48-843B-8833A93D3351}"/>
+                <a16:creationId xmlns:a16="http://schemas.microsoft.com/office/drawing/2014/main" id="{A3DEB757-21DA-0545-893A-C4B59A2BBB68}"/>
               </a:ext>
             </a:extLst>
           </p:cNvPr>
@@ -22493,7 +22594,7 @@
         </p:blipFill>
         <p:spPr>
           <a:xfrm>
-            <a:off x="1144501" y="2477847"/>
+            <a:off x="1144501" y="4170008"/>
             <a:ext cx="1739900" cy="571500"/>
           </a:xfrm>
           <a:prstGeom prst="rect">
@@ -22506,7 +22607,7 @@
           <p:cNvPr id="22" name="Picture 21">
             <a:extLst>
               <a:ext uri="{FF2B5EF4-FFF2-40B4-BE49-F238E27FC236}">
-                <a16:creationId xmlns:a16="http://schemas.microsoft.com/office/drawing/2014/main" id="{59C02DDE-5861-6C46-83EF-2339023A0BC3}"/>
+                <a16:creationId xmlns:a16="http://schemas.microsoft.com/office/drawing/2014/main" id="{C3C356C7-9FE6-EB49-85D9-F7CEE67113A5}"/>
               </a:ext>
             </a:extLst>
           </p:cNvPr>
@@ -22523,7 +22624,7 @@
         </p:blipFill>
         <p:spPr>
           <a:xfrm>
-            <a:off x="7059010" y="2400657"/>
+            <a:off x="7059010" y="4092818"/>
             <a:ext cx="1790700" cy="546100"/>
           </a:xfrm>
           <a:prstGeom prst="rect">
@@ -22533,10 +22634,10 @@
       </p:pic>
       <p:sp>
         <p:nvSpPr>
-          <p:cNvPr id="25" name="Freeform 24">
+          <p:cNvPr id="23" name="Freeform 22">
             <a:extLst>
               <a:ext uri="{FF2B5EF4-FFF2-40B4-BE49-F238E27FC236}">
-                <a16:creationId xmlns:a16="http://schemas.microsoft.com/office/drawing/2014/main" id="{D54A0A32-D8EC-8147-8CFA-08469E5433D4}"/>
+                <a16:creationId xmlns:a16="http://schemas.microsoft.com/office/drawing/2014/main" id="{31C1EC62-EBC2-504F-B1CE-53A45FCBAE5B}"/>
               </a:ext>
             </a:extLst>
           </p:cNvPr>
@@ -22545,7 +22646,7 @@
         </p:nvSpPr>
         <p:spPr>
           <a:xfrm>
-            <a:off x="896007" y="3402963"/>
+            <a:off x="896007" y="5095124"/>
             <a:ext cx="5885793" cy="618371"/>
           </a:xfrm>
           <a:custGeom>
@@ -22772,10 +22873,10 @@
       </p:sp>
       <p:cxnSp>
         <p:nvCxnSpPr>
-          <p:cNvPr id="5" name="Straight Connector 4">
+          <p:cNvPr id="24" name="Straight Connector 23">
             <a:extLst>
               <a:ext uri="{FF2B5EF4-FFF2-40B4-BE49-F238E27FC236}">
-                <a16:creationId xmlns:a16="http://schemas.microsoft.com/office/drawing/2014/main" id="{16DD72E7-8781-DA45-B795-8008F92EE78C}"/>
+                <a16:creationId xmlns:a16="http://schemas.microsoft.com/office/drawing/2014/main" id="{62D95979-0A77-F543-9D55-6E011F09BF16}"/>
               </a:ext>
             </a:extLst>
           </p:cNvPr>
@@ -22786,7 +22887,7 @@
         </p:nvCxnSpPr>
         <p:spPr>
           <a:xfrm flipH="1">
-            <a:off x="7162800" y="2946757"/>
+            <a:off x="7162800" y="4638918"/>
             <a:ext cx="791560" cy="717636"/>
           </a:xfrm>
           <a:prstGeom prst="line">
@@ -22815,23 +22916,23 @@
       </p:cxnSp>
       <p:cxnSp>
         <p:nvCxnSpPr>
-          <p:cNvPr id="30" name="Straight Connector 29">
+          <p:cNvPr id="25" name="Straight Connector 24">
             <a:extLst>
               <a:ext uri="{FF2B5EF4-FFF2-40B4-BE49-F238E27FC236}">
-                <a16:creationId xmlns:a16="http://schemas.microsoft.com/office/drawing/2014/main" id="{C70E74C6-327D-3447-9DF5-C3122C832627}"/>
+                <a16:creationId xmlns:a16="http://schemas.microsoft.com/office/drawing/2014/main" id="{F4B7F4D1-BD69-C043-9ECE-AE0959570858}"/>
               </a:ext>
             </a:extLst>
           </p:cNvPr>
           <p:cNvCxnSpPr>
             <a:cxnSpLocks/>
             <a:stCxn id="21" idx="2"/>
-            <a:endCxn id="25" idx="3"/>
+            <a:endCxn id="23" idx="3"/>
           </p:cNvCxnSpPr>
           <p:nvPr/>
         </p:nvCxnSpPr>
         <p:spPr>
           <a:xfrm>
-            <a:off x="2014451" y="3049347"/>
+            <a:off x="2014451" y="4741508"/>
             <a:ext cx="573721" cy="652905"/>
           </a:xfrm>
           <a:prstGeom prst="line">
@@ -22858,258 +22959,10 @@
           </a:fontRef>
         </p:style>
       </p:cxnSp>
-      <p:cxnSp>
-        <p:nvCxnSpPr>
-          <p:cNvPr id="3" name="Straight Connector 2">
-            <a:extLst>
-              <a:ext uri="{FF2B5EF4-FFF2-40B4-BE49-F238E27FC236}">
-                <a16:creationId xmlns:a16="http://schemas.microsoft.com/office/drawing/2014/main" id="{50E42183-44CE-C242-B0F7-3CED096C3A75}"/>
-              </a:ext>
-            </a:extLst>
-          </p:cNvPr>
-          <p:cNvCxnSpPr>
-            <a:cxnSpLocks/>
-          </p:cNvCxnSpPr>
-          <p:nvPr/>
-        </p:nvCxnSpPr>
-        <p:spPr>
-          <a:xfrm>
-            <a:off x="5339253" y="1755228"/>
-            <a:ext cx="0" cy="2409502"/>
-          </a:xfrm>
-          <a:prstGeom prst="line">
-            <a:avLst/>
-          </a:prstGeom>
-          <a:ln>
-            <a:solidFill>
-              <a:srgbClr val="00B050"/>
-            </a:solidFill>
-          </a:ln>
-        </p:spPr>
-        <p:style>
-          <a:lnRef idx="2">
-            <a:schemeClr val="accent1"/>
-          </a:lnRef>
-          <a:fillRef idx="0">
-            <a:schemeClr val="accent1"/>
-          </a:fillRef>
-          <a:effectRef idx="1">
-            <a:schemeClr val="accent1"/>
-          </a:effectRef>
-          <a:fontRef idx="minor">
-            <a:schemeClr val="tx1"/>
-          </a:fontRef>
-        </p:style>
-      </p:cxnSp>
-      <p:cxnSp>
-        <p:nvCxnSpPr>
-          <p:cNvPr id="10" name="Straight Arrow Connector 9">
-            <a:extLst>
-              <a:ext uri="{FF2B5EF4-FFF2-40B4-BE49-F238E27FC236}">
-                <a16:creationId xmlns:a16="http://schemas.microsoft.com/office/drawing/2014/main" id="{0CBEEF54-A594-544E-ACA9-7733146290B2}"/>
-              </a:ext>
-            </a:extLst>
-          </p:cNvPr>
-          <p:cNvCxnSpPr/>
-          <p:nvPr/>
-        </p:nvCxnSpPr>
-        <p:spPr>
-          <a:xfrm>
-            <a:off x="4729653" y="3390264"/>
-            <a:ext cx="1219200" cy="0"/>
-          </a:xfrm>
-          <a:prstGeom prst="straightConnector1">
-            <a:avLst/>
-          </a:prstGeom>
-          <a:ln>
-            <a:solidFill>
-              <a:srgbClr val="00B050"/>
-            </a:solidFill>
-            <a:headEnd type="triangle"/>
-            <a:tailEnd type="triangle"/>
-          </a:ln>
-        </p:spPr>
-        <p:style>
-          <a:lnRef idx="2">
-            <a:schemeClr val="accent1"/>
-          </a:lnRef>
-          <a:fillRef idx="0">
-            <a:schemeClr val="accent1"/>
-          </a:fillRef>
-          <a:effectRef idx="1">
-            <a:schemeClr val="accent1"/>
-          </a:effectRef>
-          <a:fontRef idx="minor">
-            <a:schemeClr val="tx1"/>
-          </a:fontRef>
-        </p:style>
-      </p:cxnSp>
-      <p:pic>
-        <p:nvPicPr>
-          <p:cNvPr id="7" name="Picture 6">
-            <a:extLst>
-              <a:ext uri="{FF2B5EF4-FFF2-40B4-BE49-F238E27FC236}">
-                <a16:creationId xmlns:a16="http://schemas.microsoft.com/office/drawing/2014/main" id="{36D09D3E-4112-7F44-954E-B50B10BA9A71}"/>
-              </a:ext>
-            </a:extLst>
-          </p:cNvPr>
-          <p:cNvPicPr>
-            <a:picLocks noChangeAspect="1"/>
-          </p:cNvPicPr>
-          <p:nvPr/>
-        </p:nvPicPr>
-        <p:blipFill>
-          <a:blip r:embed="rId6"/>
-          <a:stretch>
-            <a:fillRect/>
-          </a:stretch>
-        </p:blipFill>
-        <p:spPr>
-          <a:xfrm>
-            <a:off x="5237653" y="1298327"/>
-            <a:ext cx="203200" cy="342900"/>
-          </a:xfrm>
-          <a:prstGeom prst="rect">
-            <a:avLst/>
-          </a:prstGeom>
-        </p:spPr>
-      </p:pic>
-      <p:pic>
-        <p:nvPicPr>
-          <p:cNvPr id="32" name="Picture 31">
-            <a:extLst>
-              <a:ext uri="{FF2B5EF4-FFF2-40B4-BE49-F238E27FC236}">
-                <a16:creationId xmlns:a16="http://schemas.microsoft.com/office/drawing/2014/main" id="{DE760906-0FB9-AC45-88FA-33B04E7BEF1B}"/>
-              </a:ext>
-            </a:extLst>
-          </p:cNvPr>
-          <p:cNvPicPr>
-            <a:picLocks noChangeAspect="1"/>
-          </p:cNvPicPr>
-          <p:nvPr/>
-        </p:nvPicPr>
-        <p:blipFill>
-          <a:blip r:embed="rId7"/>
-          <a:stretch>
-            <a:fillRect/>
-          </a:stretch>
-        </p:blipFill>
-        <p:spPr>
-          <a:xfrm>
-            <a:off x="5529753" y="3077988"/>
-            <a:ext cx="304800" cy="190500"/>
-          </a:xfrm>
-          <a:prstGeom prst="rect">
-            <a:avLst/>
-          </a:prstGeom>
-        </p:spPr>
-      </p:pic>
-      <p:pic>
-        <p:nvPicPr>
-          <p:cNvPr id="34" name="Picture 33">
-            <a:extLst>
-              <a:ext uri="{FF2B5EF4-FFF2-40B4-BE49-F238E27FC236}">
-                <a16:creationId xmlns:a16="http://schemas.microsoft.com/office/drawing/2014/main" id="{17EBB439-2F85-7243-B52D-496F49A47280}"/>
-              </a:ext>
-            </a:extLst>
-          </p:cNvPr>
-          <p:cNvPicPr>
-            <a:picLocks noChangeAspect="1"/>
-          </p:cNvPicPr>
-          <p:nvPr/>
-        </p:nvPicPr>
-        <p:blipFill>
-          <a:blip r:embed="rId8"/>
-          <a:stretch>
-            <a:fillRect/>
-          </a:stretch>
-        </p:blipFill>
-        <p:spPr>
-          <a:xfrm>
-            <a:off x="4893875" y="3073261"/>
-            <a:ext cx="304800" cy="190500"/>
-          </a:xfrm>
-          <a:prstGeom prst="rect">
-            <a:avLst/>
-          </a:prstGeom>
-        </p:spPr>
-      </p:pic>
-      <p:sp>
-        <p:nvSpPr>
-          <p:cNvPr id="12" name="TextBox 11">
-            <a:extLst>
-              <a:ext uri="{FF2B5EF4-FFF2-40B4-BE49-F238E27FC236}">
-                <a16:creationId xmlns:a16="http://schemas.microsoft.com/office/drawing/2014/main" id="{58E4FE2E-F61E-4B49-9548-6ED4343EF601}"/>
-              </a:ext>
-            </a:extLst>
-          </p:cNvPr>
-          <p:cNvSpPr txBox="1"/>
-          <p:nvPr/>
-        </p:nvSpPr>
-        <p:spPr>
-          <a:xfrm>
-            <a:off x="5462094" y="1786117"/>
-            <a:ext cx="1107996" cy="369332"/>
-          </a:xfrm>
-          <a:prstGeom prst="rect">
-            <a:avLst/>
-          </a:prstGeom>
-          <a:noFill/>
-        </p:spPr>
-        <p:txBody>
-          <a:bodyPr wrap="none" rtlCol="0">
-            <a:spAutoFit/>
-          </a:bodyPr>
-          <a:lstStyle/>
-          <a:p>
-            <a:r>
-              <a:rPr lang="en-US" dirty="0" err="1"/>
-              <a:t>Naranjas</a:t>
-            </a:r>
-            <a:endParaRPr lang="en-US" dirty="0"/>
-          </a:p>
-        </p:txBody>
-      </p:sp>
-      <p:sp>
-        <p:nvSpPr>
-          <p:cNvPr id="35" name="TextBox 34">
-            <a:extLst>
-              <a:ext uri="{FF2B5EF4-FFF2-40B4-BE49-F238E27FC236}">
-                <a16:creationId xmlns:a16="http://schemas.microsoft.com/office/drawing/2014/main" id="{1A33DA1B-9980-FC4E-998A-5D04C748CBE6}"/>
-              </a:ext>
-            </a:extLst>
-          </p:cNvPr>
-          <p:cNvSpPr txBox="1"/>
-          <p:nvPr/>
-        </p:nvSpPr>
-        <p:spPr>
-          <a:xfrm>
-            <a:off x="3847630" y="1801936"/>
-            <a:ext cx="1390124" cy="369332"/>
-          </a:xfrm>
-          <a:prstGeom prst="rect">
-            <a:avLst/>
-          </a:prstGeom>
-          <a:noFill/>
-        </p:spPr>
-        <p:txBody>
-          <a:bodyPr wrap="none" rtlCol="0">
-            <a:spAutoFit/>
-          </a:bodyPr>
-          <a:lstStyle/>
-          <a:p>
-            <a:r>
-              <a:rPr lang="en-US" dirty="0" err="1"/>
-              <a:t>Mandarinas</a:t>
-            </a:r>
-            <a:endParaRPr lang="en-US" dirty="0"/>
-          </a:p>
-        </p:txBody>
-      </p:sp>
     </p:spTree>
     <p:extLst>
       <p:ext uri="{BB962C8B-B14F-4D97-AF65-F5344CB8AC3E}">
-        <p14:creationId xmlns:p14="http://schemas.microsoft.com/office/powerpoint/2010/main" val="887197598"/>
+        <p14:creationId xmlns:p14="http://schemas.microsoft.com/office/powerpoint/2010/main" val="2635389888"/>
       </p:ext>
     </p:extLst>
   </p:cSld>
@@ -23138,6 +22991,1389 @@
       </p:grpSpPr>
       <p:sp>
         <p:nvSpPr>
+          <p:cNvPr id="6147" name="Text Box 3"/>
+          <p:cNvSpPr txBox="1">
+            <a:spLocks noChangeArrowheads="1"/>
+          </p:cNvSpPr>
+          <p:nvPr/>
+        </p:nvSpPr>
+        <p:spPr bwMode="auto">
+          <a:xfrm>
+            <a:off x="152400" y="1143000"/>
+            <a:ext cx="3634328" cy="923330"/>
+          </a:xfrm>
+          <a:prstGeom prst="rect">
+            <a:avLst/>
+          </a:prstGeom>
+          <a:noFill/>
+          <a:ln w="9525">
+            <a:noFill/>
+            <a:miter lim="800000"/>
+            <a:headEnd/>
+            <a:tailEnd/>
+          </a:ln>
+        </p:spPr>
+        <p:txBody>
+          <a:bodyPr wrap="none">
+            <a:prstTxWarp prst="textNoShape">
+              <a:avLst/>
+            </a:prstTxWarp>
+            <a:spAutoFit/>
+          </a:bodyPr>
+          <a:lstStyle/>
+          <a:p>
+            <a:pPr algn="l"/>
+            <a:r>
+              <a:rPr lang="es-CL" dirty="0"/>
+              <a:t>PDF: Probability Density Function</a:t>
+            </a:r>
+          </a:p>
+          <a:p>
+            <a:pPr algn="l"/>
+            <a:endParaRPr lang="es-CL" dirty="0"/>
+          </a:p>
+          <a:p>
+            <a:pPr algn="l"/>
+            <a:endParaRPr lang="en-US" dirty="0"/>
+          </a:p>
+        </p:txBody>
+      </p:sp>
+      <p:sp>
+        <p:nvSpPr>
+          <p:cNvPr id="6148" name="Line 4"/>
+          <p:cNvSpPr>
+            <a:spLocks noChangeShapeType="1"/>
+          </p:cNvSpPr>
+          <p:nvPr/>
+        </p:nvSpPr>
+        <p:spPr bwMode="auto">
+          <a:xfrm>
+            <a:off x="0" y="609600"/>
+            <a:ext cx="9144000" cy="0"/>
+          </a:xfrm>
+          <a:prstGeom prst="line">
+            <a:avLst/>
+          </a:prstGeom>
+          <a:noFill/>
+          <a:ln w="9525">
+            <a:solidFill>
+              <a:schemeClr val="tx1"/>
+            </a:solidFill>
+            <a:round/>
+            <a:headEnd/>
+            <a:tailEnd/>
+          </a:ln>
+        </p:spPr>
+        <p:txBody>
+          <a:bodyPr>
+            <a:prstTxWarp prst="textNoShape">
+              <a:avLst/>
+            </a:prstTxWarp>
+          </a:bodyPr>
+          <a:lstStyle/>
+          <a:p>
+            <a:endParaRPr lang="en-US"/>
+          </a:p>
+        </p:txBody>
+      </p:sp>
+      <p:sp>
+        <p:nvSpPr>
+          <p:cNvPr id="6150" name="Line 58"/>
+          <p:cNvSpPr>
+            <a:spLocks noChangeShapeType="1"/>
+          </p:cNvSpPr>
+          <p:nvPr/>
+        </p:nvSpPr>
+        <p:spPr bwMode="auto">
+          <a:xfrm>
+            <a:off x="457200" y="5714995"/>
+            <a:ext cx="8153400" cy="0"/>
+          </a:xfrm>
+          <a:prstGeom prst="line">
+            <a:avLst/>
+          </a:prstGeom>
+          <a:noFill/>
+          <a:ln w="9525">
+            <a:solidFill>
+              <a:schemeClr val="tx1"/>
+            </a:solidFill>
+            <a:round/>
+            <a:headEnd/>
+            <a:tailEnd type="triangle" w="med" len="med"/>
+          </a:ln>
+        </p:spPr>
+        <p:txBody>
+          <a:bodyPr>
+            <a:prstTxWarp prst="textNoShape">
+              <a:avLst/>
+            </a:prstTxWarp>
+          </a:bodyPr>
+          <a:lstStyle/>
+          <a:p>
+            <a:endParaRPr lang="en-US"/>
+          </a:p>
+        </p:txBody>
+      </p:sp>
+      <p:grpSp>
+        <p:nvGrpSpPr>
+          <p:cNvPr id="8" name="Group 7">
+            <a:extLst>
+              <a:ext uri="{FF2B5EF4-FFF2-40B4-BE49-F238E27FC236}">
+                <a16:creationId xmlns:a16="http://schemas.microsoft.com/office/drawing/2014/main" id="{3FC91832-23C3-1145-A808-29886E86AF4E}"/>
+              </a:ext>
+            </a:extLst>
+          </p:cNvPr>
+          <p:cNvGrpSpPr/>
+          <p:nvPr/>
+        </p:nvGrpSpPr>
+        <p:grpSpPr>
+          <a:xfrm>
+            <a:off x="762000" y="3929113"/>
+            <a:ext cx="7315200" cy="2090681"/>
+            <a:chOff x="762000" y="1752600"/>
+            <a:chExt cx="7315200" cy="4267200"/>
+          </a:xfrm>
+        </p:grpSpPr>
+        <p:sp>
+          <p:nvSpPr>
+            <p:cNvPr id="6149" name="Line 57"/>
+            <p:cNvSpPr>
+              <a:spLocks noChangeShapeType="1"/>
+            </p:cNvSpPr>
+            <p:nvPr/>
+          </p:nvSpPr>
+          <p:spPr bwMode="auto">
+            <a:xfrm>
+              <a:off x="762000" y="1752600"/>
+              <a:ext cx="0" cy="4191000"/>
+            </a:xfrm>
+            <a:prstGeom prst="line">
+              <a:avLst/>
+            </a:prstGeom>
+            <a:noFill/>
+            <a:ln w="9525">
+              <a:solidFill>
+                <a:schemeClr val="tx1"/>
+              </a:solidFill>
+              <a:round/>
+              <a:headEnd type="triangle" w="med" len="med"/>
+              <a:tailEnd/>
+            </a:ln>
+          </p:spPr>
+          <p:txBody>
+            <a:bodyPr>
+              <a:prstTxWarp prst="textNoShape">
+                <a:avLst/>
+              </a:prstTxWarp>
+            </a:bodyPr>
+            <a:lstStyle/>
+            <a:p>
+              <a:endParaRPr lang="en-US"/>
+            </a:p>
+          </p:txBody>
+        </p:sp>
+        <p:sp>
+          <p:nvSpPr>
+            <p:cNvPr id="6156" name="Line 64"/>
+            <p:cNvSpPr>
+              <a:spLocks noChangeShapeType="1"/>
+            </p:cNvSpPr>
+            <p:nvPr/>
+          </p:nvSpPr>
+          <p:spPr bwMode="auto">
+            <a:xfrm>
+              <a:off x="1981200" y="1752600"/>
+              <a:ext cx="0" cy="4267200"/>
+            </a:xfrm>
+            <a:prstGeom prst="line">
+              <a:avLst/>
+            </a:prstGeom>
+            <a:noFill/>
+            <a:ln w="9525">
+              <a:solidFill>
+                <a:schemeClr val="tx1"/>
+              </a:solidFill>
+              <a:prstDash val="sysDot"/>
+              <a:round/>
+              <a:headEnd/>
+              <a:tailEnd/>
+            </a:ln>
+          </p:spPr>
+          <p:txBody>
+            <a:bodyPr>
+              <a:prstTxWarp prst="textNoShape">
+                <a:avLst/>
+              </a:prstTxWarp>
+            </a:bodyPr>
+            <a:lstStyle/>
+            <a:p>
+              <a:endParaRPr lang="en-US"/>
+            </a:p>
+          </p:txBody>
+        </p:sp>
+        <p:sp>
+          <p:nvSpPr>
+            <p:cNvPr id="6157" name="Line 65"/>
+            <p:cNvSpPr>
+              <a:spLocks noChangeShapeType="1"/>
+            </p:cNvSpPr>
+            <p:nvPr/>
+          </p:nvSpPr>
+          <p:spPr bwMode="auto">
+            <a:xfrm>
+              <a:off x="3124200" y="1752600"/>
+              <a:ext cx="0" cy="4267200"/>
+            </a:xfrm>
+            <a:prstGeom prst="line">
+              <a:avLst/>
+            </a:prstGeom>
+            <a:noFill/>
+            <a:ln w="9525">
+              <a:solidFill>
+                <a:schemeClr val="tx1"/>
+              </a:solidFill>
+              <a:prstDash val="sysDot"/>
+              <a:round/>
+              <a:headEnd/>
+              <a:tailEnd/>
+            </a:ln>
+          </p:spPr>
+          <p:txBody>
+            <a:bodyPr>
+              <a:prstTxWarp prst="textNoShape">
+                <a:avLst/>
+              </a:prstTxWarp>
+            </a:bodyPr>
+            <a:lstStyle/>
+            <a:p>
+              <a:endParaRPr lang="en-US"/>
+            </a:p>
+          </p:txBody>
+        </p:sp>
+        <p:sp>
+          <p:nvSpPr>
+            <p:cNvPr id="6158" name="Line 66"/>
+            <p:cNvSpPr>
+              <a:spLocks noChangeShapeType="1"/>
+            </p:cNvSpPr>
+            <p:nvPr/>
+          </p:nvSpPr>
+          <p:spPr bwMode="auto">
+            <a:xfrm>
+              <a:off x="4343400" y="1752600"/>
+              <a:ext cx="0" cy="4267200"/>
+            </a:xfrm>
+            <a:prstGeom prst="line">
+              <a:avLst/>
+            </a:prstGeom>
+            <a:noFill/>
+            <a:ln w="9525">
+              <a:solidFill>
+                <a:schemeClr val="tx1"/>
+              </a:solidFill>
+              <a:prstDash val="sysDot"/>
+              <a:round/>
+              <a:headEnd/>
+              <a:tailEnd/>
+            </a:ln>
+          </p:spPr>
+          <p:txBody>
+            <a:bodyPr>
+              <a:prstTxWarp prst="textNoShape">
+                <a:avLst/>
+              </a:prstTxWarp>
+            </a:bodyPr>
+            <a:lstStyle/>
+            <a:p>
+              <a:endParaRPr lang="en-US"/>
+            </a:p>
+          </p:txBody>
+        </p:sp>
+        <p:sp>
+          <p:nvSpPr>
+            <p:cNvPr id="6159" name="Line 67"/>
+            <p:cNvSpPr>
+              <a:spLocks noChangeShapeType="1"/>
+            </p:cNvSpPr>
+            <p:nvPr/>
+          </p:nvSpPr>
+          <p:spPr bwMode="auto">
+            <a:xfrm>
+              <a:off x="5562600" y="1752600"/>
+              <a:ext cx="0" cy="4267200"/>
+            </a:xfrm>
+            <a:prstGeom prst="line">
+              <a:avLst/>
+            </a:prstGeom>
+            <a:noFill/>
+            <a:ln w="9525">
+              <a:solidFill>
+                <a:schemeClr val="tx1"/>
+              </a:solidFill>
+              <a:prstDash val="sysDot"/>
+              <a:round/>
+              <a:headEnd/>
+              <a:tailEnd/>
+            </a:ln>
+          </p:spPr>
+          <p:txBody>
+            <a:bodyPr>
+              <a:prstTxWarp prst="textNoShape">
+                <a:avLst/>
+              </a:prstTxWarp>
+            </a:bodyPr>
+            <a:lstStyle/>
+            <a:p>
+              <a:endParaRPr lang="en-US"/>
+            </a:p>
+          </p:txBody>
+        </p:sp>
+        <p:sp>
+          <p:nvSpPr>
+            <p:cNvPr id="6160" name="Line 68"/>
+            <p:cNvSpPr>
+              <a:spLocks noChangeShapeType="1"/>
+            </p:cNvSpPr>
+            <p:nvPr/>
+          </p:nvSpPr>
+          <p:spPr bwMode="auto">
+            <a:xfrm>
+              <a:off x="6781800" y="1752600"/>
+              <a:ext cx="0" cy="4267200"/>
+            </a:xfrm>
+            <a:prstGeom prst="line">
+              <a:avLst/>
+            </a:prstGeom>
+            <a:noFill/>
+            <a:ln w="9525">
+              <a:solidFill>
+                <a:schemeClr val="tx1"/>
+              </a:solidFill>
+              <a:prstDash val="sysDot"/>
+              <a:round/>
+              <a:headEnd/>
+              <a:tailEnd/>
+            </a:ln>
+          </p:spPr>
+          <p:txBody>
+            <a:bodyPr>
+              <a:prstTxWarp prst="textNoShape">
+                <a:avLst/>
+              </a:prstTxWarp>
+            </a:bodyPr>
+            <a:lstStyle/>
+            <a:p>
+              <a:endParaRPr lang="en-US"/>
+            </a:p>
+          </p:txBody>
+        </p:sp>
+        <p:sp>
+          <p:nvSpPr>
+            <p:cNvPr id="6161" name="Line 69"/>
+            <p:cNvSpPr>
+              <a:spLocks noChangeShapeType="1"/>
+            </p:cNvSpPr>
+            <p:nvPr/>
+          </p:nvSpPr>
+          <p:spPr bwMode="auto">
+            <a:xfrm>
+              <a:off x="8077200" y="1752600"/>
+              <a:ext cx="0" cy="4267200"/>
+            </a:xfrm>
+            <a:prstGeom prst="line">
+              <a:avLst/>
+            </a:prstGeom>
+            <a:noFill/>
+            <a:ln w="9525">
+              <a:solidFill>
+                <a:schemeClr val="tx1"/>
+              </a:solidFill>
+              <a:prstDash val="sysDot"/>
+              <a:round/>
+              <a:headEnd/>
+              <a:tailEnd/>
+            </a:ln>
+          </p:spPr>
+          <p:txBody>
+            <a:bodyPr>
+              <a:prstTxWarp prst="textNoShape">
+                <a:avLst/>
+              </a:prstTxWarp>
+            </a:bodyPr>
+            <a:lstStyle/>
+            <a:p>
+              <a:endParaRPr lang="en-US"/>
+            </a:p>
+          </p:txBody>
+        </p:sp>
+      </p:grpSp>
+      <p:sp>
+        <p:nvSpPr>
+          <p:cNvPr id="6162" name="Text Box 71"/>
+          <p:cNvSpPr txBox="1">
+            <a:spLocks noChangeArrowheads="1"/>
+          </p:cNvSpPr>
+          <p:nvPr/>
+        </p:nvSpPr>
+        <p:spPr bwMode="auto">
+          <a:xfrm>
+            <a:off x="457200" y="6019795"/>
+            <a:ext cx="8058150" cy="366713"/>
+          </a:xfrm>
+          <a:prstGeom prst="rect">
+            <a:avLst/>
+          </a:prstGeom>
+          <a:noFill/>
+          <a:ln w="9525">
+            <a:noFill/>
+            <a:miter lim="800000"/>
+            <a:headEnd/>
+            <a:tailEnd/>
+          </a:ln>
+        </p:spPr>
+        <p:txBody>
+          <a:bodyPr wrap="none">
+            <a:prstTxWarp prst="textNoShape">
+              <a:avLst/>
+            </a:prstTxWarp>
+            <a:spAutoFit/>
+          </a:bodyPr>
+          <a:lstStyle/>
+          <a:p>
+            <a:pPr algn="l"/>
+            <a:r>
+              <a:rPr lang="es-CL"/>
+              <a:t>8.000        10.000       12.000       14.000         16.000         18.000         20.000</a:t>
+            </a:r>
+            <a:endParaRPr lang="en-US"/>
+          </a:p>
+        </p:txBody>
+      </p:sp>
+      <p:sp>
+        <p:nvSpPr>
+          <p:cNvPr id="33" name="Text Box 2">
+            <a:extLst>
+              <a:ext uri="{FF2B5EF4-FFF2-40B4-BE49-F238E27FC236}">
+                <a16:creationId xmlns:a16="http://schemas.microsoft.com/office/drawing/2014/main" id="{B631265C-3D24-DC47-B63F-A205E44EAFBC}"/>
+              </a:ext>
+            </a:extLst>
+          </p:cNvPr>
+          <p:cNvSpPr txBox="1">
+            <a:spLocks noChangeArrowheads="1"/>
+          </p:cNvSpPr>
+          <p:nvPr/>
+        </p:nvSpPr>
+        <p:spPr bwMode="auto">
+          <a:xfrm>
+            <a:off x="228600" y="152400"/>
+            <a:ext cx="2736647" cy="369332"/>
+          </a:xfrm>
+          <a:prstGeom prst="rect">
+            <a:avLst/>
+          </a:prstGeom>
+          <a:noFill/>
+          <a:ln w="9525">
+            <a:noFill/>
+            <a:miter lim="800000"/>
+            <a:headEnd/>
+            <a:tailEnd/>
+          </a:ln>
+        </p:spPr>
+        <p:txBody>
+          <a:bodyPr wrap="none">
+            <a:prstTxWarp prst="textNoShape">
+              <a:avLst/>
+            </a:prstTxWarp>
+            <a:spAutoFit/>
+          </a:bodyPr>
+          <a:lstStyle/>
+          <a:p>
+            <a:pPr algn="l"/>
+            <a:r>
+              <a:rPr lang="es-CL" dirty="0"/>
+              <a:t>Mandarinas vs. Naranjas</a:t>
+            </a:r>
+            <a:endParaRPr lang="en-US" dirty="0"/>
+          </a:p>
+        </p:txBody>
+      </p:sp>
+      <p:pic>
+        <p:nvPicPr>
+          <p:cNvPr id="38" name="Picture 37">
+            <a:extLst>
+              <a:ext uri="{FF2B5EF4-FFF2-40B4-BE49-F238E27FC236}">
+                <a16:creationId xmlns:a16="http://schemas.microsoft.com/office/drawing/2014/main" id="{5F293E1E-1811-E548-A28A-ADE6C5F5C059}"/>
+              </a:ext>
+            </a:extLst>
+          </p:cNvPr>
+          <p:cNvPicPr>
+            <a:picLocks noChangeAspect="1"/>
+          </p:cNvPicPr>
+          <p:nvPr/>
+        </p:nvPicPr>
+        <p:blipFill>
+          <a:blip r:embed="rId3"/>
+          <a:stretch>
+            <a:fillRect/>
+          </a:stretch>
+        </p:blipFill>
+        <p:spPr>
+          <a:xfrm>
+            <a:off x="8454041" y="5867396"/>
+            <a:ext cx="165100" cy="139700"/>
+          </a:xfrm>
+          <a:prstGeom prst="rect">
+            <a:avLst/>
+          </a:prstGeom>
+        </p:spPr>
+      </p:pic>
+      <p:sp>
+        <p:nvSpPr>
+          <p:cNvPr id="20" name="Freeform 19">
+            <a:extLst>
+              <a:ext uri="{FF2B5EF4-FFF2-40B4-BE49-F238E27FC236}">
+                <a16:creationId xmlns:a16="http://schemas.microsoft.com/office/drawing/2014/main" id="{E00B5BF3-C28C-6A42-BB86-B668084729A4}"/>
+              </a:ext>
+            </a:extLst>
+          </p:cNvPr>
+          <p:cNvSpPr/>
+          <p:nvPr/>
+        </p:nvSpPr>
+        <p:spPr>
+          <a:xfrm>
+            <a:off x="4340772" y="5082425"/>
+            <a:ext cx="4508938" cy="624693"/>
+          </a:xfrm>
+          <a:custGeom>
+            <a:avLst/>
+            <a:gdLst>
+              <a:gd name="connsiteX0" fmla="*/ 0 w 4508938"/>
+              <a:gd name="connsiteY0" fmla="*/ 624693 h 624693"/>
+              <a:gd name="connsiteX1" fmla="*/ 609600 w 4508938"/>
+              <a:gd name="connsiteY1" fmla="*/ 543826 h 624693"/>
+              <a:gd name="connsiteX2" fmla="*/ 1240221 w 4508938"/>
+              <a:gd name="connsiteY2" fmla="*/ 350990 h 624693"/>
+              <a:gd name="connsiteX3" fmla="*/ 1797269 w 4508938"/>
+              <a:gd name="connsiteY3" fmla="*/ 2643 h 624693"/>
+              <a:gd name="connsiteX4" fmla="*/ 2438400 w 4508938"/>
+              <a:gd name="connsiteY4" fmla="*/ 195478 h 624693"/>
+              <a:gd name="connsiteX5" fmla="*/ 3026980 w 4508938"/>
+              <a:gd name="connsiteY5" fmla="*/ 282565 h 624693"/>
+              <a:gd name="connsiteX6" fmla="*/ 3762704 w 4508938"/>
+              <a:gd name="connsiteY6" fmla="*/ 388313 h 624693"/>
+              <a:gd name="connsiteX7" fmla="*/ 4508938 w 4508938"/>
+              <a:gd name="connsiteY7" fmla="*/ 618472 h 624693"/>
+            </a:gdLst>
+            <a:ahLst/>
+            <a:cxnLst>
+              <a:cxn ang="0">
+                <a:pos x="connsiteX0" y="connsiteY0"/>
+              </a:cxn>
+              <a:cxn ang="0">
+                <a:pos x="connsiteX1" y="connsiteY1"/>
+              </a:cxn>
+              <a:cxn ang="0">
+                <a:pos x="connsiteX2" y="connsiteY2"/>
+              </a:cxn>
+              <a:cxn ang="0">
+                <a:pos x="connsiteX3" y="connsiteY3"/>
+              </a:cxn>
+              <a:cxn ang="0">
+                <a:pos x="connsiteX4" y="connsiteY4"/>
+              </a:cxn>
+              <a:cxn ang="0">
+                <a:pos x="connsiteX5" y="connsiteY5"/>
+              </a:cxn>
+              <a:cxn ang="0">
+                <a:pos x="connsiteX6" y="connsiteY6"/>
+              </a:cxn>
+              <a:cxn ang="0">
+                <a:pos x="connsiteX7" y="connsiteY7"/>
+              </a:cxn>
+            </a:cxnLst>
+            <a:rect l="l" t="t" r="r" b="b"/>
+            <a:pathLst>
+              <a:path w="4508938" h="624693" extrusionOk="0">
+                <a:moveTo>
+                  <a:pt x="0" y="624693"/>
+                </a:moveTo>
+                <a:cubicBezTo>
+                  <a:pt x="163220" y="583487"/>
+                  <a:pt x="380965" y="597674"/>
+                  <a:pt x="609600" y="543826"/>
+                </a:cubicBezTo>
+                <a:cubicBezTo>
+                  <a:pt x="827055" y="500472"/>
+                  <a:pt x="1018504" y="441943"/>
+                  <a:pt x="1240221" y="350990"/>
+                </a:cubicBezTo>
+                <a:cubicBezTo>
+                  <a:pt x="1409054" y="289223"/>
+                  <a:pt x="1596087" y="36772"/>
+                  <a:pt x="1797269" y="2643"/>
+                </a:cubicBezTo>
+                <a:cubicBezTo>
+                  <a:pt x="1972546" y="-36636"/>
+                  <a:pt x="2252100" y="157736"/>
+                  <a:pt x="2438400" y="195478"/>
+                </a:cubicBezTo>
+                <a:cubicBezTo>
+                  <a:pt x="2643353" y="242132"/>
+                  <a:pt x="3026980" y="282564"/>
+                  <a:pt x="3026980" y="282565"/>
+                </a:cubicBezTo>
+                <a:cubicBezTo>
+                  <a:pt x="3239670" y="313475"/>
+                  <a:pt x="3499596" y="347502"/>
+                  <a:pt x="3762704" y="388313"/>
+                </a:cubicBezTo>
+                <a:cubicBezTo>
+                  <a:pt x="4004701" y="396659"/>
+                  <a:pt x="4249104" y="545578"/>
+                  <a:pt x="4508938" y="618472"/>
+                </a:cubicBezTo>
+              </a:path>
+            </a:pathLst>
+          </a:custGeom>
+          <a:noFill/>
+          <a:ln w="25400">
+            <a:solidFill>
+              <a:srgbClr val="7030A0"/>
+            </a:solidFill>
+            <a:prstDash val="solid"/>
+            <a:extLst>
+              <a:ext uri="{C807C97D-BFC1-408E-A445-0C87EB9F89A2}">
+                <ask:lineSketchStyleProps xmlns:ask="http://schemas.microsoft.com/office/drawing/2018/sketchyshapes" sd="1219033472">
+                  <a:custGeom>
+                    <a:avLst/>
+                    <a:gdLst>
+                      <a:gd name="connsiteX0" fmla="*/ 0 w 4508938"/>
+                      <a:gd name="connsiteY0" fmla="*/ 1055501 h 1055501"/>
+                      <a:gd name="connsiteX1" fmla="*/ 609600 w 4508938"/>
+                      <a:gd name="connsiteY1" fmla="*/ 918866 h 1055501"/>
+                      <a:gd name="connsiteX2" fmla="*/ 1240221 w 4508938"/>
+                      <a:gd name="connsiteY2" fmla="*/ 593045 h 1055501"/>
+                      <a:gd name="connsiteX3" fmla="*/ 1797269 w 4508938"/>
+                      <a:gd name="connsiteY3" fmla="*/ 4466 h 1055501"/>
+                      <a:gd name="connsiteX4" fmla="*/ 2438400 w 4508938"/>
+                      <a:gd name="connsiteY4" fmla="*/ 330287 h 1055501"/>
+                      <a:gd name="connsiteX5" fmla="*/ 3026980 w 4508938"/>
+                      <a:gd name="connsiteY5" fmla="*/ 477432 h 1055501"/>
+                      <a:gd name="connsiteX6" fmla="*/ 3762704 w 4508938"/>
+                      <a:gd name="connsiteY6" fmla="*/ 656107 h 1055501"/>
+                      <a:gd name="connsiteX7" fmla="*/ 4508938 w 4508938"/>
+                      <a:gd name="connsiteY7" fmla="*/ 1044990 h 1055501"/>
+                    </a:gdLst>
+                    <a:ahLst/>
+                    <a:cxnLst>
+                      <a:cxn ang="0">
+                        <a:pos x="connsiteX0" y="connsiteY0"/>
+                      </a:cxn>
+                      <a:cxn ang="0">
+                        <a:pos x="connsiteX1" y="connsiteY1"/>
+                      </a:cxn>
+                      <a:cxn ang="0">
+                        <a:pos x="connsiteX2" y="connsiteY2"/>
+                      </a:cxn>
+                      <a:cxn ang="0">
+                        <a:pos x="connsiteX3" y="connsiteY3"/>
+                      </a:cxn>
+                      <a:cxn ang="0">
+                        <a:pos x="connsiteX4" y="connsiteY4"/>
+                      </a:cxn>
+                      <a:cxn ang="0">
+                        <a:pos x="connsiteX5" y="connsiteY5"/>
+                      </a:cxn>
+                      <a:cxn ang="0">
+                        <a:pos x="connsiteX6" y="connsiteY6"/>
+                      </a:cxn>
+                      <a:cxn ang="0">
+                        <a:pos x="connsiteX7" y="connsiteY7"/>
+                      </a:cxn>
+                    </a:cxnLst>
+                    <a:rect l="l" t="t" r="r" b="b"/>
+                    <a:pathLst>
+                      <a:path w="4508938" h="1055501">
+                        <a:moveTo>
+                          <a:pt x="0" y="1055501"/>
+                        </a:moveTo>
+                        <a:cubicBezTo>
+                          <a:pt x="201448" y="1025721"/>
+                          <a:pt x="402897" y="995942"/>
+                          <a:pt x="609600" y="918866"/>
+                        </a:cubicBezTo>
+                        <a:cubicBezTo>
+                          <a:pt x="816304" y="841790"/>
+                          <a:pt x="1042276" y="745445"/>
+                          <a:pt x="1240221" y="593045"/>
+                        </a:cubicBezTo>
+                        <a:cubicBezTo>
+                          <a:pt x="1438166" y="440645"/>
+                          <a:pt x="1597573" y="48259"/>
+                          <a:pt x="1797269" y="4466"/>
+                        </a:cubicBezTo>
+                        <a:cubicBezTo>
+                          <a:pt x="1996965" y="-39327"/>
+                          <a:pt x="2233448" y="251459"/>
+                          <a:pt x="2438400" y="330287"/>
+                        </a:cubicBezTo>
+                        <a:cubicBezTo>
+                          <a:pt x="2643352" y="409115"/>
+                          <a:pt x="3026980" y="477432"/>
+                          <a:pt x="3026980" y="477432"/>
+                        </a:cubicBezTo>
+                        <a:cubicBezTo>
+                          <a:pt x="3247697" y="531735"/>
+                          <a:pt x="3515711" y="561514"/>
+                          <a:pt x="3762704" y="656107"/>
+                        </a:cubicBezTo>
+                        <a:cubicBezTo>
+                          <a:pt x="4009697" y="750700"/>
+                          <a:pt x="4259317" y="897845"/>
+                          <a:pt x="4508938" y="1044990"/>
+                        </a:cubicBezTo>
+                      </a:path>
+                    </a:pathLst>
+                  </a:custGeom>
+                  <ask:type>
+                    <ask:lineSketchFreehand/>
+                  </ask:type>
+                </ask:lineSketchStyleProps>
+              </a:ext>
+            </a:extLst>
+          </a:ln>
+          <a:effectLst/>
+        </p:spPr>
+        <p:style>
+          <a:lnRef idx="1">
+            <a:schemeClr val="accent1"/>
+          </a:lnRef>
+          <a:fillRef idx="3">
+            <a:schemeClr val="accent1"/>
+          </a:fillRef>
+          <a:effectRef idx="2">
+            <a:schemeClr val="accent1"/>
+          </a:effectRef>
+          <a:fontRef idx="minor">
+            <a:schemeClr val="lt1"/>
+          </a:fontRef>
+        </p:style>
+        <p:txBody>
+          <a:bodyPr rtlCol="0" anchor="ctr"/>
+          <a:lstStyle/>
+          <a:p>
+            <a:pPr algn="ctr"/>
+            <a:endParaRPr lang="en-US"/>
+          </a:p>
+        </p:txBody>
+      </p:sp>
+      <p:pic>
+        <p:nvPicPr>
+          <p:cNvPr id="21" name="Picture 20">
+            <a:extLst>
+              <a:ext uri="{FF2B5EF4-FFF2-40B4-BE49-F238E27FC236}">
+                <a16:creationId xmlns:a16="http://schemas.microsoft.com/office/drawing/2014/main" id="{A3DEB757-21DA-0545-893A-C4B59A2BBB68}"/>
+              </a:ext>
+            </a:extLst>
+          </p:cNvPr>
+          <p:cNvPicPr>
+            <a:picLocks noChangeAspect="1"/>
+          </p:cNvPicPr>
+          <p:nvPr/>
+        </p:nvPicPr>
+        <p:blipFill>
+          <a:blip r:embed="rId4"/>
+          <a:stretch>
+            <a:fillRect/>
+          </a:stretch>
+        </p:blipFill>
+        <p:spPr>
+          <a:xfrm>
+            <a:off x="1144501" y="4170008"/>
+            <a:ext cx="1739900" cy="571500"/>
+          </a:xfrm>
+          <a:prstGeom prst="rect">
+            <a:avLst/>
+          </a:prstGeom>
+        </p:spPr>
+      </p:pic>
+      <p:pic>
+        <p:nvPicPr>
+          <p:cNvPr id="22" name="Picture 21">
+            <a:extLst>
+              <a:ext uri="{FF2B5EF4-FFF2-40B4-BE49-F238E27FC236}">
+                <a16:creationId xmlns:a16="http://schemas.microsoft.com/office/drawing/2014/main" id="{C3C356C7-9FE6-EB49-85D9-F7CEE67113A5}"/>
+              </a:ext>
+            </a:extLst>
+          </p:cNvPr>
+          <p:cNvPicPr>
+            <a:picLocks noChangeAspect="1"/>
+          </p:cNvPicPr>
+          <p:nvPr/>
+        </p:nvPicPr>
+        <p:blipFill>
+          <a:blip r:embed="rId5"/>
+          <a:stretch>
+            <a:fillRect/>
+          </a:stretch>
+        </p:blipFill>
+        <p:spPr>
+          <a:xfrm>
+            <a:off x="7059010" y="4092818"/>
+            <a:ext cx="1790700" cy="546100"/>
+          </a:xfrm>
+          <a:prstGeom prst="rect">
+            <a:avLst/>
+          </a:prstGeom>
+        </p:spPr>
+      </p:pic>
+      <p:sp>
+        <p:nvSpPr>
+          <p:cNvPr id="23" name="Freeform 22">
+            <a:extLst>
+              <a:ext uri="{FF2B5EF4-FFF2-40B4-BE49-F238E27FC236}">
+                <a16:creationId xmlns:a16="http://schemas.microsoft.com/office/drawing/2014/main" id="{31C1EC62-EBC2-504F-B1CE-53A45FCBAE5B}"/>
+              </a:ext>
+            </a:extLst>
+          </p:cNvPr>
+          <p:cNvSpPr/>
+          <p:nvPr/>
+        </p:nvSpPr>
+        <p:spPr>
+          <a:xfrm>
+            <a:off x="896007" y="5095124"/>
+            <a:ext cx="5885793" cy="618371"/>
+          </a:xfrm>
+          <a:custGeom>
+            <a:avLst/>
+            <a:gdLst>
+              <a:gd name="connsiteX0" fmla="*/ 0 w 5885793"/>
+              <a:gd name="connsiteY0" fmla="*/ 985636 h 1026265"/>
+              <a:gd name="connsiteX1" fmla="*/ 399393 w 5885793"/>
+              <a:gd name="connsiteY1" fmla="*/ 996147 h 1026265"/>
+              <a:gd name="connsiteX2" fmla="*/ 1082565 w 5885793"/>
+              <a:gd name="connsiteY2" fmla="*/ 649305 h 1026265"/>
+              <a:gd name="connsiteX3" fmla="*/ 1692165 w 5885793"/>
+              <a:gd name="connsiteY3" fmla="*/ 481140 h 1026265"/>
+              <a:gd name="connsiteX4" fmla="*/ 2228193 w 5885793"/>
+              <a:gd name="connsiteY4" fmla="*/ 302464 h 1026265"/>
+              <a:gd name="connsiteX5" fmla="*/ 2795752 w 5885793"/>
+              <a:gd name="connsiteY5" fmla="*/ 18685 h 1026265"/>
+              <a:gd name="connsiteX6" fmla="*/ 3478924 w 5885793"/>
+              <a:gd name="connsiteY6" fmla="*/ 81747 h 1026265"/>
+              <a:gd name="connsiteX7" fmla="*/ 4067503 w 5885793"/>
+              <a:gd name="connsiteY7" fmla="*/ 523181 h 1026265"/>
+              <a:gd name="connsiteX8" fmla="*/ 4687614 w 5885793"/>
+              <a:gd name="connsiteY8" fmla="*/ 775430 h 1026265"/>
+              <a:gd name="connsiteX9" fmla="*/ 5433848 w 5885793"/>
+              <a:gd name="connsiteY9" fmla="*/ 985636 h 1026265"/>
+              <a:gd name="connsiteX10" fmla="*/ 5885793 w 5885793"/>
+              <a:gd name="connsiteY10" fmla="*/ 975126 h 1026265"/>
+              <a:gd name="connsiteX0" fmla="*/ 0 w 5885793"/>
+              <a:gd name="connsiteY0" fmla="*/ 985636 h 1002712"/>
+              <a:gd name="connsiteX1" fmla="*/ 472965 w 5885793"/>
+              <a:gd name="connsiteY1" fmla="*/ 922575 h 1002712"/>
+              <a:gd name="connsiteX2" fmla="*/ 1082565 w 5885793"/>
+              <a:gd name="connsiteY2" fmla="*/ 649305 h 1002712"/>
+              <a:gd name="connsiteX3" fmla="*/ 1692165 w 5885793"/>
+              <a:gd name="connsiteY3" fmla="*/ 481140 h 1002712"/>
+              <a:gd name="connsiteX4" fmla="*/ 2228193 w 5885793"/>
+              <a:gd name="connsiteY4" fmla="*/ 302464 h 1002712"/>
+              <a:gd name="connsiteX5" fmla="*/ 2795752 w 5885793"/>
+              <a:gd name="connsiteY5" fmla="*/ 18685 h 1002712"/>
+              <a:gd name="connsiteX6" fmla="*/ 3478924 w 5885793"/>
+              <a:gd name="connsiteY6" fmla="*/ 81747 h 1002712"/>
+              <a:gd name="connsiteX7" fmla="*/ 4067503 w 5885793"/>
+              <a:gd name="connsiteY7" fmla="*/ 523181 h 1002712"/>
+              <a:gd name="connsiteX8" fmla="*/ 4687614 w 5885793"/>
+              <a:gd name="connsiteY8" fmla="*/ 775430 h 1002712"/>
+              <a:gd name="connsiteX9" fmla="*/ 5433848 w 5885793"/>
+              <a:gd name="connsiteY9" fmla="*/ 985636 h 1002712"/>
+              <a:gd name="connsiteX10" fmla="*/ 5885793 w 5885793"/>
+              <a:gd name="connsiteY10" fmla="*/ 975126 h 1002712"/>
+              <a:gd name="connsiteX0" fmla="*/ 0 w 5885793"/>
+              <a:gd name="connsiteY0" fmla="*/ 985636 h 1002712"/>
+              <a:gd name="connsiteX1" fmla="*/ 567559 w 5885793"/>
+              <a:gd name="connsiteY1" fmla="*/ 891044 h 1002712"/>
+              <a:gd name="connsiteX2" fmla="*/ 1082565 w 5885793"/>
+              <a:gd name="connsiteY2" fmla="*/ 649305 h 1002712"/>
+              <a:gd name="connsiteX3" fmla="*/ 1692165 w 5885793"/>
+              <a:gd name="connsiteY3" fmla="*/ 481140 h 1002712"/>
+              <a:gd name="connsiteX4" fmla="*/ 2228193 w 5885793"/>
+              <a:gd name="connsiteY4" fmla="*/ 302464 h 1002712"/>
+              <a:gd name="connsiteX5" fmla="*/ 2795752 w 5885793"/>
+              <a:gd name="connsiteY5" fmla="*/ 18685 h 1002712"/>
+              <a:gd name="connsiteX6" fmla="*/ 3478924 w 5885793"/>
+              <a:gd name="connsiteY6" fmla="*/ 81747 h 1002712"/>
+              <a:gd name="connsiteX7" fmla="*/ 4067503 w 5885793"/>
+              <a:gd name="connsiteY7" fmla="*/ 523181 h 1002712"/>
+              <a:gd name="connsiteX8" fmla="*/ 4687614 w 5885793"/>
+              <a:gd name="connsiteY8" fmla="*/ 775430 h 1002712"/>
+              <a:gd name="connsiteX9" fmla="*/ 5433848 w 5885793"/>
+              <a:gd name="connsiteY9" fmla="*/ 985636 h 1002712"/>
+              <a:gd name="connsiteX10" fmla="*/ 5885793 w 5885793"/>
+              <a:gd name="connsiteY10" fmla="*/ 975126 h 1002712"/>
+              <a:gd name="connsiteX0" fmla="*/ 0 w 5885793"/>
+              <a:gd name="connsiteY0" fmla="*/ 985636 h 994101"/>
+              <a:gd name="connsiteX1" fmla="*/ 567559 w 5885793"/>
+              <a:gd name="connsiteY1" fmla="*/ 891044 h 994101"/>
+              <a:gd name="connsiteX2" fmla="*/ 1082565 w 5885793"/>
+              <a:gd name="connsiteY2" fmla="*/ 649305 h 994101"/>
+              <a:gd name="connsiteX3" fmla="*/ 1692165 w 5885793"/>
+              <a:gd name="connsiteY3" fmla="*/ 481140 h 994101"/>
+              <a:gd name="connsiteX4" fmla="*/ 2228193 w 5885793"/>
+              <a:gd name="connsiteY4" fmla="*/ 302464 h 994101"/>
+              <a:gd name="connsiteX5" fmla="*/ 2795752 w 5885793"/>
+              <a:gd name="connsiteY5" fmla="*/ 18685 h 994101"/>
+              <a:gd name="connsiteX6" fmla="*/ 3478924 w 5885793"/>
+              <a:gd name="connsiteY6" fmla="*/ 81747 h 994101"/>
+              <a:gd name="connsiteX7" fmla="*/ 4067503 w 5885793"/>
+              <a:gd name="connsiteY7" fmla="*/ 523181 h 994101"/>
+              <a:gd name="connsiteX8" fmla="*/ 4687614 w 5885793"/>
+              <a:gd name="connsiteY8" fmla="*/ 775430 h 994101"/>
+              <a:gd name="connsiteX9" fmla="*/ 5349765 w 5885793"/>
+              <a:gd name="connsiteY9" fmla="*/ 954105 h 994101"/>
+              <a:gd name="connsiteX10" fmla="*/ 5885793 w 5885793"/>
+              <a:gd name="connsiteY10" fmla="*/ 975126 h 994101"/>
+            </a:gdLst>
+            <a:ahLst/>
+            <a:cxnLst>
+              <a:cxn ang="0">
+                <a:pos x="connsiteX0" y="connsiteY0"/>
+              </a:cxn>
+              <a:cxn ang="0">
+                <a:pos x="connsiteX1" y="connsiteY1"/>
+              </a:cxn>
+              <a:cxn ang="0">
+                <a:pos x="connsiteX2" y="connsiteY2"/>
+              </a:cxn>
+              <a:cxn ang="0">
+                <a:pos x="connsiteX3" y="connsiteY3"/>
+              </a:cxn>
+              <a:cxn ang="0">
+                <a:pos x="connsiteX4" y="connsiteY4"/>
+              </a:cxn>
+              <a:cxn ang="0">
+                <a:pos x="connsiteX5" y="connsiteY5"/>
+              </a:cxn>
+              <a:cxn ang="0">
+                <a:pos x="connsiteX6" y="connsiteY6"/>
+              </a:cxn>
+              <a:cxn ang="0">
+                <a:pos x="connsiteX7" y="connsiteY7"/>
+              </a:cxn>
+              <a:cxn ang="0">
+                <a:pos x="connsiteX8" y="connsiteY8"/>
+              </a:cxn>
+              <a:cxn ang="0">
+                <a:pos x="connsiteX9" y="connsiteY9"/>
+              </a:cxn>
+              <a:cxn ang="0">
+                <a:pos x="connsiteX10" y="connsiteY10"/>
+              </a:cxn>
+            </a:cxnLst>
+            <a:rect l="l" t="t" r="r" b="b"/>
+            <a:pathLst>
+              <a:path w="5885793" h="994101">
+                <a:moveTo>
+                  <a:pt x="0" y="985636"/>
+                </a:moveTo>
+                <a:cubicBezTo>
+                  <a:pt x="109483" y="1018919"/>
+                  <a:pt x="387132" y="947099"/>
+                  <a:pt x="567559" y="891044"/>
+                </a:cubicBezTo>
+                <a:cubicBezTo>
+                  <a:pt x="747986" y="834989"/>
+                  <a:pt x="895131" y="717622"/>
+                  <a:pt x="1082565" y="649305"/>
+                </a:cubicBezTo>
+                <a:cubicBezTo>
+                  <a:pt x="1269999" y="580988"/>
+                  <a:pt x="1501227" y="538947"/>
+                  <a:pt x="1692165" y="481140"/>
+                </a:cubicBezTo>
+                <a:cubicBezTo>
+                  <a:pt x="1883103" y="423333"/>
+                  <a:pt x="2044262" y="379540"/>
+                  <a:pt x="2228193" y="302464"/>
+                </a:cubicBezTo>
+                <a:cubicBezTo>
+                  <a:pt x="2412124" y="225388"/>
+                  <a:pt x="2587297" y="55471"/>
+                  <a:pt x="2795752" y="18685"/>
+                </a:cubicBezTo>
+                <a:cubicBezTo>
+                  <a:pt x="3004207" y="-18101"/>
+                  <a:pt x="3266966" y="-2336"/>
+                  <a:pt x="3478924" y="81747"/>
+                </a:cubicBezTo>
+                <a:cubicBezTo>
+                  <a:pt x="3690882" y="165830"/>
+                  <a:pt x="3866055" y="407567"/>
+                  <a:pt x="4067503" y="523181"/>
+                </a:cubicBezTo>
+                <a:cubicBezTo>
+                  <a:pt x="4268951" y="638795"/>
+                  <a:pt x="4473904" y="703609"/>
+                  <a:pt x="4687614" y="775430"/>
+                </a:cubicBezTo>
+                <a:cubicBezTo>
+                  <a:pt x="4901324" y="847251"/>
+                  <a:pt x="5150069" y="920822"/>
+                  <a:pt x="5349765" y="954105"/>
+                </a:cubicBezTo>
+                <a:cubicBezTo>
+                  <a:pt x="5549461" y="987388"/>
+                  <a:pt x="5759668" y="997022"/>
+                  <a:pt x="5885793" y="975126"/>
+                </a:cubicBezTo>
+              </a:path>
+            </a:pathLst>
+          </a:custGeom>
+          <a:noFill/>
+          <a:ln w="25400">
+            <a:solidFill>
+              <a:schemeClr val="accent2">
+                <a:lumMod val="60000"/>
+                <a:lumOff val="40000"/>
+              </a:schemeClr>
+            </a:solidFill>
+            <a:prstDash val="solid"/>
+          </a:ln>
+          <a:effectLst/>
+        </p:spPr>
+        <p:style>
+          <a:lnRef idx="1">
+            <a:schemeClr val="accent1"/>
+          </a:lnRef>
+          <a:fillRef idx="3">
+            <a:schemeClr val="accent1"/>
+          </a:fillRef>
+          <a:effectRef idx="2">
+            <a:schemeClr val="accent1"/>
+          </a:effectRef>
+          <a:fontRef idx="minor">
+            <a:schemeClr val="lt1"/>
+          </a:fontRef>
+        </p:style>
+        <p:txBody>
+          <a:bodyPr rtlCol="0" anchor="ctr"/>
+          <a:lstStyle/>
+          <a:p>
+            <a:pPr algn="ctr"/>
+            <a:endParaRPr lang="en-US" dirty="0"/>
+          </a:p>
+        </p:txBody>
+      </p:sp>
+      <p:cxnSp>
+        <p:nvCxnSpPr>
+          <p:cNvPr id="24" name="Straight Connector 23">
+            <a:extLst>
+              <a:ext uri="{FF2B5EF4-FFF2-40B4-BE49-F238E27FC236}">
+                <a16:creationId xmlns:a16="http://schemas.microsoft.com/office/drawing/2014/main" id="{62D95979-0A77-F543-9D55-6E011F09BF16}"/>
+              </a:ext>
+            </a:extLst>
+          </p:cNvPr>
+          <p:cNvCxnSpPr>
+            <a:stCxn id="22" idx="2"/>
+          </p:cNvCxnSpPr>
+          <p:nvPr/>
+        </p:nvCxnSpPr>
+        <p:spPr>
+          <a:xfrm flipH="1">
+            <a:off x="7162800" y="4638918"/>
+            <a:ext cx="791560" cy="717636"/>
+          </a:xfrm>
+          <a:prstGeom prst="line">
+            <a:avLst/>
+          </a:prstGeom>
+          <a:ln>
+            <a:solidFill>
+              <a:schemeClr val="bg2"/>
+            </a:solidFill>
+          </a:ln>
+        </p:spPr>
+        <p:style>
+          <a:lnRef idx="2">
+            <a:schemeClr val="accent1"/>
+          </a:lnRef>
+          <a:fillRef idx="0">
+            <a:schemeClr val="accent1"/>
+          </a:fillRef>
+          <a:effectRef idx="1">
+            <a:schemeClr val="accent1"/>
+          </a:effectRef>
+          <a:fontRef idx="minor">
+            <a:schemeClr val="tx1"/>
+          </a:fontRef>
+        </p:style>
+      </p:cxnSp>
+      <p:cxnSp>
+        <p:nvCxnSpPr>
+          <p:cNvPr id="25" name="Straight Connector 24">
+            <a:extLst>
+              <a:ext uri="{FF2B5EF4-FFF2-40B4-BE49-F238E27FC236}">
+                <a16:creationId xmlns:a16="http://schemas.microsoft.com/office/drawing/2014/main" id="{F4B7F4D1-BD69-C043-9ECE-AE0959570858}"/>
+              </a:ext>
+            </a:extLst>
+          </p:cNvPr>
+          <p:cNvCxnSpPr>
+            <a:cxnSpLocks/>
+            <a:stCxn id="21" idx="2"/>
+            <a:endCxn id="23" idx="3"/>
+          </p:cNvCxnSpPr>
+          <p:nvPr/>
+        </p:nvCxnSpPr>
+        <p:spPr>
+          <a:xfrm>
+            <a:off x="2014451" y="4741508"/>
+            <a:ext cx="573721" cy="652905"/>
+          </a:xfrm>
+          <a:prstGeom prst="line">
+            <a:avLst/>
+          </a:prstGeom>
+          <a:ln>
+            <a:solidFill>
+              <a:schemeClr val="bg2"/>
+            </a:solidFill>
+          </a:ln>
+        </p:spPr>
+        <p:style>
+          <a:lnRef idx="2">
+            <a:schemeClr val="accent1"/>
+          </a:lnRef>
+          <a:fillRef idx="0">
+            <a:schemeClr val="accent1"/>
+          </a:fillRef>
+          <a:effectRef idx="1">
+            <a:schemeClr val="accent1"/>
+          </a:effectRef>
+          <a:fontRef idx="minor">
+            <a:schemeClr val="tx1"/>
+          </a:fontRef>
+        </p:style>
+      </p:cxnSp>
+      <p:cxnSp>
+        <p:nvCxnSpPr>
+          <p:cNvPr id="26" name="Straight Connector 25">
+            <a:extLst>
+              <a:ext uri="{FF2B5EF4-FFF2-40B4-BE49-F238E27FC236}">
+                <a16:creationId xmlns:a16="http://schemas.microsoft.com/office/drawing/2014/main" id="{BD775760-152D-F640-BCEB-66F42A506D43}"/>
+              </a:ext>
+            </a:extLst>
+          </p:cNvPr>
+          <p:cNvCxnSpPr>
+            <a:cxnSpLocks/>
+          </p:cNvCxnSpPr>
+          <p:nvPr/>
+        </p:nvCxnSpPr>
+        <p:spPr>
+          <a:xfrm>
+            <a:off x="5339253" y="3331773"/>
+            <a:ext cx="0" cy="2409502"/>
+          </a:xfrm>
+          <a:prstGeom prst="line">
+            <a:avLst/>
+          </a:prstGeom>
+          <a:ln>
+            <a:solidFill>
+              <a:srgbClr val="00B050"/>
+            </a:solidFill>
+          </a:ln>
+        </p:spPr>
+        <p:style>
+          <a:lnRef idx="2">
+            <a:schemeClr val="accent1"/>
+          </a:lnRef>
+          <a:fillRef idx="0">
+            <a:schemeClr val="accent1"/>
+          </a:fillRef>
+          <a:effectRef idx="1">
+            <a:schemeClr val="accent1"/>
+          </a:effectRef>
+          <a:fontRef idx="minor">
+            <a:schemeClr val="tx1"/>
+          </a:fontRef>
+        </p:style>
+      </p:cxnSp>
+      <p:cxnSp>
+        <p:nvCxnSpPr>
+          <p:cNvPr id="27" name="Straight Arrow Connector 26">
+            <a:extLst>
+              <a:ext uri="{FF2B5EF4-FFF2-40B4-BE49-F238E27FC236}">
+                <a16:creationId xmlns:a16="http://schemas.microsoft.com/office/drawing/2014/main" id="{F8C788C4-2BAF-9E43-802E-7CE7E3A516FD}"/>
+              </a:ext>
+            </a:extLst>
+          </p:cNvPr>
+          <p:cNvCxnSpPr/>
+          <p:nvPr/>
+        </p:nvCxnSpPr>
+        <p:spPr>
+          <a:xfrm>
+            <a:off x="4729653" y="4966809"/>
+            <a:ext cx="1219200" cy="0"/>
+          </a:xfrm>
+          <a:prstGeom prst="straightConnector1">
+            <a:avLst/>
+          </a:prstGeom>
+          <a:ln>
+            <a:solidFill>
+              <a:srgbClr val="00B050"/>
+            </a:solidFill>
+            <a:headEnd type="triangle"/>
+            <a:tailEnd type="triangle"/>
+          </a:ln>
+        </p:spPr>
+        <p:style>
+          <a:lnRef idx="2">
+            <a:schemeClr val="accent1"/>
+          </a:lnRef>
+          <a:fillRef idx="0">
+            <a:schemeClr val="accent1"/>
+          </a:fillRef>
+          <a:effectRef idx="1">
+            <a:schemeClr val="accent1"/>
+          </a:effectRef>
+          <a:fontRef idx="minor">
+            <a:schemeClr val="tx1"/>
+          </a:fontRef>
+        </p:style>
+      </p:cxnSp>
+      <p:pic>
+        <p:nvPicPr>
+          <p:cNvPr id="28" name="Picture 27">
+            <a:extLst>
+              <a:ext uri="{FF2B5EF4-FFF2-40B4-BE49-F238E27FC236}">
+                <a16:creationId xmlns:a16="http://schemas.microsoft.com/office/drawing/2014/main" id="{7E8A08B6-4EC4-0246-85BF-3FA59180B69B}"/>
+              </a:ext>
+            </a:extLst>
+          </p:cNvPr>
+          <p:cNvPicPr>
+            <a:picLocks noChangeAspect="1"/>
+          </p:cNvPicPr>
+          <p:nvPr/>
+        </p:nvPicPr>
+        <p:blipFill>
+          <a:blip r:embed="rId6"/>
+          <a:stretch>
+            <a:fillRect/>
+          </a:stretch>
+        </p:blipFill>
+        <p:spPr>
+          <a:xfrm>
+            <a:off x="5237653" y="2874872"/>
+            <a:ext cx="203200" cy="342900"/>
+          </a:xfrm>
+          <a:prstGeom prst="rect">
+            <a:avLst/>
+          </a:prstGeom>
+        </p:spPr>
+      </p:pic>
+      <p:sp>
+        <p:nvSpPr>
+          <p:cNvPr id="29" name="TextBox 28">
+            <a:extLst>
+              <a:ext uri="{FF2B5EF4-FFF2-40B4-BE49-F238E27FC236}">
+                <a16:creationId xmlns:a16="http://schemas.microsoft.com/office/drawing/2014/main" id="{95764C94-93B2-DC44-A310-7CCB0CDFF0CD}"/>
+              </a:ext>
+            </a:extLst>
+          </p:cNvPr>
+          <p:cNvSpPr txBox="1"/>
+          <p:nvPr/>
+        </p:nvSpPr>
+        <p:spPr>
+          <a:xfrm>
+            <a:off x="5462094" y="3362662"/>
+            <a:ext cx="1107996" cy="369332"/>
+          </a:xfrm>
+          <a:prstGeom prst="rect">
+            <a:avLst/>
+          </a:prstGeom>
+          <a:noFill/>
+        </p:spPr>
+        <p:txBody>
+          <a:bodyPr wrap="none" rtlCol="0">
+            <a:spAutoFit/>
+          </a:bodyPr>
+          <a:lstStyle/>
+          <a:p>
+            <a:r>
+              <a:rPr lang="en-US" dirty="0" err="1"/>
+              <a:t>Naranjas</a:t>
+            </a:r>
+            <a:endParaRPr lang="en-US" dirty="0"/>
+          </a:p>
+        </p:txBody>
+      </p:sp>
+      <p:sp>
+        <p:nvSpPr>
+          <p:cNvPr id="30" name="TextBox 29">
+            <a:extLst>
+              <a:ext uri="{FF2B5EF4-FFF2-40B4-BE49-F238E27FC236}">
+                <a16:creationId xmlns:a16="http://schemas.microsoft.com/office/drawing/2014/main" id="{5A415710-BFE9-0F4E-AAB4-272BB86860B6}"/>
+              </a:ext>
+            </a:extLst>
+          </p:cNvPr>
+          <p:cNvSpPr txBox="1"/>
+          <p:nvPr/>
+        </p:nvSpPr>
+        <p:spPr>
+          <a:xfrm>
+            <a:off x="3847630" y="3378481"/>
+            <a:ext cx="1390124" cy="369332"/>
+          </a:xfrm>
+          <a:prstGeom prst="rect">
+            <a:avLst/>
+          </a:prstGeom>
+          <a:noFill/>
+        </p:spPr>
+        <p:txBody>
+          <a:bodyPr wrap="none" rtlCol="0">
+            <a:spAutoFit/>
+          </a:bodyPr>
+          <a:lstStyle/>
+          <a:p>
+            <a:r>
+              <a:rPr lang="en-US" dirty="0" err="1"/>
+              <a:t>Mandarinas</a:t>
+            </a:r>
+            <a:endParaRPr lang="en-US" dirty="0"/>
+          </a:p>
+        </p:txBody>
+      </p:sp>
+    </p:spTree>
+    <p:extLst>
+      <p:ext uri="{BB962C8B-B14F-4D97-AF65-F5344CB8AC3E}">
+        <p14:creationId xmlns:p14="http://schemas.microsoft.com/office/powerpoint/2010/main" val="15930646"/>
+      </p:ext>
+    </p:extLst>
+  </p:cSld>
+  <p:clrMapOvr>
+    <a:masterClrMapping/>
+  </p:clrMapOvr>
+</p:sld>
+</file>
+
+<file path=ppt/slides/slide28.xml><?xml version="1.0" encoding="utf-8"?>
+<p:sld xmlns:a="http://schemas.openxmlformats.org/drawingml/2006/main" xmlns:r="http://schemas.openxmlformats.org/officeDocument/2006/relationships" xmlns:p="http://schemas.openxmlformats.org/presentationml/2006/main">
+  <p:cSld>
+    <p:spTree>
+      <p:nvGrpSpPr>
+        <p:cNvPr id="1" name=""/>
+        <p:cNvGrpSpPr/>
+        <p:nvPr/>
+      </p:nvGrpSpPr>
+      <p:grpSpPr>
+        <a:xfrm>
+          <a:off x="0" y="0"/>
+          <a:ext cx="0" cy="0"/>
+          <a:chOff x="0" y="0"/>
+          <a:chExt cx="0" cy="0"/>
+        </a:xfrm>
+      </p:grpSpPr>
+      <p:sp>
+        <p:nvSpPr>
           <p:cNvPr id="2" name="Title 1">
             <a:extLst>
               <a:ext uri="{FF2B5EF4-FFF2-40B4-BE49-F238E27FC236}">
@@ -23228,7 +24464,7 @@
             <a:fld id="{B2515E32-AEC1-A643-BA35-1EE2E73D4B01}" type="slidenum">
               <a:rPr lang="es-ES" smtClean="0"/>
               <a:pPr/>
-              <a:t>27</a:t>
+              <a:t>28</a:t>
             </a:fld>
             <a:endParaRPr lang="es-ES"/>
           </a:p>
@@ -24072,7 +25308,7 @@
 </p:sld>
 </file>
 
-<file path=ppt/slides/slide28.xml><?xml version="1.0" encoding="utf-8"?>
+<file path=ppt/slides/slide29.xml><?xml version="1.0" encoding="utf-8"?>
 <p:sld xmlns:a="http://schemas.openxmlformats.org/drawingml/2006/main" xmlns:r="http://schemas.openxmlformats.org/officeDocument/2006/relationships" xmlns:p="http://schemas.openxmlformats.org/presentationml/2006/main">
   <p:cSld>
     <p:spTree>
@@ -25854,7 +27090,7 @@
             <a:fld id="{B2515E32-AEC1-A643-BA35-1EE2E73D4B01}" type="slidenum">
               <a:rPr lang="es-ES" smtClean="0"/>
               <a:pPr/>
-              <a:t>28</a:t>
+              <a:t>29</a:t>
             </a:fld>
             <a:endParaRPr lang="es-ES"/>
           </a:p>
@@ -26159,6 +27395,6002 @@
   <p:clrMapOvr>
     <a:masterClrMapping/>
   </p:clrMapOvr>
+</p:sld>
+</file>
+
+<file path=ppt/slides/slide30.xml><?xml version="1.0" encoding="utf-8"?>
+<p:sld xmlns:a="http://schemas.openxmlformats.org/drawingml/2006/main" xmlns:r="http://schemas.openxmlformats.org/officeDocument/2006/relationships" xmlns:p="http://schemas.openxmlformats.org/presentationml/2006/main">
+  <p:cSld>
+    <p:spTree>
+      <p:nvGrpSpPr>
+        <p:cNvPr id="1" name=""/>
+        <p:cNvGrpSpPr/>
+        <p:nvPr/>
+      </p:nvGrpSpPr>
+      <p:grpSpPr>
+        <a:xfrm>
+          <a:off x="0" y="0"/>
+          <a:ext cx="0" cy="0"/>
+          <a:chOff x="0" y="0"/>
+          <a:chExt cx="0" cy="0"/>
+        </a:xfrm>
+      </p:grpSpPr>
+      <p:sp>
+        <p:nvSpPr>
+          <p:cNvPr id="2" name="Title 1">
+            <a:extLst>
+              <a:ext uri="{FF2B5EF4-FFF2-40B4-BE49-F238E27FC236}">
+                <a16:creationId xmlns:a16="http://schemas.microsoft.com/office/drawing/2014/main" id="{4F56EAEF-14B0-504F-B814-84DACCE33197}"/>
+              </a:ext>
+            </a:extLst>
+          </p:cNvPr>
+          <p:cNvSpPr>
+            <a:spLocks noGrp="1"/>
+          </p:cNvSpPr>
+          <p:nvPr>
+            <p:ph type="title"/>
+          </p:nvPr>
+        </p:nvSpPr>
+        <p:spPr/>
+        <p:txBody>
+          <a:bodyPr/>
+          <a:lstStyle/>
+          <a:p>
+            <a:r>
+              <a:rPr lang="en-US" dirty="0" err="1"/>
+              <a:t>Cómo</a:t>
+            </a:r>
+            <a:r>
+              <a:rPr lang="en-US" dirty="0"/>
+              <a:t> </a:t>
+            </a:r>
+            <a:r>
+              <a:rPr lang="en-US" dirty="0" err="1"/>
+              <a:t>calcular</a:t>
+            </a:r>
+            <a:r>
+              <a:rPr lang="en-US" dirty="0"/>
+              <a:t> la PDF?</a:t>
+            </a:r>
+          </a:p>
+        </p:txBody>
+      </p:sp>
+      <p:sp>
+        <p:nvSpPr>
+          <p:cNvPr id="4" name="Footer Placeholder 3">
+            <a:extLst>
+              <a:ext uri="{FF2B5EF4-FFF2-40B4-BE49-F238E27FC236}">
+                <a16:creationId xmlns:a16="http://schemas.microsoft.com/office/drawing/2014/main" id="{BB5F83B7-5B8E-5540-8E02-FCBC346E28F0}"/>
+              </a:ext>
+            </a:extLst>
+          </p:cNvPr>
+          <p:cNvSpPr>
+            <a:spLocks noGrp="1"/>
+          </p:cNvSpPr>
+          <p:nvPr>
+            <p:ph type="ftr" sz="quarter" idx="11"/>
+          </p:nvPr>
+        </p:nvSpPr>
+        <p:spPr/>
+        <p:txBody>
+          <a:bodyPr/>
+          <a:lstStyle/>
+          <a:p>
+            <a:r>
+              <a:rPr lang="es-ES"/>
+              <a:t>PAT04_Bayes.pptx</a:t>
+            </a:r>
+          </a:p>
+        </p:txBody>
+      </p:sp>
+      <p:sp>
+        <p:nvSpPr>
+          <p:cNvPr id="5" name="Slide Number Placeholder 4">
+            <a:extLst>
+              <a:ext uri="{FF2B5EF4-FFF2-40B4-BE49-F238E27FC236}">
+                <a16:creationId xmlns:a16="http://schemas.microsoft.com/office/drawing/2014/main" id="{0E1E0B9F-FAA2-A14A-8D40-42CC899DA4CC}"/>
+              </a:ext>
+            </a:extLst>
+          </p:cNvPr>
+          <p:cNvSpPr>
+            <a:spLocks noGrp="1"/>
+          </p:cNvSpPr>
+          <p:nvPr>
+            <p:ph type="sldNum" sz="quarter" idx="12"/>
+          </p:nvPr>
+        </p:nvSpPr>
+        <p:spPr/>
+        <p:txBody>
+          <a:bodyPr/>
+          <a:lstStyle/>
+          <a:p>
+            <a:fld id="{B2515E32-AEC1-A643-BA35-1EE2E73D4B01}" type="slidenum">
+              <a:rPr lang="es-ES" smtClean="0"/>
+              <a:pPr/>
+              <a:t>30</a:t>
+            </a:fld>
+            <a:endParaRPr lang="es-ES"/>
+          </a:p>
+        </p:txBody>
+      </p:sp>
+      <p:sp>
+        <p:nvSpPr>
+          <p:cNvPr id="6" name="Line 58">
+            <a:extLst>
+              <a:ext uri="{FF2B5EF4-FFF2-40B4-BE49-F238E27FC236}">
+                <a16:creationId xmlns:a16="http://schemas.microsoft.com/office/drawing/2014/main" id="{C768E6C1-6268-BD41-BE2C-8285C637EC00}"/>
+              </a:ext>
+            </a:extLst>
+          </p:cNvPr>
+          <p:cNvSpPr>
+            <a:spLocks noChangeShapeType="1"/>
+          </p:cNvSpPr>
+          <p:nvPr/>
+        </p:nvSpPr>
+        <p:spPr bwMode="auto">
+          <a:xfrm>
+            <a:off x="514349" y="4485292"/>
+            <a:ext cx="8153400" cy="0"/>
+          </a:xfrm>
+          <a:prstGeom prst="line">
+            <a:avLst/>
+          </a:prstGeom>
+          <a:noFill/>
+          <a:ln w="9525">
+            <a:solidFill>
+              <a:schemeClr val="tx1"/>
+            </a:solidFill>
+            <a:round/>
+            <a:headEnd/>
+            <a:tailEnd type="triangle" w="med" len="med"/>
+          </a:ln>
+        </p:spPr>
+        <p:txBody>
+          <a:bodyPr>
+            <a:prstTxWarp prst="textNoShape">
+              <a:avLst/>
+            </a:prstTxWarp>
+          </a:bodyPr>
+          <a:lstStyle/>
+          <a:p>
+            <a:endParaRPr lang="en-US"/>
+          </a:p>
+        </p:txBody>
+      </p:sp>
+      <p:grpSp>
+        <p:nvGrpSpPr>
+          <p:cNvPr id="8" name="Group 7">
+            <a:extLst>
+              <a:ext uri="{FF2B5EF4-FFF2-40B4-BE49-F238E27FC236}">
+                <a16:creationId xmlns:a16="http://schemas.microsoft.com/office/drawing/2014/main" id="{A6500745-39BC-024B-B802-C7B8F0D55BA9}"/>
+              </a:ext>
+            </a:extLst>
+          </p:cNvPr>
+          <p:cNvGrpSpPr/>
+          <p:nvPr/>
+        </p:nvGrpSpPr>
+        <p:grpSpPr>
+          <a:xfrm>
+            <a:off x="819149" y="2743202"/>
+            <a:ext cx="7315200" cy="2046889"/>
+            <a:chOff x="762000" y="1752600"/>
+            <a:chExt cx="7315200" cy="4267200"/>
+          </a:xfrm>
+        </p:grpSpPr>
+        <p:sp>
+          <p:nvSpPr>
+            <p:cNvPr id="9" name="Line 57">
+              <a:extLst>
+                <a:ext uri="{FF2B5EF4-FFF2-40B4-BE49-F238E27FC236}">
+                  <a16:creationId xmlns:a16="http://schemas.microsoft.com/office/drawing/2014/main" id="{A34F7520-1B7D-B441-9BF7-0DB3DF285866}"/>
+                </a:ext>
+              </a:extLst>
+            </p:cNvPr>
+            <p:cNvSpPr>
+              <a:spLocks noChangeShapeType="1"/>
+            </p:cNvSpPr>
+            <p:nvPr/>
+          </p:nvSpPr>
+          <p:spPr bwMode="auto">
+            <a:xfrm>
+              <a:off x="762000" y="1752600"/>
+              <a:ext cx="0" cy="4191000"/>
+            </a:xfrm>
+            <a:prstGeom prst="line">
+              <a:avLst/>
+            </a:prstGeom>
+            <a:noFill/>
+            <a:ln w="9525">
+              <a:solidFill>
+                <a:schemeClr val="tx1"/>
+              </a:solidFill>
+              <a:round/>
+              <a:headEnd type="triangle" w="med" len="med"/>
+              <a:tailEnd/>
+            </a:ln>
+          </p:spPr>
+          <p:txBody>
+            <a:bodyPr>
+              <a:prstTxWarp prst="textNoShape">
+                <a:avLst/>
+              </a:prstTxWarp>
+            </a:bodyPr>
+            <a:lstStyle/>
+            <a:p>
+              <a:endParaRPr lang="en-US"/>
+            </a:p>
+          </p:txBody>
+        </p:sp>
+        <p:sp>
+          <p:nvSpPr>
+            <p:cNvPr id="10" name="Line 64">
+              <a:extLst>
+                <a:ext uri="{FF2B5EF4-FFF2-40B4-BE49-F238E27FC236}">
+                  <a16:creationId xmlns:a16="http://schemas.microsoft.com/office/drawing/2014/main" id="{7A4A3513-B589-8E41-A169-DFCE2527AB59}"/>
+                </a:ext>
+              </a:extLst>
+            </p:cNvPr>
+            <p:cNvSpPr>
+              <a:spLocks noChangeShapeType="1"/>
+            </p:cNvSpPr>
+            <p:nvPr/>
+          </p:nvSpPr>
+          <p:spPr bwMode="auto">
+            <a:xfrm>
+              <a:off x="1981200" y="1752600"/>
+              <a:ext cx="0" cy="4267200"/>
+            </a:xfrm>
+            <a:prstGeom prst="line">
+              <a:avLst/>
+            </a:prstGeom>
+            <a:noFill/>
+            <a:ln w="9525">
+              <a:solidFill>
+                <a:schemeClr val="tx1"/>
+              </a:solidFill>
+              <a:prstDash val="sysDot"/>
+              <a:round/>
+              <a:headEnd/>
+              <a:tailEnd/>
+            </a:ln>
+          </p:spPr>
+          <p:txBody>
+            <a:bodyPr>
+              <a:prstTxWarp prst="textNoShape">
+                <a:avLst/>
+              </a:prstTxWarp>
+            </a:bodyPr>
+            <a:lstStyle/>
+            <a:p>
+              <a:endParaRPr lang="en-US"/>
+            </a:p>
+          </p:txBody>
+        </p:sp>
+        <p:sp>
+          <p:nvSpPr>
+            <p:cNvPr id="11" name="Line 65">
+              <a:extLst>
+                <a:ext uri="{FF2B5EF4-FFF2-40B4-BE49-F238E27FC236}">
+                  <a16:creationId xmlns:a16="http://schemas.microsoft.com/office/drawing/2014/main" id="{B5D4F2BD-E590-0943-B9D3-507D34902644}"/>
+                </a:ext>
+              </a:extLst>
+            </p:cNvPr>
+            <p:cNvSpPr>
+              <a:spLocks noChangeShapeType="1"/>
+            </p:cNvSpPr>
+            <p:nvPr/>
+          </p:nvSpPr>
+          <p:spPr bwMode="auto">
+            <a:xfrm>
+              <a:off x="3124200" y="1752600"/>
+              <a:ext cx="0" cy="4267200"/>
+            </a:xfrm>
+            <a:prstGeom prst="line">
+              <a:avLst/>
+            </a:prstGeom>
+            <a:noFill/>
+            <a:ln w="9525">
+              <a:solidFill>
+                <a:schemeClr val="tx1"/>
+              </a:solidFill>
+              <a:prstDash val="sysDot"/>
+              <a:round/>
+              <a:headEnd/>
+              <a:tailEnd/>
+            </a:ln>
+          </p:spPr>
+          <p:txBody>
+            <a:bodyPr>
+              <a:prstTxWarp prst="textNoShape">
+                <a:avLst/>
+              </a:prstTxWarp>
+            </a:bodyPr>
+            <a:lstStyle/>
+            <a:p>
+              <a:endParaRPr lang="en-US"/>
+            </a:p>
+          </p:txBody>
+        </p:sp>
+        <p:sp>
+          <p:nvSpPr>
+            <p:cNvPr id="12" name="Line 66">
+              <a:extLst>
+                <a:ext uri="{FF2B5EF4-FFF2-40B4-BE49-F238E27FC236}">
+                  <a16:creationId xmlns:a16="http://schemas.microsoft.com/office/drawing/2014/main" id="{3BBFAA40-7340-D54E-A27B-43102E4DE52D}"/>
+                </a:ext>
+              </a:extLst>
+            </p:cNvPr>
+            <p:cNvSpPr>
+              <a:spLocks noChangeShapeType="1"/>
+            </p:cNvSpPr>
+            <p:nvPr/>
+          </p:nvSpPr>
+          <p:spPr bwMode="auto">
+            <a:xfrm>
+              <a:off x="4343400" y="1752600"/>
+              <a:ext cx="0" cy="4267200"/>
+            </a:xfrm>
+            <a:prstGeom prst="line">
+              <a:avLst/>
+            </a:prstGeom>
+            <a:noFill/>
+            <a:ln w="9525">
+              <a:solidFill>
+                <a:schemeClr val="tx1"/>
+              </a:solidFill>
+              <a:prstDash val="sysDot"/>
+              <a:round/>
+              <a:headEnd/>
+              <a:tailEnd/>
+            </a:ln>
+          </p:spPr>
+          <p:txBody>
+            <a:bodyPr>
+              <a:prstTxWarp prst="textNoShape">
+                <a:avLst/>
+              </a:prstTxWarp>
+            </a:bodyPr>
+            <a:lstStyle/>
+            <a:p>
+              <a:endParaRPr lang="en-US"/>
+            </a:p>
+          </p:txBody>
+        </p:sp>
+        <p:sp>
+          <p:nvSpPr>
+            <p:cNvPr id="13" name="Line 67">
+              <a:extLst>
+                <a:ext uri="{FF2B5EF4-FFF2-40B4-BE49-F238E27FC236}">
+                  <a16:creationId xmlns:a16="http://schemas.microsoft.com/office/drawing/2014/main" id="{E76DE261-EFC4-814B-B4D1-67812D6DC300}"/>
+                </a:ext>
+              </a:extLst>
+            </p:cNvPr>
+            <p:cNvSpPr>
+              <a:spLocks noChangeShapeType="1"/>
+            </p:cNvSpPr>
+            <p:nvPr/>
+          </p:nvSpPr>
+          <p:spPr bwMode="auto">
+            <a:xfrm>
+              <a:off x="5562600" y="1752600"/>
+              <a:ext cx="0" cy="4267200"/>
+            </a:xfrm>
+            <a:prstGeom prst="line">
+              <a:avLst/>
+            </a:prstGeom>
+            <a:noFill/>
+            <a:ln w="9525">
+              <a:solidFill>
+                <a:schemeClr val="tx1"/>
+              </a:solidFill>
+              <a:prstDash val="sysDot"/>
+              <a:round/>
+              <a:headEnd/>
+              <a:tailEnd/>
+            </a:ln>
+          </p:spPr>
+          <p:txBody>
+            <a:bodyPr>
+              <a:prstTxWarp prst="textNoShape">
+                <a:avLst/>
+              </a:prstTxWarp>
+            </a:bodyPr>
+            <a:lstStyle/>
+            <a:p>
+              <a:endParaRPr lang="en-US"/>
+            </a:p>
+          </p:txBody>
+        </p:sp>
+        <p:sp>
+          <p:nvSpPr>
+            <p:cNvPr id="14" name="Line 68">
+              <a:extLst>
+                <a:ext uri="{FF2B5EF4-FFF2-40B4-BE49-F238E27FC236}">
+                  <a16:creationId xmlns:a16="http://schemas.microsoft.com/office/drawing/2014/main" id="{9E1423C3-3D60-3D4C-99B1-C013AEB9FBBE}"/>
+                </a:ext>
+              </a:extLst>
+            </p:cNvPr>
+            <p:cNvSpPr>
+              <a:spLocks noChangeShapeType="1"/>
+            </p:cNvSpPr>
+            <p:nvPr/>
+          </p:nvSpPr>
+          <p:spPr bwMode="auto">
+            <a:xfrm>
+              <a:off x="6781800" y="1752600"/>
+              <a:ext cx="0" cy="4267200"/>
+            </a:xfrm>
+            <a:prstGeom prst="line">
+              <a:avLst/>
+            </a:prstGeom>
+            <a:noFill/>
+            <a:ln w="9525">
+              <a:solidFill>
+                <a:schemeClr val="tx1"/>
+              </a:solidFill>
+              <a:prstDash val="sysDot"/>
+              <a:round/>
+              <a:headEnd/>
+              <a:tailEnd/>
+            </a:ln>
+          </p:spPr>
+          <p:txBody>
+            <a:bodyPr>
+              <a:prstTxWarp prst="textNoShape">
+                <a:avLst/>
+              </a:prstTxWarp>
+            </a:bodyPr>
+            <a:lstStyle/>
+            <a:p>
+              <a:endParaRPr lang="en-US"/>
+            </a:p>
+          </p:txBody>
+        </p:sp>
+        <p:sp>
+          <p:nvSpPr>
+            <p:cNvPr id="15" name="Line 69">
+              <a:extLst>
+                <a:ext uri="{FF2B5EF4-FFF2-40B4-BE49-F238E27FC236}">
+                  <a16:creationId xmlns:a16="http://schemas.microsoft.com/office/drawing/2014/main" id="{EA74C5AE-7388-784B-A5A2-20FA5E7ED346}"/>
+                </a:ext>
+              </a:extLst>
+            </p:cNvPr>
+            <p:cNvSpPr>
+              <a:spLocks noChangeShapeType="1"/>
+            </p:cNvSpPr>
+            <p:nvPr/>
+          </p:nvSpPr>
+          <p:spPr bwMode="auto">
+            <a:xfrm>
+              <a:off x="8077200" y="1752600"/>
+              <a:ext cx="0" cy="4267200"/>
+            </a:xfrm>
+            <a:prstGeom prst="line">
+              <a:avLst/>
+            </a:prstGeom>
+            <a:noFill/>
+            <a:ln w="9525">
+              <a:solidFill>
+                <a:schemeClr val="tx1"/>
+              </a:solidFill>
+              <a:prstDash val="sysDot"/>
+              <a:round/>
+              <a:headEnd/>
+              <a:tailEnd/>
+            </a:ln>
+          </p:spPr>
+          <p:txBody>
+            <a:bodyPr>
+              <a:prstTxWarp prst="textNoShape">
+                <a:avLst/>
+              </a:prstTxWarp>
+            </a:bodyPr>
+            <a:lstStyle/>
+            <a:p>
+              <a:endParaRPr lang="en-US"/>
+            </a:p>
+          </p:txBody>
+        </p:sp>
+      </p:grpSp>
+      <p:sp>
+        <p:nvSpPr>
+          <p:cNvPr id="16" name="Rectangle 80">
+            <a:extLst>
+              <a:ext uri="{FF2B5EF4-FFF2-40B4-BE49-F238E27FC236}">
+                <a16:creationId xmlns:a16="http://schemas.microsoft.com/office/drawing/2014/main" id="{799EB3AB-4707-E24A-BBA1-355CB0629979}"/>
+              </a:ext>
+            </a:extLst>
+          </p:cNvPr>
+          <p:cNvSpPr>
+            <a:spLocks noChangeArrowheads="1"/>
+          </p:cNvSpPr>
+          <p:nvPr/>
+        </p:nvSpPr>
+        <p:spPr bwMode="auto">
+          <a:xfrm flipH="1">
+            <a:off x="6076952" y="4075717"/>
+            <a:ext cx="457200" cy="409575"/>
+          </a:xfrm>
+          <a:prstGeom prst="rect">
+            <a:avLst/>
+          </a:prstGeom>
+          <a:solidFill>
+            <a:schemeClr val="accent1"/>
+          </a:solidFill>
+          <a:ln w="9525">
+            <a:solidFill>
+              <a:schemeClr val="tx1"/>
+            </a:solidFill>
+            <a:miter lim="800000"/>
+            <a:headEnd/>
+            <a:tailEnd/>
+          </a:ln>
+        </p:spPr>
+        <p:txBody>
+          <a:bodyPr wrap="none" anchor="ctr">
+            <a:prstTxWarp prst="textNoShape">
+              <a:avLst/>
+            </a:prstTxWarp>
+          </a:bodyPr>
+          <a:lstStyle/>
+          <a:p>
+            <a:endParaRPr lang="es-CL"/>
+          </a:p>
+        </p:txBody>
+      </p:sp>
+      <p:sp>
+        <p:nvSpPr>
+          <p:cNvPr id="17" name="Rectangle 81">
+            <a:extLst>
+              <a:ext uri="{FF2B5EF4-FFF2-40B4-BE49-F238E27FC236}">
+                <a16:creationId xmlns:a16="http://schemas.microsoft.com/office/drawing/2014/main" id="{EB0D0428-554A-5643-B069-8F1FC1C3EB13}"/>
+              </a:ext>
+            </a:extLst>
+          </p:cNvPr>
+          <p:cNvSpPr>
+            <a:spLocks noChangeArrowheads="1"/>
+          </p:cNvSpPr>
+          <p:nvPr/>
+        </p:nvSpPr>
+        <p:spPr bwMode="auto">
+          <a:xfrm flipH="1">
+            <a:off x="5391152" y="3910617"/>
+            <a:ext cx="457200" cy="574675"/>
+          </a:xfrm>
+          <a:prstGeom prst="rect">
+            <a:avLst/>
+          </a:prstGeom>
+          <a:solidFill>
+            <a:schemeClr val="accent1"/>
+          </a:solidFill>
+          <a:ln w="9525">
+            <a:solidFill>
+              <a:schemeClr val="tx1"/>
+            </a:solidFill>
+            <a:miter lim="800000"/>
+            <a:headEnd/>
+            <a:tailEnd/>
+          </a:ln>
+        </p:spPr>
+        <p:txBody>
+          <a:bodyPr wrap="none" anchor="ctr">
+            <a:prstTxWarp prst="textNoShape">
+              <a:avLst/>
+            </a:prstTxWarp>
+          </a:bodyPr>
+          <a:lstStyle/>
+          <a:p>
+            <a:endParaRPr lang="es-CL"/>
+          </a:p>
+        </p:txBody>
+      </p:sp>
+      <p:sp>
+        <p:nvSpPr>
+          <p:cNvPr id="18" name="Rectangle 82">
+            <a:extLst>
+              <a:ext uri="{FF2B5EF4-FFF2-40B4-BE49-F238E27FC236}">
+                <a16:creationId xmlns:a16="http://schemas.microsoft.com/office/drawing/2014/main" id="{2039E5CE-C7E5-3440-B4F0-EA54DAC34AF3}"/>
+              </a:ext>
+            </a:extLst>
+          </p:cNvPr>
+          <p:cNvSpPr>
+            <a:spLocks noChangeArrowheads="1"/>
+          </p:cNvSpPr>
+          <p:nvPr/>
+        </p:nvSpPr>
+        <p:spPr bwMode="auto">
+          <a:xfrm flipH="1">
+            <a:off x="4781552" y="3747105"/>
+            <a:ext cx="457200" cy="738187"/>
+          </a:xfrm>
+          <a:prstGeom prst="rect">
+            <a:avLst/>
+          </a:prstGeom>
+          <a:solidFill>
+            <a:schemeClr val="accent1"/>
+          </a:solidFill>
+          <a:ln w="9525">
+            <a:solidFill>
+              <a:schemeClr val="tx1"/>
+            </a:solidFill>
+            <a:miter lim="800000"/>
+            <a:headEnd/>
+            <a:tailEnd/>
+          </a:ln>
+        </p:spPr>
+        <p:txBody>
+          <a:bodyPr wrap="none" anchor="ctr">
+            <a:prstTxWarp prst="textNoShape">
+              <a:avLst/>
+            </a:prstTxWarp>
+          </a:bodyPr>
+          <a:lstStyle/>
+          <a:p>
+            <a:endParaRPr lang="es-CL"/>
+          </a:p>
+        </p:txBody>
+      </p:sp>
+      <p:sp>
+        <p:nvSpPr>
+          <p:cNvPr id="19" name="Rectangle 83">
+            <a:extLst>
+              <a:ext uri="{FF2B5EF4-FFF2-40B4-BE49-F238E27FC236}">
+                <a16:creationId xmlns:a16="http://schemas.microsoft.com/office/drawing/2014/main" id="{28023EEB-9670-1045-865E-7D15500202B0}"/>
+              </a:ext>
+            </a:extLst>
+          </p:cNvPr>
+          <p:cNvSpPr>
+            <a:spLocks noChangeArrowheads="1"/>
+          </p:cNvSpPr>
+          <p:nvPr/>
+        </p:nvSpPr>
+        <p:spPr bwMode="auto">
+          <a:xfrm flipH="1">
+            <a:off x="4171952" y="3418492"/>
+            <a:ext cx="457200" cy="1066800"/>
+          </a:xfrm>
+          <a:prstGeom prst="rect">
+            <a:avLst/>
+          </a:prstGeom>
+          <a:solidFill>
+            <a:schemeClr val="accent1"/>
+          </a:solidFill>
+          <a:ln w="9525">
+            <a:solidFill>
+              <a:schemeClr val="tx1"/>
+            </a:solidFill>
+            <a:miter lim="800000"/>
+            <a:headEnd/>
+            <a:tailEnd/>
+          </a:ln>
+        </p:spPr>
+        <p:txBody>
+          <a:bodyPr wrap="none" anchor="ctr">
+            <a:prstTxWarp prst="textNoShape">
+              <a:avLst/>
+            </a:prstTxWarp>
+          </a:bodyPr>
+          <a:lstStyle/>
+          <a:p>
+            <a:endParaRPr lang="es-CL"/>
+          </a:p>
+        </p:txBody>
+      </p:sp>
+      <p:sp>
+        <p:nvSpPr>
+          <p:cNvPr id="20" name="Rectangle 84">
+            <a:extLst>
+              <a:ext uri="{FF2B5EF4-FFF2-40B4-BE49-F238E27FC236}">
+                <a16:creationId xmlns:a16="http://schemas.microsoft.com/office/drawing/2014/main" id="{55D5F418-78DB-DB4A-BBAD-89444A045441}"/>
+              </a:ext>
+            </a:extLst>
+          </p:cNvPr>
+          <p:cNvSpPr>
+            <a:spLocks noChangeArrowheads="1"/>
+          </p:cNvSpPr>
+          <p:nvPr/>
+        </p:nvSpPr>
+        <p:spPr bwMode="auto">
+          <a:xfrm flipH="1">
+            <a:off x="3562352" y="4028092"/>
+            <a:ext cx="457200" cy="457200"/>
+          </a:xfrm>
+          <a:prstGeom prst="rect">
+            <a:avLst/>
+          </a:prstGeom>
+          <a:solidFill>
+            <a:schemeClr val="accent1"/>
+          </a:solidFill>
+          <a:ln w="9525">
+            <a:solidFill>
+              <a:schemeClr val="tx1"/>
+            </a:solidFill>
+            <a:miter lim="800000"/>
+            <a:headEnd/>
+            <a:tailEnd/>
+          </a:ln>
+        </p:spPr>
+        <p:txBody>
+          <a:bodyPr wrap="none" anchor="ctr">
+            <a:prstTxWarp prst="textNoShape">
+              <a:avLst/>
+            </a:prstTxWarp>
+          </a:bodyPr>
+          <a:lstStyle/>
+          <a:p>
+            <a:endParaRPr lang="es-CL"/>
+          </a:p>
+        </p:txBody>
+      </p:sp>
+      <p:sp>
+        <p:nvSpPr>
+          <p:cNvPr id="21" name="Rectangle 85">
+            <a:extLst>
+              <a:ext uri="{FF2B5EF4-FFF2-40B4-BE49-F238E27FC236}">
+                <a16:creationId xmlns:a16="http://schemas.microsoft.com/office/drawing/2014/main" id="{F8E8F935-1A6B-7A4F-BD78-2A6B966FD932}"/>
+              </a:ext>
+            </a:extLst>
+          </p:cNvPr>
+          <p:cNvSpPr>
+            <a:spLocks noChangeArrowheads="1"/>
+          </p:cNvSpPr>
+          <p:nvPr/>
+        </p:nvSpPr>
+        <p:spPr bwMode="auto">
+          <a:xfrm flipH="1">
+            <a:off x="2952752" y="4332892"/>
+            <a:ext cx="457200" cy="152400"/>
+          </a:xfrm>
+          <a:prstGeom prst="rect">
+            <a:avLst/>
+          </a:prstGeom>
+          <a:solidFill>
+            <a:schemeClr val="accent1"/>
+          </a:solidFill>
+          <a:ln w="9525">
+            <a:solidFill>
+              <a:schemeClr val="tx1"/>
+            </a:solidFill>
+            <a:miter lim="800000"/>
+            <a:headEnd/>
+            <a:tailEnd/>
+          </a:ln>
+        </p:spPr>
+        <p:txBody>
+          <a:bodyPr wrap="none" anchor="ctr">
+            <a:prstTxWarp prst="textNoShape">
+              <a:avLst/>
+            </a:prstTxWarp>
+          </a:bodyPr>
+          <a:lstStyle/>
+          <a:p>
+            <a:endParaRPr lang="es-CL"/>
+          </a:p>
+        </p:txBody>
+      </p:sp>
+      <p:pic>
+        <p:nvPicPr>
+          <p:cNvPr id="22" name="Picture 21">
+            <a:extLst>
+              <a:ext uri="{FF2B5EF4-FFF2-40B4-BE49-F238E27FC236}">
+                <a16:creationId xmlns:a16="http://schemas.microsoft.com/office/drawing/2014/main" id="{5CFC6FE3-45C3-9E4B-8FEE-AD57D75F2315}"/>
+              </a:ext>
+            </a:extLst>
+          </p:cNvPr>
+          <p:cNvPicPr>
+            <a:picLocks noChangeAspect="1"/>
+          </p:cNvPicPr>
+          <p:nvPr/>
+        </p:nvPicPr>
+        <p:blipFill>
+          <a:blip r:embed="rId2"/>
+          <a:stretch>
+            <a:fillRect/>
+          </a:stretch>
+        </p:blipFill>
+        <p:spPr>
+          <a:xfrm>
+            <a:off x="8521700" y="4669226"/>
+            <a:ext cx="165100" cy="139700"/>
+          </a:xfrm>
+          <a:prstGeom prst="rect">
+            <a:avLst/>
+          </a:prstGeom>
+        </p:spPr>
+      </p:pic>
+      <p:sp>
+        <p:nvSpPr>
+          <p:cNvPr id="23" name="Text Box 63">
+            <a:extLst>
+              <a:ext uri="{FF2B5EF4-FFF2-40B4-BE49-F238E27FC236}">
+                <a16:creationId xmlns:a16="http://schemas.microsoft.com/office/drawing/2014/main" id="{2AA3A24B-10DA-4847-A2BE-8B922DEE0D6B}"/>
+              </a:ext>
+            </a:extLst>
+          </p:cNvPr>
+          <p:cNvSpPr txBox="1">
+            <a:spLocks noChangeArrowheads="1"/>
+          </p:cNvSpPr>
+          <p:nvPr/>
+        </p:nvSpPr>
+        <p:spPr bwMode="auto">
+          <a:xfrm>
+            <a:off x="272523" y="1786493"/>
+            <a:ext cx="2309158" cy="369332"/>
+          </a:xfrm>
+          <a:prstGeom prst="rect">
+            <a:avLst/>
+          </a:prstGeom>
+          <a:noFill/>
+          <a:ln w="9525">
+            <a:noFill/>
+            <a:miter lim="800000"/>
+            <a:headEnd/>
+            <a:tailEnd/>
+          </a:ln>
+        </p:spPr>
+        <p:txBody>
+          <a:bodyPr wrap="none">
+            <a:prstTxWarp prst="textNoShape">
+              <a:avLst/>
+            </a:prstTxWarp>
+            <a:spAutoFit/>
+          </a:bodyPr>
+          <a:lstStyle/>
+          <a:p>
+            <a:pPr algn="l"/>
+            <a:r>
+              <a:rPr lang="es-CL" dirty="0"/>
+              <a:t>PASO 1: Histograma</a:t>
+            </a:r>
+            <a:endParaRPr lang="en-US" dirty="0"/>
+          </a:p>
+        </p:txBody>
+      </p:sp>
+    </p:spTree>
+    <p:extLst>
+      <p:ext uri="{BB962C8B-B14F-4D97-AF65-F5344CB8AC3E}">
+        <p14:creationId xmlns:p14="http://schemas.microsoft.com/office/powerpoint/2010/main" val="2131684858"/>
+      </p:ext>
+    </p:extLst>
+  </p:cSld>
+  <p:clrMapOvr>
+    <a:masterClrMapping/>
+  </p:clrMapOvr>
+</p:sld>
+</file>
+
+<file path=ppt/slides/slide31.xml><?xml version="1.0" encoding="utf-8"?>
+<p:sld xmlns:a="http://schemas.openxmlformats.org/drawingml/2006/main" xmlns:r="http://schemas.openxmlformats.org/officeDocument/2006/relationships" xmlns:p="http://schemas.openxmlformats.org/presentationml/2006/main">
+  <p:cSld>
+    <p:spTree>
+      <p:nvGrpSpPr>
+        <p:cNvPr id="1" name=""/>
+        <p:cNvGrpSpPr/>
+        <p:nvPr/>
+      </p:nvGrpSpPr>
+      <p:grpSpPr>
+        <a:xfrm>
+          <a:off x="0" y="0"/>
+          <a:ext cx="0" cy="0"/>
+          <a:chOff x="0" y="0"/>
+          <a:chExt cx="0" cy="0"/>
+        </a:xfrm>
+      </p:grpSpPr>
+      <p:sp>
+        <p:nvSpPr>
+          <p:cNvPr id="2" name="Title 1">
+            <a:extLst>
+              <a:ext uri="{FF2B5EF4-FFF2-40B4-BE49-F238E27FC236}">
+                <a16:creationId xmlns:a16="http://schemas.microsoft.com/office/drawing/2014/main" id="{4F56EAEF-14B0-504F-B814-84DACCE33197}"/>
+              </a:ext>
+            </a:extLst>
+          </p:cNvPr>
+          <p:cNvSpPr>
+            <a:spLocks noGrp="1"/>
+          </p:cNvSpPr>
+          <p:nvPr>
+            <p:ph type="title"/>
+          </p:nvPr>
+        </p:nvSpPr>
+        <p:spPr/>
+        <p:txBody>
+          <a:bodyPr/>
+          <a:lstStyle/>
+          <a:p>
+            <a:r>
+              <a:rPr lang="en-US" dirty="0" err="1"/>
+              <a:t>Cómo</a:t>
+            </a:r>
+            <a:r>
+              <a:rPr lang="en-US" dirty="0"/>
+              <a:t> </a:t>
+            </a:r>
+            <a:r>
+              <a:rPr lang="en-US" dirty="0" err="1"/>
+              <a:t>calcular</a:t>
+            </a:r>
+            <a:r>
+              <a:rPr lang="en-US" dirty="0"/>
+              <a:t> la PDF?</a:t>
+            </a:r>
+          </a:p>
+        </p:txBody>
+      </p:sp>
+      <p:sp>
+        <p:nvSpPr>
+          <p:cNvPr id="4" name="Footer Placeholder 3">
+            <a:extLst>
+              <a:ext uri="{FF2B5EF4-FFF2-40B4-BE49-F238E27FC236}">
+                <a16:creationId xmlns:a16="http://schemas.microsoft.com/office/drawing/2014/main" id="{BB5F83B7-5B8E-5540-8E02-FCBC346E28F0}"/>
+              </a:ext>
+            </a:extLst>
+          </p:cNvPr>
+          <p:cNvSpPr>
+            <a:spLocks noGrp="1"/>
+          </p:cNvSpPr>
+          <p:nvPr>
+            <p:ph type="ftr" sz="quarter" idx="11"/>
+          </p:nvPr>
+        </p:nvSpPr>
+        <p:spPr/>
+        <p:txBody>
+          <a:bodyPr/>
+          <a:lstStyle/>
+          <a:p>
+            <a:r>
+              <a:rPr lang="es-ES"/>
+              <a:t>PAT04_Bayes.pptx</a:t>
+            </a:r>
+          </a:p>
+        </p:txBody>
+      </p:sp>
+      <p:sp>
+        <p:nvSpPr>
+          <p:cNvPr id="5" name="Slide Number Placeholder 4">
+            <a:extLst>
+              <a:ext uri="{FF2B5EF4-FFF2-40B4-BE49-F238E27FC236}">
+                <a16:creationId xmlns:a16="http://schemas.microsoft.com/office/drawing/2014/main" id="{0E1E0B9F-FAA2-A14A-8D40-42CC899DA4CC}"/>
+              </a:ext>
+            </a:extLst>
+          </p:cNvPr>
+          <p:cNvSpPr>
+            <a:spLocks noGrp="1"/>
+          </p:cNvSpPr>
+          <p:nvPr>
+            <p:ph type="sldNum" sz="quarter" idx="12"/>
+          </p:nvPr>
+        </p:nvSpPr>
+        <p:spPr/>
+        <p:txBody>
+          <a:bodyPr/>
+          <a:lstStyle/>
+          <a:p>
+            <a:fld id="{B2515E32-AEC1-A643-BA35-1EE2E73D4B01}" type="slidenum">
+              <a:rPr lang="es-ES" smtClean="0"/>
+              <a:pPr/>
+              <a:t>31</a:t>
+            </a:fld>
+            <a:endParaRPr lang="es-ES"/>
+          </a:p>
+        </p:txBody>
+      </p:sp>
+      <p:sp>
+        <p:nvSpPr>
+          <p:cNvPr id="6" name="Line 58">
+            <a:extLst>
+              <a:ext uri="{FF2B5EF4-FFF2-40B4-BE49-F238E27FC236}">
+                <a16:creationId xmlns:a16="http://schemas.microsoft.com/office/drawing/2014/main" id="{C768E6C1-6268-BD41-BE2C-8285C637EC00}"/>
+              </a:ext>
+            </a:extLst>
+          </p:cNvPr>
+          <p:cNvSpPr>
+            <a:spLocks noChangeShapeType="1"/>
+          </p:cNvSpPr>
+          <p:nvPr/>
+        </p:nvSpPr>
+        <p:spPr bwMode="auto">
+          <a:xfrm>
+            <a:off x="514349" y="4485292"/>
+            <a:ext cx="8153400" cy="0"/>
+          </a:xfrm>
+          <a:prstGeom prst="line">
+            <a:avLst/>
+          </a:prstGeom>
+          <a:noFill/>
+          <a:ln w="9525">
+            <a:solidFill>
+              <a:schemeClr val="tx1"/>
+            </a:solidFill>
+            <a:round/>
+            <a:headEnd/>
+            <a:tailEnd type="triangle" w="med" len="med"/>
+          </a:ln>
+        </p:spPr>
+        <p:txBody>
+          <a:bodyPr>
+            <a:prstTxWarp prst="textNoShape">
+              <a:avLst/>
+            </a:prstTxWarp>
+          </a:bodyPr>
+          <a:lstStyle/>
+          <a:p>
+            <a:endParaRPr lang="en-US"/>
+          </a:p>
+        </p:txBody>
+      </p:sp>
+      <p:grpSp>
+        <p:nvGrpSpPr>
+          <p:cNvPr id="8" name="Group 7">
+            <a:extLst>
+              <a:ext uri="{FF2B5EF4-FFF2-40B4-BE49-F238E27FC236}">
+                <a16:creationId xmlns:a16="http://schemas.microsoft.com/office/drawing/2014/main" id="{A6500745-39BC-024B-B802-C7B8F0D55BA9}"/>
+              </a:ext>
+            </a:extLst>
+          </p:cNvPr>
+          <p:cNvGrpSpPr/>
+          <p:nvPr/>
+        </p:nvGrpSpPr>
+        <p:grpSpPr>
+          <a:xfrm>
+            <a:off x="819149" y="2743202"/>
+            <a:ext cx="7315200" cy="2046889"/>
+            <a:chOff x="762000" y="1752600"/>
+            <a:chExt cx="7315200" cy="4267200"/>
+          </a:xfrm>
+        </p:grpSpPr>
+        <p:sp>
+          <p:nvSpPr>
+            <p:cNvPr id="9" name="Line 57">
+              <a:extLst>
+                <a:ext uri="{FF2B5EF4-FFF2-40B4-BE49-F238E27FC236}">
+                  <a16:creationId xmlns:a16="http://schemas.microsoft.com/office/drawing/2014/main" id="{A34F7520-1B7D-B441-9BF7-0DB3DF285866}"/>
+                </a:ext>
+              </a:extLst>
+            </p:cNvPr>
+            <p:cNvSpPr>
+              <a:spLocks noChangeShapeType="1"/>
+            </p:cNvSpPr>
+            <p:nvPr/>
+          </p:nvSpPr>
+          <p:spPr bwMode="auto">
+            <a:xfrm>
+              <a:off x="762000" y="1752600"/>
+              <a:ext cx="0" cy="4191000"/>
+            </a:xfrm>
+            <a:prstGeom prst="line">
+              <a:avLst/>
+            </a:prstGeom>
+            <a:noFill/>
+            <a:ln w="9525">
+              <a:solidFill>
+                <a:schemeClr val="tx1"/>
+              </a:solidFill>
+              <a:round/>
+              <a:headEnd type="triangle" w="med" len="med"/>
+              <a:tailEnd/>
+            </a:ln>
+          </p:spPr>
+          <p:txBody>
+            <a:bodyPr>
+              <a:prstTxWarp prst="textNoShape">
+                <a:avLst/>
+              </a:prstTxWarp>
+            </a:bodyPr>
+            <a:lstStyle/>
+            <a:p>
+              <a:endParaRPr lang="en-US"/>
+            </a:p>
+          </p:txBody>
+        </p:sp>
+        <p:sp>
+          <p:nvSpPr>
+            <p:cNvPr id="10" name="Line 64">
+              <a:extLst>
+                <a:ext uri="{FF2B5EF4-FFF2-40B4-BE49-F238E27FC236}">
+                  <a16:creationId xmlns:a16="http://schemas.microsoft.com/office/drawing/2014/main" id="{7A4A3513-B589-8E41-A169-DFCE2527AB59}"/>
+                </a:ext>
+              </a:extLst>
+            </p:cNvPr>
+            <p:cNvSpPr>
+              <a:spLocks noChangeShapeType="1"/>
+            </p:cNvSpPr>
+            <p:nvPr/>
+          </p:nvSpPr>
+          <p:spPr bwMode="auto">
+            <a:xfrm>
+              <a:off x="1981200" y="1752600"/>
+              <a:ext cx="0" cy="4267200"/>
+            </a:xfrm>
+            <a:prstGeom prst="line">
+              <a:avLst/>
+            </a:prstGeom>
+            <a:noFill/>
+            <a:ln w="9525">
+              <a:solidFill>
+                <a:schemeClr val="tx1"/>
+              </a:solidFill>
+              <a:prstDash val="sysDot"/>
+              <a:round/>
+              <a:headEnd/>
+              <a:tailEnd/>
+            </a:ln>
+          </p:spPr>
+          <p:txBody>
+            <a:bodyPr>
+              <a:prstTxWarp prst="textNoShape">
+                <a:avLst/>
+              </a:prstTxWarp>
+            </a:bodyPr>
+            <a:lstStyle/>
+            <a:p>
+              <a:endParaRPr lang="en-US"/>
+            </a:p>
+          </p:txBody>
+        </p:sp>
+        <p:sp>
+          <p:nvSpPr>
+            <p:cNvPr id="11" name="Line 65">
+              <a:extLst>
+                <a:ext uri="{FF2B5EF4-FFF2-40B4-BE49-F238E27FC236}">
+                  <a16:creationId xmlns:a16="http://schemas.microsoft.com/office/drawing/2014/main" id="{B5D4F2BD-E590-0943-B9D3-507D34902644}"/>
+                </a:ext>
+              </a:extLst>
+            </p:cNvPr>
+            <p:cNvSpPr>
+              <a:spLocks noChangeShapeType="1"/>
+            </p:cNvSpPr>
+            <p:nvPr/>
+          </p:nvSpPr>
+          <p:spPr bwMode="auto">
+            <a:xfrm>
+              <a:off x="3124200" y="1752600"/>
+              <a:ext cx="0" cy="4267200"/>
+            </a:xfrm>
+            <a:prstGeom prst="line">
+              <a:avLst/>
+            </a:prstGeom>
+            <a:noFill/>
+            <a:ln w="9525">
+              <a:solidFill>
+                <a:schemeClr val="tx1"/>
+              </a:solidFill>
+              <a:prstDash val="sysDot"/>
+              <a:round/>
+              <a:headEnd/>
+              <a:tailEnd/>
+            </a:ln>
+          </p:spPr>
+          <p:txBody>
+            <a:bodyPr>
+              <a:prstTxWarp prst="textNoShape">
+                <a:avLst/>
+              </a:prstTxWarp>
+            </a:bodyPr>
+            <a:lstStyle/>
+            <a:p>
+              <a:endParaRPr lang="en-US"/>
+            </a:p>
+          </p:txBody>
+        </p:sp>
+        <p:sp>
+          <p:nvSpPr>
+            <p:cNvPr id="12" name="Line 66">
+              <a:extLst>
+                <a:ext uri="{FF2B5EF4-FFF2-40B4-BE49-F238E27FC236}">
+                  <a16:creationId xmlns:a16="http://schemas.microsoft.com/office/drawing/2014/main" id="{3BBFAA40-7340-D54E-A27B-43102E4DE52D}"/>
+                </a:ext>
+              </a:extLst>
+            </p:cNvPr>
+            <p:cNvSpPr>
+              <a:spLocks noChangeShapeType="1"/>
+            </p:cNvSpPr>
+            <p:nvPr/>
+          </p:nvSpPr>
+          <p:spPr bwMode="auto">
+            <a:xfrm>
+              <a:off x="4343400" y="1752600"/>
+              <a:ext cx="0" cy="4267200"/>
+            </a:xfrm>
+            <a:prstGeom prst="line">
+              <a:avLst/>
+            </a:prstGeom>
+            <a:noFill/>
+            <a:ln w="9525">
+              <a:solidFill>
+                <a:schemeClr val="tx1"/>
+              </a:solidFill>
+              <a:prstDash val="sysDot"/>
+              <a:round/>
+              <a:headEnd/>
+              <a:tailEnd/>
+            </a:ln>
+          </p:spPr>
+          <p:txBody>
+            <a:bodyPr>
+              <a:prstTxWarp prst="textNoShape">
+                <a:avLst/>
+              </a:prstTxWarp>
+            </a:bodyPr>
+            <a:lstStyle/>
+            <a:p>
+              <a:endParaRPr lang="en-US"/>
+            </a:p>
+          </p:txBody>
+        </p:sp>
+        <p:sp>
+          <p:nvSpPr>
+            <p:cNvPr id="13" name="Line 67">
+              <a:extLst>
+                <a:ext uri="{FF2B5EF4-FFF2-40B4-BE49-F238E27FC236}">
+                  <a16:creationId xmlns:a16="http://schemas.microsoft.com/office/drawing/2014/main" id="{E76DE261-EFC4-814B-B4D1-67812D6DC300}"/>
+                </a:ext>
+              </a:extLst>
+            </p:cNvPr>
+            <p:cNvSpPr>
+              <a:spLocks noChangeShapeType="1"/>
+            </p:cNvSpPr>
+            <p:nvPr/>
+          </p:nvSpPr>
+          <p:spPr bwMode="auto">
+            <a:xfrm>
+              <a:off x="5562600" y="1752600"/>
+              <a:ext cx="0" cy="4267200"/>
+            </a:xfrm>
+            <a:prstGeom prst="line">
+              <a:avLst/>
+            </a:prstGeom>
+            <a:noFill/>
+            <a:ln w="9525">
+              <a:solidFill>
+                <a:schemeClr val="tx1"/>
+              </a:solidFill>
+              <a:prstDash val="sysDot"/>
+              <a:round/>
+              <a:headEnd/>
+              <a:tailEnd/>
+            </a:ln>
+          </p:spPr>
+          <p:txBody>
+            <a:bodyPr>
+              <a:prstTxWarp prst="textNoShape">
+                <a:avLst/>
+              </a:prstTxWarp>
+            </a:bodyPr>
+            <a:lstStyle/>
+            <a:p>
+              <a:endParaRPr lang="en-US"/>
+            </a:p>
+          </p:txBody>
+        </p:sp>
+        <p:sp>
+          <p:nvSpPr>
+            <p:cNvPr id="14" name="Line 68">
+              <a:extLst>
+                <a:ext uri="{FF2B5EF4-FFF2-40B4-BE49-F238E27FC236}">
+                  <a16:creationId xmlns:a16="http://schemas.microsoft.com/office/drawing/2014/main" id="{9E1423C3-3D60-3D4C-99B1-C013AEB9FBBE}"/>
+                </a:ext>
+              </a:extLst>
+            </p:cNvPr>
+            <p:cNvSpPr>
+              <a:spLocks noChangeShapeType="1"/>
+            </p:cNvSpPr>
+            <p:nvPr/>
+          </p:nvSpPr>
+          <p:spPr bwMode="auto">
+            <a:xfrm>
+              <a:off x="6781800" y="1752600"/>
+              <a:ext cx="0" cy="4267200"/>
+            </a:xfrm>
+            <a:prstGeom prst="line">
+              <a:avLst/>
+            </a:prstGeom>
+            <a:noFill/>
+            <a:ln w="9525">
+              <a:solidFill>
+                <a:schemeClr val="tx1"/>
+              </a:solidFill>
+              <a:prstDash val="sysDot"/>
+              <a:round/>
+              <a:headEnd/>
+              <a:tailEnd/>
+            </a:ln>
+          </p:spPr>
+          <p:txBody>
+            <a:bodyPr>
+              <a:prstTxWarp prst="textNoShape">
+                <a:avLst/>
+              </a:prstTxWarp>
+            </a:bodyPr>
+            <a:lstStyle/>
+            <a:p>
+              <a:endParaRPr lang="en-US"/>
+            </a:p>
+          </p:txBody>
+        </p:sp>
+        <p:sp>
+          <p:nvSpPr>
+            <p:cNvPr id="15" name="Line 69">
+              <a:extLst>
+                <a:ext uri="{FF2B5EF4-FFF2-40B4-BE49-F238E27FC236}">
+                  <a16:creationId xmlns:a16="http://schemas.microsoft.com/office/drawing/2014/main" id="{EA74C5AE-7388-784B-A5A2-20FA5E7ED346}"/>
+                </a:ext>
+              </a:extLst>
+            </p:cNvPr>
+            <p:cNvSpPr>
+              <a:spLocks noChangeShapeType="1"/>
+            </p:cNvSpPr>
+            <p:nvPr/>
+          </p:nvSpPr>
+          <p:spPr bwMode="auto">
+            <a:xfrm>
+              <a:off x="8077200" y="1752600"/>
+              <a:ext cx="0" cy="4267200"/>
+            </a:xfrm>
+            <a:prstGeom prst="line">
+              <a:avLst/>
+            </a:prstGeom>
+            <a:noFill/>
+            <a:ln w="9525">
+              <a:solidFill>
+                <a:schemeClr val="tx1"/>
+              </a:solidFill>
+              <a:prstDash val="sysDot"/>
+              <a:round/>
+              <a:headEnd/>
+              <a:tailEnd/>
+            </a:ln>
+          </p:spPr>
+          <p:txBody>
+            <a:bodyPr>
+              <a:prstTxWarp prst="textNoShape">
+                <a:avLst/>
+              </a:prstTxWarp>
+            </a:bodyPr>
+            <a:lstStyle/>
+            <a:p>
+              <a:endParaRPr lang="en-US"/>
+            </a:p>
+          </p:txBody>
+        </p:sp>
+      </p:grpSp>
+      <p:sp>
+        <p:nvSpPr>
+          <p:cNvPr id="16" name="Rectangle 80">
+            <a:extLst>
+              <a:ext uri="{FF2B5EF4-FFF2-40B4-BE49-F238E27FC236}">
+                <a16:creationId xmlns:a16="http://schemas.microsoft.com/office/drawing/2014/main" id="{799EB3AB-4707-E24A-BBA1-355CB0629979}"/>
+              </a:ext>
+            </a:extLst>
+          </p:cNvPr>
+          <p:cNvSpPr>
+            <a:spLocks noChangeArrowheads="1"/>
+          </p:cNvSpPr>
+          <p:nvPr/>
+        </p:nvSpPr>
+        <p:spPr bwMode="auto">
+          <a:xfrm flipH="1">
+            <a:off x="6076952" y="4075717"/>
+            <a:ext cx="457200" cy="409575"/>
+          </a:xfrm>
+          <a:prstGeom prst="rect">
+            <a:avLst/>
+          </a:prstGeom>
+          <a:solidFill>
+            <a:schemeClr val="accent1"/>
+          </a:solidFill>
+          <a:ln w="9525">
+            <a:solidFill>
+              <a:schemeClr val="tx1"/>
+            </a:solidFill>
+            <a:miter lim="800000"/>
+            <a:headEnd/>
+            <a:tailEnd/>
+          </a:ln>
+        </p:spPr>
+        <p:txBody>
+          <a:bodyPr wrap="none" anchor="ctr">
+            <a:prstTxWarp prst="textNoShape">
+              <a:avLst/>
+            </a:prstTxWarp>
+          </a:bodyPr>
+          <a:lstStyle/>
+          <a:p>
+            <a:endParaRPr lang="es-CL"/>
+          </a:p>
+        </p:txBody>
+      </p:sp>
+      <p:sp>
+        <p:nvSpPr>
+          <p:cNvPr id="17" name="Rectangle 81">
+            <a:extLst>
+              <a:ext uri="{FF2B5EF4-FFF2-40B4-BE49-F238E27FC236}">
+                <a16:creationId xmlns:a16="http://schemas.microsoft.com/office/drawing/2014/main" id="{EB0D0428-554A-5643-B069-8F1FC1C3EB13}"/>
+              </a:ext>
+            </a:extLst>
+          </p:cNvPr>
+          <p:cNvSpPr>
+            <a:spLocks noChangeArrowheads="1"/>
+          </p:cNvSpPr>
+          <p:nvPr/>
+        </p:nvSpPr>
+        <p:spPr bwMode="auto">
+          <a:xfrm flipH="1">
+            <a:off x="5391152" y="3910617"/>
+            <a:ext cx="457200" cy="574675"/>
+          </a:xfrm>
+          <a:prstGeom prst="rect">
+            <a:avLst/>
+          </a:prstGeom>
+          <a:solidFill>
+            <a:schemeClr val="accent1"/>
+          </a:solidFill>
+          <a:ln w="9525">
+            <a:solidFill>
+              <a:schemeClr val="tx1"/>
+            </a:solidFill>
+            <a:miter lim="800000"/>
+            <a:headEnd/>
+            <a:tailEnd/>
+          </a:ln>
+        </p:spPr>
+        <p:txBody>
+          <a:bodyPr wrap="none" anchor="ctr">
+            <a:prstTxWarp prst="textNoShape">
+              <a:avLst/>
+            </a:prstTxWarp>
+          </a:bodyPr>
+          <a:lstStyle/>
+          <a:p>
+            <a:endParaRPr lang="es-CL"/>
+          </a:p>
+        </p:txBody>
+      </p:sp>
+      <p:sp>
+        <p:nvSpPr>
+          <p:cNvPr id="18" name="Rectangle 82">
+            <a:extLst>
+              <a:ext uri="{FF2B5EF4-FFF2-40B4-BE49-F238E27FC236}">
+                <a16:creationId xmlns:a16="http://schemas.microsoft.com/office/drawing/2014/main" id="{2039E5CE-C7E5-3440-B4F0-EA54DAC34AF3}"/>
+              </a:ext>
+            </a:extLst>
+          </p:cNvPr>
+          <p:cNvSpPr>
+            <a:spLocks noChangeArrowheads="1"/>
+          </p:cNvSpPr>
+          <p:nvPr/>
+        </p:nvSpPr>
+        <p:spPr bwMode="auto">
+          <a:xfrm flipH="1">
+            <a:off x="4781552" y="3747105"/>
+            <a:ext cx="457200" cy="738187"/>
+          </a:xfrm>
+          <a:prstGeom prst="rect">
+            <a:avLst/>
+          </a:prstGeom>
+          <a:solidFill>
+            <a:schemeClr val="accent1"/>
+          </a:solidFill>
+          <a:ln w="9525">
+            <a:solidFill>
+              <a:schemeClr val="tx1"/>
+            </a:solidFill>
+            <a:miter lim="800000"/>
+            <a:headEnd/>
+            <a:tailEnd/>
+          </a:ln>
+        </p:spPr>
+        <p:txBody>
+          <a:bodyPr wrap="none" anchor="ctr">
+            <a:prstTxWarp prst="textNoShape">
+              <a:avLst/>
+            </a:prstTxWarp>
+          </a:bodyPr>
+          <a:lstStyle/>
+          <a:p>
+            <a:endParaRPr lang="es-CL"/>
+          </a:p>
+        </p:txBody>
+      </p:sp>
+      <p:sp>
+        <p:nvSpPr>
+          <p:cNvPr id="19" name="Rectangle 83">
+            <a:extLst>
+              <a:ext uri="{FF2B5EF4-FFF2-40B4-BE49-F238E27FC236}">
+                <a16:creationId xmlns:a16="http://schemas.microsoft.com/office/drawing/2014/main" id="{28023EEB-9670-1045-865E-7D15500202B0}"/>
+              </a:ext>
+            </a:extLst>
+          </p:cNvPr>
+          <p:cNvSpPr>
+            <a:spLocks noChangeArrowheads="1"/>
+          </p:cNvSpPr>
+          <p:nvPr/>
+        </p:nvSpPr>
+        <p:spPr bwMode="auto">
+          <a:xfrm flipH="1">
+            <a:off x="4171952" y="3418492"/>
+            <a:ext cx="457200" cy="1066800"/>
+          </a:xfrm>
+          <a:prstGeom prst="rect">
+            <a:avLst/>
+          </a:prstGeom>
+          <a:solidFill>
+            <a:schemeClr val="accent1"/>
+          </a:solidFill>
+          <a:ln w="9525">
+            <a:solidFill>
+              <a:schemeClr val="tx1"/>
+            </a:solidFill>
+            <a:miter lim="800000"/>
+            <a:headEnd/>
+            <a:tailEnd/>
+          </a:ln>
+        </p:spPr>
+        <p:txBody>
+          <a:bodyPr wrap="none" anchor="ctr">
+            <a:prstTxWarp prst="textNoShape">
+              <a:avLst/>
+            </a:prstTxWarp>
+          </a:bodyPr>
+          <a:lstStyle/>
+          <a:p>
+            <a:endParaRPr lang="es-CL"/>
+          </a:p>
+        </p:txBody>
+      </p:sp>
+      <p:sp>
+        <p:nvSpPr>
+          <p:cNvPr id="20" name="Rectangle 84">
+            <a:extLst>
+              <a:ext uri="{FF2B5EF4-FFF2-40B4-BE49-F238E27FC236}">
+                <a16:creationId xmlns:a16="http://schemas.microsoft.com/office/drawing/2014/main" id="{55D5F418-78DB-DB4A-BBAD-89444A045441}"/>
+              </a:ext>
+            </a:extLst>
+          </p:cNvPr>
+          <p:cNvSpPr>
+            <a:spLocks noChangeArrowheads="1"/>
+          </p:cNvSpPr>
+          <p:nvPr/>
+        </p:nvSpPr>
+        <p:spPr bwMode="auto">
+          <a:xfrm flipH="1">
+            <a:off x="3562352" y="4028092"/>
+            <a:ext cx="457200" cy="457200"/>
+          </a:xfrm>
+          <a:prstGeom prst="rect">
+            <a:avLst/>
+          </a:prstGeom>
+          <a:solidFill>
+            <a:schemeClr val="accent1"/>
+          </a:solidFill>
+          <a:ln w="9525">
+            <a:solidFill>
+              <a:schemeClr val="tx1"/>
+            </a:solidFill>
+            <a:miter lim="800000"/>
+            <a:headEnd/>
+            <a:tailEnd/>
+          </a:ln>
+        </p:spPr>
+        <p:txBody>
+          <a:bodyPr wrap="none" anchor="ctr">
+            <a:prstTxWarp prst="textNoShape">
+              <a:avLst/>
+            </a:prstTxWarp>
+          </a:bodyPr>
+          <a:lstStyle/>
+          <a:p>
+            <a:endParaRPr lang="es-CL"/>
+          </a:p>
+        </p:txBody>
+      </p:sp>
+      <p:sp>
+        <p:nvSpPr>
+          <p:cNvPr id="21" name="Rectangle 85">
+            <a:extLst>
+              <a:ext uri="{FF2B5EF4-FFF2-40B4-BE49-F238E27FC236}">
+                <a16:creationId xmlns:a16="http://schemas.microsoft.com/office/drawing/2014/main" id="{F8E8F935-1A6B-7A4F-BD78-2A6B966FD932}"/>
+              </a:ext>
+            </a:extLst>
+          </p:cNvPr>
+          <p:cNvSpPr>
+            <a:spLocks noChangeArrowheads="1"/>
+          </p:cNvSpPr>
+          <p:nvPr/>
+        </p:nvSpPr>
+        <p:spPr bwMode="auto">
+          <a:xfrm flipH="1">
+            <a:off x="2952752" y="4332892"/>
+            <a:ext cx="457200" cy="152400"/>
+          </a:xfrm>
+          <a:prstGeom prst="rect">
+            <a:avLst/>
+          </a:prstGeom>
+          <a:solidFill>
+            <a:schemeClr val="accent1"/>
+          </a:solidFill>
+          <a:ln w="9525">
+            <a:solidFill>
+              <a:schemeClr val="tx1"/>
+            </a:solidFill>
+            <a:miter lim="800000"/>
+            <a:headEnd/>
+            <a:tailEnd/>
+          </a:ln>
+        </p:spPr>
+        <p:txBody>
+          <a:bodyPr wrap="none" anchor="ctr">
+            <a:prstTxWarp prst="textNoShape">
+              <a:avLst/>
+            </a:prstTxWarp>
+          </a:bodyPr>
+          <a:lstStyle/>
+          <a:p>
+            <a:endParaRPr lang="es-CL"/>
+          </a:p>
+        </p:txBody>
+      </p:sp>
+      <p:pic>
+        <p:nvPicPr>
+          <p:cNvPr id="22" name="Picture 21">
+            <a:extLst>
+              <a:ext uri="{FF2B5EF4-FFF2-40B4-BE49-F238E27FC236}">
+                <a16:creationId xmlns:a16="http://schemas.microsoft.com/office/drawing/2014/main" id="{5CFC6FE3-45C3-9E4B-8FEE-AD57D75F2315}"/>
+              </a:ext>
+            </a:extLst>
+          </p:cNvPr>
+          <p:cNvPicPr>
+            <a:picLocks noChangeAspect="1"/>
+          </p:cNvPicPr>
+          <p:nvPr/>
+        </p:nvPicPr>
+        <p:blipFill>
+          <a:blip r:embed="rId2"/>
+          <a:stretch>
+            <a:fillRect/>
+          </a:stretch>
+        </p:blipFill>
+        <p:spPr>
+          <a:xfrm>
+            <a:off x="8521700" y="4669226"/>
+            <a:ext cx="165100" cy="139700"/>
+          </a:xfrm>
+          <a:prstGeom prst="rect">
+            <a:avLst/>
+          </a:prstGeom>
+        </p:spPr>
+      </p:pic>
+      <p:sp>
+        <p:nvSpPr>
+          <p:cNvPr id="23" name="Text Box 63">
+            <a:extLst>
+              <a:ext uri="{FF2B5EF4-FFF2-40B4-BE49-F238E27FC236}">
+                <a16:creationId xmlns:a16="http://schemas.microsoft.com/office/drawing/2014/main" id="{2AA3A24B-10DA-4847-A2BE-8B922DEE0D6B}"/>
+              </a:ext>
+            </a:extLst>
+          </p:cNvPr>
+          <p:cNvSpPr txBox="1">
+            <a:spLocks noChangeArrowheads="1"/>
+          </p:cNvSpPr>
+          <p:nvPr/>
+        </p:nvSpPr>
+        <p:spPr bwMode="auto">
+          <a:xfrm>
+            <a:off x="272523" y="1786493"/>
+            <a:ext cx="5335628" cy="369332"/>
+          </a:xfrm>
+          <a:prstGeom prst="rect">
+            <a:avLst/>
+          </a:prstGeom>
+          <a:noFill/>
+          <a:ln w="9525">
+            <a:noFill/>
+            <a:miter lim="800000"/>
+            <a:headEnd/>
+            <a:tailEnd/>
+          </a:ln>
+        </p:spPr>
+        <p:txBody>
+          <a:bodyPr wrap="none">
+            <a:prstTxWarp prst="textNoShape">
+              <a:avLst/>
+            </a:prstTxWarp>
+            <a:spAutoFit/>
+          </a:bodyPr>
+          <a:lstStyle/>
+          <a:p>
+            <a:pPr algn="l"/>
+            <a:r>
+              <a:rPr lang="es-CL" dirty="0"/>
+              <a:t>PASO 2: Convolución con una Gaussiana (Kernel)</a:t>
+            </a:r>
+            <a:endParaRPr lang="en-US" dirty="0"/>
+          </a:p>
+        </p:txBody>
+      </p:sp>
+      <p:sp>
+        <p:nvSpPr>
+          <p:cNvPr id="3" name="Freeform 2">
+            <a:extLst>
+              <a:ext uri="{FF2B5EF4-FFF2-40B4-BE49-F238E27FC236}">
+                <a16:creationId xmlns:a16="http://schemas.microsoft.com/office/drawing/2014/main" id="{6713068D-D6D6-7F4D-8001-0A31D976B9DF}"/>
+              </a:ext>
+            </a:extLst>
+          </p:cNvPr>
+          <p:cNvSpPr/>
+          <p:nvPr/>
+        </p:nvSpPr>
+        <p:spPr>
+          <a:xfrm>
+            <a:off x="830317" y="3912096"/>
+            <a:ext cx="1055625" cy="575821"/>
+          </a:xfrm>
+          <a:custGeom>
+            <a:avLst/>
+            <a:gdLst>
+              <a:gd name="connsiteX0" fmla="*/ 0 w 7315200"/>
+              <a:gd name="connsiteY0" fmla="*/ 1749692 h 1749692"/>
+              <a:gd name="connsiteX1" fmla="*/ 1229711 w 7315200"/>
+              <a:gd name="connsiteY1" fmla="*/ 1539485 h 1749692"/>
+              <a:gd name="connsiteX2" fmla="*/ 2364828 w 7315200"/>
+              <a:gd name="connsiteY2" fmla="*/ 961416 h 1749692"/>
+              <a:gd name="connsiteX3" fmla="*/ 3594538 w 7315200"/>
+              <a:gd name="connsiteY3" fmla="*/ 4975 h 1749692"/>
+              <a:gd name="connsiteX4" fmla="*/ 4792717 w 7315200"/>
+              <a:gd name="connsiteY4" fmla="*/ 625085 h 1749692"/>
+              <a:gd name="connsiteX5" fmla="*/ 6022428 w 7315200"/>
+              <a:gd name="connsiteY5" fmla="*/ 1476423 h 1749692"/>
+              <a:gd name="connsiteX6" fmla="*/ 7315200 w 7315200"/>
+              <a:gd name="connsiteY6" fmla="*/ 1739182 h 1749692"/>
+              <a:gd name="connsiteX0" fmla="*/ 0 w 7315200"/>
+              <a:gd name="connsiteY0" fmla="*/ 1745373 h 1745373"/>
+              <a:gd name="connsiteX1" fmla="*/ 1229711 w 7315200"/>
+              <a:gd name="connsiteY1" fmla="*/ 1535166 h 1745373"/>
+              <a:gd name="connsiteX2" fmla="*/ 2510497 w 7315200"/>
+              <a:gd name="connsiteY2" fmla="*/ 734113 h 1745373"/>
+              <a:gd name="connsiteX3" fmla="*/ 3594538 w 7315200"/>
+              <a:gd name="connsiteY3" fmla="*/ 656 h 1745373"/>
+              <a:gd name="connsiteX4" fmla="*/ 4792717 w 7315200"/>
+              <a:gd name="connsiteY4" fmla="*/ 620766 h 1745373"/>
+              <a:gd name="connsiteX5" fmla="*/ 6022428 w 7315200"/>
+              <a:gd name="connsiteY5" fmla="*/ 1472104 h 1745373"/>
+              <a:gd name="connsiteX6" fmla="*/ 7315200 w 7315200"/>
+              <a:gd name="connsiteY6" fmla="*/ 1734863 h 1745373"/>
+              <a:gd name="connsiteX0" fmla="*/ 0 w 7315200"/>
+              <a:gd name="connsiteY0" fmla="*/ 1745209 h 1745209"/>
+              <a:gd name="connsiteX1" fmla="*/ 1229711 w 7315200"/>
+              <a:gd name="connsiteY1" fmla="*/ 1535002 h 1745209"/>
+              <a:gd name="connsiteX2" fmla="*/ 2510497 w 7315200"/>
+              <a:gd name="connsiteY2" fmla="*/ 733949 h 1745209"/>
+              <a:gd name="connsiteX3" fmla="*/ 3594538 w 7315200"/>
+              <a:gd name="connsiteY3" fmla="*/ 492 h 1745209"/>
+              <a:gd name="connsiteX4" fmla="*/ 4938385 w 7315200"/>
+              <a:gd name="connsiteY4" fmla="*/ 843586 h 1745209"/>
+              <a:gd name="connsiteX5" fmla="*/ 6022428 w 7315200"/>
+              <a:gd name="connsiteY5" fmla="*/ 1471940 h 1745209"/>
+              <a:gd name="connsiteX6" fmla="*/ 7315200 w 7315200"/>
+              <a:gd name="connsiteY6" fmla="*/ 1734699 h 1745209"/>
+            </a:gdLst>
+            <a:ahLst/>
+            <a:cxnLst>
+              <a:cxn ang="0">
+                <a:pos x="connsiteX0" y="connsiteY0"/>
+              </a:cxn>
+              <a:cxn ang="0">
+                <a:pos x="connsiteX1" y="connsiteY1"/>
+              </a:cxn>
+              <a:cxn ang="0">
+                <a:pos x="connsiteX2" y="connsiteY2"/>
+              </a:cxn>
+              <a:cxn ang="0">
+                <a:pos x="connsiteX3" y="connsiteY3"/>
+              </a:cxn>
+              <a:cxn ang="0">
+                <a:pos x="connsiteX4" y="connsiteY4"/>
+              </a:cxn>
+              <a:cxn ang="0">
+                <a:pos x="connsiteX5" y="connsiteY5"/>
+              </a:cxn>
+              <a:cxn ang="0">
+                <a:pos x="connsiteX6" y="connsiteY6"/>
+              </a:cxn>
+            </a:cxnLst>
+            <a:rect l="l" t="t" r="r" b="b"/>
+            <a:pathLst>
+              <a:path w="7315200" h="1745209">
+                <a:moveTo>
+                  <a:pt x="0" y="1745209"/>
+                </a:moveTo>
+                <a:cubicBezTo>
+                  <a:pt x="417786" y="1705795"/>
+                  <a:pt x="811295" y="1703545"/>
+                  <a:pt x="1229711" y="1535002"/>
+                </a:cubicBezTo>
+                <a:cubicBezTo>
+                  <a:pt x="1648127" y="1366459"/>
+                  <a:pt x="2116359" y="989701"/>
+                  <a:pt x="2510497" y="733949"/>
+                </a:cubicBezTo>
+                <a:cubicBezTo>
+                  <a:pt x="2904635" y="478197"/>
+                  <a:pt x="3189890" y="-17781"/>
+                  <a:pt x="3594538" y="492"/>
+                </a:cubicBezTo>
+                <a:cubicBezTo>
+                  <a:pt x="3999186" y="18765"/>
+                  <a:pt x="4533737" y="598345"/>
+                  <a:pt x="4938385" y="843586"/>
+                </a:cubicBezTo>
+                <a:cubicBezTo>
+                  <a:pt x="5343033" y="1088827"/>
+                  <a:pt x="5626292" y="1323421"/>
+                  <a:pt x="6022428" y="1471940"/>
+                </a:cubicBezTo>
+                <a:cubicBezTo>
+                  <a:pt x="6418564" y="1620459"/>
+                  <a:pt x="6879021" y="1696161"/>
+                  <a:pt x="7315200" y="1734699"/>
+                </a:cubicBezTo>
+              </a:path>
+            </a:pathLst>
+          </a:custGeom>
+          <a:noFill/>
+          <a:ln>
+            <a:solidFill>
+              <a:srgbClr val="FF0000"/>
+            </a:solidFill>
+          </a:ln>
+        </p:spPr>
+        <p:style>
+          <a:lnRef idx="1">
+            <a:schemeClr val="accent1"/>
+          </a:lnRef>
+          <a:fillRef idx="3">
+            <a:schemeClr val="accent1"/>
+          </a:fillRef>
+          <a:effectRef idx="2">
+            <a:schemeClr val="accent1"/>
+          </a:effectRef>
+          <a:fontRef idx="minor">
+            <a:schemeClr val="lt1"/>
+          </a:fontRef>
+        </p:style>
+        <p:txBody>
+          <a:bodyPr rtlCol="0" anchor="ctr"/>
+          <a:lstStyle/>
+          <a:p>
+            <a:pPr algn="ctr"/>
+            <a:endParaRPr lang="en-US" dirty="0"/>
+          </a:p>
+        </p:txBody>
+      </p:sp>
+      <p:sp>
+        <p:nvSpPr>
+          <p:cNvPr id="24" name="Freeform 23">
+            <a:extLst>
+              <a:ext uri="{FF2B5EF4-FFF2-40B4-BE49-F238E27FC236}">
+                <a16:creationId xmlns:a16="http://schemas.microsoft.com/office/drawing/2014/main" id="{0A79A549-B230-3C4B-9D26-CCEE3E603DDD}"/>
+              </a:ext>
+            </a:extLst>
+          </p:cNvPr>
+          <p:cNvSpPr/>
+          <p:nvPr/>
+        </p:nvSpPr>
+        <p:spPr>
+          <a:xfrm>
+            <a:off x="2596713" y="3418491"/>
+            <a:ext cx="4508938" cy="1055501"/>
+          </a:xfrm>
+          <a:custGeom>
+            <a:avLst/>
+            <a:gdLst>
+              <a:gd name="connsiteX0" fmla="*/ 0 w 4508938"/>
+              <a:gd name="connsiteY0" fmla="*/ 1055501 h 1055501"/>
+              <a:gd name="connsiteX1" fmla="*/ 609600 w 4508938"/>
+              <a:gd name="connsiteY1" fmla="*/ 918866 h 1055501"/>
+              <a:gd name="connsiteX2" fmla="*/ 1240221 w 4508938"/>
+              <a:gd name="connsiteY2" fmla="*/ 593045 h 1055501"/>
+              <a:gd name="connsiteX3" fmla="*/ 1797269 w 4508938"/>
+              <a:gd name="connsiteY3" fmla="*/ 4466 h 1055501"/>
+              <a:gd name="connsiteX4" fmla="*/ 2438400 w 4508938"/>
+              <a:gd name="connsiteY4" fmla="*/ 330287 h 1055501"/>
+              <a:gd name="connsiteX5" fmla="*/ 3026980 w 4508938"/>
+              <a:gd name="connsiteY5" fmla="*/ 477432 h 1055501"/>
+              <a:gd name="connsiteX6" fmla="*/ 3762704 w 4508938"/>
+              <a:gd name="connsiteY6" fmla="*/ 656107 h 1055501"/>
+              <a:gd name="connsiteX7" fmla="*/ 4508938 w 4508938"/>
+              <a:gd name="connsiteY7" fmla="*/ 1044990 h 1055501"/>
+            </a:gdLst>
+            <a:ahLst/>
+            <a:cxnLst>
+              <a:cxn ang="0">
+                <a:pos x="connsiteX0" y="connsiteY0"/>
+              </a:cxn>
+              <a:cxn ang="0">
+                <a:pos x="connsiteX1" y="connsiteY1"/>
+              </a:cxn>
+              <a:cxn ang="0">
+                <a:pos x="connsiteX2" y="connsiteY2"/>
+              </a:cxn>
+              <a:cxn ang="0">
+                <a:pos x="connsiteX3" y="connsiteY3"/>
+              </a:cxn>
+              <a:cxn ang="0">
+                <a:pos x="connsiteX4" y="connsiteY4"/>
+              </a:cxn>
+              <a:cxn ang="0">
+                <a:pos x="connsiteX5" y="connsiteY5"/>
+              </a:cxn>
+              <a:cxn ang="0">
+                <a:pos x="connsiteX6" y="connsiteY6"/>
+              </a:cxn>
+              <a:cxn ang="0">
+                <a:pos x="connsiteX7" y="connsiteY7"/>
+              </a:cxn>
+            </a:cxnLst>
+            <a:rect l="l" t="t" r="r" b="b"/>
+            <a:pathLst>
+              <a:path w="4508938" h="1055501" extrusionOk="0">
+                <a:moveTo>
+                  <a:pt x="0" y="1055501"/>
+                </a:moveTo>
+                <a:cubicBezTo>
+                  <a:pt x="197032" y="1022997"/>
+                  <a:pt x="385097" y="1002623"/>
+                  <a:pt x="609600" y="918866"/>
+                </a:cubicBezTo>
+                <a:cubicBezTo>
+                  <a:pt x="872988" y="853723"/>
+                  <a:pt x="995671" y="746927"/>
+                  <a:pt x="1240221" y="593045"/>
+                </a:cubicBezTo>
+                <a:cubicBezTo>
+                  <a:pt x="1405626" y="472422"/>
+                  <a:pt x="1596010" y="56900"/>
+                  <a:pt x="1797269" y="4466"/>
+                </a:cubicBezTo>
+                <a:cubicBezTo>
+                  <a:pt x="1984470" y="-46163"/>
+                  <a:pt x="2280742" y="274056"/>
+                  <a:pt x="2438400" y="330287"/>
+                </a:cubicBezTo>
+                <a:cubicBezTo>
+                  <a:pt x="2643353" y="409115"/>
+                  <a:pt x="3026980" y="477431"/>
+                  <a:pt x="3026980" y="477432"/>
+                </a:cubicBezTo>
+                <a:cubicBezTo>
+                  <a:pt x="3207039" y="525509"/>
+                  <a:pt x="3476012" y="598890"/>
+                  <a:pt x="3762704" y="656107"/>
+                </a:cubicBezTo>
+                <a:cubicBezTo>
+                  <a:pt x="4008277" y="737160"/>
+                  <a:pt x="4219817" y="952739"/>
+                  <a:pt x="4508938" y="1044990"/>
+                </a:cubicBezTo>
+              </a:path>
+            </a:pathLst>
+          </a:custGeom>
+          <a:noFill/>
+          <a:ln w="25400">
+            <a:solidFill>
+              <a:srgbClr val="FF0000"/>
+            </a:solidFill>
+            <a:prstDash val="solid"/>
+            <a:extLst>
+              <a:ext uri="{C807C97D-BFC1-408E-A445-0C87EB9F89A2}">
+                <ask:lineSketchStyleProps xmlns:ask="http://schemas.microsoft.com/office/drawing/2018/sketchyshapes" sd="1219033472">
+                  <a:custGeom>
+                    <a:avLst/>
+                    <a:gdLst>
+                      <a:gd name="connsiteX0" fmla="*/ 0 w 4508938"/>
+                      <a:gd name="connsiteY0" fmla="*/ 1055501 h 1055501"/>
+                      <a:gd name="connsiteX1" fmla="*/ 609600 w 4508938"/>
+                      <a:gd name="connsiteY1" fmla="*/ 918866 h 1055501"/>
+                      <a:gd name="connsiteX2" fmla="*/ 1240221 w 4508938"/>
+                      <a:gd name="connsiteY2" fmla="*/ 593045 h 1055501"/>
+                      <a:gd name="connsiteX3" fmla="*/ 1797269 w 4508938"/>
+                      <a:gd name="connsiteY3" fmla="*/ 4466 h 1055501"/>
+                      <a:gd name="connsiteX4" fmla="*/ 2438400 w 4508938"/>
+                      <a:gd name="connsiteY4" fmla="*/ 330287 h 1055501"/>
+                      <a:gd name="connsiteX5" fmla="*/ 3026980 w 4508938"/>
+                      <a:gd name="connsiteY5" fmla="*/ 477432 h 1055501"/>
+                      <a:gd name="connsiteX6" fmla="*/ 3762704 w 4508938"/>
+                      <a:gd name="connsiteY6" fmla="*/ 656107 h 1055501"/>
+                      <a:gd name="connsiteX7" fmla="*/ 4508938 w 4508938"/>
+                      <a:gd name="connsiteY7" fmla="*/ 1044990 h 1055501"/>
+                    </a:gdLst>
+                    <a:ahLst/>
+                    <a:cxnLst>
+                      <a:cxn ang="0">
+                        <a:pos x="connsiteX0" y="connsiteY0"/>
+                      </a:cxn>
+                      <a:cxn ang="0">
+                        <a:pos x="connsiteX1" y="connsiteY1"/>
+                      </a:cxn>
+                      <a:cxn ang="0">
+                        <a:pos x="connsiteX2" y="connsiteY2"/>
+                      </a:cxn>
+                      <a:cxn ang="0">
+                        <a:pos x="connsiteX3" y="connsiteY3"/>
+                      </a:cxn>
+                      <a:cxn ang="0">
+                        <a:pos x="connsiteX4" y="connsiteY4"/>
+                      </a:cxn>
+                      <a:cxn ang="0">
+                        <a:pos x="connsiteX5" y="connsiteY5"/>
+                      </a:cxn>
+                      <a:cxn ang="0">
+                        <a:pos x="connsiteX6" y="connsiteY6"/>
+                      </a:cxn>
+                      <a:cxn ang="0">
+                        <a:pos x="connsiteX7" y="connsiteY7"/>
+                      </a:cxn>
+                    </a:cxnLst>
+                    <a:rect l="l" t="t" r="r" b="b"/>
+                    <a:pathLst>
+                      <a:path w="4508938" h="1055501">
+                        <a:moveTo>
+                          <a:pt x="0" y="1055501"/>
+                        </a:moveTo>
+                        <a:cubicBezTo>
+                          <a:pt x="201448" y="1025721"/>
+                          <a:pt x="402897" y="995942"/>
+                          <a:pt x="609600" y="918866"/>
+                        </a:cubicBezTo>
+                        <a:cubicBezTo>
+                          <a:pt x="816304" y="841790"/>
+                          <a:pt x="1042276" y="745445"/>
+                          <a:pt x="1240221" y="593045"/>
+                        </a:cubicBezTo>
+                        <a:cubicBezTo>
+                          <a:pt x="1438166" y="440645"/>
+                          <a:pt x="1597573" y="48259"/>
+                          <a:pt x="1797269" y="4466"/>
+                        </a:cubicBezTo>
+                        <a:cubicBezTo>
+                          <a:pt x="1996965" y="-39327"/>
+                          <a:pt x="2233448" y="251459"/>
+                          <a:pt x="2438400" y="330287"/>
+                        </a:cubicBezTo>
+                        <a:cubicBezTo>
+                          <a:pt x="2643352" y="409115"/>
+                          <a:pt x="3026980" y="477432"/>
+                          <a:pt x="3026980" y="477432"/>
+                        </a:cubicBezTo>
+                        <a:cubicBezTo>
+                          <a:pt x="3247697" y="531735"/>
+                          <a:pt x="3515711" y="561514"/>
+                          <a:pt x="3762704" y="656107"/>
+                        </a:cubicBezTo>
+                        <a:cubicBezTo>
+                          <a:pt x="4009697" y="750700"/>
+                          <a:pt x="4259317" y="897845"/>
+                          <a:pt x="4508938" y="1044990"/>
+                        </a:cubicBezTo>
+                      </a:path>
+                    </a:pathLst>
+                  </a:custGeom>
+                  <ask:type>
+                    <ask:lineSketchFreehand/>
+                  </ask:type>
+                </ask:lineSketchStyleProps>
+              </a:ext>
+            </a:extLst>
+          </a:ln>
+          <a:effectLst/>
+        </p:spPr>
+        <p:style>
+          <a:lnRef idx="1">
+            <a:schemeClr val="accent1"/>
+          </a:lnRef>
+          <a:fillRef idx="3">
+            <a:schemeClr val="accent1"/>
+          </a:fillRef>
+          <a:effectRef idx="2">
+            <a:schemeClr val="accent1"/>
+          </a:effectRef>
+          <a:fontRef idx="minor">
+            <a:schemeClr val="lt1"/>
+          </a:fontRef>
+        </p:style>
+        <p:txBody>
+          <a:bodyPr rtlCol="0" anchor="ctr"/>
+          <a:lstStyle/>
+          <a:p>
+            <a:pPr algn="ctr"/>
+            <a:endParaRPr lang="en-US"/>
+          </a:p>
+        </p:txBody>
+      </p:sp>
+    </p:spTree>
+    <p:extLst>
+      <p:ext uri="{BB962C8B-B14F-4D97-AF65-F5344CB8AC3E}">
+        <p14:creationId xmlns:p14="http://schemas.microsoft.com/office/powerpoint/2010/main" val="4185768973"/>
+      </p:ext>
+    </p:extLst>
+  </p:cSld>
+  <p:clrMapOvr>
+    <a:masterClrMapping/>
+  </p:clrMapOvr>
+  <p:timing>
+    <p:tnLst>
+      <p:par>
+        <p:cTn id="1" dur="indefinite" restart="never" nodeType="tmRoot">
+          <p:childTnLst>
+            <p:seq concurrent="1" nextAc="seek">
+              <p:cTn id="2" dur="indefinite" nodeType="mainSeq">
+                <p:childTnLst>
+                  <p:par>
+                    <p:cTn id="3" fill="hold">
+                      <p:stCondLst>
+                        <p:cond delay="indefinite"/>
+                      </p:stCondLst>
+                      <p:childTnLst>
+                        <p:par>
+                          <p:cTn id="4" fill="hold">
+                            <p:stCondLst>
+                              <p:cond delay="0"/>
+                            </p:stCondLst>
+                            <p:childTnLst>
+                              <p:par>
+                                <p:cTn id="5" presetID="0" presetClass="path" presetSubtype="0" accel="50000" decel="50000" fill="hold" grpId="0" nodeType="clickEffect">
+                                  <p:stCondLst>
+                                    <p:cond delay="0"/>
+                                  </p:stCondLst>
+                                  <p:childTnLst>
+                                    <p:animMotion origin="layout" path="M -0.00018 0.00069 L 0.74114 0.00069 " pathEditMode="relative" ptsTypes="AA">
+                                      <p:cBhvr>
+                                        <p:cTn id="6" dur="2000" fill="hold"/>
+                                        <p:tgtEl>
+                                          <p:spTgt spid="3"/>
+                                        </p:tgtEl>
+                                        <p:attrNameLst>
+                                          <p:attrName>ppt_x</p:attrName>
+                                          <p:attrName>ppt_y</p:attrName>
+                                        </p:attrNameLst>
+                                      </p:cBhvr>
+                                    </p:animMotion>
+                                  </p:childTnLst>
+                                </p:cTn>
+                              </p:par>
+                              <p:par>
+                                <p:cTn id="7" presetID="22" presetClass="entr" presetSubtype="8" fill="hold" grpId="0" nodeType="withEffect">
+                                  <p:stCondLst>
+                                    <p:cond delay="0"/>
+                                  </p:stCondLst>
+                                  <p:childTnLst>
+                                    <p:set>
+                                      <p:cBhvr>
+                                        <p:cTn id="8" dur="1" fill="hold">
+                                          <p:stCondLst>
+                                            <p:cond delay="0"/>
+                                          </p:stCondLst>
+                                        </p:cTn>
+                                        <p:tgtEl>
+                                          <p:spTgt spid="24"/>
+                                        </p:tgtEl>
+                                        <p:attrNameLst>
+                                          <p:attrName>style.visibility</p:attrName>
+                                        </p:attrNameLst>
+                                      </p:cBhvr>
+                                      <p:to>
+                                        <p:strVal val="visible"/>
+                                      </p:to>
+                                    </p:set>
+                                    <p:animEffect transition="in" filter="wipe(left)">
+                                      <p:cBhvr>
+                                        <p:cTn id="9" dur="2000"/>
+                                        <p:tgtEl>
+                                          <p:spTgt spid="24"/>
+                                        </p:tgtEl>
+                                      </p:cBhvr>
+                                    </p:animEffect>
+                                  </p:childTnLst>
+                                </p:cTn>
+                              </p:par>
+                            </p:childTnLst>
+                          </p:cTn>
+                        </p:par>
+                      </p:childTnLst>
+                    </p:cTn>
+                  </p:par>
+                </p:childTnLst>
+              </p:cTn>
+              <p:prevCondLst>
+                <p:cond evt="onPrev" delay="0">
+                  <p:tgtEl>
+                    <p:sldTgt/>
+                  </p:tgtEl>
+                </p:cond>
+              </p:prevCondLst>
+              <p:nextCondLst>
+                <p:cond evt="onNext" delay="0">
+                  <p:tgtEl>
+                    <p:sldTgt/>
+                  </p:tgtEl>
+                </p:cond>
+              </p:nextCondLst>
+            </p:seq>
+          </p:childTnLst>
+        </p:cTn>
+      </p:par>
+    </p:tnLst>
+    <p:bldLst>
+      <p:bldP spid="3" grpId="0" animBg="1"/>
+      <p:bldP spid="24" grpId="0" animBg="1"/>
+    </p:bldLst>
+  </p:timing>
+</p:sld>
+</file>
+
+<file path=ppt/slides/slide32.xml><?xml version="1.0" encoding="utf-8"?>
+<p:sld xmlns:a="http://schemas.openxmlformats.org/drawingml/2006/main" xmlns:r="http://schemas.openxmlformats.org/officeDocument/2006/relationships" xmlns:p="http://schemas.openxmlformats.org/presentationml/2006/main">
+  <p:cSld>
+    <p:spTree>
+      <p:nvGrpSpPr>
+        <p:cNvPr id="1" name=""/>
+        <p:cNvGrpSpPr/>
+        <p:nvPr/>
+      </p:nvGrpSpPr>
+      <p:grpSpPr>
+        <a:xfrm>
+          <a:off x="0" y="0"/>
+          <a:ext cx="0" cy="0"/>
+          <a:chOff x="0" y="0"/>
+          <a:chExt cx="0" cy="0"/>
+        </a:xfrm>
+      </p:grpSpPr>
+      <p:sp>
+        <p:nvSpPr>
+          <p:cNvPr id="2" name="Title 1">
+            <a:extLst>
+              <a:ext uri="{FF2B5EF4-FFF2-40B4-BE49-F238E27FC236}">
+                <a16:creationId xmlns:a16="http://schemas.microsoft.com/office/drawing/2014/main" id="{4F56EAEF-14B0-504F-B814-84DACCE33197}"/>
+              </a:ext>
+            </a:extLst>
+          </p:cNvPr>
+          <p:cNvSpPr>
+            <a:spLocks noGrp="1"/>
+          </p:cNvSpPr>
+          <p:nvPr>
+            <p:ph type="title"/>
+          </p:nvPr>
+        </p:nvSpPr>
+        <p:spPr/>
+        <p:txBody>
+          <a:bodyPr/>
+          <a:lstStyle/>
+          <a:p>
+            <a:r>
+              <a:rPr lang="en-US" dirty="0" err="1"/>
+              <a:t>Cómo</a:t>
+            </a:r>
+            <a:r>
+              <a:rPr lang="en-US" dirty="0"/>
+              <a:t> </a:t>
+            </a:r>
+            <a:r>
+              <a:rPr lang="en-US" dirty="0" err="1"/>
+              <a:t>calcular</a:t>
+            </a:r>
+            <a:r>
+              <a:rPr lang="en-US" dirty="0"/>
+              <a:t> la PDF?</a:t>
+            </a:r>
+          </a:p>
+        </p:txBody>
+      </p:sp>
+      <p:sp>
+        <p:nvSpPr>
+          <p:cNvPr id="4" name="Footer Placeholder 3">
+            <a:extLst>
+              <a:ext uri="{FF2B5EF4-FFF2-40B4-BE49-F238E27FC236}">
+                <a16:creationId xmlns:a16="http://schemas.microsoft.com/office/drawing/2014/main" id="{BB5F83B7-5B8E-5540-8E02-FCBC346E28F0}"/>
+              </a:ext>
+            </a:extLst>
+          </p:cNvPr>
+          <p:cNvSpPr>
+            <a:spLocks noGrp="1"/>
+          </p:cNvSpPr>
+          <p:nvPr>
+            <p:ph type="ftr" sz="quarter" idx="11"/>
+          </p:nvPr>
+        </p:nvSpPr>
+        <p:spPr/>
+        <p:txBody>
+          <a:bodyPr/>
+          <a:lstStyle/>
+          <a:p>
+            <a:r>
+              <a:rPr lang="es-ES"/>
+              <a:t>PAT04_Bayes.pptx</a:t>
+            </a:r>
+          </a:p>
+        </p:txBody>
+      </p:sp>
+      <p:sp>
+        <p:nvSpPr>
+          <p:cNvPr id="5" name="Slide Number Placeholder 4">
+            <a:extLst>
+              <a:ext uri="{FF2B5EF4-FFF2-40B4-BE49-F238E27FC236}">
+                <a16:creationId xmlns:a16="http://schemas.microsoft.com/office/drawing/2014/main" id="{0E1E0B9F-FAA2-A14A-8D40-42CC899DA4CC}"/>
+              </a:ext>
+            </a:extLst>
+          </p:cNvPr>
+          <p:cNvSpPr>
+            <a:spLocks noGrp="1"/>
+          </p:cNvSpPr>
+          <p:nvPr>
+            <p:ph type="sldNum" sz="quarter" idx="12"/>
+          </p:nvPr>
+        </p:nvSpPr>
+        <p:spPr/>
+        <p:txBody>
+          <a:bodyPr/>
+          <a:lstStyle/>
+          <a:p>
+            <a:fld id="{B2515E32-AEC1-A643-BA35-1EE2E73D4B01}" type="slidenum">
+              <a:rPr lang="es-ES" smtClean="0"/>
+              <a:pPr/>
+              <a:t>32</a:t>
+            </a:fld>
+            <a:endParaRPr lang="es-ES"/>
+          </a:p>
+        </p:txBody>
+      </p:sp>
+      <p:sp>
+        <p:nvSpPr>
+          <p:cNvPr id="6" name="Line 58">
+            <a:extLst>
+              <a:ext uri="{FF2B5EF4-FFF2-40B4-BE49-F238E27FC236}">
+                <a16:creationId xmlns:a16="http://schemas.microsoft.com/office/drawing/2014/main" id="{C768E6C1-6268-BD41-BE2C-8285C637EC00}"/>
+              </a:ext>
+            </a:extLst>
+          </p:cNvPr>
+          <p:cNvSpPr>
+            <a:spLocks noChangeShapeType="1"/>
+          </p:cNvSpPr>
+          <p:nvPr/>
+        </p:nvSpPr>
+        <p:spPr bwMode="auto">
+          <a:xfrm>
+            <a:off x="514349" y="4485292"/>
+            <a:ext cx="8153400" cy="0"/>
+          </a:xfrm>
+          <a:prstGeom prst="line">
+            <a:avLst/>
+          </a:prstGeom>
+          <a:noFill/>
+          <a:ln w="9525">
+            <a:solidFill>
+              <a:schemeClr val="tx1"/>
+            </a:solidFill>
+            <a:round/>
+            <a:headEnd/>
+            <a:tailEnd type="triangle" w="med" len="med"/>
+          </a:ln>
+        </p:spPr>
+        <p:txBody>
+          <a:bodyPr>
+            <a:prstTxWarp prst="textNoShape">
+              <a:avLst/>
+            </a:prstTxWarp>
+          </a:bodyPr>
+          <a:lstStyle/>
+          <a:p>
+            <a:endParaRPr lang="en-US"/>
+          </a:p>
+        </p:txBody>
+      </p:sp>
+      <p:grpSp>
+        <p:nvGrpSpPr>
+          <p:cNvPr id="8" name="Group 7">
+            <a:extLst>
+              <a:ext uri="{FF2B5EF4-FFF2-40B4-BE49-F238E27FC236}">
+                <a16:creationId xmlns:a16="http://schemas.microsoft.com/office/drawing/2014/main" id="{A6500745-39BC-024B-B802-C7B8F0D55BA9}"/>
+              </a:ext>
+            </a:extLst>
+          </p:cNvPr>
+          <p:cNvGrpSpPr/>
+          <p:nvPr/>
+        </p:nvGrpSpPr>
+        <p:grpSpPr>
+          <a:xfrm>
+            <a:off x="819149" y="2743202"/>
+            <a:ext cx="7315200" cy="2046889"/>
+            <a:chOff x="762000" y="1752600"/>
+            <a:chExt cx="7315200" cy="4267200"/>
+          </a:xfrm>
+        </p:grpSpPr>
+        <p:sp>
+          <p:nvSpPr>
+            <p:cNvPr id="9" name="Line 57">
+              <a:extLst>
+                <a:ext uri="{FF2B5EF4-FFF2-40B4-BE49-F238E27FC236}">
+                  <a16:creationId xmlns:a16="http://schemas.microsoft.com/office/drawing/2014/main" id="{A34F7520-1B7D-B441-9BF7-0DB3DF285866}"/>
+                </a:ext>
+              </a:extLst>
+            </p:cNvPr>
+            <p:cNvSpPr>
+              <a:spLocks noChangeShapeType="1"/>
+            </p:cNvSpPr>
+            <p:nvPr/>
+          </p:nvSpPr>
+          <p:spPr bwMode="auto">
+            <a:xfrm>
+              <a:off x="762000" y="1752600"/>
+              <a:ext cx="0" cy="4191000"/>
+            </a:xfrm>
+            <a:prstGeom prst="line">
+              <a:avLst/>
+            </a:prstGeom>
+            <a:noFill/>
+            <a:ln w="9525">
+              <a:solidFill>
+                <a:schemeClr val="tx1"/>
+              </a:solidFill>
+              <a:round/>
+              <a:headEnd type="triangle" w="med" len="med"/>
+              <a:tailEnd/>
+            </a:ln>
+          </p:spPr>
+          <p:txBody>
+            <a:bodyPr>
+              <a:prstTxWarp prst="textNoShape">
+                <a:avLst/>
+              </a:prstTxWarp>
+            </a:bodyPr>
+            <a:lstStyle/>
+            <a:p>
+              <a:endParaRPr lang="en-US"/>
+            </a:p>
+          </p:txBody>
+        </p:sp>
+        <p:sp>
+          <p:nvSpPr>
+            <p:cNvPr id="10" name="Line 64">
+              <a:extLst>
+                <a:ext uri="{FF2B5EF4-FFF2-40B4-BE49-F238E27FC236}">
+                  <a16:creationId xmlns:a16="http://schemas.microsoft.com/office/drawing/2014/main" id="{7A4A3513-B589-8E41-A169-DFCE2527AB59}"/>
+                </a:ext>
+              </a:extLst>
+            </p:cNvPr>
+            <p:cNvSpPr>
+              <a:spLocks noChangeShapeType="1"/>
+            </p:cNvSpPr>
+            <p:nvPr/>
+          </p:nvSpPr>
+          <p:spPr bwMode="auto">
+            <a:xfrm>
+              <a:off x="1981200" y="1752600"/>
+              <a:ext cx="0" cy="4267200"/>
+            </a:xfrm>
+            <a:prstGeom prst="line">
+              <a:avLst/>
+            </a:prstGeom>
+            <a:noFill/>
+            <a:ln w="9525">
+              <a:solidFill>
+                <a:schemeClr val="tx1"/>
+              </a:solidFill>
+              <a:prstDash val="sysDot"/>
+              <a:round/>
+              <a:headEnd/>
+              <a:tailEnd/>
+            </a:ln>
+          </p:spPr>
+          <p:txBody>
+            <a:bodyPr>
+              <a:prstTxWarp prst="textNoShape">
+                <a:avLst/>
+              </a:prstTxWarp>
+            </a:bodyPr>
+            <a:lstStyle/>
+            <a:p>
+              <a:endParaRPr lang="en-US"/>
+            </a:p>
+          </p:txBody>
+        </p:sp>
+        <p:sp>
+          <p:nvSpPr>
+            <p:cNvPr id="11" name="Line 65">
+              <a:extLst>
+                <a:ext uri="{FF2B5EF4-FFF2-40B4-BE49-F238E27FC236}">
+                  <a16:creationId xmlns:a16="http://schemas.microsoft.com/office/drawing/2014/main" id="{B5D4F2BD-E590-0943-B9D3-507D34902644}"/>
+                </a:ext>
+              </a:extLst>
+            </p:cNvPr>
+            <p:cNvSpPr>
+              <a:spLocks noChangeShapeType="1"/>
+            </p:cNvSpPr>
+            <p:nvPr/>
+          </p:nvSpPr>
+          <p:spPr bwMode="auto">
+            <a:xfrm>
+              <a:off x="3124200" y="1752600"/>
+              <a:ext cx="0" cy="4267200"/>
+            </a:xfrm>
+            <a:prstGeom prst="line">
+              <a:avLst/>
+            </a:prstGeom>
+            <a:noFill/>
+            <a:ln w="9525">
+              <a:solidFill>
+                <a:schemeClr val="tx1"/>
+              </a:solidFill>
+              <a:prstDash val="sysDot"/>
+              <a:round/>
+              <a:headEnd/>
+              <a:tailEnd/>
+            </a:ln>
+          </p:spPr>
+          <p:txBody>
+            <a:bodyPr>
+              <a:prstTxWarp prst="textNoShape">
+                <a:avLst/>
+              </a:prstTxWarp>
+            </a:bodyPr>
+            <a:lstStyle/>
+            <a:p>
+              <a:endParaRPr lang="en-US"/>
+            </a:p>
+          </p:txBody>
+        </p:sp>
+        <p:sp>
+          <p:nvSpPr>
+            <p:cNvPr id="12" name="Line 66">
+              <a:extLst>
+                <a:ext uri="{FF2B5EF4-FFF2-40B4-BE49-F238E27FC236}">
+                  <a16:creationId xmlns:a16="http://schemas.microsoft.com/office/drawing/2014/main" id="{3BBFAA40-7340-D54E-A27B-43102E4DE52D}"/>
+                </a:ext>
+              </a:extLst>
+            </p:cNvPr>
+            <p:cNvSpPr>
+              <a:spLocks noChangeShapeType="1"/>
+            </p:cNvSpPr>
+            <p:nvPr/>
+          </p:nvSpPr>
+          <p:spPr bwMode="auto">
+            <a:xfrm>
+              <a:off x="4343400" y="1752600"/>
+              <a:ext cx="0" cy="4267200"/>
+            </a:xfrm>
+            <a:prstGeom prst="line">
+              <a:avLst/>
+            </a:prstGeom>
+            <a:noFill/>
+            <a:ln w="9525">
+              <a:solidFill>
+                <a:schemeClr val="tx1"/>
+              </a:solidFill>
+              <a:prstDash val="sysDot"/>
+              <a:round/>
+              <a:headEnd/>
+              <a:tailEnd/>
+            </a:ln>
+          </p:spPr>
+          <p:txBody>
+            <a:bodyPr>
+              <a:prstTxWarp prst="textNoShape">
+                <a:avLst/>
+              </a:prstTxWarp>
+            </a:bodyPr>
+            <a:lstStyle/>
+            <a:p>
+              <a:endParaRPr lang="en-US"/>
+            </a:p>
+          </p:txBody>
+        </p:sp>
+        <p:sp>
+          <p:nvSpPr>
+            <p:cNvPr id="13" name="Line 67">
+              <a:extLst>
+                <a:ext uri="{FF2B5EF4-FFF2-40B4-BE49-F238E27FC236}">
+                  <a16:creationId xmlns:a16="http://schemas.microsoft.com/office/drawing/2014/main" id="{E76DE261-EFC4-814B-B4D1-67812D6DC300}"/>
+                </a:ext>
+              </a:extLst>
+            </p:cNvPr>
+            <p:cNvSpPr>
+              <a:spLocks noChangeShapeType="1"/>
+            </p:cNvSpPr>
+            <p:nvPr/>
+          </p:nvSpPr>
+          <p:spPr bwMode="auto">
+            <a:xfrm>
+              <a:off x="5562600" y="1752600"/>
+              <a:ext cx="0" cy="4267200"/>
+            </a:xfrm>
+            <a:prstGeom prst="line">
+              <a:avLst/>
+            </a:prstGeom>
+            <a:noFill/>
+            <a:ln w="9525">
+              <a:solidFill>
+                <a:schemeClr val="tx1"/>
+              </a:solidFill>
+              <a:prstDash val="sysDot"/>
+              <a:round/>
+              <a:headEnd/>
+              <a:tailEnd/>
+            </a:ln>
+          </p:spPr>
+          <p:txBody>
+            <a:bodyPr>
+              <a:prstTxWarp prst="textNoShape">
+                <a:avLst/>
+              </a:prstTxWarp>
+            </a:bodyPr>
+            <a:lstStyle/>
+            <a:p>
+              <a:endParaRPr lang="en-US"/>
+            </a:p>
+          </p:txBody>
+        </p:sp>
+        <p:sp>
+          <p:nvSpPr>
+            <p:cNvPr id="14" name="Line 68">
+              <a:extLst>
+                <a:ext uri="{FF2B5EF4-FFF2-40B4-BE49-F238E27FC236}">
+                  <a16:creationId xmlns:a16="http://schemas.microsoft.com/office/drawing/2014/main" id="{9E1423C3-3D60-3D4C-99B1-C013AEB9FBBE}"/>
+                </a:ext>
+              </a:extLst>
+            </p:cNvPr>
+            <p:cNvSpPr>
+              <a:spLocks noChangeShapeType="1"/>
+            </p:cNvSpPr>
+            <p:nvPr/>
+          </p:nvSpPr>
+          <p:spPr bwMode="auto">
+            <a:xfrm>
+              <a:off x="6781800" y="1752600"/>
+              <a:ext cx="0" cy="4267200"/>
+            </a:xfrm>
+            <a:prstGeom prst="line">
+              <a:avLst/>
+            </a:prstGeom>
+            <a:noFill/>
+            <a:ln w="9525">
+              <a:solidFill>
+                <a:schemeClr val="tx1"/>
+              </a:solidFill>
+              <a:prstDash val="sysDot"/>
+              <a:round/>
+              <a:headEnd/>
+              <a:tailEnd/>
+            </a:ln>
+          </p:spPr>
+          <p:txBody>
+            <a:bodyPr>
+              <a:prstTxWarp prst="textNoShape">
+                <a:avLst/>
+              </a:prstTxWarp>
+            </a:bodyPr>
+            <a:lstStyle/>
+            <a:p>
+              <a:endParaRPr lang="en-US"/>
+            </a:p>
+          </p:txBody>
+        </p:sp>
+        <p:sp>
+          <p:nvSpPr>
+            <p:cNvPr id="15" name="Line 69">
+              <a:extLst>
+                <a:ext uri="{FF2B5EF4-FFF2-40B4-BE49-F238E27FC236}">
+                  <a16:creationId xmlns:a16="http://schemas.microsoft.com/office/drawing/2014/main" id="{EA74C5AE-7388-784B-A5A2-20FA5E7ED346}"/>
+                </a:ext>
+              </a:extLst>
+            </p:cNvPr>
+            <p:cNvSpPr>
+              <a:spLocks noChangeShapeType="1"/>
+            </p:cNvSpPr>
+            <p:nvPr/>
+          </p:nvSpPr>
+          <p:spPr bwMode="auto">
+            <a:xfrm>
+              <a:off x="8077200" y="1752600"/>
+              <a:ext cx="0" cy="4267200"/>
+            </a:xfrm>
+            <a:prstGeom prst="line">
+              <a:avLst/>
+            </a:prstGeom>
+            <a:noFill/>
+            <a:ln w="9525">
+              <a:solidFill>
+                <a:schemeClr val="tx1"/>
+              </a:solidFill>
+              <a:prstDash val="sysDot"/>
+              <a:round/>
+              <a:headEnd/>
+              <a:tailEnd/>
+            </a:ln>
+          </p:spPr>
+          <p:txBody>
+            <a:bodyPr>
+              <a:prstTxWarp prst="textNoShape">
+                <a:avLst/>
+              </a:prstTxWarp>
+            </a:bodyPr>
+            <a:lstStyle/>
+            <a:p>
+              <a:endParaRPr lang="en-US"/>
+            </a:p>
+          </p:txBody>
+        </p:sp>
+      </p:grpSp>
+      <p:sp>
+        <p:nvSpPr>
+          <p:cNvPr id="16" name="Rectangle 80">
+            <a:extLst>
+              <a:ext uri="{FF2B5EF4-FFF2-40B4-BE49-F238E27FC236}">
+                <a16:creationId xmlns:a16="http://schemas.microsoft.com/office/drawing/2014/main" id="{799EB3AB-4707-E24A-BBA1-355CB0629979}"/>
+              </a:ext>
+            </a:extLst>
+          </p:cNvPr>
+          <p:cNvSpPr>
+            <a:spLocks noChangeArrowheads="1"/>
+          </p:cNvSpPr>
+          <p:nvPr/>
+        </p:nvSpPr>
+        <p:spPr bwMode="auto">
+          <a:xfrm flipH="1">
+            <a:off x="6076952" y="4075717"/>
+            <a:ext cx="457200" cy="409575"/>
+          </a:xfrm>
+          <a:prstGeom prst="rect">
+            <a:avLst/>
+          </a:prstGeom>
+          <a:solidFill>
+            <a:schemeClr val="accent1"/>
+          </a:solidFill>
+          <a:ln w="9525">
+            <a:solidFill>
+              <a:schemeClr val="tx1"/>
+            </a:solidFill>
+            <a:miter lim="800000"/>
+            <a:headEnd/>
+            <a:tailEnd/>
+          </a:ln>
+        </p:spPr>
+        <p:txBody>
+          <a:bodyPr wrap="none" anchor="ctr">
+            <a:prstTxWarp prst="textNoShape">
+              <a:avLst/>
+            </a:prstTxWarp>
+          </a:bodyPr>
+          <a:lstStyle/>
+          <a:p>
+            <a:endParaRPr lang="es-CL"/>
+          </a:p>
+        </p:txBody>
+      </p:sp>
+      <p:sp>
+        <p:nvSpPr>
+          <p:cNvPr id="17" name="Rectangle 81">
+            <a:extLst>
+              <a:ext uri="{FF2B5EF4-FFF2-40B4-BE49-F238E27FC236}">
+                <a16:creationId xmlns:a16="http://schemas.microsoft.com/office/drawing/2014/main" id="{EB0D0428-554A-5643-B069-8F1FC1C3EB13}"/>
+              </a:ext>
+            </a:extLst>
+          </p:cNvPr>
+          <p:cNvSpPr>
+            <a:spLocks noChangeArrowheads="1"/>
+          </p:cNvSpPr>
+          <p:nvPr/>
+        </p:nvSpPr>
+        <p:spPr bwMode="auto">
+          <a:xfrm flipH="1">
+            <a:off x="5391152" y="3910617"/>
+            <a:ext cx="457200" cy="574675"/>
+          </a:xfrm>
+          <a:prstGeom prst="rect">
+            <a:avLst/>
+          </a:prstGeom>
+          <a:solidFill>
+            <a:schemeClr val="accent1"/>
+          </a:solidFill>
+          <a:ln w="9525">
+            <a:solidFill>
+              <a:schemeClr val="tx1"/>
+            </a:solidFill>
+            <a:miter lim="800000"/>
+            <a:headEnd/>
+            <a:tailEnd/>
+          </a:ln>
+        </p:spPr>
+        <p:txBody>
+          <a:bodyPr wrap="none" anchor="ctr">
+            <a:prstTxWarp prst="textNoShape">
+              <a:avLst/>
+            </a:prstTxWarp>
+          </a:bodyPr>
+          <a:lstStyle/>
+          <a:p>
+            <a:endParaRPr lang="es-CL"/>
+          </a:p>
+        </p:txBody>
+      </p:sp>
+      <p:sp>
+        <p:nvSpPr>
+          <p:cNvPr id="18" name="Rectangle 82">
+            <a:extLst>
+              <a:ext uri="{FF2B5EF4-FFF2-40B4-BE49-F238E27FC236}">
+                <a16:creationId xmlns:a16="http://schemas.microsoft.com/office/drawing/2014/main" id="{2039E5CE-C7E5-3440-B4F0-EA54DAC34AF3}"/>
+              </a:ext>
+            </a:extLst>
+          </p:cNvPr>
+          <p:cNvSpPr>
+            <a:spLocks noChangeArrowheads="1"/>
+          </p:cNvSpPr>
+          <p:nvPr/>
+        </p:nvSpPr>
+        <p:spPr bwMode="auto">
+          <a:xfrm flipH="1">
+            <a:off x="4781552" y="3747105"/>
+            <a:ext cx="457200" cy="738187"/>
+          </a:xfrm>
+          <a:prstGeom prst="rect">
+            <a:avLst/>
+          </a:prstGeom>
+          <a:solidFill>
+            <a:schemeClr val="accent1"/>
+          </a:solidFill>
+          <a:ln w="9525">
+            <a:solidFill>
+              <a:schemeClr val="tx1"/>
+            </a:solidFill>
+            <a:miter lim="800000"/>
+            <a:headEnd/>
+            <a:tailEnd/>
+          </a:ln>
+        </p:spPr>
+        <p:txBody>
+          <a:bodyPr wrap="none" anchor="ctr">
+            <a:prstTxWarp prst="textNoShape">
+              <a:avLst/>
+            </a:prstTxWarp>
+          </a:bodyPr>
+          <a:lstStyle/>
+          <a:p>
+            <a:endParaRPr lang="es-CL"/>
+          </a:p>
+        </p:txBody>
+      </p:sp>
+      <p:sp>
+        <p:nvSpPr>
+          <p:cNvPr id="19" name="Rectangle 83">
+            <a:extLst>
+              <a:ext uri="{FF2B5EF4-FFF2-40B4-BE49-F238E27FC236}">
+                <a16:creationId xmlns:a16="http://schemas.microsoft.com/office/drawing/2014/main" id="{28023EEB-9670-1045-865E-7D15500202B0}"/>
+              </a:ext>
+            </a:extLst>
+          </p:cNvPr>
+          <p:cNvSpPr>
+            <a:spLocks noChangeArrowheads="1"/>
+          </p:cNvSpPr>
+          <p:nvPr/>
+        </p:nvSpPr>
+        <p:spPr bwMode="auto">
+          <a:xfrm flipH="1">
+            <a:off x="4171952" y="3418492"/>
+            <a:ext cx="457200" cy="1066800"/>
+          </a:xfrm>
+          <a:prstGeom prst="rect">
+            <a:avLst/>
+          </a:prstGeom>
+          <a:solidFill>
+            <a:schemeClr val="accent1"/>
+          </a:solidFill>
+          <a:ln w="9525">
+            <a:solidFill>
+              <a:schemeClr val="tx1"/>
+            </a:solidFill>
+            <a:miter lim="800000"/>
+            <a:headEnd/>
+            <a:tailEnd/>
+          </a:ln>
+        </p:spPr>
+        <p:txBody>
+          <a:bodyPr wrap="none" anchor="ctr">
+            <a:prstTxWarp prst="textNoShape">
+              <a:avLst/>
+            </a:prstTxWarp>
+          </a:bodyPr>
+          <a:lstStyle/>
+          <a:p>
+            <a:endParaRPr lang="es-CL"/>
+          </a:p>
+        </p:txBody>
+      </p:sp>
+      <p:sp>
+        <p:nvSpPr>
+          <p:cNvPr id="20" name="Rectangle 84">
+            <a:extLst>
+              <a:ext uri="{FF2B5EF4-FFF2-40B4-BE49-F238E27FC236}">
+                <a16:creationId xmlns:a16="http://schemas.microsoft.com/office/drawing/2014/main" id="{55D5F418-78DB-DB4A-BBAD-89444A045441}"/>
+              </a:ext>
+            </a:extLst>
+          </p:cNvPr>
+          <p:cNvSpPr>
+            <a:spLocks noChangeArrowheads="1"/>
+          </p:cNvSpPr>
+          <p:nvPr/>
+        </p:nvSpPr>
+        <p:spPr bwMode="auto">
+          <a:xfrm flipH="1">
+            <a:off x="3562352" y="4028092"/>
+            <a:ext cx="457200" cy="457200"/>
+          </a:xfrm>
+          <a:prstGeom prst="rect">
+            <a:avLst/>
+          </a:prstGeom>
+          <a:solidFill>
+            <a:schemeClr val="accent1"/>
+          </a:solidFill>
+          <a:ln w="9525">
+            <a:solidFill>
+              <a:schemeClr val="tx1"/>
+            </a:solidFill>
+            <a:miter lim="800000"/>
+            <a:headEnd/>
+            <a:tailEnd/>
+          </a:ln>
+        </p:spPr>
+        <p:txBody>
+          <a:bodyPr wrap="none" anchor="ctr">
+            <a:prstTxWarp prst="textNoShape">
+              <a:avLst/>
+            </a:prstTxWarp>
+          </a:bodyPr>
+          <a:lstStyle/>
+          <a:p>
+            <a:endParaRPr lang="es-CL"/>
+          </a:p>
+        </p:txBody>
+      </p:sp>
+      <p:sp>
+        <p:nvSpPr>
+          <p:cNvPr id="21" name="Rectangle 85">
+            <a:extLst>
+              <a:ext uri="{FF2B5EF4-FFF2-40B4-BE49-F238E27FC236}">
+                <a16:creationId xmlns:a16="http://schemas.microsoft.com/office/drawing/2014/main" id="{F8E8F935-1A6B-7A4F-BD78-2A6B966FD932}"/>
+              </a:ext>
+            </a:extLst>
+          </p:cNvPr>
+          <p:cNvSpPr>
+            <a:spLocks noChangeArrowheads="1"/>
+          </p:cNvSpPr>
+          <p:nvPr/>
+        </p:nvSpPr>
+        <p:spPr bwMode="auto">
+          <a:xfrm flipH="1">
+            <a:off x="2952752" y="4332892"/>
+            <a:ext cx="457200" cy="152400"/>
+          </a:xfrm>
+          <a:prstGeom prst="rect">
+            <a:avLst/>
+          </a:prstGeom>
+          <a:solidFill>
+            <a:schemeClr val="accent1"/>
+          </a:solidFill>
+          <a:ln w="9525">
+            <a:solidFill>
+              <a:schemeClr val="tx1"/>
+            </a:solidFill>
+            <a:miter lim="800000"/>
+            <a:headEnd/>
+            <a:tailEnd/>
+          </a:ln>
+        </p:spPr>
+        <p:txBody>
+          <a:bodyPr wrap="none" anchor="ctr">
+            <a:prstTxWarp prst="textNoShape">
+              <a:avLst/>
+            </a:prstTxWarp>
+          </a:bodyPr>
+          <a:lstStyle/>
+          <a:p>
+            <a:endParaRPr lang="es-CL"/>
+          </a:p>
+        </p:txBody>
+      </p:sp>
+      <p:pic>
+        <p:nvPicPr>
+          <p:cNvPr id="22" name="Picture 21">
+            <a:extLst>
+              <a:ext uri="{FF2B5EF4-FFF2-40B4-BE49-F238E27FC236}">
+                <a16:creationId xmlns:a16="http://schemas.microsoft.com/office/drawing/2014/main" id="{5CFC6FE3-45C3-9E4B-8FEE-AD57D75F2315}"/>
+              </a:ext>
+            </a:extLst>
+          </p:cNvPr>
+          <p:cNvPicPr>
+            <a:picLocks noChangeAspect="1"/>
+          </p:cNvPicPr>
+          <p:nvPr/>
+        </p:nvPicPr>
+        <p:blipFill>
+          <a:blip r:embed="rId2"/>
+          <a:stretch>
+            <a:fillRect/>
+          </a:stretch>
+        </p:blipFill>
+        <p:spPr>
+          <a:xfrm>
+            <a:off x="8521700" y="4669226"/>
+            <a:ext cx="165100" cy="139700"/>
+          </a:xfrm>
+          <a:prstGeom prst="rect">
+            <a:avLst/>
+          </a:prstGeom>
+        </p:spPr>
+      </p:pic>
+      <p:sp>
+        <p:nvSpPr>
+          <p:cNvPr id="23" name="Text Box 63">
+            <a:extLst>
+              <a:ext uri="{FF2B5EF4-FFF2-40B4-BE49-F238E27FC236}">
+                <a16:creationId xmlns:a16="http://schemas.microsoft.com/office/drawing/2014/main" id="{2AA3A24B-10DA-4847-A2BE-8B922DEE0D6B}"/>
+              </a:ext>
+            </a:extLst>
+          </p:cNvPr>
+          <p:cNvSpPr txBox="1">
+            <a:spLocks noChangeArrowheads="1"/>
+          </p:cNvSpPr>
+          <p:nvPr/>
+        </p:nvSpPr>
+        <p:spPr bwMode="auto">
+          <a:xfrm>
+            <a:off x="272523" y="1786493"/>
+            <a:ext cx="5335628" cy="369332"/>
+          </a:xfrm>
+          <a:prstGeom prst="rect">
+            <a:avLst/>
+          </a:prstGeom>
+          <a:noFill/>
+          <a:ln w="9525">
+            <a:noFill/>
+            <a:miter lim="800000"/>
+            <a:headEnd/>
+            <a:tailEnd/>
+          </a:ln>
+        </p:spPr>
+        <p:txBody>
+          <a:bodyPr wrap="none">
+            <a:prstTxWarp prst="textNoShape">
+              <a:avLst/>
+            </a:prstTxWarp>
+            <a:spAutoFit/>
+          </a:bodyPr>
+          <a:lstStyle/>
+          <a:p>
+            <a:pPr algn="l"/>
+            <a:r>
+              <a:rPr lang="es-CL" dirty="0"/>
+              <a:t>PASO 2: Convolución con una Gaussiana (Kernel)</a:t>
+            </a:r>
+            <a:endParaRPr lang="en-US" dirty="0"/>
+          </a:p>
+        </p:txBody>
+      </p:sp>
+      <p:sp>
+        <p:nvSpPr>
+          <p:cNvPr id="24" name="Freeform 23">
+            <a:extLst>
+              <a:ext uri="{FF2B5EF4-FFF2-40B4-BE49-F238E27FC236}">
+                <a16:creationId xmlns:a16="http://schemas.microsoft.com/office/drawing/2014/main" id="{0A79A549-B230-3C4B-9D26-CCEE3E603DDD}"/>
+              </a:ext>
+            </a:extLst>
+          </p:cNvPr>
+          <p:cNvSpPr/>
+          <p:nvPr/>
+        </p:nvSpPr>
+        <p:spPr>
+          <a:xfrm>
+            <a:off x="2596713" y="3418491"/>
+            <a:ext cx="4508938" cy="1055501"/>
+          </a:xfrm>
+          <a:custGeom>
+            <a:avLst/>
+            <a:gdLst>
+              <a:gd name="connsiteX0" fmla="*/ 0 w 4508938"/>
+              <a:gd name="connsiteY0" fmla="*/ 1055501 h 1055501"/>
+              <a:gd name="connsiteX1" fmla="*/ 609600 w 4508938"/>
+              <a:gd name="connsiteY1" fmla="*/ 918866 h 1055501"/>
+              <a:gd name="connsiteX2" fmla="*/ 1240221 w 4508938"/>
+              <a:gd name="connsiteY2" fmla="*/ 593045 h 1055501"/>
+              <a:gd name="connsiteX3" fmla="*/ 1797269 w 4508938"/>
+              <a:gd name="connsiteY3" fmla="*/ 4466 h 1055501"/>
+              <a:gd name="connsiteX4" fmla="*/ 2438400 w 4508938"/>
+              <a:gd name="connsiteY4" fmla="*/ 330287 h 1055501"/>
+              <a:gd name="connsiteX5" fmla="*/ 3026980 w 4508938"/>
+              <a:gd name="connsiteY5" fmla="*/ 477432 h 1055501"/>
+              <a:gd name="connsiteX6" fmla="*/ 3762704 w 4508938"/>
+              <a:gd name="connsiteY6" fmla="*/ 656107 h 1055501"/>
+              <a:gd name="connsiteX7" fmla="*/ 4508938 w 4508938"/>
+              <a:gd name="connsiteY7" fmla="*/ 1044990 h 1055501"/>
+            </a:gdLst>
+            <a:ahLst/>
+            <a:cxnLst>
+              <a:cxn ang="0">
+                <a:pos x="connsiteX0" y="connsiteY0"/>
+              </a:cxn>
+              <a:cxn ang="0">
+                <a:pos x="connsiteX1" y="connsiteY1"/>
+              </a:cxn>
+              <a:cxn ang="0">
+                <a:pos x="connsiteX2" y="connsiteY2"/>
+              </a:cxn>
+              <a:cxn ang="0">
+                <a:pos x="connsiteX3" y="connsiteY3"/>
+              </a:cxn>
+              <a:cxn ang="0">
+                <a:pos x="connsiteX4" y="connsiteY4"/>
+              </a:cxn>
+              <a:cxn ang="0">
+                <a:pos x="connsiteX5" y="connsiteY5"/>
+              </a:cxn>
+              <a:cxn ang="0">
+                <a:pos x="connsiteX6" y="connsiteY6"/>
+              </a:cxn>
+              <a:cxn ang="0">
+                <a:pos x="connsiteX7" y="connsiteY7"/>
+              </a:cxn>
+            </a:cxnLst>
+            <a:rect l="l" t="t" r="r" b="b"/>
+            <a:pathLst>
+              <a:path w="4508938" h="1055501" extrusionOk="0">
+                <a:moveTo>
+                  <a:pt x="0" y="1055501"/>
+                </a:moveTo>
+                <a:cubicBezTo>
+                  <a:pt x="197032" y="1022997"/>
+                  <a:pt x="385097" y="1002623"/>
+                  <a:pt x="609600" y="918866"/>
+                </a:cubicBezTo>
+                <a:cubicBezTo>
+                  <a:pt x="872988" y="853723"/>
+                  <a:pt x="995671" y="746927"/>
+                  <a:pt x="1240221" y="593045"/>
+                </a:cubicBezTo>
+                <a:cubicBezTo>
+                  <a:pt x="1405626" y="472422"/>
+                  <a:pt x="1596010" y="56900"/>
+                  <a:pt x="1797269" y="4466"/>
+                </a:cubicBezTo>
+                <a:cubicBezTo>
+                  <a:pt x="1984470" y="-46163"/>
+                  <a:pt x="2280742" y="274056"/>
+                  <a:pt x="2438400" y="330287"/>
+                </a:cubicBezTo>
+                <a:cubicBezTo>
+                  <a:pt x="2643353" y="409115"/>
+                  <a:pt x="3026980" y="477431"/>
+                  <a:pt x="3026980" y="477432"/>
+                </a:cubicBezTo>
+                <a:cubicBezTo>
+                  <a:pt x="3207039" y="525509"/>
+                  <a:pt x="3476012" y="598890"/>
+                  <a:pt x="3762704" y="656107"/>
+                </a:cubicBezTo>
+                <a:cubicBezTo>
+                  <a:pt x="4008277" y="737160"/>
+                  <a:pt x="4219817" y="952739"/>
+                  <a:pt x="4508938" y="1044990"/>
+                </a:cubicBezTo>
+              </a:path>
+            </a:pathLst>
+          </a:custGeom>
+          <a:noFill/>
+          <a:ln w="25400">
+            <a:solidFill>
+              <a:srgbClr val="FF0000"/>
+            </a:solidFill>
+            <a:prstDash val="solid"/>
+            <a:extLst>
+              <a:ext uri="{C807C97D-BFC1-408E-A445-0C87EB9F89A2}">
+                <ask:lineSketchStyleProps xmlns:ask="http://schemas.microsoft.com/office/drawing/2018/sketchyshapes" sd="1219033472">
+                  <a:custGeom>
+                    <a:avLst/>
+                    <a:gdLst>
+                      <a:gd name="connsiteX0" fmla="*/ 0 w 4508938"/>
+                      <a:gd name="connsiteY0" fmla="*/ 1055501 h 1055501"/>
+                      <a:gd name="connsiteX1" fmla="*/ 609600 w 4508938"/>
+                      <a:gd name="connsiteY1" fmla="*/ 918866 h 1055501"/>
+                      <a:gd name="connsiteX2" fmla="*/ 1240221 w 4508938"/>
+                      <a:gd name="connsiteY2" fmla="*/ 593045 h 1055501"/>
+                      <a:gd name="connsiteX3" fmla="*/ 1797269 w 4508938"/>
+                      <a:gd name="connsiteY3" fmla="*/ 4466 h 1055501"/>
+                      <a:gd name="connsiteX4" fmla="*/ 2438400 w 4508938"/>
+                      <a:gd name="connsiteY4" fmla="*/ 330287 h 1055501"/>
+                      <a:gd name="connsiteX5" fmla="*/ 3026980 w 4508938"/>
+                      <a:gd name="connsiteY5" fmla="*/ 477432 h 1055501"/>
+                      <a:gd name="connsiteX6" fmla="*/ 3762704 w 4508938"/>
+                      <a:gd name="connsiteY6" fmla="*/ 656107 h 1055501"/>
+                      <a:gd name="connsiteX7" fmla="*/ 4508938 w 4508938"/>
+                      <a:gd name="connsiteY7" fmla="*/ 1044990 h 1055501"/>
+                    </a:gdLst>
+                    <a:ahLst/>
+                    <a:cxnLst>
+                      <a:cxn ang="0">
+                        <a:pos x="connsiteX0" y="connsiteY0"/>
+                      </a:cxn>
+                      <a:cxn ang="0">
+                        <a:pos x="connsiteX1" y="connsiteY1"/>
+                      </a:cxn>
+                      <a:cxn ang="0">
+                        <a:pos x="connsiteX2" y="connsiteY2"/>
+                      </a:cxn>
+                      <a:cxn ang="0">
+                        <a:pos x="connsiteX3" y="connsiteY3"/>
+                      </a:cxn>
+                      <a:cxn ang="0">
+                        <a:pos x="connsiteX4" y="connsiteY4"/>
+                      </a:cxn>
+                      <a:cxn ang="0">
+                        <a:pos x="connsiteX5" y="connsiteY5"/>
+                      </a:cxn>
+                      <a:cxn ang="0">
+                        <a:pos x="connsiteX6" y="connsiteY6"/>
+                      </a:cxn>
+                      <a:cxn ang="0">
+                        <a:pos x="connsiteX7" y="connsiteY7"/>
+                      </a:cxn>
+                    </a:cxnLst>
+                    <a:rect l="l" t="t" r="r" b="b"/>
+                    <a:pathLst>
+                      <a:path w="4508938" h="1055501">
+                        <a:moveTo>
+                          <a:pt x="0" y="1055501"/>
+                        </a:moveTo>
+                        <a:cubicBezTo>
+                          <a:pt x="201448" y="1025721"/>
+                          <a:pt x="402897" y="995942"/>
+                          <a:pt x="609600" y="918866"/>
+                        </a:cubicBezTo>
+                        <a:cubicBezTo>
+                          <a:pt x="816304" y="841790"/>
+                          <a:pt x="1042276" y="745445"/>
+                          <a:pt x="1240221" y="593045"/>
+                        </a:cubicBezTo>
+                        <a:cubicBezTo>
+                          <a:pt x="1438166" y="440645"/>
+                          <a:pt x="1597573" y="48259"/>
+                          <a:pt x="1797269" y="4466"/>
+                        </a:cubicBezTo>
+                        <a:cubicBezTo>
+                          <a:pt x="1996965" y="-39327"/>
+                          <a:pt x="2233448" y="251459"/>
+                          <a:pt x="2438400" y="330287"/>
+                        </a:cubicBezTo>
+                        <a:cubicBezTo>
+                          <a:pt x="2643352" y="409115"/>
+                          <a:pt x="3026980" y="477432"/>
+                          <a:pt x="3026980" y="477432"/>
+                        </a:cubicBezTo>
+                        <a:cubicBezTo>
+                          <a:pt x="3247697" y="531735"/>
+                          <a:pt x="3515711" y="561514"/>
+                          <a:pt x="3762704" y="656107"/>
+                        </a:cubicBezTo>
+                        <a:cubicBezTo>
+                          <a:pt x="4009697" y="750700"/>
+                          <a:pt x="4259317" y="897845"/>
+                          <a:pt x="4508938" y="1044990"/>
+                        </a:cubicBezTo>
+                      </a:path>
+                    </a:pathLst>
+                  </a:custGeom>
+                  <ask:type>
+                    <ask:lineSketchFreehand/>
+                  </ask:type>
+                </ask:lineSketchStyleProps>
+              </a:ext>
+            </a:extLst>
+          </a:ln>
+          <a:effectLst/>
+        </p:spPr>
+        <p:style>
+          <a:lnRef idx="1">
+            <a:schemeClr val="accent1"/>
+          </a:lnRef>
+          <a:fillRef idx="3">
+            <a:schemeClr val="accent1"/>
+          </a:fillRef>
+          <a:effectRef idx="2">
+            <a:schemeClr val="accent1"/>
+          </a:effectRef>
+          <a:fontRef idx="minor">
+            <a:schemeClr val="lt1"/>
+          </a:fontRef>
+        </p:style>
+        <p:txBody>
+          <a:bodyPr rtlCol="0" anchor="ctr"/>
+          <a:lstStyle/>
+          <a:p>
+            <a:pPr algn="ctr"/>
+            <a:endParaRPr lang="en-US"/>
+          </a:p>
+        </p:txBody>
+      </p:sp>
+    </p:spTree>
+    <p:extLst>
+      <p:ext uri="{BB962C8B-B14F-4D97-AF65-F5344CB8AC3E}">
+        <p14:creationId xmlns:p14="http://schemas.microsoft.com/office/powerpoint/2010/main" val="2157874128"/>
+      </p:ext>
+    </p:extLst>
+  </p:cSld>
+  <p:clrMapOvr>
+    <a:masterClrMapping/>
+  </p:clrMapOvr>
+</p:sld>
+</file>
+
+<file path=ppt/slides/slide33.xml><?xml version="1.0" encoding="utf-8"?>
+<p:sld xmlns:a="http://schemas.openxmlformats.org/drawingml/2006/main" xmlns:r="http://schemas.openxmlformats.org/officeDocument/2006/relationships" xmlns:p="http://schemas.openxmlformats.org/presentationml/2006/main">
+  <p:cSld>
+    <p:spTree>
+      <p:nvGrpSpPr>
+        <p:cNvPr id="1" name=""/>
+        <p:cNvGrpSpPr/>
+        <p:nvPr/>
+      </p:nvGrpSpPr>
+      <p:grpSpPr>
+        <a:xfrm>
+          <a:off x="0" y="0"/>
+          <a:ext cx="0" cy="0"/>
+          <a:chOff x="0" y="0"/>
+          <a:chExt cx="0" cy="0"/>
+        </a:xfrm>
+      </p:grpSpPr>
+      <p:sp>
+        <p:nvSpPr>
+          <p:cNvPr id="2" name="Title 1">
+            <a:extLst>
+              <a:ext uri="{FF2B5EF4-FFF2-40B4-BE49-F238E27FC236}">
+                <a16:creationId xmlns:a16="http://schemas.microsoft.com/office/drawing/2014/main" id="{4F56EAEF-14B0-504F-B814-84DACCE33197}"/>
+              </a:ext>
+            </a:extLst>
+          </p:cNvPr>
+          <p:cNvSpPr>
+            <a:spLocks noGrp="1"/>
+          </p:cNvSpPr>
+          <p:nvPr>
+            <p:ph type="title"/>
+          </p:nvPr>
+        </p:nvSpPr>
+        <p:spPr/>
+        <p:txBody>
+          <a:bodyPr/>
+          <a:lstStyle/>
+          <a:p>
+            <a:r>
+              <a:rPr lang="en-US" dirty="0" err="1"/>
+              <a:t>Cómo</a:t>
+            </a:r>
+            <a:r>
+              <a:rPr lang="en-US" dirty="0"/>
+              <a:t> </a:t>
+            </a:r>
+            <a:r>
+              <a:rPr lang="en-US" dirty="0" err="1"/>
+              <a:t>calcular</a:t>
+            </a:r>
+            <a:r>
+              <a:rPr lang="en-US" dirty="0"/>
+              <a:t> la PDF?</a:t>
+            </a:r>
+          </a:p>
+        </p:txBody>
+      </p:sp>
+      <p:sp>
+        <p:nvSpPr>
+          <p:cNvPr id="4" name="Footer Placeholder 3">
+            <a:extLst>
+              <a:ext uri="{FF2B5EF4-FFF2-40B4-BE49-F238E27FC236}">
+                <a16:creationId xmlns:a16="http://schemas.microsoft.com/office/drawing/2014/main" id="{BB5F83B7-5B8E-5540-8E02-FCBC346E28F0}"/>
+              </a:ext>
+            </a:extLst>
+          </p:cNvPr>
+          <p:cNvSpPr>
+            <a:spLocks noGrp="1"/>
+          </p:cNvSpPr>
+          <p:nvPr>
+            <p:ph type="ftr" sz="quarter" idx="11"/>
+          </p:nvPr>
+        </p:nvSpPr>
+        <p:spPr/>
+        <p:txBody>
+          <a:bodyPr/>
+          <a:lstStyle/>
+          <a:p>
+            <a:r>
+              <a:rPr lang="es-ES"/>
+              <a:t>PAT04_Bayes.pptx</a:t>
+            </a:r>
+          </a:p>
+        </p:txBody>
+      </p:sp>
+      <p:sp>
+        <p:nvSpPr>
+          <p:cNvPr id="5" name="Slide Number Placeholder 4">
+            <a:extLst>
+              <a:ext uri="{FF2B5EF4-FFF2-40B4-BE49-F238E27FC236}">
+                <a16:creationId xmlns:a16="http://schemas.microsoft.com/office/drawing/2014/main" id="{0E1E0B9F-FAA2-A14A-8D40-42CC899DA4CC}"/>
+              </a:ext>
+            </a:extLst>
+          </p:cNvPr>
+          <p:cNvSpPr>
+            <a:spLocks noGrp="1"/>
+          </p:cNvSpPr>
+          <p:nvPr>
+            <p:ph type="sldNum" sz="quarter" idx="12"/>
+          </p:nvPr>
+        </p:nvSpPr>
+        <p:spPr/>
+        <p:txBody>
+          <a:bodyPr/>
+          <a:lstStyle/>
+          <a:p>
+            <a:fld id="{B2515E32-AEC1-A643-BA35-1EE2E73D4B01}" type="slidenum">
+              <a:rPr lang="es-ES" smtClean="0"/>
+              <a:pPr/>
+              <a:t>33</a:t>
+            </a:fld>
+            <a:endParaRPr lang="es-ES"/>
+          </a:p>
+        </p:txBody>
+      </p:sp>
+      <p:sp>
+        <p:nvSpPr>
+          <p:cNvPr id="6" name="Line 58">
+            <a:extLst>
+              <a:ext uri="{FF2B5EF4-FFF2-40B4-BE49-F238E27FC236}">
+                <a16:creationId xmlns:a16="http://schemas.microsoft.com/office/drawing/2014/main" id="{C768E6C1-6268-BD41-BE2C-8285C637EC00}"/>
+              </a:ext>
+            </a:extLst>
+          </p:cNvPr>
+          <p:cNvSpPr>
+            <a:spLocks noChangeShapeType="1"/>
+          </p:cNvSpPr>
+          <p:nvPr/>
+        </p:nvSpPr>
+        <p:spPr bwMode="auto">
+          <a:xfrm>
+            <a:off x="514349" y="4485292"/>
+            <a:ext cx="8153400" cy="0"/>
+          </a:xfrm>
+          <a:prstGeom prst="line">
+            <a:avLst/>
+          </a:prstGeom>
+          <a:noFill/>
+          <a:ln w="9525">
+            <a:solidFill>
+              <a:schemeClr val="tx1"/>
+            </a:solidFill>
+            <a:round/>
+            <a:headEnd/>
+            <a:tailEnd type="triangle" w="med" len="med"/>
+          </a:ln>
+        </p:spPr>
+        <p:txBody>
+          <a:bodyPr>
+            <a:prstTxWarp prst="textNoShape">
+              <a:avLst/>
+            </a:prstTxWarp>
+          </a:bodyPr>
+          <a:lstStyle/>
+          <a:p>
+            <a:endParaRPr lang="en-US"/>
+          </a:p>
+        </p:txBody>
+      </p:sp>
+      <p:grpSp>
+        <p:nvGrpSpPr>
+          <p:cNvPr id="8" name="Group 7">
+            <a:extLst>
+              <a:ext uri="{FF2B5EF4-FFF2-40B4-BE49-F238E27FC236}">
+                <a16:creationId xmlns:a16="http://schemas.microsoft.com/office/drawing/2014/main" id="{A6500745-39BC-024B-B802-C7B8F0D55BA9}"/>
+              </a:ext>
+            </a:extLst>
+          </p:cNvPr>
+          <p:cNvGrpSpPr/>
+          <p:nvPr/>
+        </p:nvGrpSpPr>
+        <p:grpSpPr>
+          <a:xfrm>
+            <a:off x="819149" y="2743202"/>
+            <a:ext cx="7315200" cy="2046889"/>
+            <a:chOff x="762000" y="1752600"/>
+            <a:chExt cx="7315200" cy="4267200"/>
+          </a:xfrm>
+        </p:grpSpPr>
+        <p:sp>
+          <p:nvSpPr>
+            <p:cNvPr id="9" name="Line 57">
+              <a:extLst>
+                <a:ext uri="{FF2B5EF4-FFF2-40B4-BE49-F238E27FC236}">
+                  <a16:creationId xmlns:a16="http://schemas.microsoft.com/office/drawing/2014/main" id="{A34F7520-1B7D-B441-9BF7-0DB3DF285866}"/>
+                </a:ext>
+              </a:extLst>
+            </p:cNvPr>
+            <p:cNvSpPr>
+              <a:spLocks noChangeShapeType="1"/>
+            </p:cNvSpPr>
+            <p:nvPr/>
+          </p:nvSpPr>
+          <p:spPr bwMode="auto">
+            <a:xfrm>
+              <a:off x="762000" y="1752600"/>
+              <a:ext cx="0" cy="4191000"/>
+            </a:xfrm>
+            <a:prstGeom prst="line">
+              <a:avLst/>
+            </a:prstGeom>
+            <a:noFill/>
+            <a:ln w="9525">
+              <a:solidFill>
+                <a:schemeClr val="tx1"/>
+              </a:solidFill>
+              <a:round/>
+              <a:headEnd type="triangle" w="med" len="med"/>
+              <a:tailEnd/>
+            </a:ln>
+          </p:spPr>
+          <p:txBody>
+            <a:bodyPr>
+              <a:prstTxWarp prst="textNoShape">
+                <a:avLst/>
+              </a:prstTxWarp>
+            </a:bodyPr>
+            <a:lstStyle/>
+            <a:p>
+              <a:endParaRPr lang="en-US"/>
+            </a:p>
+          </p:txBody>
+        </p:sp>
+        <p:sp>
+          <p:nvSpPr>
+            <p:cNvPr id="10" name="Line 64">
+              <a:extLst>
+                <a:ext uri="{FF2B5EF4-FFF2-40B4-BE49-F238E27FC236}">
+                  <a16:creationId xmlns:a16="http://schemas.microsoft.com/office/drawing/2014/main" id="{7A4A3513-B589-8E41-A169-DFCE2527AB59}"/>
+                </a:ext>
+              </a:extLst>
+            </p:cNvPr>
+            <p:cNvSpPr>
+              <a:spLocks noChangeShapeType="1"/>
+            </p:cNvSpPr>
+            <p:nvPr/>
+          </p:nvSpPr>
+          <p:spPr bwMode="auto">
+            <a:xfrm>
+              <a:off x="1981200" y="1752600"/>
+              <a:ext cx="0" cy="4267200"/>
+            </a:xfrm>
+            <a:prstGeom prst="line">
+              <a:avLst/>
+            </a:prstGeom>
+            <a:noFill/>
+            <a:ln w="9525">
+              <a:solidFill>
+                <a:schemeClr val="tx1"/>
+              </a:solidFill>
+              <a:prstDash val="sysDot"/>
+              <a:round/>
+              <a:headEnd/>
+              <a:tailEnd/>
+            </a:ln>
+          </p:spPr>
+          <p:txBody>
+            <a:bodyPr>
+              <a:prstTxWarp prst="textNoShape">
+                <a:avLst/>
+              </a:prstTxWarp>
+            </a:bodyPr>
+            <a:lstStyle/>
+            <a:p>
+              <a:endParaRPr lang="en-US"/>
+            </a:p>
+          </p:txBody>
+        </p:sp>
+        <p:sp>
+          <p:nvSpPr>
+            <p:cNvPr id="11" name="Line 65">
+              <a:extLst>
+                <a:ext uri="{FF2B5EF4-FFF2-40B4-BE49-F238E27FC236}">
+                  <a16:creationId xmlns:a16="http://schemas.microsoft.com/office/drawing/2014/main" id="{B5D4F2BD-E590-0943-B9D3-507D34902644}"/>
+                </a:ext>
+              </a:extLst>
+            </p:cNvPr>
+            <p:cNvSpPr>
+              <a:spLocks noChangeShapeType="1"/>
+            </p:cNvSpPr>
+            <p:nvPr/>
+          </p:nvSpPr>
+          <p:spPr bwMode="auto">
+            <a:xfrm>
+              <a:off x="3124200" y="1752600"/>
+              <a:ext cx="0" cy="4267200"/>
+            </a:xfrm>
+            <a:prstGeom prst="line">
+              <a:avLst/>
+            </a:prstGeom>
+            <a:noFill/>
+            <a:ln w="9525">
+              <a:solidFill>
+                <a:schemeClr val="tx1"/>
+              </a:solidFill>
+              <a:prstDash val="sysDot"/>
+              <a:round/>
+              <a:headEnd/>
+              <a:tailEnd/>
+            </a:ln>
+          </p:spPr>
+          <p:txBody>
+            <a:bodyPr>
+              <a:prstTxWarp prst="textNoShape">
+                <a:avLst/>
+              </a:prstTxWarp>
+            </a:bodyPr>
+            <a:lstStyle/>
+            <a:p>
+              <a:endParaRPr lang="en-US"/>
+            </a:p>
+          </p:txBody>
+        </p:sp>
+        <p:sp>
+          <p:nvSpPr>
+            <p:cNvPr id="12" name="Line 66">
+              <a:extLst>
+                <a:ext uri="{FF2B5EF4-FFF2-40B4-BE49-F238E27FC236}">
+                  <a16:creationId xmlns:a16="http://schemas.microsoft.com/office/drawing/2014/main" id="{3BBFAA40-7340-D54E-A27B-43102E4DE52D}"/>
+                </a:ext>
+              </a:extLst>
+            </p:cNvPr>
+            <p:cNvSpPr>
+              <a:spLocks noChangeShapeType="1"/>
+            </p:cNvSpPr>
+            <p:nvPr/>
+          </p:nvSpPr>
+          <p:spPr bwMode="auto">
+            <a:xfrm>
+              <a:off x="4343400" y="1752600"/>
+              <a:ext cx="0" cy="4267200"/>
+            </a:xfrm>
+            <a:prstGeom prst="line">
+              <a:avLst/>
+            </a:prstGeom>
+            <a:noFill/>
+            <a:ln w="9525">
+              <a:solidFill>
+                <a:schemeClr val="tx1"/>
+              </a:solidFill>
+              <a:prstDash val="sysDot"/>
+              <a:round/>
+              <a:headEnd/>
+              <a:tailEnd/>
+            </a:ln>
+          </p:spPr>
+          <p:txBody>
+            <a:bodyPr>
+              <a:prstTxWarp prst="textNoShape">
+                <a:avLst/>
+              </a:prstTxWarp>
+            </a:bodyPr>
+            <a:lstStyle/>
+            <a:p>
+              <a:endParaRPr lang="en-US"/>
+            </a:p>
+          </p:txBody>
+        </p:sp>
+        <p:sp>
+          <p:nvSpPr>
+            <p:cNvPr id="13" name="Line 67">
+              <a:extLst>
+                <a:ext uri="{FF2B5EF4-FFF2-40B4-BE49-F238E27FC236}">
+                  <a16:creationId xmlns:a16="http://schemas.microsoft.com/office/drawing/2014/main" id="{E76DE261-EFC4-814B-B4D1-67812D6DC300}"/>
+                </a:ext>
+              </a:extLst>
+            </p:cNvPr>
+            <p:cNvSpPr>
+              <a:spLocks noChangeShapeType="1"/>
+            </p:cNvSpPr>
+            <p:nvPr/>
+          </p:nvSpPr>
+          <p:spPr bwMode="auto">
+            <a:xfrm>
+              <a:off x="5562600" y="1752600"/>
+              <a:ext cx="0" cy="4267200"/>
+            </a:xfrm>
+            <a:prstGeom prst="line">
+              <a:avLst/>
+            </a:prstGeom>
+            <a:noFill/>
+            <a:ln w="9525">
+              <a:solidFill>
+                <a:schemeClr val="tx1"/>
+              </a:solidFill>
+              <a:prstDash val="sysDot"/>
+              <a:round/>
+              <a:headEnd/>
+              <a:tailEnd/>
+            </a:ln>
+          </p:spPr>
+          <p:txBody>
+            <a:bodyPr>
+              <a:prstTxWarp prst="textNoShape">
+                <a:avLst/>
+              </a:prstTxWarp>
+            </a:bodyPr>
+            <a:lstStyle/>
+            <a:p>
+              <a:endParaRPr lang="en-US"/>
+            </a:p>
+          </p:txBody>
+        </p:sp>
+        <p:sp>
+          <p:nvSpPr>
+            <p:cNvPr id="14" name="Line 68">
+              <a:extLst>
+                <a:ext uri="{FF2B5EF4-FFF2-40B4-BE49-F238E27FC236}">
+                  <a16:creationId xmlns:a16="http://schemas.microsoft.com/office/drawing/2014/main" id="{9E1423C3-3D60-3D4C-99B1-C013AEB9FBBE}"/>
+                </a:ext>
+              </a:extLst>
+            </p:cNvPr>
+            <p:cNvSpPr>
+              <a:spLocks noChangeShapeType="1"/>
+            </p:cNvSpPr>
+            <p:nvPr/>
+          </p:nvSpPr>
+          <p:spPr bwMode="auto">
+            <a:xfrm>
+              <a:off x="6781800" y="1752600"/>
+              <a:ext cx="0" cy="4267200"/>
+            </a:xfrm>
+            <a:prstGeom prst="line">
+              <a:avLst/>
+            </a:prstGeom>
+            <a:noFill/>
+            <a:ln w="9525">
+              <a:solidFill>
+                <a:schemeClr val="tx1"/>
+              </a:solidFill>
+              <a:prstDash val="sysDot"/>
+              <a:round/>
+              <a:headEnd/>
+              <a:tailEnd/>
+            </a:ln>
+          </p:spPr>
+          <p:txBody>
+            <a:bodyPr>
+              <a:prstTxWarp prst="textNoShape">
+                <a:avLst/>
+              </a:prstTxWarp>
+            </a:bodyPr>
+            <a:lstStyle/>
+            <a:p>
+              <a:endParaRPr lang="en-US"/>
+            </a:p>
+          </p:txBody>
+        </p:sp>
+        <p:sp>
+          <p:nvSpPr>
+            <p:cNvPr id="15" name="Line 69">
+              <a:extLst>
+                <a:ext uri="{FF2B5EF4-FFF2-40B4-BE49-F238E27FC236}">
+                  <a16:creationId xmlns:a16="http://schemas.microsoft.com/office/drawing/2014/main" id="{EA74C5AE-7388-784B-A5A2-20FA5E7ED346}"/>
+                </a:ext>
+              </a:extLst>
+            </p:cNvPr>
+            <p:cNvSpPr>
+              <a:spLocks noChangeShapeType="1"/>
+            </p:cNvSpPr>
+            <p:nvPr/>
+          </p:nvSpPr>
+          <p:spPr bwMode="auto">
+            <a:xfrm>
+              <a:off x="8077200" y="1752600"/>
+              <a:ext cx="0" cy="4267200"/>
+            </a:xfrm>
+            <a:prstGeom prst="line">
+              <a:avLst/>
+            </a:prstGeom>
+            <a:noFill/>
+            <a:ln w="9525">
+              <a:solidFill>
+                <a:schemeClr val="tx1"/>
+              </a:solidFill>
+              <a:prstDash val="sysDot"/>
+              <a:round/>
+              <a:headEnd/>
+              <a:tailEnd/>
+            </a:ln>
+          </p:spPr>
+          <p:txBody>
+            <a:bodyPr>
+              <a:prstTxWarp prst="textNoShape">
+                <a:avLst/>
+              </a:prstTxWarp>
+            </a:bodyPr>
+            <a:lstStyle/>
+            <a:p>
+              <a:endParaRPr lang="en-US"/>
+            </a:p>
+          </p:txBody>
+        </p:sp>
+      </p:grpSp>
+      <p:pic>
+        <p:nvPicPr>
+          <p:cNvPr id="22" name="Picture 21">
+            <a:extLst>
+              <a:ext uri="{FF2B5EF4-FFF2-40B4-BE49-F238E27FC236}">
+                <a16:creationId xmlns:a16="http://schemas.microsoft.com/office/drawing/2014/main" id="{5CFC6FE3-45C3-9E4B-8FEE-AD57D75F2315}"/>
+              </a:ext>
+            </a:extLst>
+          </p:cNvPr>
+          <p:cNvPicPr>
+            <a:picLocks noChangeAspect="1"/>
+          </p:cNvPicPr>
+          <p:nvPr/>
+        </p:nvPicPr>
+        <p:blipFill>
+          <a:blip r:embed="rId2"/>
+          <a:stretch>
+            <a:fillRect/>
+          </a:stretch>
+        </p:blipFill>
+        <p:spPr>
+          <a:xfrm>
+            <a:off x="8521700" y="4669226"/>
+            <a:ext cx="165100" cy="139700"/>
+          </a:xfrm>
+          <a:prstGeom prst="rect">
+            <a:avLst/>
+          </a:prstGeom>
+        </p:spPr>
+      </p:pic>
+      <p:sp>
+        <p:nvSpPr>
+          <p:cNvPr id="23" name="Text Box 63">
+            <a:extLst>
+              <a:ext uri="{FF2B5EF4-FFF2-40B4-BE49-F238E27FC236}">
+                <a16:creationId xmlns:a16="http://schemas.microsoft.com/office/drawing/2014/main" id="{2AA3A24B-10DA-4847-A2BE-8B922DEE0D6B}"/>
+              </a:ext>
+            </a:extLst>
+          </p:cNvPr>
+          <p:cNvSpPr txBox="1">
+            <a:spLocks noChangeArrowheads="1"/>
+          </p:cNvSpPr>
+          <p:nvPr/>
+        </p:nvSpPr>
+        <p:spPr bwMode="auto">
+          <a:xfrm>
+            <a:off x="272523" y="1786493"/>
+            <a:ext cx="5335628" cy="369332"/>
+          </a:xfrm>
+          <a:prstGeom prst="rect">
+            <a:avLst/>
+          </a:prstGeom>
+          <a:noFill/>
+          <a:ln w="9525">
+            <a:noFill/>
+            <a:miter lim="800000"/>
+            <a:headEnd/>
+            <a:tailEnd/>
+          </a:ln>
+        </p:spPr>
+        <p:txBody>
+          <a:bodyPr wrap="none">
+            <a:prstTxWarp prst="textNoShape">
+              <a:avLst/>
+            </a:prstTxWarp>
+            <a:spAutoFit/>
+          </a:bodyPr>
+          <a:lstStyle/>
+          <a:p>
+            <a:pPr algn="l"/>
+            <a:r>
+              <a:rPr lang="es-CL" dirty="0"/>
+              <a:t>PASO 2: Convolución con una Gaussiana (Kernel)</a:t>
+            </a:r>
+            <a:endParaRPr lang="en-US" dirty="0"/>
+          </a:p>
+        </p:txBody>
+      </p:sp>
+      <p:sp>
+        <p:nvSpPr>
+          <p:cNvPr id="24" name="Freeform 23">
+            <a:extLst>
+              <a:ext uri="{FF2B5EF4-FFF2-40B4-BE49-F238E27FC236}">
+                <a16:creationId xmlns:a16="http://schemas.microsoft.com/office/drawing/2014/main" id="{0A79A549-B230-3C4B-9D26-CCEE3E603DDD}"/>
+              </a:ext>
+            </a:extLst>
+          </p:cNvPr>
+          <p:cNvSpPr/>
+          <p:nvPr/>
+        </p:nvSpPr>
+        <p:spPr>
+          <a:xfrm>
+            <a:off x="2596713" y="3418491"/>
+            <a:ext cx="4508938" cy="1055501"/>
+          </a:xfrm>
+          <a:custGeom>
+            <a:avLst/>
+            <a:gdLst>
+              <a:gd name="connsiteX0" fmla="*/ 0 w 4508938"/>
+              <a:gd name="connsiteY0" fmla="*/ 1055501 h 1055501"/>
+              <a:gd name="connsiteX1" fmla="*/ 609600 w 4508938"/>
+              <a:gd name="connsiteY1" fmla="*/ 918866 h 1055501"/>
+              <a:gd name="connsiteX2" fmla="*/ 1240221 w 4508938"/>
+              <a:gd name="connsiteY2" fmla="*/ 593045 h 1055501"/>
+              <a:gd name="connsiteX3" fmla="*/ 1797269 w 4508938"/>
+              <a:gd name="connsiteY3" fmla="*/ 4466 h 1055501"/>
+              <a:gd name="connsiteX4" fmla="*/ 2438400 w 4508938"/>
+              <a:gd name="connsiteY4" fmla="*/ 330287 h 1055501"/>
+              <a:gd name="connsiteX5" fmla="*/ 3026980 w 4508938"/>
+              <a:gd name="connsiteY5" fmla="*/ 477432 h 1055501"/>
+              <a:gd name="connsiteX6" fmla="*/ 3762704 w 4508938"/>
+              <a:gd name="connsiteY6" fmla="*/ 656107 h 1055501"/>
+              <a:gd name="connsiteX7" fmla="*/ 4508938 w 4508938"/>
+              <a:gd name="connsiteY7" fmla="*/ 1044990 h 1055501"/>
+            </a:gdLst>
+            <a:ahLst/>
+            <a:cxnLst>
+              <a:cxn ang="0">
+                <a:pos x="connsiteX0" y="connsiteY0"/>
+              </a:cxn>
+              <a:cxn ang="0">
+                <a:pos x="connsiteX1" y="connsiteY1"/>
+              </a:cxn>
+              <a:cxn ang="0">
+                <a:pos x="connsiteX2" y="connsiteY2"/>
+              </a:cxn>
+              <a:cxn ang="0">
+                <a:pos x="connsiteX3" y="connsiteY3"/>
+              </a:cxn>
+              <a:cxn ang="0">
+                <a:pos x="connsiteX4" y="connsiteY4"/>
+              </a:cxn>
+              <a:cxn ang="0">
+                <a:pos x="connsiteX5" y="connsiteY5"/>
+              </a:cxn>
+              <a:cxn ang="0">
+                <a:pos x="connsiteX6" y="connsiteY6"/>
+              </a:cxn>
+              <a:cxn ang="0">
+                <a:pos x="connsiteX7" y="connsiteY7"/>
+              </a:cxn>
+            </a:cxnLst>
+            <a:rect l="l" t="t" r="r" b="b"/>
+            <a:pathLst>
+              <a:path w="4508938" h="1055501" extrusionOk="0">
+                <a:moveTo>
+                  <a:pt x="0" y="1055501"/>
+                </a:moveTo>
+                <a:cubicBezTo>
+                  <a:pt x="197032" y="1022997"/>
+                  <a:pt x="385097" y="1002623"/>
+                  <a:pt x="609600" y="918866"/>
+                </a:cubicBezTo>
+                <a:cubicBezTo>
+                  <a:pt x="872988" y="853723"/>
+                  <a:pt x="995671" y="746927"/>
+                  <a:pt x="1240221" y="593045"/>
+                </a:cubicBezTo>
+                <a:cubicBezTo>
+                  <a:pt x="1405626" y="472422"/>
+                  <a:pt x="1596010" y="56900"/>
+                  <a:pt x="1797269" y="4466"/>
+                </a:cubicBezTo>
+                <a:cubicBezTo>
+                  <a:pt x="1984470" y="-46163"/>
+                  <a:pt x="2280742" y="274056"/>
+                  <a:pt x="2438400" y="330287"/>
+                </a:cubicBezTo>
+                <a:cubicBezTo>
+                  <a:pt x="2643353" y="409115"/>
+                  <a:pt x="3026980" y="477431"/>
+                  <a:pt x="3026980" y="477432"/>
+                </a:cubicBezTo>
+                <a:cubicBezTo>
+                  <a:pt x="3207039" y="525509"/>
+                  <a:pt x="3476012" y="598890"/>
+                  <a:pt x="3762704" y="656107"/>
+                </a:cubicBezTo>
+                <a:cubicBezTo>
+                  <a:pt x="4008277" y="737160"/>
+                  <a:pt x="4219817" y="952739"/>
+                  <a:pt x="4508938" y="1044990"/>
+                </a:cubicBezTo>
+              </a:path>
+            </a:pathLst>
+          </a:custGeom>
+          <a:noFill/>
+          <a:ln w="25400">
+            <a:solidFill>
+              <a:srgbClr val="FF0000"/>
+            </a:solidFill>
+            <a:prstDash val="solid"/>
+            <a:extLst>
+              <a:ext uri="{C807C97D-BFC1-408E-A445-0C87EB9F89A2}">
+                <ask:lineSketchStyleProps xmlns:ask="http://schemas.microsoft.com/office/drawing/2018/sketchyshapes" sd="1219033472">
+                  <a:custGeom>
+                    <a:avLst/>
+                    <a:gdLst>
+                      <a:gd name="connsiteX0" fmla="*/ 0 w 4508938"/>
+                      <a:gd name="connsiteY0" fmla="*/ 1055501 h 1055501"/>
+                      <a:gd name="connsiteX1" fmla="*/ 609600 w 4508938"/>
+                      <a:gd name="connsiteY1" fmla="*/ 918866 h 1055501"/>
+                      <a:gd name="connsiteX2" fmla="*/ 1240221 w 4508938"/>
+                      <a:gd name="connsiteY2" fmla="*/ 593045 h 1055501"/>
+                      <a:gd name="connsiteX3" fmla="*/ 1797269 w 4508938"/>
+                      <a:gd name="connsiteY3" fmla="*/ 4466 h 1055501"/>
+                      <a:gd name="connsiteX4" fmla="*/ 2438400 w 4508938"/>
+                      <a:gd name="connsiteY4" fmla="*/ 330287 h 1055501"/>
+                      <a:gd name="connsiteX5" fmla="*/ 3026980 w 4508938"/>
+                      <a:gd name="connsiteY5" fmla="*/ 477432 h 1055501"/>
+                      <a:gd name="connsiteX6" fmla="*/ 3762704 w 4508938"/>
+                      <a:gd name="connsiteY6" fmla="*/ 656107 h 1055501"/>
+                      <a:gd name="connsiteX7" fmla="*/ 4508938 w 4508938"/>
+                      <a:gd name="connsiteY7" fmla="*/ 1044990 h 1055501"/>
+                    </a:gdLst>
+                    <a:ahLst/>
+                    <a:cxnLst>
+                      <a:cxn ang="0">
+                        <a:pos x="connsiteX0" y="connsiteY0"/>
+                      </a:cxn>
+                      <a:cxn ang="0">
+                        <a:pos x="connsiteX1" y="connsiteY1"/>
+                      </a:cxn>
+                      <a:cxn ang="0">
+                        <a:pos x="connsiteX2" y="connsiteY2"/>
+                      </a:cxn>
+                      <a:cxn ang="0">
+                        <a:pos x="connsiteX3" y="connsiteY3"/>
+                      </a:cxn>
+                      <a:cxn ang="0">
+                        <a:pos x="connsiteX4" y="connsiteY4"/>
+                      </a:cxn>
+                      <a:cxn ang="0">
+                        <a:pos x="connsiteX5" y="connsiteY5"/>
+                      </a:cxn>
+                      <a:cxn ang="0">
+                        <a:pos x="connsiteX6" y="connsiteY6"/>
+                      </a:cxn>
+                      <a:cxn ang="0">
+                        <a:pos x="connsiteX7" y="connsiteY7"/>
+                      </a:cxn>
+                    </a:cxnLst>
+                    <a:rect l="l" t="t" r="r" b="b"/>
+                    <a:pathLst>
+                      <a:path w="4508938" h="1055501">
+                        <a:moveTo>
+                          <a:pt x="0" y="1055501"/>
+                        </a:moveTo>
+                        <a:cubicBezTo>
+                          <a:pt x="201448" y="1025721"/>
+                          <a:pt x="402897" y="995942"/>
+                          <a:pt x="609600" y="918866"/>
+                        </a:cubicBezTo>
+                        <a:cubicBezTo>
+                          <a:pt x="816304" y="841790"/>
+                          <a:pt x="1042276" y="745445"/>
+                          <a:pt x="1240221" y="593045"/>
+                        </a:cubicBezTo>
+                        <a:cubicBezTo>
+                          <a:pt x="1438166" y="440645"/>
+                          <a:pt x="1597573" y="48259"/>
+                          <a:pt x="1797269" y="4466"/>
+                        </a:cubicBezTo>
+                        <a:cubicBezTo>
+                          <a:pt x="1996965" y="-39327"/>
+                          <a:pt x="2233448" y="251459"/>
+                          <a:pt x="2438400" y="330287"/>
+                        </a:cubicBezTo>
+                        <a:cubicBezTo>
+                          <a:pt x="2643352" y="409115"/>
+                          <a:pt x="3026980" y="477432"/>
+                          <a:pt x="3026980" y="477432"/>
+                        </a:cubicBezTo>
+                        <a:cubicBezTo>
+                          <a:pt x="3247697" y="531735"/>
+                          <a:pt x="3515711" y="561514"/>
+                          <a:pt x="3762704" y="656107"/>
+                        </a:cubicBezTo>
+                        <a:cubicBezTo>
+                          <a:pt x="4009697" y="750700"/>
+                          <a:pt x="4259317" y="897845"/>
+                          <a:pt x="4508938" y="1044990"/>
+                        </a:cubicBezTo>
+                      </a:path>
+                    </a:pathLst>
+                  </a:custGeom>
+                  <ask:type>
+                    <ask:lineSketchFreehand/>
+                  </ask:type>
+                </ask:lineSketchStyleProps>
+              </a:ext>
+            </a:extLst>
+          </a:ln>
+          <a:effectLst/>
+        </p:spPr>
+        <p:style>
+          <a:lnRef idx="1">
+            <a:schemeClr val="accent1"/>
+          </a:lnRef>
+          <a:fillRef idx="3">
+            <a:schemeClr val="accent1"/>
+          </a:fillRef>
+          <a:effectRef idx="2">
+            <a:schemeClr val="accent1"/>
+          </a:effectRef>
+          <a:fontRef idx="minor">
+            <a:schemeClr val="lt1"/>
+          </a:fontRef>
+        </p:style>
+        <p:txBody>
+          <a:bodyPr rtlCol="0" anchor="ctr"/>
+          <a:lstStyle/>
+          <a:p>
+            <a:pPr algn="ctr"/>
+            <a:endParaRPr lang="en-US"/>
+          </a:p>
+        </p:txBody>
+      </p:sp>
+    </p:spTree>
+    <p:extLst>
+      <p:ext uri="{BB962C8B-B14F-4D97-AF65-F5344CB8AC3E}">
+        <p14:creationId xmlns:p14="http://schemas.microsoft.com/office/powerpoint/2010/main" val="3768542589"/>
+      </p:ext>
+    </p:extLst>
+  </p:cSld>
+  <p:clrMapOvr>
+    <a:masterClrMapping/>
+  </p:clrMapOvr>
+</p:sld>
+</file>
+
+<file path=ppt/slides/slide34.xml><?xml version="1.0" encoding="utf-8"?>
+<p:sld xmlns:a="http://schemas.openxmlformats.org/drawingml/2006/main" xmlns:r="http://schemas.openxmlformats.org/officeDocument/2006/relationships" xmlns:p="http://schemas.openxmlformats.org/presentationml/2006/main">
+  <p:cSld>
+    <p:spTree>
+      <p:nvGrpSpPr>
+        <p:cNvPr id="1" name=""/>
+        <p:cNvGrpSpPr/>
+        <p:nvPr/>
+      </p:nvGrpSpPr>
+      <p:grpSpPr>
+        <a:xfrm>
+          <a:off x="0" y="0"/>
+          <a:ext cx="0" cy="0"/>
+          <a:chOff x="0" y="0"/>
+          <a:chExt cx="0" cy="0"/>
+        </a:xfrm>
+      </p:grpSpPr>
+      <p:sp>
+        <p:nvSpPr>
+          <p:cNvPr id="2" name="Title 1">
+            <a:extLst>
+              <a:ext uri="{FF2B5EF4-FFF2-40B4-BE49-F238E27FC236}">
+                <a16:creationId xmlns:a16="http://schemas.microsoft.com/office/drawing/2014/main" id="{4F56EAEF-14B0-504F-B814-84DACCE33197}"/>
+              </a:ext>
+            </a:extLst>
+          </p:cNvPr>
+          <p:cNvSpPr>
+            <a:spLocks noGrp="1"/>
+          </p:cNvSpPr>
+          <p:nvPr>
+            <p:ph type="title"/>
+          </p:nvPr>
+        </p:nvSpPr>
+        <p:spPr/>
+        <p:txBody>
+          <a:bodyPr/>
+          <a:lstStyle/>
+          <a:p>
+            <a:r>
+              <a:rPr lang="en-US" dirty="0" err="1"/>
+              <a:t>Cómo</a:t>
+            </a:r>
+            <a:r>
+              <a:rPr lang="en-US" dirty="0"/>
+              <a:t> </a:t>
+            </a:r>
+            <a:r>
+              <a:rPr lang="en-US" dirty="0" err="1"/>
+              <a:t>calcular</a:t>
+            </a:r>
+            <a:r>
+              <a:rPr lang="en-US" dirty="0"/>
+              <a:t> la PDF?</a:t>
+            </a:r>
+          </a:p>
+        </p:txBody>
+      </p:sp>
+      <p:sp>
+        <p:nvSpPr>
+          <p:cNvPr id="4" name="Footer Placeholder 3">
+            <a:extLst>
+              <a:ext uri="{FF2B5EF4-FFF2-40B4-BE49-F238E27FC236}">
+                <a16:creationId xmlns:a16="http://schemas.microsoft.com/office/drawing/2014/main" id="{BB5F83B7-5B8E-5540-8E02-FCBC346E28F0}"/>
+              </a:ext>
+            </a:extLst>
+          </p:cNvPr>
+          <p:cNvSpPr>
+            <a:spLocks noGrp="1"/>
+          </p:cNvSpPr>
+          <p:nvPr>
+            <p:ph type="ftr" sz="quarter" idx="11"/>
+          </p:nvPr>
+        </p:nvSpPr>
+        <p:spPr/>
+        <p:txBody>
+          <a:bodyPr/>
+          <a:lstStyle/>
+          <a:p>
+            <a:r>
+              <a:rPr lang="es-ES"/>
+              <a:t>PAT04_Bayes.pptx</a:t>
+            </a:r>
+          </a:p>
+        </p:txBody>
+      </p:sp>
+      <p:sp>
+        <p:nvSpPr>
+          <p:cNvPr id="5" name="Slide Number Placeholder 4">
+            <a:extLst>
+              <a:ext uri="{FF2B5EF4-FFF2-40B4-BE49-F238E27FC236}">
+                <a16:creationId xmlns:a16="http://schemas.microsoft.com/office/drawing/2014/main" id="{0E1E0B9F-FAA2-A14A-8D40-42CC899DA4CC}"/>
+              </a:ext>
+            </a:extLst>
+          </p:cNvPr>
+          <p:cNvSpPr>
+            <a:spLocks noGrp="1"/>
+          </p:cNvSpPr>
+          <p:nvPr>
+            <p:ph type="sldNum" sz="quarter" idx="12"/>
+          </p:nvPr>
+        </p:nvSpPr>
+        <p:spPr/>
+        <p:txBody>
+          <a:bodyPr/>
+          <a:lstStyle/>
+          <a:p>
+            <a:fld id="{B2515E32-AEC1-A643-BA35-1EE2E73D4B01}" type="slidenum">
+              <a:rPr lang="es-ES" smtClean="0"/>
+              <a:pPr/>
+              <a:t>34</a:t>
+            </a:fld>
+            <a:endParaRPr lang="es-ES"/>
+          </a:p>
+        </p:txBody>
+      </p:sp>
+      <p:sp>
+        <p:nvSpPr>
+          <p:cNvPr id="6" name="Line 58">
+            <a:extLst>
+              <a:ext uri="{FF2B5EF4-FFF2-40B4-BE49-F238E27FC236}">
+                <a16:creationId xmlns:a16="http://schemas.microsoft.com/office/drawing/2014/main" id="{C768E6C1-6268-BD41-BE2C-8285C637EC00}"/>
+              </a:ext>
+            </a:extLst>
+          </p:cNvPr>
+          <p:cNvSpPr>
+            <a:spLocks noChangeShapeType="1"/>
+          </p:cNvSpPr>
+          <p:nvPr/>
+        </p:nvSpPr>
+        <p:spPr bwMode="auto">
+          <a:xfrm>
+            <a:off x="514349" y="4485292"/>
+            <a:ext cx="8153400" cy="0"/>
+          </a:xfrm>
+          <a:prstGeom prst="line">
+            <a:avLst/>
+          </a:prstGeom>
+          <a:noFill/>
+          <a:ln w="9525">
+            <a:solidFill>
+              <a:schemeClr val="tx1"/>
+            </a:solidFill>
+            <a:round/>
+            <a:headEnd/>
+            <a:tailEnd type="triangle" w="med" len="med"/>
+          </a:ln>
+        </p:spPr>
+        <p:txBody>
+          <a:bodyPr>
+            <a:prstTxWarp prst="textNoShape">
+              <a:avLst/>
+            </a:prstTxWarp>
+          </a:bodyPr>
+          <a:lstStyle/>
+          <a:p>
+            <a:endParaRPr lang="en-US"/>
+          </a:p>
+        </p:txBody>
+      </p:sp>
+      <p:grpSp>
+        <p:nvGrpSpPr>
+          <p:cNvPr id="8" name="Group 7">
+            <a:extLst>
+              <a:ext uri="{FF2B5EF4-FFF2-40B4-BE49-F238E27FC236}">
+                <a16:creationId xmlns:a16="http://schemas.microsoft.com/office/drawing/2014/main" id="{A6500745-39BC-024B-B802-C7B8F0D55BA9}"/>
+              </a:ext>
+            </a:extLst>
+          </p:cNvPr>
+          <p:cNvGrpSpPr/>
+          <p:nvPr/>
+        </p:nvGrpSpPr>
+        <p:grpSpPr>
+          <a:xfrm>
+            <a:off x="819149" y="2743202"/>
+            <a:ext cx="7315200" cy="2046889"/>
+            <a:chOff x="762000" y="1752600"/>
+            <a:chExt cx="7315200" cy="4267200"/>
+          </a:xfrm>
+        </p:grpSpPr>
+        <p:sp>
+          <p:nvSpPr>
+            <p:cNvPr id="9" name="Line 57">
+              <a:extLst>
+                <a:ext uri="{FF2B5EF4-FFF2-40B4-BE49-F238E27FC236}">
+                  <a16:creationId xmlns:a16="http://schemas.microsoft.com/office/drawing/2014/main" id="{A34F7520-1B7D-B441-9BF7-0DB3DF285866}"/>
+                </a:ext>
+              </a:extLst>
+            </p:cNvPr>
+            <p:cNvSpPr>
+              <a:spLocks noChangeShapeType="1"/>
+            </p:cNvSpPr>
+            <p:nvPr/>
+          </p:nvSpPr>
+          <p:spPr bwMode="auto">
+            <a:xfrm>
+              <a:off x="762000" y="1752600"/>
+              <a:ext cx="0" cy="4191000"/>
+            </a:xfrm>
+            <a:prstGeom prst="line">
+              <a:avLst/>
+            </a:prstGeom>
+            <a:noFill/>
+            <a:ln w="9525">
+              <a:solidFill>
+                <a:schemeClr val="tx1"/>
+              </a:solidFill>
+              <a:round/>
+              <a:headEnd type="triangle" w="med" len="med"/>
+              <a:tailEnd/>
+            </a:ln>
+          </p:spPr>
+          <p:txBody>
+            <a:bodyPr>
+              <a:prstTxWarp prst="textNoShape">
+                <a:avLst/>
+              </a:prstTxWarp>
+            </a:bodyPr>
+            <a:lstStyle/>
+            <a:p>
+              <a:endParaRPr lang="en-US"/>
+            </a:p>
+          </p:txBody>
+        </p:sp>
+        <p:sp>
+          <p:nvSpPr>
+            <p:cNvPr id="10" name="Line 64">
+              <a:extLst>
+                <a:ext uri="{FF2B5EF4-FFF2-40B4-BE49-F238E27FC236}">
+                  <a16:creationId xmlns:a16="http://schemas.microsoft.com/office/drawing/2014/main" id="{7A4A3513-B589-8E41-A169-DFCE2527AB59}"/>
+                </a:ext>
+              </a:extLst>
+            </p:cNvPr>
+            <p:cNvSpPr>
+              <a:spLocks noChangeShapeType="1"/>
+            </p:cNvSpPr>
+            <p:nvPr/>
+          </p:nvSpPr>
+          <p:spPr bwMode="auto">
+            <a:xfrm>
+              <a:off x="1981200" y="1752600"/>
+              <a:ext cx="0" cy="4267200"/>
+            </a:xfrm>
+            <a:prstGeom prst="line">
+              <a:avLst/>
+            </a:prstGeom>
+            <a:noFill/>
+            <a:ln w="9525">
+              <a:solidFill>
+                <a:schemeClr val="tx1"/>
+              </a:solidFill>
+              <a:prstDash val="sysDot"/>
+              <a:round/>
+              <a:headEnd/>
+              <a:tailEnd/>
+            </a:ln>
+          </p:spPr>
+          <p:txBody>
+            <a:bodyPr>
+              <a:prstTxWarp prst="textNoShape">
+                <a:avLst/>
+              </a:prstTxWarp>
+            </a:bodyPr>
+            <a:lstStyle/>
+            <a:p>
+              <a:endParaRPr lang="en-US"/>
+            </a:p>
+          </p:txBody>
+        </p:sp>
+        <p:sp>
+          <p:nvSpPr>
+            <p:cNvPr id="11" name="Line 65">
+              <a:extLst>
+                <a:ext uri="{FF2B5EF4-FFF2-40B4-BE49-F238E27FC236}">
+                  <a16:creationId xmlns:a16="http://schemas.microsoft.com/office/drawing/2014/main" id="{B5D4F2BD-E590-0943-B9D3-507D34902644}"/>
+                </a:ext>
+              </a:extLst>
+            </p:cNvPr>
+            <p:cNvSpPr>
+              <a:spLocks noChangeShapeType="1"/>
+            </p:cNvSpPr>
+            <p:nvPr/>
+          </p:nvSpPr>
+          <p:spPr bwMode="auto">
+            <a:xfrm>
+              <a:off x="3124200" y="1752600"/>
+              <a:ext cx="0" cy="4267200"/>
+            </a:xfrm>
+            <a:prstGeom prst="line">
+              <a:avLst/>
+            </a:prstGeom>
+            <a:noFill/>
+            <a:ln w="9525">
+              <a:solidFill>
+                <a:schemeClr val="tx1"/>
+              </a:solidFill>
+              <a:prstDash val="sysDot"/>
+              <a:round/>
+              <a:headEnd/>
+              <a:tailEnd/>
+            </a:ln>
+          </p:spPr>
+          <p:txBody>
+            <a:bodyPr>
+              <a:prstTxWarp prst="textNoShape">
+                <a:avLst/>
+              </a:prstTxWarp>
+            </a:bodyPr>
+            <a:lstStyle/>
+            <a:p>
+              <a:endParaRPr lang="en-US"/>
+            </a:p>
+          </p:txBody>
+        </p:sp>
+        <p:sp>
+          <p:nvSpPr>
+            <p:cNvPr id="12" name="Line 66">
+              <a:extLst>
+                <a:ext uri="{FF2B5EF4-FFF2-40B4-BE49-F238E27FC236}">
+                  <a16:creationId xmlns:a16="http://schemas.microsoft.com/office/drawing/2014/main" id="{3BBFAA40-7340-D54E-A27B-43102E4DE52D}"/>
+                </a:ext>
+              </a:extLst>
+            </p:cNvPr>
+            <p:cNvSpPr>
+              <a:spLocks noChangeShapeType="1"/>
+            </p:cNvSpPr>
+            <p:nvPr/>
+          </p:nvSpPr>
+          <p:spPr bwMode="auto">
+            <a:xfrm>
+              <a:off x="4343400" y="1752600"/>
+              <a:ext cx="0" cy="4267200"/>
+            </a:xfrm>
+            <a:prstGeom prst="line">
+              <a:avLst/>
+            </a:prstGeom>
+            <a:noFill/>
+            <a:ln w="9525">
+              <a:solidFill>
+                <a:schemeClr val="tx1"/>
+              </a:solidFill>
+              <a:prstDash val="sysDot"/>
+              <a:round/>
+              <a:headEnd/>
+              <a:tailEnd/>
+            </a:ln>
+          </p:spPr>
+          <p:txBody>
+            <a:bodyPr>
+              <a:prstTxWarp prst="textNoShape">
+                <a:avLst/>
+              </a:prstTxWarp>
+            </a:bodyPr>
+            <a:lstStyle/>
+            <a:p>
+              <a:endParaRPr lang="en-US"/>
+            </a:p>
+          </p:txBody>
+        </p:sp>
+        <p:sp>
+          <p:nvSpPr>
+            <p:cNvPr id="13" name="Line 67">
+              <a:extLst>
+                <a:ext uri="{FF2B5EF4-FFF2-40B4-BE49-F238E27FC236}">
+                  <a16:creationId xmlns:a16="http://schemas.microsoft.com/office/drawing/2014/main" id="{E76DE261-EFC4-814B-B4D1-67812D6DC300}"/>
+                </a:ext>
+              </a:extLst>
+            </p:cNvPr>
+            <p:cNvSpPr>
+              <a:spLocks noChangeShapeType="1"/>
+            </p:cNvSpPr>
+            <p:nvPr/>
+          </p:nvSpPr>
+          <p:spPr bwMode="auto">
+            <a:xfrm>
+              <a:off x="5562600" y="1752600"/>
+              <a:ext cx="0" cy="4267200"/>
+            </a:xfrm>
+            <a:prstGeom prst="line">
+              <a:avLst/>
+            </a:prstGeom>
+            <a:noFill/>
+            <a:ln w="9525">
+              <a:solidFill>
+                <a:schemeClr val="tx1"/>
+              </a:solidFill>
+              <a:prstDash val="sysDot"/>
+              <a:round/>
+              <a:headEnd/>
+              <a:tailEnd/>
+            </a:ln>
+          </p:spPr>
+          <p:txBody>
+            <a:bodyPr>
+              <a:prstTxWarp prst="textNoShape">
+                <a:avLst/>
+              </a:prstTxWarp>
+            </a:bodyPr>
+            <a:lstStyle/>
+            <a:p>
+              <a:endParaRPr lang="en-US"/>
+            </a:p>
+          </p:txBody>
+        </p:sp>
+        <p:sp>
+          <p:nvSpPr>
+            <p:cNvPr id="14" name="Line 68">
+              <a:extLst>
+                <a:ext uri="{FF2B5EF4-FFF2-40B4-BE49-F238E27FC236}">
+                  <a16:creationId xmlns:a16="http://schemas.microsoft.com/office/drawing/2014/main" id="{9E1423C3-3D60-3D4C-99B1-C013AEB9FBBE}"/>
+                </a:ext>
+              </a:extLst>
+            </p:cNvPr>
+            <p:cNvSpPr>
+              <a:spLocks noChangeShapeType="1"/>
+            </p:cNvSpPr>
+            <p:nvPr/>
+          </p:nvSpPr>
+          <p:spPr bwMode="auto">
+            <a:xfrm>
+              <a:off x="6781800" y="1752600"/>
+              <a:ext cx="0" cy="4267200"/>
+            </a:xfrm>
+            <a:prstGeom prst="line">
+              <a:avLst/>
+            </a:prstGeom>
+            <a:noFill/>
+            <a:ln w="9525">
+              <a:solidFill>
+                <a:schemeClr val="tx1"/>
+              </a:solidFill>
+              <a:prstDash val="sysDot"/>
+              <a:round/>
+              <a:headEnd/>
+              <a:tailEnd/>
+            </a:ln>
+          </p:spPr>
+          <p:txBody>
+            <a:bodyPr>
+              <a:prstTxWarp prst="textNoShape">
+                <a:avLst/>
+              </a:prstTxWarp>
+            </a:bodyPr>
+            <a:lstStyle/>
+            <a:p>
+              <a:endParaRPr lang="en-US"/>
+            </a:p>
+          </p:txBody>
+        </p:sp>
+        <p:sp>
+          <p:nvSpPr>
+            <p:cNvPr id="15" name="Line 69">
+              <a:extLst>
+                <a:ext uri="{FF2B5EF4-FFF2-40B4-BE49-F238E27FC236}">
+                  <a16:creationId xmlns:a16="http://schemas.microsoft.com/office/drawing/2014/main" id="{EA74C5AE-7388-784B-A5A2-20FA5E7ED346}"/>
+                </a:ext>
+              </a:extLst>
+            </p:cNvPr>
+            <p:cNvSpPr>
+              <a:spLocks noChangeShapeType="1"/>
+            </p:cNvSpPr>
+            <p:nvPr/>
+          </p:nvSpPr>
+          <p:spPr bwMode="auto">
+            <a:xfrm>
+              <a:off x="8077200" y="1752600"/>
+              <a:ext cx="0" cy="4267200"/>
+            </a:xfrm>
+            <a:prstGeom prst="line">
+              <a:avLst/>
+            </a:prstGeom>
+            <a:noFill/>
+            <a:ln w="9525">
+              <a:solidFill>
+                <a:schemeClr val="tx1"/>
+              </a:solidFill>
+              <a:prstDash val="sysDot"/>
+              <a:round/>
+              <a:headEnd/>
+              <a:tailEnd/>
+            </a:ln>
+          </p:spPr>
+          <p:txBody>
+            <a:bodyPr>
+              <a:prstTxWarp prst="textNoShape">
+                <a:avLst/>
+              </a:prstTxWarp>
+            </a:bodyPr>
+            <a:lstStyle/>
+            <a:p>
+              <a:endParaRPr lang="en-US"/>
+            </a:p>
+          </p:txBody>
+        </p:sp>
+      </p:grpSp>
+      <p:pic>
+        <p:nvPicPr>
+          <p:cNvPr id="22" name="Picture 21">
+            <a:extLst>
+              <a:ext uri="{FF2B5EF4-FFF2-40B4-BE49-F238E27FC236}">
+                <a16:creationId xmlns:a16="http://schemas.microsoft.com/office/drawing/2014/main" id="{5CFC6FE3-45C3-9E4B-8FEE-AD57D75F2315}"/>
+              </a:ext>
+            </a:extLst>
+          </p:cNvPr>
+          <p:cNvPicPr>
+            <a:picLocks noChangeAspect="1"/>
+          </p:cNvPicPr>
+          <p:nvPr/>
+        </p:nvPicPr>
+        <p:blipFill>
+          <a:blip r:embed="rId2"/>
+          <a:stretch>
+            <a:fillRect/>
+          </a:stretch>
+        </p:blipFill>
+        <p:spPr>
+          <a:xfrm>
+            <a:off x="8521700" y="4669226"/>
+            <a:ext cx="165100" cy="139700"/>
+          </a:xfrm>
+          <a:prstGeom prst="rect">
+            <a:avLst/>
+          </a:prstGeom>
+        </p:spPr>
+      </p:pic>
+      <p:sp>
+        <p:nvSpPr>
+          <p:cNvPr id="23" name="Text Box 63">
+            <a:extLst>
+              <a:ext uri="{FF2B5EF4-FFF2-40B4-BE49-F238E27FC236}">
+                <a16:creationId xmlns:a16="http://schemas.microsoft.com/office/drawing/2014/main" id="{2AA3A24B-10DA-4847-A2BE-8B922DEE0D6B}"/>
+              </a:ext>
+            </a:extLst>
+          </p:cNvPr>
+          <p:cNvSpPr txBox="1">
+            <a:spLocks noChangeArrowheads="1"/>
+          </p:cNvSpPr>
+          <p:nvPr/>
+        </p:nvSpPr>
+        <p:spPr bwMode="auto">
+          <a:xfrm>
+            <a:off x="272523" y="1786493"/>
+            <a:ext cx="3104248" cy="369332"/>
+          </a:xfrm>
+          <a:prstGeom prst="rect">
+            <a:avLst/>
+          </a:prstGeom>
+          <a:noFill/>
+          <a:ln w="9525">
+            <a:noFill/>
+            <a:miter lim="800000"/>
+            <a:headEnd/>
+            <a:tailEnd/>
+          </a:ln>
+        </p:spPr>
+        <p:txBody>
+          <a:bodyPr wrap="none">
+            <a:prstTxWarp prst="textNoShape">
+              <a:avLst/>
+            </a:prstTxWarp>
+            <a:spAutoFit/>
+          </a:bodyPr>
+          <a:lstStyle/>
+          <a:p>
+            <a:pPr algn="l"/>
+            <a:r>
+              <a:rPr lang="es-CL" dirty="0"/>
+              <a:t>PASO 3: División por el área</a:t>
+            </a:r>
+            <a:endParaRPr lang="en-US" dirty="0"/>
+          </a:p>
+        </p:txBody>
+      </p:sp>
+      <p:sp>
+        <p:nvSpPr>
+          <p:cNvPr id="24" name="Freeform 23">
+            <a:extLst>
+              <a:ext uri="{FF2B5EF4-FFF2-40B4-BE49-F238E27FC236}">
+                <a16:creationId xmlns:a16="http://schemas.microsoft.com/office/drawing/2014/main" id="{0A79A549-B230-3C4B-9D26-CCEE3E603DDD}"/>
+              </a:ext>
+            </a:extLst>
+          </p:cNvPr>
+          <p:cNvSpPr/>
+          <p:nvPr/>
+        </p:nvSpPr>
+        <p:spPr>
+          <a:xfrm>
+            <a:off x="2596713" y="3610959"/>
+            <a:ext cx="4508938" cy="863033"/>
+          </a:xfrm>
+          <a:custGeom>
+            <a:avLst/>
+            <a:gdLst>
+              <a:gd name="connsiteX0" fmla="*/ 0 w 4508938"/>
+              <a:gd name="connsiteY0" fmla="*/ 863033 h 863033"/>
+              <a:gd name="connsiteX1" fmla="*/ 609600 w 4508938"/>
+              <a:gd name="connsiteY1" fmla="*/ 751313 h 863033"/>
+              <a:gd name="connsiteX2" fmla="*/ 1240221 w 4508938"/>
+              <a:gd name="connsiteY2" fmla="*/ 484904 h 863033"/>
+              <a:gd name="connsiteX3" fmla="*/ 1797269 w 4508938"/>
+              <a:gd name="connsiteY3" fmla="*/ 3651 h 863033"/>
+              <a:gd name="connsiteX4" fmla="*/ 2438400 w 4508938"/>
+              <a:gd name="connsiteY4" fmla="*/ 270059 h 863033"/>
+              <a:gd name="connsiteX5" fmla="*/ 3026980 w 4508938"/>
+              <a:gd name="connsiteY5" fmla="*/ 390373 h 863033"/>
+              <a:gd name="connsiteX6" fmla="*/ 3762704 w 4508938"/>
+              <a:gd name="connsiteY6" fmla="*/ 536467 h 863033"/>
+              <a:gd name="connsiteX7" fmla="*/ 4508938 w 4508938"/>
+              <a:gd name="connsiteY7" fmla="*/ 854438 h 863033"/>
+            </a:gdLst>
+            <a:ahLst/>
+            <a:cxnLst>
+              <a:cxn ang="0">
+                <a:pos x="connsiteX0" y="connsiteY0"/>
+              </a:cxn>
+              <a:cxn ang="0">
+                <a:pos x="connsiteX1" y="connsiteY1"/>
+              </a:cxn>
+              <a:cxn ang="0">
+                <a:pos x="connsiteX2" y="connsiteY2"/>
+              </a:cxn>
+              <a:cxn ang="0">
+                <a:pos x="connsiteX3" y="connsiteY3"/>
+              </a:cxn>
+              <a:cxn ang="0">
+                <a:pos x="connsiteX4" y="connsiteY4"/>
+              </a:cxn>
+              <a:cxn ang="0">
+                <a:pos x="connsiteX5" y="connsiteY5"/>
+              </a:cxn>
+              <a:cxn ang="0">
+                <a:pos x="connsiteX6" y="connsiteY6"/>
+              </a:cxn>
+              <a:cxn ang="0">
+                <a:pos x="connsiteX7" y="connsiteY7"/>
+              </a:cxn>
+            </a:cxnLst>
+            <a:rect l="l" t="t" r="r" b="b"/>
+            <a:pathLst>
+              <a:path w="4508938" h="863033" extrusionOk="0">
+                <a:moveTo>
+                  <a:pt x="0" y="863033"/>
+                </a:moveTo>
+                <a:cubicBezTo>
+                  <a:pt x="158642" y="812279"/>
+                  <a:pt x="396978" y="816555"/>
+                  <a:pt x="609600" y="751313"/>
+                </a:cubicBezTo>
+                <a:cubicBezTo>
+                  <a:pt x="847454" y="694849"/>
+                  <a:pt x="1017726" y="610295"/>
+                  <a:pt x="1240221" y="484904"/>
+                </a:cubicBezTo>
+                <a:cubicBezTo>
+                  <a:pt x="1405246" y="392442"/>
+                  <a:pt x="1592645" y="66699"/>
+                  <a:pt x="1797269" y="3651"/>
+                </a:cubicBezTo>
+                <a:cubicBezTo>
+                  <a:pt x="1978369" y="-42331"/>
+                  <a:pt x="2276305" y="226083"/>
+                  <a:pt x="2438400" y="270059"/>
+                </a:cubicBezTo>
+                <a:cubicBezTo>
+                  <a:pt x="2643353" y="334513"/>
+                  <a:pt x="3026980" y="390372"/>
+                  <a:pt x="3026980" y="390373"/>
+                </a:cubicBezTo>
+                <a:cubicBezTo>
+                  <a:pt x="3207279" y="428585"/>
+                  <a:pt x="3482611" y="490286"/>
+                  <a:pt x="3762704" y="536467"/>
+                </a:cubicBezTo>
+                <a:cubicBezTo>
+                  <a:pt x="4006648" y="584738"/>
+                  <a:pt x="4223955" y="783268"/>
+                  <a:pt x="4508938" y="854438"/>
+                </a:cubicBezTo>
+              </a:path>
+            </a:pathLst>
+          </a:custGeom>
+          <a:noFill/>
+          <a:ln w="25400">
+            <a:solidFill>
+              <a:srgbClr val="FF0000"/>
+            </a:solidFill>
+            <a:prstDash val="solid"/>
+            <a:extLst>
+              <a:ext uri="{C807C97D-BFC1-408E-A445-0C87EB9F89A2}">
+                <ask:lineSketchStyleProps xmlns:ask="http://schemas.microsoft.com/office/drawing/2018/sketchyshapes" sd="1219033472">
+                  <a:custGeom>
+                    <a:avLst/>
+                    <a:gdLst>
+                      <a:gd name="connsiteX0" fmla="*/ 0 w 4508938"/>
+                      <a:gd name="connsiteY0" fmla="*/ 1055501 h 1055501"/>
+                      <a:gd name="connsiteX1" fmla="*/ 609600 w 4508938"/>
+                      <a:gd name="connsiteY1" fmla="*/ 918866 h 1055501"/>
+                      <a:gd name="connsiteX2" fmla="*/ 1240221 w 4508938"/>
+                      <a:gd name="connsiteY2" fmla="*/ 593045 h 1055501"/>
+                      <a:gd name="connsiteX3" fmla="*/ 1797269 w 4508938"/>
+                      <a:gd name="connsiteY3" fmla="*/ 4466 h 1055501"/>
+                      <a:gd name="connsiteX4" fmla="*/ 2438400 w 4508938"/>
+                      <a:gd name="connsiteY4" fmla="*/ 330287 h 1055501"/>
+                      <a:gd name="connsiteX5" fmla="*/ 3026980 w 4508938"/>
+                      <a:gd name="connsiteY5" fmla="*/ 477432 h 1055501"/>
+                      <a:gd name="connsiteX6" fmla="*/ 3762704 w 4508938"/>
+                      <a:gd name="connsiteY6" fmla="*/ 656107 h 1055501"/>
+                      <a:gd name="connsiteX7" fmla="*/ 4508938 w 4508938"/>
+                      <a:gd name="connsiteY7" fmla="*/ 1044990 h 1055501"/>
+                    </a:gdLst>
+                    <a:ahLst/>
+                    <a:cxnLst>
+                      <a:cxn ang="0">
+                        <a:pos x="connsiteX0" y="connsiteY0"/>
+                      </a:cxn>
+                      <a:cxn ang="0">
+                        <a:pos x="connsiteX1" y="connsiteY1"/>
+                      </a:cxn>
+                      <a:cxn ang="0">
+                        <a:pos x="connsiteX2" y="connsiteY2"/>
+                      </a:cxn>
+                      <a:cxn ang="0">
+                        <a:pos x="connsiteX3" y="connsiteY3"/>
+                      </a:cxn>
+                      <a:cxn ang="0">
+                        <a:pos x="connsiteX4" y="connsiteY4"/>
+                      </a:cxn>
+                      <a:cxn ang="0">
+                        <a:pos x="connsiteX5" y="connsiteY5"/>
+                      </a:cxn>
+                      <a:cxn ang="0">
+                        <a:pos x="connsiteX6" y="connsiteY6"/>
+                      </a:cxn>
+                      <a:cxn ang="0">
+                        <a:pos x="connsiteX7" y="connsiteY7"/>
+                      </a:cxn>
+                    </a:cxnLst>
+                    <a:rect l="l" t="t" r="r" b="b"/>
+                    <a:pathLst>
+                      <a:path w="4508938" h="1055501">
+                        <a:moveTo>
+                          <a:pt x="0" y="1055501"/>
+                        </a:moveTo>
+                        <a:cubicBezTo>
+                          <a:pt x="201448" y="1025721"/>
+                          <a:pt x="402897" y="995942"/>
+                          <a:pt x="609600" y="918866"/>
+                        </a:cubicBezTo>
+                        <a:cubicBezTo>
+                          <a:pt x="816304" y="841790"/>
+                          <a:pt x="1042276" y="745445"/>
+                          <a:pt x="1240221" y="593045"/>
+                        </a:cubicBezTo>
+                        <a:cubicBezTo>
+                          <a:pt x="1438166" y="440645"/>
+                          <a:pt x="1597573" y="48259"/>
+                          <a:pt x="1797269" y="4466"/>
+                        </a:cubicBezTo>
+                        <a:cubicBezTo>
+                          <a:pt x="1996965" y="-39327"/>
+                          <a:pt x="2233448" y="251459"/>
+                          <a:pt x="2438400" y="330287"/>
+                        </a:cubicBezTo>
+                        <a:cubicBezTo>
+                          <a:pt x="2643352" y="409115"/>
+                          <a:pt x="3026980" y="477432"/>
+                          <a:pt x="3026980" y="477432"/>
+                        </a:cubicBezTo>
+                        <a:cubicBezTo>
+                          <a:pt x="3247697" y="531735"/>
+                          <a:pt x="3515711" y="561514"/>
+                          <a:pt x="3762704" y="656107"/>
+                        </a:cubicBezTo>
+                        <a:cubicBezTo>
+                          <a:pt x="4009697" y="750700"/>
+                          <a:pt x="4259317" y="897845"/>
+                          <a:pt x="4508938" y="1044990"/>
+                        </a:cubicBezTo>
+                      </a:path>
+                    </a:pathLst>
+                  </a:custGeom>
+                  <ask:type>
+                    <ask:lineSketchFreehand/>
+                  </ask:type>
+                </ask:lineSketchStyleProps>
+              </a:ext>
+            </a:extLst>
+          </a:ln>
+          <a:effectLst/>
+        </p:spPr>
+        <p:style>
+          <a:lnRef idx="1">
+            <a:schemeClr val="accent1"/>
+          </a:lnRef>
+          <a:fillRef idx="3">
+            <a:schemeClr val="accent1"/>
+          </a:fillRef>
+          <a:effectRef idx="2">
+            <a:schemeClr val="accent1"/>
+          </a:effectRef>
+          <a:fontRef idx="minor">
+            <a:schemeClr val="lt1"/>
+          </a:fontRef>
+        </p:style>
+        <p:txBody>
+          <a:bodyPr rtlCol="0" anchor="ctr"/>
+          <a:lstStyle/>
+          <a:p>
+            <a:pPr algn="ctr"/>
+            <a:endParaRPr lang="en-US"/>
+          </a:p>
+        </p:txBody>
+      </p:sp>
+      <p:pic>
+        <p:nvPicPr>
+          <p:cNvPr id="17" name="Picture 16">
+            <a:extLst>
+              <a:ext uri="{FF2B5EF4-FFF2-40B4-BE49-F238E27FC236}">
+                <a16:creationId xmlns:a16="http://schemas.microsoft.com/office/drawing/2014/main" id="{DAA51677-F9AC-FB45-BF83-78704CAD272A}"/>
+              </a:ext>
+            </a:extLst>
+          </p:cNvPr>
+          <p:cNvPicPr>
+            <a:picLocks noChangeAspect="1"/>
+          </p:cNvPicPr>
+          <p:nvPr/>
+        </p:nvPicPr>
+        <p:blipFill>
+          <a:blip r:embed="rId3"/>
+          <a:stretch>
+            <a:fillRect/>
+          </a:stretch>
+        </p:blipFill>
+        <p:spPr>
+          <a:xfrm>
+            <a:off x="6178113" y="2977659"/>
+            <a:ext cx="825500" cy="685800"/>
+          </a:xfrm>
+          <a:prstGeom prst="rect">
+            <a:avLst/>
+          </a:prstGeom>
+        </p:spPr>
+      </p:pic>
+      <p:sp>
+        <p:nvSpPr>
+          <p:cNvPr id="18" name="Text Box 63">
+            <a:extLst>
+              <a:ext uri="{FF2B5EF4-FFF2-40B4-BE49-F238E27FC236}">
+                <a16:creationId xmlns:a16="http://schemas.microsoft.com/office/drawing/2014/main" id="{943D8A06-96C2-9341-9110-C76394881EC8}"/>
+              </a:ext>
+            </a:extLst>
+          </p:cNvPr>
+          <p:cNvSpPr txBox="1">
+            <a:spLocks noChangeArrowheads="1"/>
+          </p:cNvSpPr>
+          <p:nvPr/>
+        </p:nvSpPr>
+        <p:spPr bwMode="auto">
+          <a:xfrm>
+            <a:off x="888588" y="2851125"/>
+            <a:ext cx="646331" cy="369332"/>
+          </a:xfrm>
+          <a:prstGeom prst="rect">
+            <a:avLst/>
+          </a:prstGeom>
+          <a:noFill/>
+          <a:ln w="9525">
+            <a:noFill/>
+            <a:miter lim="800000"/>
+            <a:headEnd/>
+            <a:tailEnd/>
+          </a:ln>
+        </p:spPr>
+        <p:txBody>
+          <a:bodyPr wrap="none">
+            <a:prstTxWarp prst="textNoShape">
+              <a:avLst/>
+            </a:prstTxWarp>
+            <a:spAutoFit/>
+          </a:bodyPr>
+          <a:lstStyle/>
+          <a:p>
+            <a:pPr algn="l"/>
+            <a:r>
+              <a:rPr lang="es-CL" dirty="0"/>
+              <a:t>PDF</a:t>
+            </a:r>
+            <a:endParaRPr lang="en-US" dirty="0"/>
+          </a:p>
+        </p:txBody>
+      </p:sp>
+    </p:spTree>
+    <p:extLst>
+      <p:ext uri="{BB962C8B-B14F-4D97-AF65-F5344CB8AC3E}">
+        <p14:creationId xmlns:p14="http://schemas.microsoft.com/office/powerpoint/2010/main" val="3455072932"/>
+      </p:ext>
+    </p:extLst>
+  </p:cSld>
+  <p:clrMapOvr>
+    <a:masterClrMapping/>
+  </p:clrMapOvr>
+</p:sld>
+</file>
+
+<file path=ppt/slides/slide35.xml><?xml version="1.0" encoding="utf-8"?>
+<p:sld xmlns:a="http://schemas.openxmlformats.org/drawingml/2006/main" xmlns:r="http://schemas.openxmlformats.org/officeDocument/2006/relationships" xmlns:p="http://schemas.openxmlformats.org/presentationml/2006/main">
+  <p:cSld>
+    <p:spTree>
+      <p:nvGrpSpPr>
+        <p:cNvPr id="1" name=""/>
+        <p:cNvGrpSpPr/>
+        <p:nvPr/>
+      </p:nvGrpSpPr>
+      <p:grpSpPr>
+        <a:xfrm>
+          <a:off x="0" y="0"/>
+          <a:ext cx="0" cy="0"/>
+          <a:chOff x="0" y="0"/>
+          <a:chExt cx="0" cy="0"/>
+        </a:xfrm>
+      </p:grpSpPr>
+      <p:sp>
+        <p:nvSpPr>
+          <p:cNvPr id="4" name="Footer Placeholder 3">
+            <a:extLst>
+              <a:ext uri="{FF2B5EF4-FFF2-40B4-BE49-F238E27FC236}">
+                <a16:creationId xmlns:a16="http://schemas.microsoft.com/office/drawing/2014/main" id="{8FA28AA0-D869-7C4A-8BB6-E336D41304C4}"/>
+              </a:ext>
+            </a:extLst>
+          </p:cNvPr>
+          <p:cNvSpPr>
+            <a:spLocks noGrp="1"/>
+          </p:cNvSpPr>
+          <p:nvPr>
+            <p:ph type="ftr" sz="quarter" idx="11"/>
+          </p:nvPr>
+        </p:nvSpPr>
+        <p:spPr/>
+        <p:txBody>
+          <a:bodyPr/>
+          <a:lstStyle/>
+          <a:p>
+            <a:r>
+              <a:rPr lang="es-ES"/>
+              <a:t>PAT04_Bayes.pptx</a:t>
+            </a:r>
+          </a:p>
+        </p:txBody>
+      </p:sp>
+      <p:sp>
+        <p:nvSpPr>
+          <p:cNvPr id="5" name="Slide Number Placeholder 4">
+            <a:extLst>
+              <a:ext uri="{FF2B5EF4-FFF2-40B4-BE49-F238E27FC236}">
+                <a16:creationId xmlns:a16="http://schemas.microsoft.com/office/drawing/2014/main" id="{F2F454E6-07FA-E545-92D6-901D73E317DA}"/>
+              </a:ext>
+            </a:extLst>
+          </p:cNvPr>
+          <p:cNvSpPr>
+            <a:spLocks noGrp="1"/>
+          </p:cNvSpPr>
+          <p:nvPr>
+            <p:ph type="sldNum" sz="quarter" idx="12"/>
+          </p:nvPr>
+        </p:nvSpPr>
+        <p:spPr/>
+        <p:txBody>
+          <a:bodyPr/>
+          <a:lstStyle/>
+          <a:p>
+            <a:fld id="{B2515E32-AEC1-A643-BA35-1EE2E73D4B01}" type="slidenum">
+              <a:rPr lang="es-ES" smtClean="0"/>
+              <a:pPr/>
+              <a:t>35</a:t>
+            </a:fld>
+            <a:endParaRPr lang="es-ES"/>
+          </a:p>
+        </p:txBody>
+      </p:sp>
+      <p:pic>
+        <p:nvPicPr>
+          <p:cNvPr id="16" name="Picture 15">
+            <a:extLst>
+              <a:ext uri="{FF2B5EF4-FFF2-40B4-BE49-F238E27FC236}">
+                <a16:creationId xmlns:a16="http://schemas.microsoft.com/office/drawing/2014/main" id="{1754A5F3-F249-B843-BB1D-BF2CA4A23734}"/>
+              </a:ext>
+            </a:extLst>
+          </p:cNvPr>
+          <p:cNvPicPr>
+            <a:picLocks noChangeAspect="1"/>
+          </p:cNvPicPr>
+          <p:nvPr/>
+        </p:nvPicPr>
+        <p:blipFill>
+          <a:blip r:embed="rId2"/>
+          <a:stretch>
+            <a:fillRect/>
+          </a:stretch>
+        </p:blipFill>
+        <p:spPr>
+          <a:xfrm>
+            <a:off x="1902380" y="5180808"/>
+            <a:ext cx="5092700" cy="596900"/>
+          </a:xfrm>
+          <a:prstGeom prst="rect">
+            <a:avLst/>
+          </a:prstGeom>
+        </p:spPr>
+      </p:pic>
+      <p:pic>
+        <p:nvPicPr>
+          <p:cNvPr id="18" name="Picture 17">
+            <a:extLst>
+              <a:ext uri="{FF2B5EF4-FFF2-40B4-BE49-F238E27FC236}">
+                <a16:creationId xmlns:a16="http://schemas.microsoft.com/office/drawing/2014/main" id="{AEB047CD-FBFD-1A45-9DDB-8F95BE5B7F6C}"/>
+              </a:ext>
+            </a:extLst>
+          </p:cNvPr>
+          <p:cNvPicPr>
+            <a:picLocks noChangeAspect="1"/>
+          </p:cNvPicPr>
+          <p:nvPr/>
+        </p:nvPicPr>
+        <p:blipFill>
+          <a:blip r:embed="rId3">
+            <a:alphaModFix/>
+          </a:blip>
+          <a:stretch>
+            <a:fillRect/>
+          </a:stretch>
+        </p:blipFill>
+        <p:spPr>
+          <a:xfrm>
+            <a:off x="1255989" y="868442"/>
+            <a:ext cx="6362700" cy="4978400"/>
+          </a:xfrm>
+          <a:prstGeom prst="rect">
+            <a:avLst/>
+          </a:prstGeom>
+        </p:spPr>
+      </p:pic>
+      <p:sp>
+        <p:nvSpPr>
+          <p:cNvPr id="25" name="Text Box 63">
+            <a:extLst>
+              <a:ext uri="{FF2B5EF4-FFF2-40B4-BE49-F238E27FC236}">
+                <a16:creationId xmlns:a16="http://schemas.microsoft.com/office/drawing/2014/main" id="{86AB7813-0262-2046-933C-D02B43ADC5D9}"/>
+              </a:ext>
+            </a:extLst>
+          </p:cNvPr>
+          <p:cNvSpPr txBox="1">
+            <a:spLocks noChangeArrowheads="1"/>
+          </p:cNvSpPr>
+          <p:nvPr/>
+        </p:nvSpPr>
+        <p:spPr bwMode="auto">
+          <a:xfrm>
+            <a:off x="3908998" y="516889"/>
+            <a:ext cx="1326004" cy="369332"/>
+          </a:xfrm>
+          <a:prstGeom prst="rect">
+            <a:avLst/>
+          </a:prstGeom>
+          <a:noFill/>
+          <a:ln w="9525">
+            <a:noFill/>
+            <a:miter lim="800000"/>
+            <a:headEnd/>
+            <a:tailEnd/>
+          </a:ln>
+        </p:spPr>
+        <p:txBody>
+          <a:bodyPr wrap="none">
+            <a:prstTxWarp prst="textNoShape">
+              <a:avLst/>
+            </a:prstTxWarp>
+            <a:spAutoFit/>
+          </a:bodyPr>
+          <a:lstStyle/>
+          <a:p>
+            <a:pPr algn="l"/>
+            <a:r>
+              <a:rPr lang="es-CL" dirty="0"/>
+              <a:t>PDF en 1D</a:t>
+            </a:r>
+            <a:endParaRPr lang="en-US" dirty="0"/>
+          </a:p>
+        </p:txBody>
+      </p:sp>
+      <p:sp>
+        <p:nvSpPr>
+          <p:cNvPr id="26" name="Text Box 63">
+            <a:extLst>
+              <a:ext uri="{FF2B5EF4-FFF2-40B4-BE49-F238E27FC236}">
+                <a16:creationId xmlns:a16="http://schemas.microsoft.com/office/drawing/2014/main" id="{F9183AE1-220C-5345-9A95-F71E05C5B3B1}"/>
+              </a:ext>
+            </a:extLst>
+          </p:cNvPr>
+          <p:cNvSpPr txBox="1">
+            <a:spLocks noChangeArrowheads="1"/>
+          </p:cNvSpPr>
+          <p:nvPr/>
+        </p:nvSpPr>
+        <p:spPr bwMode="auto">
+          <a:xfrm>
+            <a:off x="3889567" y="4675954"/>
+            <a:ext cx="1133644" cy="369332"/>
+          </a:xfrm>
+          <a:prstGeom prst="rect">
+            <a:avLst/>
+          </a:prstGeom>
+          <a:noFill/>
+          <a:ln w="9525">
+            <a:noFill/>
+            <a:miter lim="800000"/>
+            <a:headEnd/>
+            <a:tailEnd/>
+          </a:ln>
+        </p:spPr>
+        <p:txBody>
+          <a:bodyPr wrap="none">
+            <a:prstTxWarp prst="textNoShape">
+              <a:avLst/>
+            </a:prstTxWarp>
+            <a:spAutoFit/>
+          </a:bodyPr>
+          <a:lstStyle/>
+          <a:p>
+            <a:pPr algn="l"/>
+            <a:r>
+              <a:rPr lang="es-CL" dirty="0"/>
+              <a:t>Muestras</a:t>
+            </a:r>
+            <a:endParaRPr lang="en-US" dirty="0"/>
+          </a:p>
+        </p:txBody>
+      </p:sp>
+      <p:pic>
+        <p:nvPicPr>
+          <p:cNvPr id="27" name="Picture 26">
+            <a:extLst>
+              <a:ext uri="{FF2B5EF4-FFF2-40B4-BE49-F238E27FC236}">
+                <a16:creationId xmlns:a16="http://schemas.microsoft.com/office/drawing/2014/main" id="{824653CB-C2FE-7943-963A-E99159AAFB09}"/>
+              </a:ext>
+            </a:extLst>
+          </p:cNvPr>
+          <p:cNvPicPr>
+            <a:picLocks noChangeAspect="1"/>
+          </p:cNvPicPr>
+          <p:nvPr/>
+        </p:nvPicPr>
+        <p:blipFill>
+          <a:blip r:embed="rId4">
+            <a:alphaModFix/>
+          </a:blip>
+          <a:stretch>
+            <a:fillRect/>
+          </a:stretch>
+        </p:blipFill>
+        <p:spPr>
+          <a:xfrm>
+            <a:off x="1149575" y="815892"/>
+            <a:ext cx="6400800" cy="5016500"/>
+          </a:xfrm>
+          <a:prstGeom prst="rect">
+            <a:avLst/>
+          </a:prstGeom>
+        </p:spPr>
+      </p:pic>
+      <p:sp>
+        <p:nvSpPr>
+          <p:cNvPr id="28" name="Text Box 63">
+            <a:extLst>
+              <a:ext uri="{FF2B5EF4-FFF2-40B4-BE49-F238E27FC236}">
+                <a16:creationId xmlns:a16="http://schemas.microsoft.com/office/drawing/2014/main" id="{37A87D5E-F2BD-7F41-A59C-0FB0CBCC13A7}"/>
+              </a:ext>
+            </a:extLst>
+          </p:cNvPr>
+          <p:cNvSpPr txBox="1">
+            <a:spLocks noChangeArrowheads="1"/>
+          </p:cNvSpPr>
+          <p:nvPr/>
+        </p:nvSpPr>
+        <p:spPr bwMode="auto">
+          <a:xfrm>
+            <a:off x="4686868" y="2150439"/>
+            <a:ext cx="1732205" cy="369332"/>
+          </a:xfrm>
+          <a:prstGeom prst="rect">
+            <a:avLst/>
+          </a:prstGeom>
+          <a:noFill/>
+          <a:ln w="9525">
+            <a:noFill/>
+            <a:miter lim="800000"/>
+            <a:headEnd/>
+            <a:tailEnd/>
+          </a:ln>
+        </p:spPr>
+        <p:txBody>
+          <a:bodyPr wrap="none">
+            <a:prstTxWarp prst="textNoShape">
+              <a:avLst/>
+            </a:prstTxWarp>
+            <a:spAutoFit/>
+          </a:bodyPr>
+          <a:lstStyle/>
+          <a:p>
+            <a:pPr algn="l"/>
+            <a:r>
+              <a:rPr lang="es-CL" dirty="0"/>
+              <a:t>HISTOGRAMA</a:t>
+            </a:r>
+            <a:endParaRPr lang="en-US" dirty="0"/>
+          </a:p>
+        </p:txBody>
+      </p:sp>
+      <p:pic>
+        <p:nvPicPr>
+          <p:cNvPr id="29" name="Picture 28">
+            <a:extLst>
+              <a:ext uri="{FF2B5EF4-FFF2-40B4-BE49-F238E27FC236}">
+                <a16:creationId xmlns:a16="http://schemas.microsoft.com/office/drawing/2014/main" id="{F841AB4B-92F2-A54C-9333-AC20DDB9CA0B}"/>
+              </a:ext>
+            </a:extLst>
+          </p:cNvPr>
+          <p:cNvPicPr>
+            <a:picLocks noChangeAspect="1"/>
+          </p:cNvPicPr>
+          <p:nvPr/>
+        </p:nvPicPr>
+        <p:blipFill>
+          <a:blip r:embed="rId5">
+            <a:alphaModFix/>
+          </a:blip>
+          <a:stretch>
+            <a:fillRect/>
+          </a:stretch>
+        </p:blipFill>
+        <p:spPr>
+          <a:xfrm>
+            <a:off x="1232782" y="849668"/>
+            <a:ext cx="6299200" cy="4991100"/>
+          </a:xfrm>
+          <a:prstGeom prst="rect">
+            <a:avLst/>
+          </a:prstGeom>
+        </p:spPr>
+      </p:pic>
+    </p:spTree>
+    <p:extLst>
+      <p:ext uri="{BB962C8B-B14F-4D97-AF65-F5344CB8AC3E}">
+        <p14:creationId xmlns:p14="http://schemas.microsoft.com/office/powerpoint/2010/main" val="656380877"/>
+      </p:ext>
+    </p:extLst>
+  </p:cSld>
+  <p:clrMapOvr>
+    <a:masterClrMapping/>
+  </p:clrMapOvr>
+  <p:timing>
+    <p:tnLst>
+      <p:par>
+        <p:cTn id="1" dur="indefinite" restart="never" nodeType="tmRoot">
+          <p:childTnLst>
+            <p:seq concurrent="1" nextAc="seek">
+              <p:cTn id="2" dur="indefinite" nodeType="mainSeq">
+                <p:childTnLst>
+                  <p:par>
+                    <p:cTn id="3" fill="hold">
+                      <p:stCondLst>
+                        <p:cond delay="indefinite"/>
+                      </p:stCondLst>
+                      <p:childTnLst>
+                        <p:par>
+                          <p:cTn id="4" fill="hold">
+                            <p:stCondLst>
+                              <p:cond delay="0"/>
+                            </p:stCondLst>
+                            <p:childTnLst>
+                              <p:par>
+                                <p:cTn id="5" presetID="1" presetClass="entr" presetSubtype="0" fill="hold" nodeType="clickEffect">
+                                  <p:stCondLst>
+                                    <p:cond delay="0"/>
+                                  </p:stCondLst>
+                                  <p:childTnLst>
+                                    <p:set>
+                                      <p:cBhvr>
+                                        <p:cTn id="6" dur="1" fill="hold">
+                                          <p:stCondLst>
+                                            <p:cond delay="0"/>
+                                          </p:stCondLst>
+                                        </p:cTn>
+                                        <p:tgtEl>
+                                          <p:spTgt spid="18"/>
+                                        </p:tgtEl>
+                                        <p:attrNameLst>
+                                          <p:attrName>style.visibility</p:attrName>
+                                        </p:attrNameLst>
+                                      </p:cBhvr>
+                                      <p:to>
+                                        <p:strVal val="visible"/>
+                                      </p:to>
+                                    </p:set>
+                                  </p:childTnLst>
+                                </p:cTn>
+                              </p:par>
+                            </p:childTnLst>
+                          </p:cTn>
+                        </p:par>
+                      </p:childTnLst>
+                    </p:cTn>
+                  </p:par>
+                  <p:par>
+                    <p:cTn id="7" fill="hold">
+                      <p:stCondLst>
+                        <p:cond delay="indefinite"/>
+                      </p:stCondLst>
+                      <p:childTnLst>
+                        <p:par>
+                          <p:cTn id="8" fill="hold">
+                            <p:stCondLst>
+                              <p:cond delay="0"/>
+                            </p:stCondLst>
+                            <p:childTnLst>
+                              <p:par>
+                                <p:cTn id="9" presetID="1" presetClass="entr" presetSubtype="0" fill="hold" nodeType="clickEffect">
+                                  <p:stCondLst>
+                                    <p:cond delay="0"/>
+                                  </p:stCondLst>
+                                  <p:childTnLst>
+                                    <p:set>
+                                      <p:cBhvr>
+                                        <p:cTn id="10" dur="1" fill="hold">
+                                          <p:stCondLst>
+                                            <p:cond delay="0"/>
+                                          </p:stCondLst>
+                                        </p:cTn>
+                                        <p:tgtEl>
+                                          <p:spTgt spid="27"/>
+                                        </p:tgtEl>
+                                        <p:attrNameLst>
+                                          <p:attrName>style.visibility</p:attrName>
+                                        </p:attrNameLst>
+                                      </p:cBhvr>
+                                      <p:to>
+                                        <p:strVal val="visible"/>
+                                      </p:to>
+                                    </p:set>
+                                  </p:childTnLst>
+                                </p:cTn>
+                              </p:par>
+                              <p:par>
+                                <p:cTn id="11" presetID="1" presetClass="entr" presetSubtype="0" fill="hold" grpId="0" nodeType="withEffect">
+                                  <p:stCondLst>
+                                    <p:cond delay="0"/>
+                                  </p:stCondLst>
+                                  <p:childTnLst>
+                                    <p:set>
+                                      <p:cBhvr>
+                                        <p:cTn id="12" dur="1" fill="hold">
+                                          <p:stCondLst>
+                                            <p:cond delay="0"/>
+                                          </p:stCondLst>
+                                        </p:cTn>
+                                        <p:tgtEl>
+                                          <p:spTgt spid="28"/>
+                                        </p:tgtEl>
+                                        <p:attrNameLst>
+                                          <p:attrName>style.visibility</p:attrName>
+                                        </p:attrNameLst>
+                                      </p:cBhvr>
+                                      <p:to>
+                                        <p:strVal val="visible"/>
+                                      </p:to>
+                                    </p:set>
+                                  </p:childTnLst>
+                                </p:cTn>
+                              </p:par>
+                            </p:childTnLst>
+                          </p:cTn>
+                        </p:par>
+                      </p:childTnLst>
+                    </p:cTn>
+                  </p:par>
+                  <p:par>
+                    <p:cTn id="13" fill="hold">
+                      <p:stCondLst>
+                        <p:cond delay="indefinite"/>
+                      </p:stCondLst>
+                      <p:childTnLst>
+                        <p:par>
+                          <p:cTn id="14" fill="hold">
+                            <p:stCondLst>
+                              <p:cond delay="0"/>
+                            </p:stCondLst>
+                            <p:childTnLst>
+                              <p:par>
+                                <p:cTn id="15" presetID="1" presetClass="entr" presetSubtype="0" fill="hold" nodeType="clickEffect">
+                                  <p:stCondLst>
+                                    <p:cond delay="0"/>
+                                  </p:stCondLst>
+                                  <p:childTnLst>
+                                    <p:set>
+                                      <p:cBhvr>
+                                        <p:cTn id="16" dur="1" fill="hold">
+                                          <p:stCondLst>
+                                            <p:cond delay="0"/>
+                                          </p:stCondLst>
+                                        </p:cTn>
+                                        <p:tgtEl>
+                                          <p:spTgt spid="29"/>
+                                        </p:tgtEl>
+                                        <p:attrNameLst>
+                                          <p:attrName>style.visibility</p:attrName>
+                                        </p:attrNameLst>
+                                      </p:cBhvr>
+                                      <p:to>
+                                        <p:strVal val="visible"/>
+                                      </p:to>
+                                    </p:set>
+                                  </p:childTnLst>
+                                </p:cTn>
+                              </p:par>
+                            </p:childTnLst>
+                          </p:cTn>
+                        </p:par>
+                      </p:childTnLst>
+                    </p:cTn>
+                  </p:par>
+                </p:childTnLst>
+              </p:cTn>
+              <p:prevCondLst>
+                <p:cond evt="onPrev" delay="0">
+                  <p:tgtEl>
+                    <p:sldTgt/>
+                  </p:tgtEl>
+                </p:cond>
+              </p:prevCondLst>
+              <p:nextCondLst>
+                <p:cond evt="onNext" delay="0">
+                  <p:tgtEl>
+                    <p:sldTgt/>
+                  </p:tgtEl>
+                </p:cond>
+              </p:nextCondLst>
+            </p:seq>
+          </p:childTnLst>
+        </p:cTn>
+      </p:par>
+    </p:tnLst>
+    <p:bldLst>
+      <p:bldP spid="28" grpId="0"/>
+    </p:bldLst>
+  </p:timing>
+</p:sld>
+</file>
+
+<file path=ppt/slides/slide36.xml><?xml version="1.0" encoding="utf-8"?>
+<p:sld xmlns:a="http://schemas.openxmlformats.org/drawingml/2006/main" xmlns:r="http://schemas.openxmlformats.org/officeDocument/2006/relationships" xmlns:p="http://schemas.openxmlformats.org/presentationml/2006/main">
+  <p:cSld>
+    <p:spTree>
+      <p:nvGrpSpPr>
+        <p:cNvPr id="1" name=""/>
+        <p:cNvGrpSpPr/>
+        <p:nvPr/>
+      </p:nvGrpSpPr>
+      <p:grpSpPr>
+        <a:xfrm>
+          <a:off x="0" y="0"/>
+          <a:ext cx="0" cy="0"/>
+          <a:chOff x="0" y="0"/>
+          <a:chExt cx="0" cy="0"/>
+        </a:xfrm>
+      </p:grpSpPr>
+      <p:sp>
+        <p:nvSpPr>
+          <p:cNvPr id="4" name="Footer Placeholder 3">
+            <a:extLst>
+              <a:ext uri="{FF2B5EF4-FFF2-40B4-BE49-F238E27FC236}">
+                <a16:creationId xmlns:a16="http://schemas.microsoft.com/office/drawing/2014/main" id="{8FA28AA0-D869-7C4A-8BB6-E336D41304C4}"/>
+              </a:ext>
+            </a:extLst>
+          </p:cNvPr>
+          <p:cNvSpPr>
+            <a:spLocks noGrp="1"/>
+          </p:cNvSpPr>
+          <p:nvPr>
+            <p:ph type="ftr" sz="quarter" idx="11"/>
+          </p:nvPr>
+        </p:nvSpPr>
+        <p:spPr/>
+        <p:txBody>
+          <a:bodyPr/>
+          <a:lstStyle/>
+          <a:p>
+            <a:r>
+              <a:rPr lang="es-ES"/>
+              <a:t>PAT04_Bayes.pptx</a:t>
+            </a:r>
+          </a:p>
+        </p:txBody>
+      </p:sp>
+      <p:sp>
+        <p:nvSpPr>
+          <p:cNvPr id="5" name="Slide Number Placeholder 4">
+            <a:extLst>
+              <a:ext uri="{FF2B5EF4-FFF2-40B4-BE49-F238E27FC236}">
+                <a16:creationId xmlns:a16="http://schemas.microsoft.com/office/drawing/2014/main" id="{F2F454E6-07FA-E545-92D6-901D73E317DA}"/>
+              </a:ext>
+            </a:extLst>
+          </p:cNvPr>
+          <p:cNvSpPr>
+            <a:spLocks noGrp="1"/>
+          </p:cNvSpPr>
+          <p:nvPr>
+            <p:ph type="sldNum" sz="quarter" idx="12"/>
+          </p:nvPr>
+        </p:nvSpPr>
+        <p:spPr/>
+        <p:txBody>
+          <a:bodyPr/>
+          <a:lstStyle/>
+          <a:p>
+            <a:fld id="{B2515E32-AEC1-A643-BA35-1EE2E73D4B01}" type="slidenum">
+              <a:rPr lang="es-ES" smtClean="0"/>
+              <a:pPr/>
+              <a:t>36</a:t>
+            </a:fld>
+            <a:endParaRPr lang="es-ES"/>
+          </a:p>
+        </p:txBody>
+      </p:sp>
+      <p:pic>
+        <p:nvPicPr>
+          <p:cNvPr id="9" name="Picture 8">
+            <a:extLst>
+              <a:ext uri="{FF2B5EF4-FFF2-40B4-BE49-F238E27FC236}">
+                <a16:creationId xmlns:a16="http://schemas.microsoft.com/office/drawing/2014/main" id="{F84A522D-D92F-0D42-A335-B2EF42157D9B}"/>
+              </a:ext>
+            </a:extLst>
+          </p:cNvPr>
+          <p:cNvPicPr>
+            <a:picLocks noChangeAspect="1"/>
+          </p:cNvPicPr>
+          <p:nvPr/>
+        </p:nvPicPr>
+        <p:blipFill>
+          <a:blip r:embed="rId2"/>
+          <a:stretch>
+            <a:fillRect/>
+          </a:stretch>
+        </p:blipFill>
+        <p:spPr>
+          <a:xfrm>
+            <a:off x="199692" y="1654095"/>
+            <a:ext cx="4261865" cy="3357064"/>
+          </a:xfrm>
+          <a:prstGeom prst="rect">
+            <a:avLst/>
+          </a:prstGeom>
+        </p:spPr>
+      </p:pic>
+      <p:sp>
+        <p:nvSpPr>
+          <p:cNvPr id="10" name="Text Box 63">
+            <a:extLst>
+              <a:ext uri="{FF2B5EF4-FFF2-40B4-BE49-F238E27FC236}">
+                <a16:creationId xmlns:a16="http://schemas.microsoft.com/office/drawing/2014/main" id="{F95F75A8-3D9D-CD4B-8380-697A0CB103C8}"/>
+              </a:ext>
+            </a:extLst>
+          </p:cNvPr>
+          <p:cNvSpPr txBox="1">
+            <a:spLocks noChangeArrowheads="1"/>
+          </p:cNvSpPr>
+          <p:nvPr/>
+        </p:nvSpPr>
+        <p:spPr bwMode="auto">
+          <a:xfrm>
+            <a:off x="3908998" y="516889"/>
+            <a:ext cx="1326004" cy="369332"/>
+          </a:xfrm>
+          <a:prstGeom prst="rect">
+            <a:avLst/>
+          </a:prstGeom>
+          <a:noFill/>
+          <a:ln w="9525">
+            <a:noFill/>
+            <a:miter lim="800000"/>
+            <a:headEnd/>
+            <a:tailEnd/>
+          </a:ln>
+        </p:spPr>
+        <p:txBody>
+          <a:bodyPr wrap="none">
+            <a:prstTxWarp prst="textNoShape">
+              <a:avLst/>
+            </a:prstTxWarp>
+            <a:spAutoFit/>
+          </a:bodyPr>
+          <a:lstStyle/>
+          <a:p>
+            <a:pPr algn="l"/>
+            <a:r>
+              <a:rPr lang="es-CL" dirty="0"/>
+              <a:t>PDF en 2D</a:t>
+            </a:r>
+            <a:endParaRPr lang="en-US" dirty="0"/>
+          </a:p>
+        </p:txBody>
+      </p:sp>
+      <p:sp>
+        <p:nvSpPr>
+          <p:cNvPr id="11" name="Text Box 63">
+            <a:extLst>
+              <a:ext uri="{FF2B5EF4-FFF2-40B4-BE49-F238E27FC236}">
+                <a16:creationId xmlns:a16="http://schemas.microsoft.com/office/drawing/2014/main" id="{3A0F3BCB-08C1-B649-ACE9-88CD4649DE49}"/>
+              </a:ext>
+            </a:extLst>
+          </p:cNvPr>
+          <p:cNvSpPr txBox="1">
+            <a:spLocks noChangeArrowheads="1"/>
+          </p:cNvSpPr>
+          <p:nvPr/>
+        </p:nvSpPr>
+        <p:spPr bwMode="auto">
+          <a:xfrm>
+            <a:off x="1667622" y="5221451"/>
+            <a:ext cx="1133644" cy="369332"/>
+          </a:xfrm>
+          <a:prstGeom prst="rect">
+            <a:avLst/>
+          </a:prstGeom>
+          <a:noFill/>
+          <a:ln w="9525">
+            <a:noFill/>
+            <a:miter lim="800000"/>
+            <a:headEnd/>
+            <a:tailEnd/>
+          </a:ln>
+        </p:spPr>
+        <p:txBody>
+          <a:bodyPr wrap="none">
+            <a:prstTxWarp prst="textNoShape">
+              <a:avLst/>
+            </a:prstTxWarp>
+            <a:spAutoFit/>
+          </a:bodyPr>
+          <a:lstStyle/>
+          <a:p>
+            <a:pPr algn="l"/>
+            <a:r>
+              <a:rPr lang="es-CL" dirty="0"/>
+              <a:t>Muestras</a:t>
+            </a:r>
+            <a:endParaRPr lang="en-US" dirty="0"/>
+          </a:p>
+        </p:txBody>
+      </p:sp>
+      <p:grpSp>
+        <p:nvGrpSpPr>
+          <p:cNvPr id="2" name="Group 1">
+            <a:extLst>
+              <a:ext uri="{FF2B5EF4-FFF2-40B4-BE49-F238E27FC236}">
+                <a16:creationId xmlns:a16="http://schemas.microsoft.com/office/drawing/2014/main" id="{8BD98040-2A22-1342-960A-A19B26BD8888}"/>
+              </a:ext>
+            </a:extLst>
+          </p:cNvPr>
+          <p:cNvGrpSpPr/>
+          <p:nvPr/>
+        </p:nvGrpSpPr>
+        <p:grpSpPr>
+          <a:xfrm>
+            <a:off x="4624550" y="1687920"/>
+            <a:ext cx="4270320" cy="3902863"/>
+            <a:chOff x="4624550" y="1687920"/>
+            <a:chExt cx="4270320" cy="3902863"/>
+          </a:xfrm>
+        </p:grpSpPr>
+        <p:pic>
+          <p:nvPicPr>
+            <p:cNvPr id="7" name="Picture 6">
+              <a:extLst>
+                <a:ext uri="{FF2B5EF4-FFF2-40B4-BE49-F238E27FC236}">
+                  <a16:creationId xmlns:a16="http://schemas.microsoft.com/office/drawing/2014/main" id="{5145CDDD-4C64-5545-9678-F21116E7008A}"/>
+                </a:ext>
+              </a:extLst>
+            </p:cNvPr>
+            <p:cNvPicPr>
+              <a:picLocks noChangeAspect="1"/>
+            </p:cNvPicPr>
+            <p:nvPr/>
+          </p:nvPicPr>
+          <p:blipFill>
+            <a:blip r:embed="rId3"/>
+            <a:stretch>
+              <a:fillRect/>
+            </a:stretch>
+          </p:blipFill>
+          <p:spPr>
+            <a:xfrm>
+              <a:off x="4624550" y="1687920"/>
+              <a:ext cx="4270320" cy="3323239"/>
+            </a:xfrm>
+            <a:prstGeom prst="rect">
+              <a:avLst/>
+            </a:prstGeom>
+          </p:spPr>
+        </p:pic>
+        <p:sp>
+          <p:nvSpPr>
+            <p:cNvPr id="12" name="Text Box 63">
+              <a:extLst>
+                <a:ext uri="{FF2B5EF4-FFF2-40B4-BE49-F238E27FC236}">
+                  <a16:creationId xmlns:a16="http://schemas.microsoft.com/office/drawing/2014/main" id="{F9BE8631-73FE-6543-B1F5-C90AF6896791}"/>
+                </a:ext>
+              </a:extLst>
+            </p:cNvPr>
+            <p:cNvSpPr txBox="1">
+              <a:spLocks noChangeArrowheads="1"/>
+            </p:cNvSpPr>
+            <p:nvPr/>
+          </p:nvSpPr>
+          <p:spPr bwMode="auto">
+            <a:xfrm>
+              <a:off x="6342736" y="5221451"/>
+              <a:ext cx="646331" cy="369332"/>
+            </a:xfrm>
+            <a:prstGeom prst="rect">
+              <a:avLst/>
+            </a:prstGeom>
+            <a:noFill/>
+            <a:ln w="9525">
+              <a:noFill/>
+              <a:miter lim="800000"/>
+              <a:headEnd/>
+              <a:tailEnd/>
+            </a:ln>
+          </p:spPr>
+          <p:txBody>
+            <a:bodyPr wrap="none">
+              <a:prstTxWarp prst="textNoShape">
+                <a:avLst/>
+              </a:prstTxWarp>
+              <a:spAutoFit/>
+            </a:bodyPr>
+            <a:lstStyle/>
+            <a:p>
+              <a:pPr algn="l"/>
+              <a:r>
+                <a:rPr lang="es-CL" dirty="0"/>
+                <a:t>PDF</a:t>
+              </a:r>
+              <a:endParaRPr lang="en-US" dirty="0"/>
+            </a:p>
+          </p:txBody>
+        </p:sp>
+      </p:grpSp>
+    </p:spTree>
+    <p:extLst>
+      <p:ext uri="{BB962C8B-B14F-4D97-AF65-F5344CB8AC3E}">
+        <p14:creationId xmlns:p14="http://schemas.microsoft.com/office/powerpoint/2010/main" val="1553242052"/>
+      </p:ext>
+    </p:extLst>
+  </p:cSld>
+  <p:clrMapOvr>
+    <a:masterClrMapping/>
+  </p:clrMapOvr>
+  <p:timing>
+    <p:tnLst>
+      <p:par>
+        <p:cTn id="1" dur="indefinite" restart="never" nodeType="tmRoot">
+          <p:childTnLst>
+            <p:seq concurrent="1" nextAc="seek">
+              <p:cTn id="2" dur="indefinite" nodeType="mainSeq">
+                <p:childTnLst>
+                  <p:par>
+                    <p:cTn id="3" fill="hold">
+                      <p:stCondLst>
+                        <p:cond delay="indefinite"/>
+                      </p:stCondLst>
+                      <p:childTnLst>
+                        <p:par>
+                          <p:cTn id="4" fill="hold">
+                            <p:stCondLst>
+                              <p:cond delay="0"/>
+                            </p:stCondLst>
+                            <p:childTnLst>
+                              <p:par>
+                                <p:cTn id="5" presetID="1" presetClass="entr" presetSubtype="0" fill="hold" nodeType="clickEffect">
+                                  <p:stCondLst>
+                                    <p:cond delay="0"/>
+                                  </p:stCondLst>
+                                  <p:childTnLst>
+                                    <p:set>
+                                      <p:cBhvr>
+                                        <p:cTn id="6" dur="1" fill="hold">
+                                          <p:stCondLst>
+                                            <p:cond delay="0"/>
+                                          </p:stCondLst>
+                                        </p:cTn>
+                                        <p:tgtEl>
+                                          <p:spTgt spid="2"/>
+                                        </p:tgtEl>
+                                        <p:attrNameLst>
+                                          <p:attrName>style.visibility</p:attrName>
+                                        </p:attrNameLst>
+                                      </p:cBhvr>
+                                      <p:to>
+                                        <p:strVal val="visible"/>
+                                      </p:to>
+                                    </p:set>
+                                  </p:childTnLst>
+                                </p:cTn>
+                              </p:par>
+                            </p:childTnLst>
+                          </p:cTn>
+                        </p:par>
+                      </p:childTnLst>
+                    </p:cTn>
+                  </p:par>
+                </p:childTnLst>
+              </p:cTn>
+              <p:prevCondLst>
+                <p:cond evt="onPrev" delay="0">
+                  <p:tgtEl>
+                    <p:sldTgt/>
+                  </p:tgtEl>
+                </p:cond>
+              </p:prevCondLst>
+              <p:nextCondLst>
+                <p:cond evt="onNext" delay="0">
+                  <p:tgtEl>
+                    <p:sldTgt/>
+                  </p:tgtEl>
+                </p:cond>
+              </p:nextCondLst>
+            </p:seq>
+          </p:childTnLst>
+        </p:cTn>
+      </p:par>
+    </p:tnLst>
+  </p:timing>
 </p:sld>
 </file>
 

--- a/clases/Cap04_Clasificacion/presentations/PAT04_Bayes.pptx
+++ b/clases/Cap04_Clasificacion/presentations/PAT04_Bayes.pptx
@@ -5,7 +5,7 @@
     <p:sldMasterId id="2147483648" r:id="rId1"/>
   </p:sldMasterIdLst>
   <p:notesMasterIdLst>
-    <p:notesMasterId r:id="rId51"/>
+    <p:notesMasterId r:id="rId52"/>
   </p:notesMasterIdLst>
   <p:sldIdLst>
     <p:sldId id="294" r:id="rId2"/>
@@ -25,38 +25,39 @@
     <p:sldId id="305" r:id="rId16"/>
     <p:sldId id="306" r:id="rId17"/>
     <p:sldId id="307" r:id="rId18"/>
-    <p:sldId id="308" r:id="rId19"/>
-    <p:sldId id="309" r:id="rId20"/>
-    <p:sldId id="310" r:id="rId21"/>
-    <p:sldId id="319" r:id="rId22"/>
-    <p:sldId id="311" r:id="rId23"/>
-    <p:sldId id="313" r:id="rId24"/>
-    <p:sldId id="320" r:id="rId25"/>
-    <p:sldId id="321" r:id="rId26"/>
-    <p:sldId id="322" r:id="rId27"/>
-    <p:sldId id="323" r:id="rId28"/>
-    <p:sldId id="317" r:id="rId29"/>
-    <p:sldId id="318" r:id="rId30"/>
-    <p:sldId id="335" r:id="rId31"/>
-    <p:sldId id="324" r:id="rId32"/>
-    <p:sldId id="328" r:id="rId33"/>
-    <p:sldId id="329" r:id="rId34"/>
-    <p:sldId id="330" r:id="rId35"/>
-    <p:sldId id="331" r:id="rId36"/>
-    <p:sldId id="332" r:id="rId37"/>
-    <p:sldId id="336" r:id="rId38"/>
-    <p:sldId id="333" r:id="rId39"/>
-    <p:sldId id="337" r:id="rId40"/>
-    <p:sldId id="334" r:id="rId41"/>
-    <p:sldId id="338" r:id="rId42"/>
-    <p:sldId id="339" r:id="rId43"/>
-    <p:sldId id="345" r:id="rId44"/>
-    <p:sldId id="341" r:id="rId45"/>
-    <p:sldId id="348" r:id="rId46"/>
-    <p:sldId id="344" r:id="rId47"/>
-    <p:sldId id="342" r:id="rId48"/>
-    <p:sldId id="343" r:id="rId49"/>
-    <p:sldId id="349" r:id="rId50"/>
+    <p:sldId id="350" r:id="rId19"/>
+    <p:sldId id="308" r:id="rId20"/>
+    <p:sldId id="309" r:id="rId21"/>
+    <p:sldId id="310" r:id="rId22"/>
+    <p:sldId id="319" r:id="rId23"/>
+    <p:sldId id="311" r:id="rId24"/>
+    <p:sldId id="313" r:id="rId25"/>
+    <p:sldId id="320" r:id="rId26"/>
+    <p:sldId id="321" r:id="rId27"/>
+    <p:sldId id="322" r:id="rId28"/>
+    <p:sldId id="323" r:id="rId29"/>
+    <p:sldId id="317" r:id="rId30"/>
+    <p:sldId id="318" r:id="rId31"/>
+    <p:sldId id="335" r:id="rId32"/>
+    <p:sldId id="324" r:id="rId33"/>
+    <p:sldId id="328" r:id="rId34"/>
+    <p:sldId id="329" r:id="rId35"/>
+    <p:sldId id="330" r:id="rId36"/>
+    <p:sldId id="331" r:id="rId37"/>
+    <p:sldId id="332" r:id="rId38"/>
+    <p:sldId id="336" r:id="rId39"/>
+    <p:sldId id="333" r:id="rId40"/>
+    <p:sldId id="337" r:id="rId41"/>
+    <p:sldId id="334" r:id="rId42"/>
+    <p:sldId id="338" r:id="rId43"/>
+    <p:sldId id="339" r:id="rId44"/>
+    <p:sldId id="345" r:id="rId45"/>
+    <p:sldId id="341" r:id="rId46"/>
+    <p:sldId id="348" r:id="rId47"/>
+    <p:sldId id="344" r:id="rId48"/>
+    <p:sldId id="342" r:id="rId49"/>
+    <p:sldId id="343" r:id="rId50"/>
+    <p:sldId id="349" r:id="rId51"/>
   </p:sldIdLst>
   <p:sldSz cx="9144000" cy="6858000" type="screen4x3"/>
   <p:notesSz cx="6858000" cy="9144000"/>
@@ -951,7 +952,7 @@
             <a:fld id="{44F56885-A447-6B45-8925-737427C81A80}" type="slidenum">
               <a:rPr lang="en-US"/>
               <a:pPr/>
-              <a:t>22</a:t>
+              <a:t>23</a:t>
             </a:fld>
             <a:endParaRPr lang="en-US"/>
           </a:p>
@@ -1044,7 +1045,7 @@
             <a:fld id="{44F56885-A447-6B45-8925-737427C81A80}" type="slidenum">
               <a:rPr lang="en-US"/>
               <a:pPr/>
-              <a:t>23</a:t>
+              <a:t>24</a:t>
             </a:fld>
             <a:endParaRPr lang="en-US"/>
           </a:p>
@@ -1137,7 +1138,7 @@
             <a:fld id="{44F56885-A447-6B45-8925-737427C81A80}" type="slidenum">
               <a:rPr lang="en-US"/>
               <a:pPr/>
-              <a:t>24</a:t>
+              <a:t>25</a:t>
             </a:fld>
             <a:endParaRPr lang="en-US"/>
           </a:p>
@@ -1230,7 +1231,7 @@
             <a:fld id="{44F56885-A447-6B45-8925-737427C81A80}" type="slidenum">
               <a:rPr lang="en-US"/>
               <a:pPr/>
-              <a:t>25</a:t>
+              <a:t>26</a:t>
             </a:fld>
             <a:endParaRPr lang="en-US"/>
           </a:p>
@@ -1323,7 +1324,7 @@
             <a:fld id="{44F56885-A447-6B45-8925-737427C81A80}" type="slidenum">
               <a:rPr lang="en-US"/>
               <a:pPr/>
-              <a:t>26</a:t>
+              <a:t>27</a:t>
             </a:fld>
             <a:endParaRPr lang="en-US"/>
           </a:p>
@@ -1416,7 +1417,7 @@
             <a:fld id="{44F56885-A447-6B45-8925-737427C81A80}" type="slidenum">
               <a:rPr lang="en-US"/>
               <a:pPr/>
-              <a:t>27</a:t>
+              <a:t>28</a:t>
             </a:fld>
             <a:endParaRPr lang="en-US"/>
           </a:p>
@@ -1509,7 +1510,7 @@
             <a:fld id="{44F56885-A447-6B45-8925-737427C81A80}" type="slidenum">
               <a:rPr lang="en-US"/>
               <a:pPr/>
-              <a:t>29</a:t>
+              <a:t>30</a:t>
             </a:fld>
             <a:endParaRPr lang="en-US"/>
           </a:p>
@@ -13739,6 +13740,688 @@
       </p:grpSpPr>
       <p:sp>
         <p:nvSpPr>
+          <p:cNvPr id="6" name="TextBox 5">
+            <a:extLst>
+              <a:ext uri="{FF2B5EF4-FFF2-40B4-BE49-F238E27FC236}">
+                <a16:creationId xmlns:a16="http://schemas.microsoft.com/office/drawing/2014/main" id="{D99EFDF0-56C6-0D42-871B-D8DD8D189849}"/>
+              </a:ext>
+            </a:extLst>
+          </p:cNvPr>
+          <p:cNvSpPr txBox="1"/>
+          <p:nvPr/>
+        </p:nvSpPr>
+        <p:spPr>
+          <a:xfrm>
+            <a:off x="1274164" y="734521"/>
+            <a:ext cx="6421951" cy="3139321"/>
+          </a:xfrm>
+          <a:prstGeom prst="rect">
+            <a:avLst/>
+          </a:prstGeom>
+          <a:noFill/>
+        </p:spPr>
+        <p:txBody>
+          <a:bodyPr wrap="none" rtlCol="0">
+            <a:spAutoFit/>
+          </a:bodyPr>
+          <a:lstStyle/>
+          <a:p>
+            <a:r>
+              <a:rPr lang="es-ES_tradnl" dirty="0">
+                <a:latin typeface="Trebuchet MS" panose="020B0703020202090204" pitchFamily="34" charset="0"/>
+              </a:rPr>
+              <a:t>EJEMPLO: Una clase de cocina que imparte la municipalidad</a:t>
+            </a:r>
+          </a:p>
+          <a:p>
+            <a:endParaRPr lang="es-ES_tradnl" dirty="0">
+              <a:latin typeface="Trebuchet MS" panose="020B0703020202090204" pitchFamily="34" charset="0"/>
+            </a:endParaRPr>
+          </a:p>
+          <a:p>
+            <a:endParaRPr lang="es-ES_tradnl" dirty="0">
+              <a:latin typeface="Trebuchet MS" panose="020B0703020202090204" pitchFamily="34" charset="0"/>
+            </a:endParaRPr>
+          </a:p>
+          <a:p>
+            <a:endParaRPr lang="es-ES_tradnl" dirty="0">
+              <a:latin typeface="Trebuchet MS" panose="020B0703020202090204" pitchFamily="34" charset="0"/>
+            </a:endParaRPr>
+          </a:p>
+          <a:p>
+            <a:endParaRPr lang="es-ES_tradnl" dirty="0">
+              <a:latin typeface="Trebuchet MS" panose="020B0703020202090204" pitchFamily="34" charset="0"/>
+            </a:endParaRPr>
+          </a:p>
+          <a:p>
+            <a:r>
+              <a:rPr lang="es-ES_tradnl" dirty="0">
+                <a:latin typeface="Trebuchet MS" panose="020B0703020202090204" pitchFamily="34" charset="0"/>
+              </a:rPr>
+              <a:t>Se inscriben 100 personas</a:t>
+            </a:r>
+          </a:p>
+          <a:p>
+            <a:endParaRPr lang="es-ES_tradnl" dirty="0">
+              <a:latin typeface="Trebuchet MS" panose="020B0703020202090204" pitchFamily="34" charset="0"/>
+            </a:endParaRPr>
+          </a:p>
+          <a:p>
+            <a:pPr marL="285750" indent="-285750">
+              <a:buFont typeface="Arial" panose="020B0604020202020204" pitchFamily="34" charset="0"/>
+              <a:buChar char="•"/>
+            </a:pPr>
+            <a:r>
+              <a:rPr lang="es-ES_tradnl" dirty="0">
+                <a:latin typeface="Trebuchet MS" panose="020B0703020202090204" pitchFamily="34" charset="0"/>
+              </a:rPr>
+              <a:t>60 hombres (40 jóvenes y 20 adultos)</a:t>
+            </a:r>
+          </a:p>
+          <a:p>
+            <a:pPr marL="285750" indent="-285750">
+              <a:buFont typeface="Arial" panose="020B0604020202020204" pitchFamily="34" charset="0"/>
+              <a:buChar char="•"/>
+            </a:pPr>
+            <a:r>
+              <a:rPr lang="es-ES_tradnl" dirty="0">
+                <a:latin typeface="Trebuchet MS" panose="020B0703020202090204" pitchFamily="34" charset="0"/>
+              </a:rPr>
+              <a:t>40 mujeres (30 jóvenes y 10 adultos)</a:t>
+            </a:r>
+          </a:p>
+          <a:p>
+            <a:endParaRPr lang="es-ES_tradnl" dirty="0">
+              <a:latin typeface="Trebuchet MS" panose="020B0703020202090204" pitchFamily="34" charset="0"/>
+            </a:endParaRPr>
+          </a:p>
+          <a:p>
+            <a:endParaRPr lang="es-ES_tradnl" dirty="0">
+              <a:latin typeface="Trebuchet MS" panose="020B0703020202090204" pitchFamily="34" charset="0"/>
+            </a:endParaRPr>
+          </a:p>
+        </p:txBody>
+      </p:sp>
+      <p:pic>
+        <p:nvPicPr>
+          <p:cNvPr id="7" name="Picture 6">
+            <a:extLst>
+              <a:ext uri="{FF2B5EF4-FFF2-40B4-BE49-F238E27FC236}">
+                <a16:creationId xmlns:a16="http://schemas.microsoft.com/office/drawing/2014/main" id="{8FD2CBAA-79DB-5646-8ED5-E6B883856D85}"/>
+              </a:ext>
+            </a:extLst>
+          </p:cNvPr>
+          <p:cNvPicPr>
+            <a:picLocks noChangeAspect="1"/>
+          </p:cNvPicPr>
+          <p:nvPr/>
+        </p:nvPicPr>
+        <p:blipFill>
+          <a:blip r:embed="rId2"/>
+          <a:stretch>
+            <a:fillRect/>
+          </a:stretch>
+        </p:blipFill>
+        <p:spPr>
+          <a:xfrm>
+            <a:off x="1481528" y="4573142"/>
+            <a:ext cx="5791200" cy="469900"/>
+          </a:xfrm>
+          <a:prstGeom prst="rect">
+            <a:avLst/>
+          </a:prstGeom>
+        </p:spPr>
+      </p:pic>
+      <p:pic>
+        <p:nvPicPr>
+          <p:cNvPr id="8" name="Picture 7">
+            <a:extLst>
+              <a:ext uri="{FF2B5EF4-FFF2-40B4-BE49-F238E27FC236}">
+                <a16:creationId xmlns:a16="http://schemas.microsoft.com/office/drawing/2014/main" id="{C6D7EECF-E692-484C-BED8-7A60B9D40D58}"/>
+              </a:ext>
+            </a:extLst>
+          </p:cNvPr>
+          <p:cNvPicPr>
+            <a:picLocks noChangeAspect="1"/>
+          </p:cNvPicPr>
+          <p:nvPr/>
+        </p:nvPicPr>
+        <p:blipFill>
+          <a:blip r:embed="rId3"/>
+          <a:stretch>
+            <a:fillRect/>
+          </a:stretch>
+        </p:blipFill>
+        <p:spPr>
+          <a:xfrm>
+            <a:off x="2854168" y="5336975"/>
+            <a:ext cx="3225800" cy="939800"/>
+          </a:xfrm>
+          <a:prstGeom prst="rect">
+            <a:avLst/>
+          </a:prstGeom>
+        </p:spPr>
+      </p:pic>
+      <p:sp>
+        <p:nvSpPr>
+          <p:cNvPr id="9" name="Oval 8">
+            <a:extLst>
+              <a:ext uri="{FF2B5EF4-FFF2-40B4-BE49-F238E27FC236}">
+                <a16:creationId xmlns:a16="http://schemas.microsoft.com/office/drawing/2014/main" id="{A45CC939-916E-1940-8AEC-F2898ABFDF43}"/>
+              </a:ext>
+            </a:extLst>
+          </p:cNvPr>
+          <p:cNvSpPr/>
+          <p:nvPr/>
+        </p:nvSpPr>
+        <p:spPr>
+          <a:xfrm>
+            <a:off x="6534377" y="1731697"/>
+            <a:ext cx="2323475" cy="2349708"/>
+          </a:xfrm>
+          <a:prstGeom prst="ellipse">
+            <a:avLst/>
+          </a:prstGeom>
+        </p:spPr>
+        <p:style>
+          <a:lnRef idx="1">
+            <a:schemeClr val="accent1"/>
+          </a:lnRef>
+          <a:fillRef idx="3">
+            <a:schemeClr val="accent1"/>
+          </a:fillRef>
+          <a:effectRef idx="2">
+            <a:schemeClr val="accent1"/>
+          </a:effectRef>
+          <a:fontRef idx="minor">
+            <a:schemeClr val="lt1"/>
+          </a:fontRef>
+        </p:style>
+        <p:txBody>
+          <a:bodyPr rtlCol="0" anchor="ctr"/>
+          <a:lstStyle/>
+          <a:p>
+            <a:pPr algn="ctr"/>
+            <a:endParaRPr lang="en-US"/>
+          </a:p>
+        </p:txBody>
+      </p:sp>
+      <p:sp>
+        <p:nvSpPr>
+          <p:cNvPr id="10" name="Freeform 9">
+            <a:extLst>
+              <a:ext uri="{FF2B5EF4-FFF2-40B4-BE49-F238E27FC236}">
+                <a16:creationId xmlns:a16="http://schemas.microsoft.com/office/drawing/2014/main" id="{1A4E4155-B071-3E41-B397-75B14FCD7EEF}"/>
+              </a:ext>
+            </a:extLst>
+          </p:cNvPr>
+          <p:cNvSpPr/>
+          <p:nvPr/>
+        </p:nvSpPr>
+        <p:spPr>
+          <a:xfrm>
+            <a:off x="6445767" y="1409072"/>
+            <a:ext cx="2143594" cy="2173574"/>
+          </a:xfrm>
+          <a:custGeom>
+            <a:avLst/>
+            <a:gdLst>
+              <a:gd name="connsiteX0" fmla="*/ 0 w 2143594"/>
+              <a:gd name="connsiteY0" fmla="*/ 2173574 h 2173574"/>
+              <a:gd name="connsiteX1" fmla="*/ 1693889 w 2143594"/>
+              <a:gd name="connsiteY1" fmla="*/ 1678898 h 2173574"/>
+              <a:gd name="connsiteX2" fmla="*/ 2143594 w 2143594"/>
+              <a:gd name="connsiteY2" fmla="*/ 0 h 2173574"/>
+            </a:gdLst>
+            <a:ahLst/>
+            <a:cxnLst>
+              <a:cxn ang="0">
+                <a:pos x="connsiteX0" y="connsiteY0"/>
+              </a:cxn>
+              <a:cxn ang="0">
+                <a:pos x="connsiteX1" y="connsiteY1"/>
+              </a:cxn>
+              <a:cxn ang="0">
+                <a:pos x="connsiteX2" y="connsiteY2"/>
+              </a:cxn>
+            </a:cxnLst>
+            <a:rect l="l" t="t" r="r" b="b"/>
+            <a:pathLst>
+              <a:path w="2143594" h="2173574">
+                <a:moveTo>
+                  <a:pt x="0" y="2173574"/>
+                </a:moveTo>
+                <a:cubicBezTo>
+                  <a:pt x="668311" y="2107367"/>
+                  <a:pt x="1336623" y="2041160"/>
+                  <a:pt x="1693889" y="1678898"/>
+                </a:cubicBezTo>
+                <a:cubicBezTo>
+                  <a:pt x="2051155" y="1316636"/>
+                  <a:pt x="2097374" y="658318"/>
+                  <a:pt x="2143594" y="0"/>
+                </a:cubicBezTo>
+              </a:path>
+            </a:pathLst>
+          </a:custGeom>
+        </p:spPr>
+        <p:style>
+          <a:lnRef idx="1">
+            <a:schemeClr val="dk1"/>
+          </a:lnRef>
+          <a:fillRef idx="0">
+            <a:schemeClr val="dk1"/>
+          </a:fillRef>
+          <a:effectRef idx="0">
+            <a:schemeClr val="dk1"/>
+          </a:effectRef>
+          <a:fontRef idx="minor">
+            <a:schemeClr val="tx1"/>
+          </a:fontRef>
+        </p:style>
+        <p:txBody>
+          <a:bodyPr rtlCol="0" anchor="ctr"/>
+          <a:lstStyle/>
+          <a:p>
+            <a:pPr algn="ctr"/>
+            <a:endParaRPr lang="en-US"/>
+          </a:p>
+        </p:txBody>
+      </p:sp>
+      <p:sp>
+        <p:nvSpPr>
+          <p:cNvPr id="11" name="Freeform 10">
+            <a:extLst>
+              <a:ext uri="{FF2B5EF4-FFF2-40B4-BE49-F238E27FC236}">
+                <a16:creationId xmlns:a16="http://schemas.microsoft.com/office/drawing/2014/main" id="{706CE8A6-FD28-1B4C-A19A-47B68025C792}"/>
+              </a:ext>
+            </a:extLst>
+          </p:cNvPr>
+          <p:cNvSpPr/>
+          <p:nvPr/>
+        </p:nvSpPr>
+        <p:spPr>
+          <a:xfrm rot="5574795">
+            <a:off x="7509405" y="1310255"/>
+            <a:ext cx="2143594" cy="2173574"/>
+          </a:xfrm>
+          <a:custGeom>
+            <a:avLst/>
+            <a:gdLst>
+              <a:gd name="connsiteX0" fmla="*/ 0 w 2143594"/>
+              <a:gd name="connsiteY0" fmla="*/ 2173574 h 2173574"/>
+              <a:gd name="connsiteX1" fmla="*/ 1693889 w 2143594"/>
+              <a:gd name="connsiteY1" fmla="*/ 1678898 h 2173574"/>
+              <a:gd name="connsiteX2" fmla="*/ 2143594 w 2143594"/>
+              <a:gd name="connsiteY2" fmla="*/ 0 h 2173574"/>
+            </a:gdLst>
+            <a:ahLst/>
+            <a:cxnLst>
+              <a:cxn ang="0">
+                <a:pos x="connsiteX0" y="connsiteY0"/>
+              </a:cxn>
+              <a:cxn ang="0">
+                <a:pos x="connsiteX1" y="connsiteY1"/>
+              </a:cxn>
+              <a:cxn ang="0">
+                <a:pos x="connsiteX2" y="connsiteY2"/>
+              </a:cxn>
+            </a:cxnLst>
+            <a:rect l="l" t="t" r="r" b="b"/>
+            <a:pathLst>
+              <a:path w="2143594" h="2173574">
+                <a:moveTo>
+                  <a:pt x="0" y="2173574"/>
+                </a:moveTo>
+                <a:cubicBezTo>
+                  <a:pt x="668311" y="2107367"/>
+                  <a:pt x="1336623" y="2041160"/>
+                  <a:pt x="1693889" y="1678898"/>
+                </a:cubicBezTo>
+                <a:cubicBezTo>
+                  <a:pt x="2051155" y="1316636"/>
+                  <a:pt x="2097374" y="658318"/>
+                  <a:pt x="2143594" y="0"/>
+                </a:cubicBezTo>
+              </a:path>
+            </a:pathLst>
+          </a:custGeom>
+        </p:spPr>
+        <p:style>
+          <a:lnRef idx="1">
+            <a:schemeClr val="dk1"/>
+          </a:lnRef>
+          <a:fillRef idx="0">
+            <a:schemeClr val="dk1"/>
+          </a:fillRef>
+          <a:effectRef idx="0">
+            <a:schemeClr val="dk1"/>
+          </a:effectRef>
+          <a:fontRef idx="minor">
+            <a:schemeClr val="tx1"/>
+          </a:fontRef>
+        </p:style>
+        <p:txBody>
+          <a:bodyPr rtlCol="0" anchor="ctr"/>
+          <a:lstStyle/>
+          <a:p>
+            <a:pPr algn="ctr"/>
+            <a:endParaRPr lang="en-US"/>
+          </a:p>
+        </p:txBody>
+      </p:sp>
+      <p:sp>
+        <p:nvSpPr>
+          <p:cNvPr id="12" name="TextBox 11">
+            <a:extLst>
+              <a:ext uri="{FF2B5EF4-FFF2-40B4-BE49-F238E27FC236}">
+                <a16:creationId xmlns:a16="http://schemas.microsoft.com/office/drawing/2014/main" id="{1F932120-27BE-8F4B-BC49-AB20A4C6A1B3}"/>
+              </a:ext>
+            </a:extLst>
+          </p:cNvPr>
+          <p:cNvSpPr txBox="1"/>
+          <p:nvPr/>
+        </p:nvSpPr>
+        <p:spPr>
+          <a:xfrm>
+            <a:off x="6094958" y="3117950"/>
+            <a:ext cx="351378" cy="369332"/>
+          </a:xfrm>
+          <a:prstGeom prst="rect">
+            <a:avLst/>
+          </a:prstGeom>
+          <a:noFill/>
+        </p:spPr>
+        <p:txBody>
+          <a:bodyPr wrap="square" rtlCol="0">
+            <a:spAutoFit/>
+          </a:bodyPr>
+          <a:lstStyle/>
+          <a:p>
+            <a:r>
+              <a:rPr lang="en-US" dirty="0"/>
+              <a:t>H</a:t>
+            </a:r>
+          </a:p>
+        </p:txBody>
+      </p:sp>
+      <p:sp>
+        <p:nvSpPr>
+          <p:cNvPr id="13" name="TextBox 12">
+            <a:extLst>
+              <a:ext uri="{FF2B5EF4-FFF2-40B4-BE49-F238E27FC236}">
+                <a16:creationId xmlns:a16="http://schemas.microsoft.com/office/drawing/2014/main" id="{9858B5C7-3167-4640-9F10-153D84946026}"/>
+              </a:ext>
+            </a:extLst>
+          </p:cNvPr>
+          <p:cNvSpPr txBox="1"/>
+          <p:nvPr/>
+        </p:nvSpPr>
+        <p:spPr>
+          <a:xfrm>
+            <a:off x="6461323" y="3749772"/>
+            <a:ext cx="377026" cy="369332"/>
+          </a:xfrm>
+          <a:prstGeom prst="rect">
+            <a:avLst/>
+          </a:prstGeom>
+          <a:noFill/>
+        </p:spPr>
+        <p:txBody>
+          <a:bodyPr wrap="none" rtlCol="0">
+            <a:spAutoFit/>
+          </a:bodyPr>
+          <a:lstStyle/>
+          <a:p>
+            <a:r>
+              <a:rPr lang="en-US" dirty="0"/>
+              <a:t>M</a:t>
+            </a:r>
+          </a:p>
+        </p:txBody>
+      </p:sp>
+      <p:sp>
+        <p:nvSpPr>
+          <p:cNvPr id="14" name="TextBox 13">
+            <a:extLst>
+              <a:ext uri="{FF2B5EF4-FFF2-40B4-BE49-F238E27FC236}">
+                <a16:creationId xmlns:a16="http://schemas.microsoft.com/office/drawing/2014/main" id="{FB53AD35-B226-5248-AA1C-53E181A27170}"/>
+              </a:ext>
+            </a:extLst>
+          </p:cNvPr>
+          <p:cNvSpPr txBox="1"/>
+          <p:nvPr/>
+        </p:nvSpPr>
+        <p:spPr>
+          <a:xfrm>
+            <a:off x="7132551" y="1411571"/>
+            <a:ext cx="351378" cy="369332"/>
+          </a:xfrm>
+          <a:prstGeom prst="rect">
+            <a:avLst/>
+          </a:prstGeom>
+          <a:noFill/>
+        </p:spPr>
+        <p:txBody>
+          <a:bodyPr wrap="square" rtlCol="0">
+            <a:spAutoFit/>
+          </a:bodyPr>
+          <a:lstStyle/>
+          <a:p>
+            <a:r>
+              <a:rPr lang="en-US" dirty="0"/>
+              <a:t>J</a:t>
+            </a:r>
+          </a:p>
+        </p:txBody>
+      </p:sp>
+      <p:sp>
+        <p:nvSpPr>
+          <p:cNvPr id="15" name="TextBox 14">
+            <a:extLst>
+              <a:ext uri="{FF2B5EF4-FFF2-40B4-BE49-F238E27FC236}">
+                <a16:creationId xmlns:a16="http://schemas.microsoft.com/office/drawing/2014/main" id="{DAC3CB0E-ED00-A445-BC9F-F0EFFC851A01}"/>
+              </a:ext>
+            </a:extLst>
+          </p:cNvPr>
+          <p:cNvSpPr txBox="1"/>
+          <p:nvPr/>
+        </p:nvSpPr>
+        <p:spPr>
+          <a:xfrm>
+            <a:off x="7543886" y="1383827"/>
+            <a:ext cx="338554" cy="369332"/>
+          </a:xfrm>
+          <a:prstGeom prst="rect">
+            <a:avLst/>
+          </a:prstGeom>
+          <a:noFill/>
+        </p:spPr>
+        <p:txBody>
+          <a:bodyPr wrap="none" rtlCol="0">
+            <a:spAutoFit/>
+          </a:bodyPr>
+          <a:lstStyle/>
+          <a:p>
+            <a:r>
+              <a:rPr lang="en-US" dirty="0"/>
+              <a:t>A</a:t>
+            </a:r>
+          </a:p>
+        </p:txBody>
+      </p:sp>
+      <p:sp>
+        <p:nvSpPr>
+          <p:cNvPr id="16" name="TextBox 15">
+            <a:extLst>
+              <a:ext uri="{FF2B5EF4-FFF2-40B4-BE49-F238E27FC236}">
+                <a16:creationId xmlns:a16="http://schemas.microsoft.com/office/drawing/2014/main" id="{FA4D581D-1E81-6B40-8B29-66EF4C4E9945}"/>
+              </a:ext>
+            </a:extLst>
+          </p:cNvPr>
+          <p:cNvSpPr txBox="1"/>
+          <p:nvPr/>
+        </p:nvSpPr>
+        <p:spPr>
+          <a:xfrm>
+            <a:off x="6745306" y="2628271"/>
+            <a:ext cx="527421" cy="369332"/>
+          </a:xfrm>
+          <a:prstGeom prst="rect">
+            <a:avLst/>
+          </a:prstGeom>
+          <a:noFill/>
+        </p:spPr>
+        <p:txBody>
+          <a:bodyPr wrap="square" rtlCol="0">
+            <a:spAutoFit/>
+          </a:bodyPr>
+          <a:lstStyle/>
+          <a:p>
+            <a:r>
+              <a:rPr lang="en-US" dirty="0"/>
+              <a:t>40</a:t>
+            </a:r>
+          </a:p>
+        </p:txBody>
+      </p:sp>
+      <p:sp>
+        <p:nvSpPr>
+          <p:cNvPr id="17" name="TextBox 16">
+            <a:extLst>
+              <a:ext uri="{FF2B5EF4-FFF2-40B4-BE49-F238E27FC236}">
+                <a16:creationId xmlns:a16="http://schemas.microsoft.com/office/drawing/2014/main" id="{1C9DEA2D-A14E-F84E-A731-CE34C43E8CAC}"/>
+              </a:ext>
+            </a:extLst>
+          </p:cNvPr>
+          <p:cNvSpPr txBox="1"/>
+          <p:nvPr/>
+        </p:nvSpPr>
+        <p:spPr>
+          <a:xfrm>
+            <a:off x="7851514" y="2126527"/>
+            <a:ext cx="527421" cy="369332"/>
+          </a:xfrm>
+          <a:prstGeom prst="rect">
+            <a:avLst/>
+          </a:prstGeom>
+          <a:noFill/>
+        </p:spPr>
+        <p:txBody>
+          <a:bodyPr wrap="square" rtlCol="0">
+            <a:spAutoFit/>
+          </a:bodyPr>
+          <a:lstStyle/>
+          <a:p>
+            <a:r>
+              <a:rPr lang="en-US" dirty="0"/>
+              <a:t>20</a:t>
+            </a:r>
+          </a:p>
+        </p:txBody>
+      </p:sp>
+      <p:sp>
+        <p:nvSpPr>
+          <p:cNvPr id="18" name="TextBox 17">
+            <a:extLst>
+              <a:ext uri="{FF2B5EF4-FFF2-40B4-BE49-F238E27FC236}">
+                <a16:creationId xmlns:a16="http://schemas.microsoft.com/office/drawing/2014/main" id="{F9224739-C788-A541-87C3-BB779ADD4AC4}"/>
+              </a:ext>
+            </a:extLst>
+          </p:cNvPr>
+          <p:cNvSpPr txBox="1"/>
+          <p:nvPr/>
+        </p:nvSpPr>
+        <p:spPr>
+          <a:xfrm>
+            <a:off x="7686669" y="3463485"/>
+            <a:ext cx="527421" cy="369332"/>
+          </a:xfrm>
+          <a:prstGeom prst="rect">
+            <a:avLst/>
+          </a:prstGeom>
+          <a:noFill/>
+        </p:spPr>
+        <p:txBody>
+          <a:bodyPr wrap="square" rtlCol="0">
+            <a:spAutoFit/>
+          </a:bodyPr>
+          <a:lstStyle/>
+          <a:p>
+            <a:r>
+              <a:rPr lang="en-US" dirty="0"/>
+              <a:t>30</a:t>
+            </a:r>
+          </a:p>
+        </p:txBody>
+      </p:sp>
+      <p:sp>
+        <p:nvSpPr>
+          <p:cNvPr id="19" name="TextBox 18">
+            <a:extLst>
+              <a:ext uri="{FF2B5EF4-FFF2-40B4-BE49-F238E27FC236}">
+                <a16:creationId xmlns:a16="http://schemas.microsoft.com/office/drawing/2014/main" id="{FB4CA1BB-3E03-8F41-B92C-0D27E0E5A256}"/>
+              </a:ext>
+            </a:extLst>
+          </p:cNvPr>
+          <p:cNvSpPr txBox="1"/>
+          <p:nvPr/>
+        </p:nvSpPr>
+        <p:spPr>
+          <a:xfrm>
+            <a:off x="8363721" y="2821409"/>
+            <a:ext cx="527421" cy="369332"/>
+          </a:xfrm>
+          <a:prstGeom prst="rect">
+            <a:avLst/>
+          </a:prstGeom>
+          <a:noFill/>
+        </p:spPr>
+        <p:txBody>
+          <a:bodyPr wrap="square" rtlCol="0">
+            <a:spAutoFit/>
+          </a:bodyPr>
+          <a:lstStyle/>
+          <a:p>
+            <a:r>
+              <a:rPr lang="en-US" dirty="0"/>
+              <a:t>10</a:t>
+            </a:r>
+          </a:p>
+        </p:txBody>
+      </p:sp>
+    </p:spTree>
+    <p:extLst>
+      <p:ext uri="{BB962C8B-B14F-4D97-AF65-F5344CB8AC3E}">
+        <p14:creationId xmlns:p14="http://schemas.microsoft.com/office/powerpoint/2010/main" val="3311795984"/>
+      </p:ext>
+    </p:extLst>
+  </p:cSld>
+  <p:clrMapOvr>
+    <a:masterClrMapping/>
+  </p:clrMapOvr>
+</p:sld>
+</file>
+
+<file path=ppt/slides/slide19.xml><?xml version="1.0" encoding="utf-8"?>
+<p:sld xmlns:a="http://schemas.openxmlformats.org/drawingml/2006/main" xmlns:r="http://schemas.openxmlformats.org/officeDocument/2006/relationships" xmlns:p="http://schemas.openxmlformats.org/presentationml/2006/main">
+  <p:cSld>
+    <p:spTree>
+      <p:nvGrpSpPr>
+        <p:cNvPr id="1" name=""/>
+        <p:cNvGrpSpPr/>
+        <p:nvPr/>
+      </p:nvGrpSpPr>
+      <p:grpSpPr>
+        <a:xfrm>
+          <a:off x="0" y="0"/>
+          <a:ext cx="0" cy="0"/>
+          <a:chOff x="0" y="0"/>
+          <a:chExt cx="0" cy="0"/>
+        </a:xfrm>
+      </p:grpSpPr>
+      <p:sp>
+        <p:nvSpPr>
           <p:cNvPr id="2" name="Title 1">
             <a:extLst>
               <a:ext uri="{FF2B5EF4-FFF2-40B4-BE49-F238E27FC236}">
@@ -14383,7 +15066,201 @@
 </p:sld>
 </file>
 
-<file path=ppt/slides/slide19.xml><?xml version="1.0" encoding="utf-8"?>
+<file path=ppt/slides/slide2.xml><?xml version="1.0" encoding="utf-8"?>
+<p:sld xmlns:a="http://schemas.openxmlformats.org/drawingml/2006/main" xmlns:r="http://schemas.openxmlformats.org/officeDocument/2006/relationships" xmlns:p="http://schemas.openxmlformats.org/presentationml/2006/main">
+  <p:cSld>
+    <p:spTree>
+      <p:nvGrpSpPr>
+        <p:cNvPr id="1" name=""/>
+        <p:cNvGrpSpPr/>
+        <p:nvPr/>
+      </p:nvGrpSpPr>
+      <p:grpSpPr>
+        <a:xfrm>
+          <a:off x="0" y="0"/>
+          <a:ext cx="0" cy="0"/>
+          <a:chOff x="0" y="0"/>
+          <a:chExt cx="0" cy="0"/>
+        </a:xfrm>
+      </p:grpSpPr>
+      <p:sp>
+        <p:nvSpPr>
+          <p:cNvPr id="3074" name="Text Box 2"/>
+          <p:cNvSpPr txBox="1">
+            <a:spLocks noChangeArrowheads="1"/>
+          </p:cNvSpPr>
+          <p:nvPr/>
+        </p:nvSpPr>
+        <p:spPr bwMode="auto">
+          <a:xfrm>
+            <a:off x="228600" y="152400"/>
+            <a:ext cx="2736647" cy="369332"/>
+          </a:xfrm>
+          <a:prstGeom prst="rect">
+            <a:avLst/>
+          </a:prstGeom>
+          <a:noFill/>
+          <a:ln w="9525">
+            <a:noFill/>
+            <a:miter lim="800000"/>
+            <a:headEnd/>
+            <a:tailEnd/>
+          </a:ln>
+        </p:spPr>
+        <p:txBody>
+          <a:bodyPr wrap="none">
+            <a:prstTxWarp prst="textNoShape">
+              <a:avLst/>
+            </a:prstTxWarp>
+            <a:spAutoFit/>
+          </a:bodyPr>
+          <a:lstStyle/>
+          <a:p>
+            <a:pPr algn="l"/>
+            <a:r>
+              <a:rPr lang="es-CL" dirty="0">
+                <a:latin typeface="Trebuchet MS" panose="020B0703020202090204" pitchFamily="34" charset="0"/>
+              </a:rPr>
+              <a:t>Mandarinas vs. Naranjas</a:t>
+            </a:r>
+            <a:endParaRPr lang="en-US" dirty="0">
+              <a:latin typeface="Trebuchet MS" panose="020B0703020202090204" pitchFamily="34" charset="0"/>
+            </a:endParaRPr>
+          </a:p>
+        </p:txBody>
+      </p:sp>
+      <p:sp>
+        <p:nvSpPr>
+          <p:cNvPr id="3075" name="Text Box 3"/>
+          <p:cNvSpPr txBox="1">
+            <a:spLocks noChangeArrowheads="1"/>
+          </p:cNvSpPr>
+          <p:nvPr/>
+        </p:nvSpPr>
+        <p:spPr bwMode="auto">
+          <a:xfrm>
+            <a:off x="1828800" y="5715000"/>
+            <a:ext cx="5073650" cy="366713"/>
+          </a:xfrm>
+          <a:prstGeom prst="rect">
+            <a:avLst/>
+          </a:prstGeom>
+          <a:noFill/>
+          <a:ln w="9525">
+            <a:noFill/>
+            <a:miter lim="800000"/>
+            <a:headEnd/>
+            <a:tailEnd/>
+          </a:ln>
+        </p:spPr>
+        <p:txBody>
+          <a:bodyPr wrap="none">
+            <a:prstTxWarp prst="textNoShape">
+              <a:avLst/>
+            </a:prstTxWarp>
+            <a:spAutoFit/>
+          </a:bodyPr>
+          <a:lstStyle/>
+          <a:p>
+            <a:pPr algn="l"/>
+            <a:r>
+              <a:rPr lang="es-CL">
+                <a:latin typeface="Trebuchet MS" panose="020B0703020202090204" pitchFamily="34" charset="0"/>
+              </a:rPr>
+              <a:t>¿cómo separar las mandarinas de las naranjas?</a:t>
+            </a:r>
+            <a:endParaRPr lang="en-US">
+              <a:latin typeface="Trebuchet MS" panose="020B0703020202090204" pitchFamily="34" charset="0"/>
+            </a:endParaRPr>
+          </a:p>
+        </p:txBody>
+      </p:sp>
+      <p:sp>
+        <p:nvSpPr>
+          <p:cNvPr id="3076" name="Line 4"/>
+          <p:cNvSpPr>
+            <a:spLocks noChangeShapeType="1"/>
+          </p:cNvSpPr>
+          <p:nvPr/>
+        </p:nvSpPr>
+        <p:spPr bwMode="auto">
+          <a:xfrm>
+            <a:off x="0" y="609600"/>
+            <a:ext cx="9144000" cy="0"/>
+          </a:xfrm>
+          <a:prstGeom prst="line">
+            <a:avLst/>
+          </a:prstGeom>
+          <a:noFill/>
+          <a:ln w="9525">
+            <a:solidFill>
+              <a:schemeClr val="tx1"/>
+            </a:solidFill>
+            <a:round/>
+            <a:headEnd/>
+            <a:tailEnd/>
+          </a:ln>
+        </p:spPr>
+        <p:txBody>
+          <a:bodyPr>
+            <a:prstTxWarp prst="textNoShape">
+              <a:avLst/>
+            </a:prstTxWarp>
+          </a:bodyPr>
+          <a:lstStyle/>
+          <a:p>
+            <a:endParaRPr lang="en-US">
+              <a:latin typeface="Trebuchet MS" panose="020B0703020202090204" pitchFamily="34" charset="0"/>
+            </a:endParaRPr>
+          </a:p>
+        </p:txBody>
+      </p:sp>
+      <p:pic>
+        <p:nvPicPr>
+          <p:cNvPr id="3077" name="Picture 5"/>
+          <p:cNvPicPr>
+            <a:picLocks noChangeAspect="1" noChangeArrowheads="1"/>
+          </p:cNvPicPr>
+          <p:nvPr/>
+        </p:nvPicPr>
+        <p:blipFill>
+          <a:blip r:embed="rId3"/>
+          <a:srcRect/>
+          <a:stretch>
+            <a:fillRect/>
+          </a:stretch>
+        </p:blipFill>
+        <p:spPr bwMode="auto">
+          <a:xfrm>
+            <a:off x="381000" y="1525588"/>
+            <a:ext cx="8153400" cy="3705225"/>
+          </a:xfrm>
+          <a:prstGeom prst="rect">
+            <a:avLst/>
+          </a:prstGeom>
+          <a:noFill/>
+          <a:ln w="9525">
+            <a:noFill/>
+            <a:miter lim="800000"/>
+            <a:headEnd/>
+            <a:tailEnd/>
+          </a:ln>
+        </p:spPr>
+      </p:pic>
+    </p:spTree>
+    <p:extLst>
+      <p:ext uri="{BB962C8B-B14F-4D97-AF65-F5344CB8AC3E}">
+        <p14:creationId xmlns:p14="http://schemas.microsoft.com/office/powerpoint/2010/main" val="1887283532"/>
+      </p:ext>
+    </p:extLst>
+  </p:cSld>
+  <p:clrMapOvr>
+    <a:masterClrMapping/>
+  </p:clrMapOvr>
+</p:sld>
+</file>
+
+<file path=ppt/slides/slide20.xml><?xml version="1.0" encoding="utf-8"?>
 <p:sld xmlns:a="http://schemas.openxmlformats.org/drawingml/2006/main" xmlns:r="http://schemas.openxmlformats.org/officeDocument/2006/relationships" xmlns:p="http://schemas.openxmlformats.org/presentationml/2006/main">
   <p:cSld>
     <p:spTree>
@@ -14816,201 +15693,7 @@
 </p:sld>
 </file>
 
-<file path=ppt/slides/slide2.xml><?xml version="1.0" encoding="utf-8"?>
-<p:sld xmlns:a="http://schemas.openxmlformats.org/drawingml/2006/main" xmlns:r="http://schemas.openxmlformats.org/officeDocument/2006/relationships" xmlns:p="http://schemas.openxmlformats.org/presentationml/2006/main">
-  <p:cSld>
-    <p:spTree>
-      <p:nvGrpSpPr>
-        <p:cNvPr id="1" name=""/>
-        <p:cNvGrpSpPr/>
-        <p:nvPr/>
-      </p:nvGrpSpPr>
-      <p:grpSpPr>
-        <a:xfrm>
-          <a:off x="0" y="0"/>
-          <a:ext cx="0" cy="0"/>
-          <a:chOff x="0" y="0"/>
-          <a:chExt cx="0" cy="0"/>
-        </a:xfrm>
-      </p:grpSpPr>
-      <p:sp>
-        <p:nvSpPr>
-          <p:cNvPr id="3074" name="Text Box 2"/>
-          <p:cNvSpPr txBox="1">
-            <a:spLocks noChangeArrowheads="1"/>
-          </p:cNvSpPr>
-          <p:nvPr/>
-        </p:nvSpPr>
-        <p:spPr bwMode="auto">
-          <a:xfrm>
-            <a:off x="228600" y="152400"/>
-            <a:ext cx="2736647" cy="369332"/>
-          </a:xfrm>
-          <a:prstGeom prst="rect">
-            <a:avLst/>
-          </a:prstGeom>
-          <a:noFill/>
-          <a:ln w="9525">
-            <a:noFill/>
-            <a:miter lim="800000"/>
-            <a:headEnd/>
-            <a:tailEnd/>
-          </a:ln>
-        </p:spPr>
-        <p:txBody>
-          <a:bodyPr wrap="none">
-            <a:prstTxWarp prst="textNoShape">
-              <a:avLst/>
-            </a:prstTxWarp>
-            <a:spAutoFit/>
-          </a:bodyPr>
-          <a:lstStyle/>
-          <a:p>
-            <a:pPr algn="l"/>
-            <a:r>
-              <a:rPr lang="es-CL" dirty="0">
-                <a:latin typeface="Trebuchet MS" panose="020B0703020202090204" pitchFamily="34" charset="0"/>
-              </a:rPr>
-              <a:t>Mandarinas vs. Naranjas</a:t>
-            </a:r>
-            <a:endParaRPr lang="en-US" dirty="0">
-              <a:latin typeface="Trebuchet MS" panose="020B0703020202090204" pitchFamily="34" charset="0"/>
-            </a:endParaRPr>
-          </a:p>
-        </p:txBody>
-      </p:sp>
-      <p:sp>
-        <p:nvSpPr>
-          <p:cNvPr id="3075" name="Text Box 3"/>
-          <p:cNvSpPr txBox="1">
-            <a:spLocks noChangeArrowheads="1"/>
-          </p:cNvSpPr>
-          <p:nvPr/>
-        </p:nvSpPr>
-        <p:spPr bwMode="auto">
-          <a:xfrm>
-            <a:off x="1828800" y="5715000"/>
-            <a:ext cx="5073650" cy="366713"/>
-          </a:xfrm>
-          <a:prstGeom prst="rect">
-            <a:avLst/>
-          </a:prstGeom>
-          <a:noFill/>
-          <a:ln w="9525">
-            <a:noFill/>
-            <a:miter lim="800000"/>
-            <a:headEnd/>
-            <a:tailEnd/>
-          </a:ln>
-        </p:spPr>
-        <p:txBody>
-          <a:bodyPr wrap="none">
-            <a:prstTxWarp prst="textNoShape">
-              <a:avLst/>
-            </a:prstTxWarp>
-            <a:spAutoFit/>
-          </a:bodyPr>
-          <a:lstStyle/>
-          <a:p>
-            <a:pPr algn="l"/>
-            <a:r>
-              <a:rPr lang="es-CL">
-                <a:latin typeface="Trebuchet MS" panose="020B0703020202090204" pitchFamily="34" charset="0"/>
-              </a:rPr>
-              <a:t>¿cómo separar las mandarinas de las naranjas?</a:t>
-            </a:r>
-            <a:endParaRPr lang="en-US">
-              <a:latin typeface="Trebuchet MS" panose="020B0703020202090204" pitchFamily="34" charset="0"/>
-            </a:endParaRPr>
-          </a:p>
-        </p:txBody>
-      </p:sp>
-      <p:sp>
-        <p:nvSpPr>
-          <p:cNvPr id="3076" name="Line 4"/>
-          <p:cNvSpPr>
-            <a:spLocks noChangeShapeType="1"/>
-          </p:cNvSpPr>
-          <p:nvPr/>
-        </p:nvSpPr>
-        <p:spPr bwMode="auto">
-          <a:xfrm>
-            <a:off x="0" y="609600"/>
-            <a:ext cx="9144000" cy="0"/>
-          </a:xfrm>
-          <a:prstGeom prst="line">
-            <a:avLst/>
-          </a:prstGeom>
-          <a:noFill/>
-          <a:ln w="9525">
-            <a:solidFill>
-              <a:schemeClr val="tx1"/>
-            </a:solidFill>
-            <a:round/>
-            <a:headEnd/>
-            <a:tailEnd/>
-          </a:ln>
-        </p:spPr>
-        <p:txBody>
-          <a:bodyPr>
-            <a:prstTxWarp prst="textNoShape">
-              <a:avLst/>
-            </a:prstTxWarp>
-          </a:bodyPr>
-          <a:lstStyle/>
-          <a:p>
-            <a:endParaRPr lang="en-US">
-              <a:latin typeface="Trebuchet MS" panose="020B0703020202090204" pitchFamily="34" charset="0"/>
-            </a:endParaRPr>
-          </a:p>
-        </p:txBody>
-      </p:sp>
-      <p:pic>
-        <p:nvPicPr>
-          <p:cNvPr id="3077" name="Picture 5"/>
-          <p:cNvPicPr>
-            <a:picLocks noChangeAspect="1" noChangeArrowheads="1"/>
-          </p:cNvPicPr>
-          <p:nvPr/>
-        </p:nvPicPr>
-        <p:blipFill>
-          <a:blip r:embed="rId3"/>
-          <a:srcRect/>
-          <a:stretch>
-            <a:fillRect/>
-          </a:stretch>
-        </p:blipFill>
-        <p:spPr bwMode="auto">
-          <a:xfrm>
-            <a:off x="381000" y="1525588"/>
-            <a:ext cx="8153400" cy="3705225"/>
-          </a:xfrm>
-          <a:prstGeom prst="rect">
-            <a:avLst/>
-          </a:prstGeom>
-          <a:noFill/>
-          <a:ln w="9525">
-            <a:noFill/>
-            <a:miter lim="800000"/>
-            <a:headEnd/>
-            <a:tailEnd/>
-          </a:ln>
-        </p:spPr>
-      </p:pic>
-    </p:spTree>
-    <p:extLst>
-      <p:ext uri="{BB962C8B-B14F-4D97-AF65-F5344CB8AC3E}">
-        <p14:creationId xmlns:p14="http://schemas.microsoft.com/office/powerpoint/2010/main" val="1887283532"/>
-      </p:ext>
-    </p:extLst>
-  </p:cSld>
-  <p:clrMapOvr>
-    <a:masterClrMapping/>
-  </p:clrMapOvr>
-</p:sld>
-</file>
-
-<file path=ppt/slides/slide20.xml><?xml version="1.0" encoding="utf-8"?>
+<file path=ppt/slides/slide21.xml><?xml version="1.0" encoding="utf-8"?>
 <p:sld xmlns:a="http://schemas.openxmlformats.org/drawingml/2006/main" xmlns:r="http://schemas.openxmlformats.org/officeDocument/2006/relationships" xmlns:p="http://schemas.openxmlformats.org/presentationml/2006/main">
   <p:cSld>
     <p:spTree>
@@ -15717,7 +16400,7 @@
 </p:sld>
 </file>
 
-<file path=ppt/slides/slide21.xml><?xml version="1.0" encoding="utf-8"?>
+<file path=ppt/slides/slide22.xml><?xml version="1.0" encoding="utf-8"?>
 <p:sld xmlns:a="http://schemas.openxmlformats.org/drawingml/2006/main" xmlns:r="http://schemas.openxmlformats.org/officeDocument/2006/relationships" xmlns:p="http://schemas.openxmlformats.org/presentationml/2006/main">
   <p:cSld>
     <p:spTree>
@@ -16408,7 +17091,7 @@
 </p:sld>
 </file>
 
-<file path=ppt/slides/slide22.xml><?xml version="1.0" encoding="utf-8"?>
+<file path=ppt/slides/slide23.xml><?xml version="1.0" encoding="utf-8"?>
 <p:sld xmlns:a="http://schemas.openxmlformats.org/drawingml/2006/main" xmlns:r="http://schemas.openxmlformats.org/officeDocument/2006/relationships" xmlns:p="http://schemas.openxmlformats.org/presentationml/2006/main">
   <p:cSld>
     <p:spTree>
@@ -17791,7 +18474,7 @@
 </p:sld>
 </file>
 
-<file path=ppt/slides/slide23.xml><?xml version="1.0" encoding="utf-8"?>
+<file path=ppt/slides/slide24.xml><?xml version="1.0" encoding="utf-8"?>
 <p:sld xmlns:a="http://schemas.openxmlformats.org/drawingml/2006/main" xmlns:r="http://schemas.openxmlformats.org/officeDocument/2006/relationships" xmlns:p="http://schemas.openxmlformats.org/presentationml/2006/main">
   <p:cSld>
     <p:spTree>
@@ -19071,7 +19754,7 @@
 </p:sld>
 </file>
 
-<file path=ppt/slides/slide24.xml><?xml version="1.0" encoding="utf-8"?>
+<file path=ppt/slides/slide25.xml><?xml version="1.0" encoding="utf-8"?>
 <p:sld xmlns:a="http://schemas.openxmlformats.org/drawingml/2006/main" xmlns:r="http://schemas.openxmlformats.org/officeDocument/2006/relationships" xmlns:p="http://schemas.openxmlformats.org/presentationml/2006/main">
   <p:cSld>
     <p:spTree>
@@ -20211,7 +20894,7 @@
 </p:sld>
 </file>
 
-<file path=ppt/slides/slide25.xml><?xml version="1.0" encoding="utf-8"?>
+<file path=ppt/slides/slide26.xml><?xml version="1.0" encoding="utf-8"?>
 <p:sld xmlns:a="http://schemas.openxmlformats.org/drawingml/2006/main" xmlns:r="http://schemas.openxmlformats.org/officeDocument/2006/relationships" xmlns:p="http://schemas.openxmlformats.org/presentationml/2006/main">
   <p:cSld>
     <p:spTree>
@@ -21982,7 +22665,7 @@
 </p:sld>
 </file>
 
-<file path=ppt/slides/slide26.xml><?xml version="1.0" encoding="utf-8"?>
+<file path=ppt/slides/slide27.xml><?xml version="1.0" encoding="utf-8"?>
 <p:sld xmlns:a="http://schemas.openxmlformats.org/drawingml/2006/main" xmlns:r="http://schemas.openxmlformats.org/officeDocument/2006/relationships" xmlns:p="http://schemas.openxmlformats.org/presentationml/2006/main">
   <p:cSld>
     <p:spTree>
@@ -23213,7 +23896,7 @@
 </p:sld>
 </file>
 
-<file path=ppt/slides/slide27.xml><?xml version="1.0" encoding="utf-8"?>
+<file path=ppt/slides/slide28.xml><?xml version="1.0" encoding="utf-8"?>
 <p:sld xmlns:a="http://schemas.openxmlformats.org/drawingml/2006/main" xmlns:r="http://schemas.openxmlformats.org/officeDocument/2006/relationships" xmlns:p="http://schemas.openxmlformats.org/presentationml/2006/main">
   <p:cSld>
     <p:spTree>
@@ -24640,7 +25323,7 @@
 </p:sld>
 </file>
 
-<file path=ppt/slides/slide28.xml><?xml version="1.0" encoding="utf-8"?>
+<file path=ppt/slides/slide29.xml><?xml version="1.0" encoding="utf-8"?>
 <p:sld xmlns:a="http://schemas.openxmlformats.org/drawingml/2006/main" xmlns:r="http://schemas.openxmlformats.org/officeDocument/2006/relationships" xmlns:p="http://schemas.openxmlformats.org/presentationml/2006/main">
   <p:cSld>
     <p:spTree>
@@ -25571,7 +26254,320 @@
 </p:sld>
 </file>
 
-<file path=ppt/slides/slide29.xml><?xml version="1.0" encoding="utf-8"?>
+<file path=ppt/slides/slide3.xml><?xml version="1.0" encoding="utf-8"?>
+<p:sld xmlns:a="http://schemas.openxmlformats.org/drawingml/2006/main" xmlns:r="http://schemas.openxmlformats.org/officeDocument/2006/relationships" xmlns:p="http://schemas.openxmlformats.org/presentationml/2006/main">
+  <p:cSld>
+    <p:spTree>
+      <p:nvGrpSpPr>
+        <p:cNvPr id="1" name=""/>
+        <p:cNvGrpSpPr/>
+        <p:nvPr/>
+      </p:nvGrpSpPr>
+      <p:grpSpPr>
+        <a:xfrm>
+          <a:off x="0" y="0"/>
+          <a:ext cx="0" cy="0"/>
+          <a:chOff x="0" y="0"/>
+          <a:chExt cx="0" cy="0"/>
+        </a:xfrm>
+      </p:grpSpPr>
+      <p:sp>
+        <p:nvSpPr>
+          <p:cNvPr id="4099" name="Text Box 3"/>
+          <p:cNvSpPr txBox="1">
+            <a:spLocks noChangeArrowheads="1"/>
+          </p:cNvSpPr>
+          <p:nvPr/>
+        </p:nvSpPr>
+        <p:spPr bwMode="auto">
+          <a:xfrm>
+            <a:off x="152400" y="1143000"/>
+            <a:ext cx="6571030" cy="923330"/>
+          </a:xfrm>
+          <a:prstGeom prst="rect">
+            <a:avLst/>
+          </a:prstGeom>
+          <a:noFill/>
+          <a:ln w="9525">
+            <a:noFill/>
+            <a:miter lim="800000"/>
+            <a:headEnd/>
+            <a:tailEnd/>
+          </a:ln>
+        </p:spPr>
+        <p:txBody>
+          <a:bodyPr wrap="none">
+            <a:prstTxWarp prst="textNoShape">
+              <a:avLst/>
+            </a:prstTxWarp>
+            <a:spAutoFit/>
+          </a:bodyPr>
+          <a:lstStyle/>
+          <a:p>
+            <a:pPr algn="l"/>
+            <a:r>
+              <a:rPr lang="es-CL" dirty="0">
+                <a:latin typeface="Trebuchet MS" panose="020B0703020202090204" pitchFamily="34" charset="0"/>
+              </a:rPr>
+              <a:t>Clasificación por tamaño: (</a:t>
+            </a:r>
+            <a:r>
+              <a:rPr lang="es-CL" i="1" dirty="0">
+                <a:latin typeface="Trebuchet MS" panose="020B0703020202090204" pitchFamily="34" charset="0"/>
+              </a:rPr>
+              <a:t>las mandarinas son más pequeñas</a:t>
+            </a:r>
+            <a:r>
+              <a:rPr lang="es-CL" dirty="0">
+                <a:latin typeface="Trebuchet MS" panose="020B0703020202090204" pitchFamily="34" charset="0"/>
+              </a:rPr>
+              <a:t>)</a:t>
+            </a:r>
+          </a:p>
+          <a:p>
+            <a:pPr algn="l"/>
+            <a:endParaRPr lang="es-CL" dirty="0">
+              <a:latin typeface="Trebuchet MS" panose="020B0703020202090204" pitchFamily="34" charset="0"/>
+            </a:endParaRPr>
+          </a:p>
+          <a:p>
+            <a:pPr algn="l"/>
+            <a:endParaRPr lang="en-US" dirty="0">
+              <a:latin typeface="Trebuchet MS" panose="020B0703020202090204" pitchFamily="34" charset="0"/>
+            </a:endParaRPr>
+          </a:p>
+        </p:txBody>
+      </p:sp>
+      <p:sp>
+        <p:nvSpPr>
+          <p:cNvPr id="4100" name="Line 5"/>
+          <p:cNvSpPr>
+            <a:spLocks noChangeShapeType="1"/>
+          </p:cNvSpPr>
+          <p:nvPr/>
+        </p:nvSpPr>
+        <p:spPr bwMode="auto">
+          <a:xfrm>
+            <a:off x="0" y="609600"/>
+            <a:ext cx="9144000" cy="0"/>
+          </a:xfrm>
+          <a:prstGeom prst="line">
+            <a:avLst/>
+          </a:prstGeom>
+          <a:noFill/>
+          <a:ln w="9525">
+            <a:solidFill>
+              <a:schemeClr val="tx1"/>
+            </a:solidFill>
+            <a:round/>
+            <a:headEnd/>
+            <a:tailEnd/>
+          </a:ln>
+        </p:spPr>
+        <p:txBody>
+          <a:bodyPr>
+            <a:prstTxWarp prst="textNoShape">
+              <a:avLst/>
+            </a:prstTxWarp>
+          </a:bodyPr>
+          <a:lstStyle/>
+          <a:p>
+            <a:endParaRPr lang="en-US">
+              <a:latin typeface="Trebuchet MS" panose="020B0703020202090204" pitchFamily="34" charset="0"/>
+            </a:endParaRPr>
+          </a:p>
+        </p:txBody>
+      </p:sp>
+      <p:sp>
+        <p:nvSpPr>
+          <p:cNvPr id="4101" name="Text Box 10"/>
+          <p:cNvSpPr txBox="1">
+            <a:spLocks noChangeArrowheads="1"/>
+          </p:cNvSpPr>
+          <p:nvPr/>
+        </p:nvSpPr>
+        <p:spPr bwMode="auto">
+          <a:xfrm>
+            <a:off x="4441825" y="2551113"/>
+            <a:ext cx="2400300" cy="366712"/>
+          </a:xfrm>
+          <a:prstGeom prst="rect">
+            <a:avLst/>
+          </a:prstGeom>
+          <a:noFill/>
+          <a:ln w="9525">
+            <a:noFill/>
+            <a:miter lim="800000"/>
+            <a:headEnd/>
+            <a:tailEnd/>
+          </a:ln>
+        </p:spPr>
+        <p:txBody>
+          <a:bodyPr wrap="none">
+            <a:prstTxWarp prst="textNoShape">
+              <a:avLst/>
+            </a:prstTxWarp>
+            <a:spAutoFit/>
+          </a:bodyPr>
+          <a:lstStyle/>
+          <a:p>
+            <a:pPr algn="l"/>
+            <a:r>
+              <a:rPr lang="es-CL">
+                <a:latin typeface="Trebuchet MS" panose="020B0703020202090204" pitchFamily="34" charset="0"/>
+              </a:rPr>
+              <a:t>Área = 15.457 pixeles</a:t>
+            </a:r>
+            <a:endParaRPr lang="en-US">
+              <a:latin typeface="Trebuchet MS" panose="020B0703020202090204" pitchFamily="34" charset="0"/>
+            </a:endParaRPr>
+          </a:p>
+        </p:txBody>
+      </p:sp>
+      <p:sp>
+        <p:nvSpPr>
+          <p:cNvPr id="4102" name="Text Box 11"/>
+          <p:cNvSpPr txBox="1">
+            <a:spLocks noChangeArrowheads="1"/>
+          </p:cNvSpPr>
+          <p:nvPr/>
+        </p:nvSpPr>
+        <p:spPr bwMode="auto">
+          <a:xfrm>
+            <a:off x="4533900" y="4800600"/>
+            <a:ext cx="2400300" cy="366713"/>
+          </a:xfrm>
+          <a:prstGeom prst="rect">
+            <a:avLst/>
+          </a:prstGeom>
+          <a:noFill/>
+          <a:ln w="9525">
+            <a:noFill/>
+            <a:miter lim="800000"/>
+            <a:headEnd/>
+            <a:tailEnd/>
+          </a:ln>
+        </p:spPr>
+        <p:txBody>
+          <a:bodyPr wrap="none">
+            <a:prstTxWarp prst="textNoShape">
+              <a:avLst/>
+            </a:prstTxWarp>
+            <a:spAutoFit/>
+          </a:bodyPr>
+          <a:lstStyle/>
+          <a:p>
+            <a:pPr algn="l"/>
+            <a:r>
+              <a:rPr lang="es-CL">
+                <a:latin typeface="Trebuchet MS" panose="020B0703020202090204" pitchFamily="34" charset="0"/>
+              </a:rPr>
+              <a:t>Área = 18.583 pixeles</a:t>
+            </a:r>
+            <a:endParaRPr lang="en-US">
+              <a:latin typeface="Trebuchet MS" panose="020B0703020202090204" pitchFamily="34" charset="0"/>
+            </a:endParaRPr>
+          </a:p>
+        </p:txBody>
+      </p:sp>
+      <p:pic>
+        <p:nvPicPr>
+          <p:cNvPr id="4103" name="Picture 13"/>
+          <p:cNvPicPr>
+            <a:picLocks noChangeAspect="1" noChangeArrowheads="1"/>
+          </p:cNvPicPr>
+          <p:nvPr/>
+        </p:nvPicPr>
+        <p:blipFill>
+          <a:blip r:embed="rId3"/>
+          <a:srcRect/>
+          <a:stretch>
+            <a:fillRect/>
+          </a:stretch>
+        </p:blipFill>
+        <p:spPr bwMode="auto">
+          <a:xfrm>
+            <a:off x="838200" y="1905000"/>
+            <a:ext cx="3444875" cy="3705225"/>
+          </a:xfrm>
+          <a:prstGeom prst="rect">
+            <a:avLst/>
+          </a:prstGeom>
+          <a:noFill/>
+          <a:ln w="9525">
+            <a:noFill/>
+            <a:miter lim="800000"/>
+            <a:headEnd/>
+            <a:tailEnd/>
+          </a:ln>
+        </p:spPr>
+      </p:pic>
+      <p:sp>
+        <p:nvSpPr>
+          <p:cNvPr id="8" name="Text Box 2">
+            <a:extLst>
+              <a:ext uri="{FF2B5EF4-FFF2-40B4-BE49-F238E27FC236}">
+                <a16:creationId xmlns:a16="http://schemas.microsoft.com/office/drawing/2014/main" id="{706387CF-6DB8-9047-B613-9F1A1D12D2D2}"/>
+              </a:ext>
+            </a:extLst>
+          </p:cNvPr>
+          <p:cNvSpPr txBox="1">
+            <a:spLocks noChangeArrowheads="1"/>
+          </p:cNvSpPr>
+          <p:nvPr/>
+        </p:nvSpPr>
+        <p:spPr bwMode="auto">
+          <a:xfrm>
+            <a:off x="228600" y="152400"/>
+            <a:ext cx="2736647" cy="369332"/>
+          </a:xfrm>
+          <a:prstGeom prst="rect">
+            <a:avLst/>
+          </a:prstGeom>
+          <a:noFill/>
+          <a:ln w="9525">
+            <a:noFill/>
+            <a:miter lim="800000"/>
+            <a:headEnd/>
+            <a:tailEnd/>
+          </a:ln>
+        </p:spPr>
+        <p:txBody>
+          <a:bodyPr wrap="none">
+            <a:prstTxWarp prst="textNoShape">
+              <a:avLst/>
+            </a:prstTxWarp>
+            <a:spAutoFit/>
+          </a:bodyPr>
+          <a:lstStyle/>
+          <a:p>
+            <a:pPr algn="l"/>
+            <a:r>
+              <a:rPr lang="es-CL" dirty="0">
+                <a:latin typeface="Trebuchet MS" panose="020B0703020202090204" pitchFamily="34" charset="0"/>
+              </a:rPr>
+              <a:t>Mandarinas vs. Naranjas</a:t>
+            </a:r>
+            <a:endParaRPr lang="en-US" dirty="0">
+              <a:latin typeface="Trebuchet MS" panose="020B0703020202090204" pitchFamily="34" charset="0"/>
+            </a:endParaRPr>
+          </a:p>
+        </p:txBody>
+      </p:sp>
+    </p:spTree>
+    <p:extLst>
+      <p:ext uri="{BB962C8B-B14F-4D97-AF65-F5344CB8AC3E}">
+        <p14:creationId xmlns:p14="http://schemas.microsoft.com/office/powerpoint/2010/main" val="329435298"/>
+      </p:ext>
+    </p:extLst>
+  </p:cSld>
+  <p:clrMapOvr>
+    <a:masterClrMapping/>
+  </p:clrMapOvr>
+</p:sld>
+</file>
+
+<file path=ppt/slides/slide30.xml><?xml version="1.0" encoding="utf-8"?>
 <p:sld xmlns:a="http://schemas.openxmlformats.org/drawingml/2006/main" xmlns:r="http://schemas.openxmlformats.org/officeDocument/2006/relationships" xmlns:p="http://schemas.openxmlformats.org/presentationml/2006/main">
   <p:cSld>
     <p:spTree>
@@ -27362,320 +28358,7 @@
 </p:sld>
 </file>
 
-<file path=ppt/slides/slide3.xml><?xml version="1.0" encoding="utf-8"?>
-<p:sld xmlns:a="http://schemas.openxmlformats.org/drawingml/2006/main" xmlns:r="http://schemas.openxmlformats.org/officeDocument/2006/relationships" xmlns:p="http://schemas.openxmlformats.org/presentationml/2006/main">
-  <p:cSld>
-    <p:spTree>
-      <p:nvGrpSpPr>
-        <p:cNvPr id="1" name=""/>
-        <p:cNvGrpSpPr/>
-        <p:nvPr/>
-      </p:nvGrpSpPr>
-      <p:grpSpPr>
-        <a:xfrm>
-          <a:off x="0" y="0"/>
-          <a:ext cx="0" cy="0"/>
-          <a:chOff x="0" y="0"/>
-          <a:chExt cx="0" cy="0"/>
-        </a:xfrm>
-      </p:grpSpPr>
-      <p:sp>
-        <p:nvSpPr>
-          <p:cNvPr id="4099" name="Text Box 3"/>
-          <p:cNvSpPr txBox="1">
-            <a:spLocks noChangeArrowheads="1"/>
-          </p:cNvSpPr>
-          <p:nvPr/>
-        </p:nvSpPr>
-        <p:spPr bwMode="auto">
-          <a:xfrm>
-            <a:off x="152400" y="1143000"/>
-            <a:ext cx="6571030" cy="923330"/>
-          </a:xfrm>
-          <a:prstGeom prst="rect">
-            <a:avLst/>
-          </a:prstGeom>
-          <a:noFill/>
-          <a:ln w="9525">
-            <a:noFill/>
-            <a:miter lim="800000"/>
-            <a:headEnd/>
-            <a:tailEnd/>
-          </a:ln>
-        </p:spPr>
-        <p:txBody>
-          <a:bodyPr wrap="none">
-            <a:prstTxWarp prst="textNoShape">
-              <a:avLst/>
-            </a:prstTxWarp>
-            <a:spAutoFit/>
-          </a:bodyPr>
-          <a:lstStyle/>
-          <a:p>
-            <a:pPr algn="l"/>
-            <a:r>
-              <a:rPr lang="es-CL" dirty="0">
-                <a:latin typeface="Trebuchet MS" panose="020B0703020202090204" pitchFamily="34" charset="0"/>
-              </a:rPr>
-              <a:t>Clasificación por tamaño: (</a:t>
-            </a:r>
-            <a:r>
-              <a:rPr lang="es-CL" i="1" dirty="0">
-                <a:latin typeface="Trebuchet MS" panose="020B0703020202090204" pitchFamily="34" charset="0"/>
-              </a:rPr>
-              <a:t>las mandarinas son más pequeñas</a:t>
-            </a:r>
-            <a:r>
-              <a:rPr lang="es-CL" dirty="0">
-                <a:latin typeface="Trebuchet MS" panose="020B0703020202090204" pitchFamily="34" charset="0"/>
-              </a:rPr>
-              <a:t>)</a:t>
-            </a:r>
-          </a:p>
-          <a:p>
-            <a:pPr algn="l"/>
-            <a:endParaRPr lang="es-CL" dirty="0">
-              <a:latin typeface="Trebuchet MS" panose="020B0703020202090204" pitchFamily="34" charset="0"/>
-            </a:endParaRPr>
-          </a:p>
-          <a:p>
-            <a:pPr algn="l"/>
-            <a:endParaRPr lang="en-US" dirty="0">
-              <a:latin typeface="Trebuchet MS" panose="020B0703020202090204" pitchFamily="34" charset="0"/>
-            </a:endParaRPr>
-          </a:p>
-        </p:txBody>
-      </p:sp>
-      <p:sp>
-        <p:nvSpPr>
-          <p:cNvPr id="4100" name="Line 5"/>
-          <p:cNvSpPr>
-            <a:spLocks noChangeShapeType="1"/>
-          </p:cNvSpPr>
-          <p:nvPr/>
-        </p:nvSpPr>
-        <p:spPr bwMode="auto">
-          <a:xfrm>
-            <a:off x="0" y="609600"/>
-            <a:ext cx="9144000" cy="0"/>
-          </a:xfrm>
-          <a:prstGeom prst="line">
-            <a:avLst/>
-          </a:prstGeom>
-          <a:noFill/>
-          <a:ln w="9525">
-            <a:solidFill>
-              <a:schemeClr val="tx1"/>
-            </a:solidFill>
-            <a:round/>
-            <a:headEnd/>
-            <a:tailEnd/>
-          </a:ln>
-        </p:spPr>
-        <p:txBody>
-          <a:bodyPr>
-            <a:prstTxWarp prst="textNoShape">
-              <a:avLst/>
-            </a:prstTxWarp>
-          </a:bodyPr>
-          <a:lstStyle/>
-          <a:p>
-            <a:endParaRPr lang="en-US">
-              <a:latin typeface="Trebuchet MS" panose="020B0703020202090204" pitchFamily="34" charset="0"/>
-            </a:endParaRPr>
-          </a:p>
-        </p:txBody>
-      </p:sp>
-      <p:sp>
-        <p:nvSpPr>
-          <p:cNvPr id="4101" name="Text Box 10"/>
-          <p:cNvSpPr txBox="1">
-            <a:spLocks noChangeArrowheads="1"/>
-          </p:cNvSpPr>
-          <p:nvPr/>
-        </p:nvSpPr>
-        <p:spPr bwMode="auto">
-          <a:xfrm>
-            <a:off x="4441825" y="2551113"/>
-            <a:ext cx="2400300" cy="366712"/>
-          </a:xfrm>
-          <a:prstGeom prst="rect">
-            <a:avLst/>
-          </a:prstGeom>
-          <a:noFill/>
-          <a:ln w="9525">
-            <a:noFill/>
-            <a:miter lim="800000"/>
-            <a:headEnd/>
-            <a:tailEnd/>
-          </a:ln>
-        </p:spPr>
-        <p:txBody>
-          <a:bodyPr wrap="none">
-            <a:prstTxWarp prst="textNoShape">
-              <a:avLst/>
-            </a:prstTxWarp>
-            <a:spAutoFit/>
-          </a:bodyPr>
-          <a:lstStyle/>
-          <a:p>
-            <a:pPr algn="l"/>
-            <a:r>
-              <a:rPr lang="es-CL">
-                <a:latin typeface="Trebuchet MS" panose="020B0703020202090204" pitchFamily="34" charset="0"/>
-              </a:rPr>
-              <a:t>Área = 15.457 pixeles</a:t>
-            </a:r>
-            <a:endParaRPr lang="en-US">
-              <a:latin typeface="Trebuchet MS" panose="020B0703020202090204" pitchFamily="34" charset="0"/>
-            </a:endParaRPr>
-          </a:p>
-        </p:txBody>
-      </p:sp>
-      <p:sp>
-        <p:nvSpPr>
-          <p:cNvPr id="4102" name="Text Box 11"/>
-          <p:cNvSpPr txBox="1">
-            <a:spLocks noChangeArrowheads="1"/>
-          </p:cNvSpPr>
-          <p:nvPr/>
-        </p:nvSpPr>
-        <p:spPr bwMode="auto">
-          <a:xfrm>
-            <a:off x="4533900" y="4800600"/>
-            <a:ext cx="2400300" cy="366713"/>
-          </a:xfrm>
-          <a:prstGeom prst="rect">
-            <a:avLst/>
-          </a:prstGeom>
-          <a:noFill/>
-          <a:ln w="9525">
-            <a:noFill/>
-            <a:miter lim="800000"/>
-            <a:headEnd/>
-            <a:tailEnd/>
-          </a:ln>
-        </p:spPr>
-        <p:txBody>
-          <a:bodyPr wrap="none">
-            <a:prstTxWarp prst="textNoShape">
-              <a:avLst/>
-            </a:prstTxWarp>
-            <a:spAutoFit/>
-          </a:bodyPr>
-          <a:lstStyle/>
-          <a:p>
-            <a:pPr algn="l"/>
-            <a:r>
-              <a:rPr lang="es-CL">
-                <a:latin typeface="Trebuchet MS" panose="020B0703020202090204" pitchFamily="34" charset="0"/>
-              </a:rPr>
-              <a:t>Área = 18.583 pixeles</a:t>
-            </a:r>
-            <a:endParaRPr lang="en-US">
-              <a:latin typeface="Trebuchet MS" panose="020B0703020202090204" pitchFamily="34" charset="0"/>
-            </a:endParaRPr>
-          </a:p>
-        </p:txBody>
-      </p:sp>
-      <p:pic>
-        <p:nvPicPr>
-          <p:cNvPr id="4103" name="Picture 13"/>
-          <p:cNvPicPr>
-            <a:picLocks noChangeAspect="1" noChangeArrowheads="1"/>
-          </p:cNvPicPr>
-          <p:nvPr/>
-        </p:nvPicPr>
-        <p:blipFill>
-          <a:blip r:embed="rId3"/>
-          <a:srcRect/>
-          <a:stretch>
-            <a:fillRect/>
-          </a:stretch>
-        </p:blipFill>
-        <p:spPr bwMode="auto">
-          <a:xfrm>
-            <a:off x="838200" y="1905000"/>
-            <a:ext cx="3444875" cy="3705225"/>
-          </a:xfrm>
-          <a:prstGeom prst="rect">
-            <a:avLst/>
-          </a:prstGeom>
-          <a:noFill/>
-          <a:ln w="9525">
-            <a:noFill/>
-            <a:miter lim="800000"/>
-            <a:headEnd/>
-            <a:tailEnd/>
-          </a:ln>
-        </p:spPr>
-      </p:pic>
-      <p:sp>
-        <p:nvSpPr>
-          <p:cNvPr id="8" name="Text Box 2">
-            <a:extLst>
-              <a:ext uri="{FF2B5EF4-FFF2-40B4-BE49-F238E27FC236}">
-                <a16:creationId xmlns:a16="http://schemas.microsoft.com/office/drawing/2014/main" id="{706387CF-6DB8-9047-B613-9F1A1D12D2D2}"/>
-              </a:ext>
-            </a:extLst>
-          </p:cNvPr>
-          <p:cNvSpPr txBox="1">
-            <a:spLocks noChangeArrowheads="1"/>
-          </p:cNvSpPr>
-          <p:nvPr/>
-        </p:nvSpPr>
-        <p:spPr bwMode="auto">
-          <a:xfrm>
-            <a:off x="228600" y="152400"/>
-            <a:ext cx="2736647" cy="369332"/>
-          </a:xfrm>
-          <a:prstGeom prst="rect">
-            <a:avLst/>
-          </a:prstGeom>
-          <a:noFill/>
-          <a:ln w="9525">
-            <a:noFill/>
-            <a:miter lim="800000"/>
-            <a:headEnd/>
-            <a:tailEnd/>
-          </a:ln>
-        </p:spPr>
-        <p:txBody>
-          <a:bodyPr wrap="none">
-            <a:prstTxWarp prst="textNoShape">
-              <a:avLst/>
-            </a:prstTxWarp>
-            <a:spAutoFit/>
-          </a:bodyPr>
-          <a:lstStyle/>
-          <a:p>
-            <a:pPr algn="l"/>
-            <a:r>
-              <a:rPr lang="es-CL" dirty="0">
-                <a:latin typeface="Trebuchet MS" panose="020B0703020202090204" pitchFamily="34" charset="0"/>
-              </a:rPr>
-              <a:t>Mandarinas vs. Naranjas</a:t>
-            </a:r>
-            <a:endParaRPr lang="en-US" dirty="0">
-              <a:latin typeface="Trebuchet MS" panose="020B0703020202090204" pitchFamily="34" charset="0"/>
-            </a:endParaRPr>
-          </a:p>
-        </p:txBody>
-      </p:sp>
-    </p:spTree>
-    <p:extLst>
-      <p:ext uri="{BB962C8B-B14F-4D97-AF65-F5344CB8AC3E}">
-        <p14:creationId xmlns:p14="http://schemas.microsoft.com/office/powerpoint/2010/main" val="329435298"/>
-      </p:ext>
-    </p:extLst>
-  </p:cSld>
-  <p:clrMapOvr>
-    <a:masterClrMapping/>
-  </p:clrMapOvr>
-</p:sld>
-</file>
-
-<file path=ppt/slides/slide30.xml><?xml version="1.0" encoding="utf-8"?>
+<file path=ppt/slides/slide31.xml><?xml version="1.0" encoding="utf-8"?>
 <p:sld xmlns:a="http://schemas.openxmlformats.org/drawingml/2006/main" xmlns:r="http://schemas.openxmlformats.org/officeDocument/2006/relationships" xmlns:p="http://schemas.openxmlformats.org/presentationml/2006/main">
   <p:cSld>
     <p:spTree>
@@ -27781,7 +28464,7 @@
 </p:sld>
 </file>
 
-<file path=ppt/slides/slide31.xml><?xml version="1.0" encoding="utf-8"?>
+<file path=ppt/slides/slide32.xml><?xml version="1.0" encoding="utf-8"?>
 <p:sld xmlns:a="http://schemas.openxmlformats.org/drawingml/2006/main" xmlns:r="http://schemas.openxmlformats.org/officeDocument/2006/relationships" xmlns:p="http://schemas.openxmlformats.org/presentationml/2006/main">
   <p:cSld>
     <p:spTree>
@@ -28624,7 +29307,7 @@
 </p:sld>
 </file>
 
-<file path=ppt/slides/slide32.xml><?xml version="1.0" encoding="utf-8"?>
+<file path=ppt/slides/slide33.xml><?xml version="1.0" encoding="utf-8"?>
 <p:sld xmlns:a="http://schemas.openxmlformats.org/drawingml/2006/main" xmlns:r="http://schemas.openxmlformats.org/officeDocument/2006/relationships" xmlns:p="http://schemas.openxmlformats.org/presentationml/2006/main">
   <p:cSld>
     <p:spTree>
@@ -29975,7 +30658,7 @@
 </p:sld>
 </file>
 
-<file path=ppt/slides/slide33.xml><?xml version="1.0" encoding="utf-8"?>
+<file path=ppt/slides/slide34.xml><?xml version="1.0" encoding="utf-8"?>
 <p:sld xmlns:a="http://schemas.openxmlformats.org/drawingml/2006/main" xmlns:r="http://schemas.openxmlformats.org/officeDocument/2006/relationships" xmlns:p="http://schemas.openxmlformats.org/presentationml/2006/main">
   <p:cSld>
     <p:spTree>
@@ -31060,7 +31743,7 @@
 </p:sld>
 </file>
 
-<file path=ppt/slides/slide34.xml><?xml version="1.0" encoding="utf-8"?>
+<file path=ppt/slides/slide35.xml><?xml version="1.0" encoding="utf-8"?>
 <p:sld xmlns:a="http://schemas.openxmlformats.org/drawingml/2006/main" xmlns:r="http://schemas.openxmlformats.org/officeDocument/2006/relationships" xmlns:p="http://schemas.openxmlformats.org/presentationml/2006/main">
   <p:cSld>
     <p:spTree>
@@ -31857,7 +32540,7 @@
 </p:sld>
 </file>
 
-<file path=ppt/slides/slide35.xml><?xml version="1.0" encoding="utf-8"?>
+<file path=ppt/slides/slide36.xml><?xml version="1.0" encoding="utf-8"?>
 <p:sld xmlns:a="http://schemas.openxmlformats.org/drawingml/2006/main" xmlns:r="http://schemas.openxmlformats.org/officeDocument/2006/relationships" xmlns:p="http://schemas.openxmlformats.org/presentationml/2006/main">
   <p:cSld>
     <p:spTree>
@@ -32736,7 +33419,7 @@
 </p:sld>
 </file>
 
-<file path=ppt/slides/slide36.xml><?xml version="1.0" encoding="utf-8"?>
+<file path=ppt/slides/slide37.xml><?xml version="1.0" encoding="utf-8"?>
 <p:sld xmlns:a="http://schemas.openxmlformats.org/drawingml/2006/main" xmlns:r="http://schemas.openxmlformats.org/officeDocument/2006/relationships" xmlns:p="http://schemas.openxmlformats.org/presentationml/2006/main">
   <p:cSld>
     <p:spTree>
@@ -33243,7 +33926,7 @@
 </p:sld>
 </file>
 
-<file path=ppt/slides/slide37.xml><?xml version="1.0" encoding="utf-8"?>
+<file path=ppt/slides/slide38.xml><?xml version="1.0" encoding="utf-8"?>
 <p:sld xmlns:a="http://schemas.openxmlformats.org/drawingml/2006/main" xmlns:r="http://schemas.openxmlformats.org/officeDocument/2006/relationships" xmlns:p="http://schemas.openxmlformats.org/presentationml/2006/main">
   <p:cSld>
     <p:spTree>
@@ -33349,7 +34032,7 @@
 </p:sld>
 </file>
 
-<file path=ppt/slides/slide38.xml><?xml version="1.0" encoding="utf-8"?>
+<file path=ppt/slides/slide39.xml><?xml version="1.0" encoding="utf-8"?>
 <p:sld xmlns:a="http://schemas.openxmlformats.org/drawingml/2006/main" xmlns:r="http://schemas.openxmlformats.org/officeDocument/2006/relationships" xmlns:p="http://schemas.openxmlformats.org/presentationml/2006/main">
   <p:cSld>
     <p:spTree>
@@ -33392,7 +34075,7 @@
                 <a:latin typeface="Trebuchet MS" panose="020B0703020202090204" pitchFamily="34" charset="0"/>
               </a:rPr>
               <a:pPr/>
-              <a:t>38</a:t>
+              <a:t>39</a:t>
             </a:fld>
             <a:endParaRPr lang="es-ES">
               <a:latin typeface="Trebuchet MS" panose="020B0703020202090204" pitchFamily="34" charset="0"/>
@@ -33722,88 +34405,6 @@
       </p:par>
     </p:tnLst>
   </p:timing>
-</p:sld>
-</file>
-
-<file path=ppt/slides/slide39.xml><?xml version="1.0" encoding="utf-8"?>
-<p:sld xmlns:a="http://schemas.openxmlformats.org/drawingml/2006/main" xmlns:r="http://schemas.openxmlformats.org/officeDocument/2006/relationships" xmlns:p="http://schemas.openxmlformats.org/presentationml/2006/main" show="0">
-  <p:cSld>
-    <p:spTree>
-      <p:nvGrpSpPr>
-        <p:cNvPr id="1" name=""/>
-        <p:cNvGrpSpPr/>
-        <p:nvPr/>
-      </p:nvGrpSpPr>
-      <p:grpSpPr>
-        <a:xfrm>
-          <a:off x="0" y="0"/>
-          <a:ext cx="0" cy="0"/>
-          <a:chOff x="0" y="0"/>
-          <a:chExt cx="0" cy="0"/>
-        </a:xfrm>
-      </p:grpSpPr>
-      <p:sp>
-        <p:nvSpPr>
-          <p:cNvPr id="2" name="Title 1">
-            <a:extLst>
-              <a:ext uri="{FF2B5EF4-FFF2-40B4-BE49-F238E27FC236}">
-                <a16:creationId xmlns:a16="http://schemas.microsoft.com/office/drawing/2014/main" id="{4F56EAEF-14B0-504F-B814-84DACCE33197}"/>
-              </a:ext>
-            </a:extLst>
-          </p:cNvPr>
-          <p:cNvSpPr>
-            <a:spLocks noGrp="1"/>
-          </p:cNvSpPr>
-          <p:nvPr>
-            <p:ph type="title"/>
-          </p:nvPr>
-        </p:nvSpPr>
-        <p:spPr>
-          <a:xfrm>
-            <a:off x="551793" y="2857500"/>
-            <a:ext cx="8229600" cy="1143000"/>
-          </a:xfrm>
-        </p:spPr>
-        <p:txBody>
-          <a:bodyPr/>
-          <a:lstStyle/>
-          <a:p>
-            <a:r>
-              <a:rPr lang="en-US" dirty="0" err="1"/>
-              <a:t>Ejemplo</a:t>
-            </a:r>
-            <a:r>
-              <a:rPr lang="en-US" dirty="0"/>
-              <a:t> PDF </a:t>
-            </a:r>
-            <a:r>
-              <a:rPr lang="en-US" dirty="0" err="1"/>
-              <a:t>en</a:t>
-            </a:r>
-            <a:r>
-              <a:rPr lang="en-US" dirty="0"/>
-              <a:t> 2D</a:t>
-            </a:r>
-            <a:br>
-              <a:rPr lang="en-US" dirty="0"/>
-            </a:br>
-            <a:r>
-              <a:rPr lang="en-US" dirty="0"/>
-              <a:t>KDE</a:t>
-            </a:r>
-          </a:p>
-        </p:txBody>
-      </p:sp>
-    </p:spTree>
-    <p:extLst>
-      <p:ext uri="{BB962C8B-B14F-4D97-AF65-F5344CB8AC3E}">
-        <p14:creationId xmlns:p14="http://schemas.microsoft.com/office/powerpoint/2010/main" val="1358221899"/>
-      </p:ext>
-    </p:extLst>
-  </p:cSld>
-  <p:clrMapOvr>
-    <a:masterClrMapping/>
-  </p:clrMapOvr>
 </p:sld>
 </file>
 
@@ -37397,6 +37998,88 @@
 </file>
 
 <file path=ppt/slides/slide40.xml><?xml version="1.0" encoding="utf-8"?>
+<p:sld xmlns:a="http://schemas.openxmlformats.org/drawingml/2006/main" xmlns:r="http://schemas.openxmlformats.org/officeDocument/2006/relationships" xmlns:p="http://schemas.openxmlformats.org/presentationml/2006/main" show="0">
+  <p:cSld>
+    <p:spTree>
+      <p:nvGrpSpPr>
+        <p:cNvPr id="1" name=""/>
+        <p:cNvGrpSpPr/>
+        <p:nvPr/>
+      </p:nvGrpSpPr>
+      <p:grpSpPr>
+        <a:xfrm>
+          <a:off x="0" y="0"/>
+          <a:ext cx="0" cy="0"/>
+          <a:chOff x="0" y="0"/>
+          <a:chExt cx="0" cy="0"/>
+        </a:xfrm>
+      </p:grpSpPr>
+      <p:sp>
+        <p:nvSpPr>
+          <p:cNvPr id="2" name="Title 1">
+            <a:extLst>
+              <a:ext uri="{FF2B5EF4-FFF2-40B4-BE49-F238E27FC236}">
+                <a16:creationId xmlns:a16="http://schemas.microsoft.com/office/drawing/2014/main" id="{4F56EAEF-14B0-504F-B814-84DACCE33197}"/>
+              </a:ext>
+            </a:extLst>
+          </p:cNvPr>
+          <p:cNvSpPr>
+            <a:spLocks noGrp="1"/>
+          </p:cNvSpPr>
+          <p:nvPr>
+            <p:ph type="title"/>
+          </p:nvPr>
+        </p:nvSpPr>
+        <p:spPr>
+          <a:xfrm>
+            <a:off x="551793" y="2857500"/>
+            <a:ext cx="8229600" cy="1143000"/>
+          </a:xfrm>
+        </p:spPr>
+        <p:txBody>
+          <a:bodyPr/>
+          <a:lstStyle/>
+          <a:p>
+            <a:r>
+              <a:rPr lang="en-US" dirty="0" err="1"/>
+              <a:t>Ejemplo</a:t>
+            </a:r>
+            <a:r>
+              <a:rPr lang="en-US" dirty="0"/>
+              <a:t> PDF </a:t>
+            </a:r>
+            <a:r>
+              <a:rPr lang="en-US" dirty="0" err="1"/>
+              <a:t>en</a:t>
+            </a:r>
+            <a:r>
+              <a:rPr lang="en-US" dirty="0"/>
+              <a:t> 2D</a:t>
+            </a:r>
+            <a:br>
+              <a:rPr lang="en-US" dirty="0"/>
+            </a:br>
+            <a:r>
+              <a:rPr lang="en-US" dirty="0"/>
+              <a:t>KDE</a:t>
+            </a:r>
+          </a:p>
+        </p:txBody>
+      </p:sp>
+    </p:spTree>
+    <p:extLst>
+      <p:ext uri="{BB962C8B-B14F-4D97-AF65-F5344CB8AC3E}">
+        <p14:creationId xmlns:p14="http://schemas.microsoft.com/office/powerpoint/2010/main" val="1358221899"/>
+      </p:ext>
+    </p:extLst>
+  </p:cSld>
+  <p:clrMapOvr>
+    <a:masterClrMapping/>
+  </p:clrMapOvr>
+</p:sld>
+</file>
+
+<file path=ppt/slides/slide41.xml><?xml version="1.0" encoding="utf-8"?>
 <p:sld xmlns:a="http://schemas.openxmlformats.org/drawingml/2006/main" xmlns:r="http://schemas.openxmlformats.org/officeDocument/2006/relationships" xmlns:p="http://schemas.openxmlformats.org/presentationml/2006/main">
   <p:cSld>
     <p:spTree>
@@ -37471,7 +38154,7 @@
 </p:sld>
 </file>
 
-<file path=ppt/slides/slide41.xml><?xml version="1.0" encoding="utf-8"?>
+<file path=ppt/slides/slide42.xml><?xml version="1.0" encoding="utf-8"?>
 <p:sld xmlns:a="http://schemas.openxmlformats.org/drawingml/2006/main" xmlns:r="http://schemas.openxmlformats.org/officeDocument/2006/relationships" xmlns:p="http://schemas.openxmlformats.org/presentationml/2006/main">
   <p:cSld>
     <p:spTree>
@@ -37548,7 +38231,7 @@
 </p:sld>
 </file>
 
-<file path=ppt/slides/slide42.xml><?xml version="1.0" encoding="utf-8"?>
+<file path=ppt/slides/slide43.xml><?xml version="1.0" encoding="utf-8"?>
 <p:sld xmlns:a="http://schemas.openxmlformats.org/drawingml/2006/main" xmlns:r="http://schemas.openxmlformats.org/officeDocument/2006/relationships" xmlns:p="http://schemas.openxmlformats.org/presentationml/2006/main">
   <p:cSld>
     <p:spTree>
@@ -37625,7 +38308,7 @@
 </p:sld>
 </file>
 
-<file path=ppt/slides/slide43.xml><?xml version="1.0" encoding="utf-8"?>
+<file path=ppt/slides/slide44.xml><?xml version="1.0" encoding="utf-8"?>
 <p:sld xmlns:a="http://schemas.openxmlformats.org/drawingml/2006/main" xmlns:r="http://schemas.openxmlformats.org/officeDocument/2006/relationships" xmlns:p="http://schemas.openxmlformats.org/presentationml/2006/main">
   <p:cSld>
     <p:spTree>
@@ -37749,7 +38432,7 @@
 </p:sld>
 </file>
 
-<file path=ppt/slides/slide44.xml><?xml version="1.0" encoding="utf-8"?>
+<file path=ppt/slides/slide45.xml><?xml version="1.0" encoding="utf-8"?>
 <p:sld xmlns:a="http://schemas.openxmlformats.org/drawingml/2006/main" xmlns:r="http://schemas.openxmlformats.org/officeDocument/2006/relationships" xmlns:p="http://schemas.openxmlformats.org/presentationml/2006/main">
   <p:cSld>
     <p:spTree>
@@ -38173,7 +38856,7 @@
 </p:sld>
 </file>
 
-<file path=ppt/slides/slide45.xml><?xml version="1.0" encoding="utf-8"?>
+<file path=ppt/slides/slide46.xml><?xml version="1.0" encoding="utf-8"?>
 <p:sld xmlns:a="http://schemas.openxmlformats.org/drawingml/2006/main" xmlns:r="http://schemas.openxmlformats.org/officeDocument/2006/relationships" xmlns:p="http://schemas.openxmlformats.org/presentationml/2006/main">
   <p:cSld>
     <p:spTree>
@@ -38560,7 +39243,7 @@
 </p:sld>
 </file>
 
-<file path=ppt/slides/slide46.xml><?xml version="1.0" encoding="utf-8"?>
+<file path=ppt/slides/slide47.xml><?xml version="1.0" encoding="utf-8"?>
 <p:sld xmlns:a="http://schemas.openxmlformats.org/drawingml/2006/main" xmlns:r="http://schemas.openxmlformats.org/officeDocument/2006/relationships" xmlns:p="http://schemas.openxmlformats.org/presentationml/2006/main">
   <p:cSld>
     <p:spTree>
@@ -38728,83 +39411,6 @@
     <p:extLst>
       <p:ext uri="{BB962C8B-B14F-4D97-AF65-F5344CB8AC3E}">
         <p14:creationId xmlns:p14="http://schemas.microsoft.com/office/powerpoint/2010/main" val="4025355466"/>
-      </p:ext>
-    </p:extLst>
-  </p:cSld>
-  <p:clrMapOvr>
-    <a:masterClrMapping/>
-  </p:clrMapOvr>
-</p:sld>
-</file>
-
-<file path=ppt/slides/slide47.xml><?xml version="1.0" encoding="utf-8"?>
-<p:sld xmlns:a="http://schemas.openxmlformats.org/drawingml/2006/main" xmlns:r="http://schemas.openxmlformats.org/officeDocument/2006/relationships" xmlns:p="http://schemas.openxmlformats.org/presentationml/2006/main">
-  <p:cSld>
-    <p:spTree>
-      <p:nvGrpSpPr>
-        <p:cNvPr id="1" name=""/>
-        <p:cNvGrpSpPr/>
-        <p:nvPr/>
-      </p:nvGrpSpPr>
-      <p:grpSpPr>
-        <a:xfrm>
-          <a:off x="0" y="0"/>
-          <a:ext cx="0" cy="0"/>
-          <a:chOff x="0" y="0"/>
-          <a:chExt cx="0" cy="0"/>
-        </a:xfrm>
-      </p:grpSpPr>
-      <p:pic>
-        <p:nvPicPr>
-          <p:cNvPr id="9218" name="Picture 2">
-            <a:extLst>
-              <a:ext uri="{FF2B5EF4-FFF2-40B4-BE49-F238E27FC236}">
-                <a16:creationId xmlns:a16="http://schemas.microsoft.com/office/drawing/2014/main" id="{F2668601-2ADC-3441-BBC4-D5945F45FBB0}"/>
-              </a:ext>
-            </a:extLst>
-          </p:cNvPr>
-          <p:cNvPicPr>
-            <a:picLocks noChangeAspect="1" noChangeArrowheads="1"/>
-          </p:cNvPicPr>
-          <p:nvPr/>
-        </p:nvPicPr>
-        <p:blipFill>
-          <a:blip r:embed="rId2">
-            <a:extLst>
-              <a:ext uri="{28A0092B-C50C-407E-A947-70E740481C1C}">
-                <a14:useLocalDpi xmlns:a14="http://schemas.microsoft.com/office/drawing/2010/main" val="0"/>
-              </a:ext>
-            </a:extLst>
-          </a:blip>
-          <a:srcRect/>
-          <a:stretch>
-            <a:fillRect/>
-          </a:stretch>
-        </p:blipFill>
-        <p:spPr bwMode="auto">
-          <a:xfrm>
-            <a:off x="1408387" y="89269"/>
-            <a:ext cx="6663558" cy="6679462"/>
-          </a:xfrm>
-          <a:prstGeom prst="rect">
-            <a:avLst/>
-          </a:prstGeom>
-          <a:noFill/>
-          <a:extLst>
-            <a:ext uri="{909E8E84-426E-40DD-AFC4-6F175D3DCCD1}">
-              <a14:hiddenFill xmlns:a14="http://schemas.microsoft.com/office/drawing/2010/main">
-                <a:solidFill>
-                  <a:srgbClr val="FFFFFF"/>
-                </a:solidFill>
-              </a14:hiddenFill>
-            </a:ext>
-          </a:extLst>
-        </p:spPr>
-      </p:pic>
-    </p:spTree>
-    <p:extLst>
-      <p:ext uri="{BB962C8B-B14F-4D97-AF65-F5344CB8AC3E}">
-        <p14:creationId xmlns:p14="http://schemas.microsoft.com/office/powerpoint/2010/main" val="1066730348"/>
       </p:ext>
     </p:extLst>
   </p:cSld>
@@ -38878,190 +39484,10 @@
           </a:extLst>
         </p:spPr>
       </p:pic>
-      <p:pic>
-        <p:nvPicPr>
-          <p:cNvPr id="4" name="Picture 3">
-            <a:extLst>
-              <a:ext uri="{FF2B5EF4-FFF2-40B4-BE49-F238E27FC236}">
-                <a16:creationId xmlns:a16="http://schemas.microsoft.com/office/drawing/2014/main" id="{3740C020-6EBA-D14C-BD2B-EA85F379E6E5}"/>
-              </a:ext>
-            </a:extLst>
-          </p:cNvPr>
-          <p:cNvPicPr>
-            <a:picLocks noChangeAspect="1"/>
-          </p:cNvPicPr>
-          <p:nvPr/>
-        </p:nvPicPr>
-        <p:blipFill>
-          <a:blip r:embed="rId3"/>
-          <a:stretch>
-            <a:fillRect/>
-          </a:stretch>
-        </p:blipFill>
-        <p:spPr>
-          <a:xfrm>
-            <a:off x="3797300" y="1483492"/>
-            <a:ext cx="1549400" cy="317500"/>
-          </a:xfrm>
-          <a:prstGeom prst="rect">
-            <a:avLst/>
-          </a:prstGeom>
-        </p:spPr>
-      </p:pic>
-      <p:pic>
-        <p:nvPicPr>
-          <p:cNvPr id="5" name="Picture 4">
-            <a:extLst>
-              <a:ext uri="{FF2B5EF4-FFF2-40B4-BE49-F238E27FC236}">
-                <a16:creationId xmlns:a16="http://schemas.microsoft.com/office/drawing/2014/main" id="{7932B80B-A12B-C140-AF0F-D2DDA67592DD}"/>
-              </a:ext>
-            </a:extLst>
-          </p:cNvPr>
-          <p:cNvPicPr>
-            <a:picLocks noChangeAspect="1"/>
-          </p:cNvPicPr>
-          <p:nvPr/>
-        </p:nvPicPr>
-        <p:blipFill>
-          <a:blip r:embed="rId3"/>
-          <a:stretch>
-            <a:fillRect/>
-          </a:stretch>
-        </p:blipFill>
-        <p:spPr>
-          <a:xfrm>
-            <a:off x="2662182" y="4739509"/>
-            <a:ext cx="1549400" cy="317500"/>
-          </a:xfrm>
-          <a:prstGeom prst="rect">
-            <a:avLst/>
-          </a:prstGeom>
-        </p:spPr>
-      </p:pic>
-      <p:pic>
-        <p:nvPicPr>
-          <p:cNvPr id="6" name="Picture 5">
-            <a:extLst>
-              <a:ext uri="{FF2B5EF4-FFF2-40B4-BE49-F238E27FC236}">
-                <a16:creationId xmlns:a16="http://schemas.microsoft.com/office/drawing/2014/main" id="{DEC4E796-56D8-0A40-B08F-DE42F7261695}"/>
-              </a:ext>
-            </a:extLst>
-          </p:cNvPr>
-          <p:cNvPicPr>
-            <a:picLocks noChangeAspect="1"/>
-          </p:cNvPicPr>
-          <p:nvPr/>
-        </p:nvPicPr>
-        <p:blipFill>
-          <a:blip r:embed="rId4"/>
-          <a:stretch>
-            <a:fillRect/>
-          </a:stretch>
-        </p:blipFill>
-        <p:spPr>
-          <a:xfrm>
-            <a:off x="7735613" y="4005974"/>
-            <a:ext cx="1092200" cy="317500"/>
-          </a:xfrm>
-          <a:prstGeom prst="rect">
-            <a:avLst/>
-          </a:prstGeom>
-        </p:spPr>
-      </p:pic>
-      <p:pic>
-        <p:nvPicPr>
-          <p:cNvPr id="7" name="Picture 6">
-            <a:extLst>
-              <a:ext uri="{FF2B5EF4-FFF2-40B4-BE49-F238E27FC236}">
-                <a16:creationId xmlns:a16="http://schemas.microsoft.com/office/drawing/2014/main" id="{31F0A1B5-6500-E749-B258-4D607E363877}"/>
-              </a:ext>
-            </a:extLst>
-          </p:cNvPr>
-          <p:cNvPicPr>
-            <a:picLocks noChangeAspect="1"/>
-          </p:cNvPicPr>
-          <p:nvPr/>
-        </p:nvPicPr>
-        <p:blipFill>
-          <a:blip r:embed="rId5"/>
-          <a:stretch>
-            <a:fillRect/>
-          </a:stretch>
-        </p:blipFill>
-        <p:spPr>
-          <a:xfrm>
-            <a:off x="2344682" y="337864"/>
-            <a:ext cx="1092200" cy="317500"/>
-          </a:xfrm>
-          <a:prstGeom prst="rect">
-            <a:avLst/>
-          </a:prstGeom>
-        </p:spPr>
-      </p:pic>
-      <p:pic>
-        <p:nvPicPr>
-          <p:cNvPr id="8" name="Picture 7">
-            <a:extLst>
-              <a:ext uri="{FF2B5EF4-FFF2-40B4-BE49-F238E27FC236}">
-                <a16:creationId xmlns:a16="http://schemas.microsoft.com/office/drawing/2014/main" id="{667225AF-0737-6D4A-9261-22B873A4B540}"/>
-              </a:ext>
-            </a:extLst>
-          </p:cNvPr>
-          <p:cNvPicPr>
-            <a:picLocks noChangeAspect="1"/>
-          </p:cNvPicPr>
-          <p:nvPr/>
-        </p:nvPicPr>
-        <p:blipFill>
-          <a:blip r:embed="rId6"/>
-          <a:stretch>
-            <a:fillRect/>
-          </a:stretch>
-        </p:blipFill>
-        <p:spPr>
-          <a:xfrm>
-            <a:off x="5707120" y="337864"/>
-            <a:ext cx="1092200" cy="317500"/>
-          </a:xfrm>
-          <a:prstGeom prst="rect">
-            <a:avLst/>
-          </a:prstGeom>
-        </p:spPr>
-      </p:pic>
-      <p:pic>
-        <p:nvPicPr>
-          <p:cNvPr id="9" name="Picture 8">
-            <a:extLst>
-              <a:ext uri="{FF2B5EF4-FFF2-40B4-BE49-F238E27FC236}">
-                <a16:creationId xmlns:a16="http://schemas.microsoft.com/office/drawing/2014/main" id="{087AED3D-6226-FD47-8329-20098CE70BB9}"/>
-              </a:ext>
-            </a:extLst>
-          </p:cNvPr>
-          <p:cNvPicPr>
-            <a:picLocks noChangeAspect="1"/>
-          </p:cNvPicPr>
-          <p:nvPr/>
-        </p:nvPicPr>
-        <p:blipFill>
-          <a:blip r:embed="rId7"/>
-          <a:stretch>
-            <a:fillRect/>
-          </a:stretch>
-        </p:blipFill>
-        <p:spPr>
-          <a:xfrm>
-            <a:off x="7735613" y="2534526"/>
-            <a:ext cx="1092200" cy="317500"/>
-          </a:xfrm>
-          <a:prstGeom prst="rect">
-            <a:avLst/>
-          </a:prstGeom>
-        </p:spPr>
-      </p:pic>
     </p:spTree>
     <p:extLst>
       <p:ext uri="{BB962C8B-B14F-4D97-AF65-F5344CB8AC3E}">
-        <p14:creationId xmlns:p14="http://schemas.microsoft.com/office/powerpoint/2010/main" val="1641645975"/>
+        <p14:creationId xmlns:p14="http://schemas.microsoft.com/office/powerpoint/2010/main" val="1066730348"/>
       </p:ext>
     </p:extLst>
   </p:cSld>
@@ -39088,77 +39514,59 @@
           <a:chExt cx="0" cy="0"/>
         </a:xfrm>
       </p:grpSpPr>
-      <p:sp>
-        <p:nvSpPr>
-          <p:cNvPr id="8" name="Title 1">
+      <p:pic>
+        <p:nvPicPr>
+          <p:cNvPr id="9218" name="Picture 2">
             <a:extLst>
               <a:ext uri="{FF2B5EF4-FFF2-40B4-BE49-F238E27FC236}">
-                <a16:creationId xmlns:a16="http://schemas.microsoft.com/office/drawing/2014/main" id="{7212974C-0D09-DA4D-BE58-409766B7D63D}"/>
-              </a:ext>
-            </a:extLst>
-          </p:cNvPr>
-          <p:cNvSpPr>
-            <a:spLocks noGrp="1"/>
-          </p:cNvSpPr>
-          <p:nvPr>
-            <p:ph type="title"/>
-          </p:nvPr>
-        </p:nvSpPr>
-        <p:spPr>
-          <a:xfrm>
-            <a:off x="457200" y="1249200"/>
-            <a:ext cx="8229600" cy="1143000"/>
-          </a:xfrm>
-        </p:spPr>
-        <p:txBody>
-          <a:bodyPr/>
-          <a:lstStyle/>
-          <a:p>
-            <a:r>
-              <a:rPr lang="en-US" dirty="0">
-                <a:latin typeface="Trebuchet MS" panose="020B0703020202090204" pitchFamily="34" charset="0"/>
-              </a:rPr>
-              <a:t>Naïve Bayes</a:t>
-            </a:r>
-          </a:p>
-        </p:txBody>
-      </p:sp>
-      <p:pic>
-        <p:nvPicPr>
-          <p:cNvPr id="9" name="Picture 8">
-            <a:extLst>
-              <a:ext uri="{FF2B5EF4-FFF2-40B4-BE49-F238E27FC236}">
-                <a16:creationId xmlns:a16="http://schemas.microsoft.com/office/drawing/2014/main" id="{2A776124-D9D4-304D-A181-7FC7CB797CB8}"/>
+                <a16:creationId xmlns:a16="http://schemas.microsoft.com/office/drawing/2014/main" id="{F2668601-2ADC-3441-BBC4-D5945F45FBB0}"/>
               </a:ext>
             </a:extLst>
           </p:cNvPr>
           <p:cNvPicPr>
-            <a:picLocks noChangeAspect="1"/>
+            <a:picLocks noChangeAspect="1" noChangeArrowheads="1"/>
           </p:cNvPicPr>
           <p:nvPr/>
         </p:nvPicPr>
         <p:blipFill>
-          <a:blip r:embed="rId2"/>
+          <a:blip r:embed="rId2">
+            <a:extLst>
+              <a:ext uri="{28A0092B-C50C-407E-A947-70E740481C1C}">
+                <a14:useLocalDpi xmlns:a14="http://schemas.microsoft.com/office/drawing/2010/main" val="0"/>
+              </a:ext>
+            </a:extLst>
+          </a:blip>
+          <a:srcRect/>
           <a:stretch>
             <a:fillRect/>
           </a:stretch>
         </p:blipFill>
-        <p:spPr>
-          <a:xfrm>
-            <a:off x="1384300" y="3270250"/>
-            <a:ext cx="6375400" cy="317500"/>
+        <p:spPr bwMode="auto">
+          <a:xfrm>
+            <a:off x="1408387" y="89269"/>
+            <a:ext cx="6663558" cy="6679462"/>
           </a:xfrm>
           <a:prstGeom prst="rect">
             <a:avLst/>
           </a:prstGeom>
+          <a:noFill/>
+          <a:extLst>
+            <a:ext uri="{909E8E84-426E-40DD-AFC4-6F175D3DCCD1}">
+              <a14:hiddenFill xmlns:a14="http://schemas.microsoft.com/office/drawing/2010/main">
+                <a:solidFill>
+                  <a:srgbClr val="FFFFFF"/>
+                </a:solidFill>
+              </a14:hiddenFill>
+            </a:ext>
+          </a:extLst>
         </p:spPr>
       </p:pic>
       <p:pic>
         <p:nvPicPr>
-          <p:cNvPr id="10" name="Picture 9">
+          <p:cNvPr id="4" name="Picture 3">
             <a:extLst>
               <a:ext uri="{FF2B5EF4-FFF2-40B4-BE49-F238E27FC236}">
-                <a16:creationId xmlns:a16="http://schemas.microsoft.com/office/drawing/2014/main" id="{3623B87E-EF66-7A4B-B72A-B47063EDED71}"/>
+                <a16:creationId xmlns:a16="http://schemas.microsoft.com/office/drawing/2014/main" id="{3740C020-6EBA-D14C-BD2B-EA85F379E6E5}"/>
               </a:ext>
             </a:extLst>
           </p:cNvPr>
@@ -39175,70 +39583,168 @@
         </p:blipFill>
         <p:spPr>
           <a:xfrm>
-            <a:off x="1384300" y="4109981"/>
-            <a:ext cx="6375400" cy="317500"/>
+            <a:off x="3797300" y="1483492"/>
+            <a:ext cx="1549400" cy="317500"/>
           </a:xfrm>
           <a:prstGeom prst="rect">
             <a:avLst/>
           </a:prstGeom>
         </p:spPr>
       </p:pic>
-      <p:sp>
-        <p:nvSpPr>
-          <p:cNvPr id="11" name="TextBox 10">
+      <p:pic>
+        <p:nvPicPr>
+          <p:cNvPr id="5" name="Picture 4">
             <a:extLst>
               <a:ext uri="{FF2B5EF4-FFF2-40B4-BE49-F238E27FC236}">
-                <a16:creationId xmlns:a16="http://schemas.microsoft.com/office/drawing/2014/main" id="{F2697D97-0151-0546-8051-730655511F48}"/>
+                <a16:creationId xmlns:a16="http://schemas.microsoft.com/office/drawing/2014/main" id="{7932B80B-A12B-C140-AF0F-D2DDA67592DD}"/>
               </a:ext>
             </a:extLst>
           </p:cNvPr>
-          <p:cNvSpPr txBox="1"/>
-          <p:nvPr/>
-        </p:nvSpPr>
+          <p:cNvPicPr>
+            <a:picLocks noChangeAspect="1"/>
+          </p:cNvPicPr>
+          <p:nvPr/>
+        </p:nvPicPr>
+        <p:blipFill>
+          <a:blip r:embed="rId3"/>
+          <a:stretch>
+            <a:fillRect/>
+          </a:stretch>
+        </p:blipFill>
         <p:spPr>
           <a:xfrm>
-            <a:off x="3248561" y="5424134"/>
-            <a:ext cx="2646878" cy="369332"/>
+            <a:off x="2662182" y="4739509"/>
+            <a:ext cx="1549400" cy="317500"/>
           </a:xfrm>
           <a:prstGeom prst="rect">
             <a:avLst/>
           </a:prstGeom>
-          <a:noFill/>
-        </p:spPr>
-        <p:txBody>
-          <a:bodyPr wrap="none" rtlCol="0">
-            <a:spAutoFit/>
-          </a:bodyPr>
-          <a:lstStyle/>
-          <a:p>
-            <a:r>
-              <a:rPr lang="en-US" dirty="0" err="1">
-                <a:latin typeface="Trebuchet MS" panose="020B0703020202090204" pitchFamily="34" charset="0"/>
-              </a:rPr>
-              <a:t>Eventos</a:t>
-            </a:r>
-            <a:r>
-              <a:rPr lang="en-US" dirty="0">
-                <a:latin typeface="Trebuchet MS" panose="020B0703020202090204" pitchFamily="34" charset="0"/>
-              </a:rPr>
-              <a:t> </a:t>
-            </a:r>
-            <a:r>
-              <a:rPr lang="en-US" dirty="0" err="1">
-                <a:latin typeface="Trebuchet MS" panose="020B0703020202090204" pitchFamily="34" charset="0"/>
-              </a:rPr>
-              <a:t>independientes</a:t>
-            </a:r>
-            <a:endParaRPr lang="en-US" dirty="0">
-              <a:latin typeface="Trebuchet MS" panose="020B0703020202090204" pitchFamily="34" charset="0"/>
-            </a:endParaRPr>
-          </a:p>
-        </p:txBody>
-      </p:sp>
+        </p:spPr>
+      </p:pic>
+      <p:pic>
+        <p:nvPicPr>
+          <p:cNvPr id="6" name="Picture 5">
+            <a:extLst>
+              <a:ext uri="{FF2B5EF4-FFF2-40B4-BE49-F238E27FC236}">
+                <a16:creationId xmlns:a16="http://schemas.microsoft.com/office/drawing/2014/main" id="{DEC4E796-56D8-0A40-B08F-DE42F7261695}"/>
+              </a:ext>
+            </a:extLst>
+          </p:cNvPr>
+          <p:cNvPicPr>
+            <a:picLocks noChangeAspect="1"/>
+          </p:cNvPicPr>
+          <p:nvPr/>
+        </p:nvPicPr>
+        <p:blipFill>
+          <a:blip r:embed="rId4"/>
+          <a:stretch>
+            <a:fillRect/>
+          </a:stretch>
+        </p:blipFill>
+        <p:spPr>
+          <a:xfrm>
+            <a:off x="7735613" y="4005974"/>
+            <a:ext cx="1092200" cy="317500"/>
+          </a:xfrm>
+          <a:prstGeom prst="rect">
+            <a:avLst/>
+          </a:prstGeom>
+        </p:spPr>
+      </p:pic>
+      <p:pic>
+        <p:nvPicPr>
+          <p:cNvPr id="7" name="Picture 6">
+            <a:extLst>
+              <a:ext uri="{FF2B5EF4-FFF2-40B4-BE49-F238E27FC236}">
+                <a16:creationId xmlns:a16="http://schemas.microsoft.com/office/drawing/2014/main" id="{31F0A1B5-6500-E749-B258-4D607E363877}"/>
+              </a:ext>
+            </a:extLst>
+          </p:cNvPr>
+          <p:cNvPicPr>
+            <a:picLocks noChangeAspect="1"/>
+          </p:cNvPicPr>
+          <p:nvPr/>
+        </p:nvPicPr>
+        <p:blipFill>
+          <a:blip r:embed="rId5"/>
+          <a:stretch>
+            <a:fillRect/>
+          </a:stretch>
+        </p:blipFill>
+        <p:spPr>
+          <a:xfrm>
+            <a:off x="2344682" y="337864"/>
+            <a:ext cx="1092200" cy="317500"/>
+          </a:xfrm>
+          <a:prstGeom prst="rect">
+            <a:avLst/>
+          </a:prstGeom>
+        </p:spPr>
+      </p:pic>
+      <p:pic>
+        <p:nvPicPr>
+          <p:cNvPr id="8" name="Picture 7">
+            <a:extLst>
+              <a:ext uri="{FF2B5EF4-FFF2-40B4-BE49-F238E27FC236}">
+                <a16:creationId xmlns:a16="http://schemas.microsoft.com/office/drawing/2014/main" id="{667225AF-0737-6D4A-9261-22B873A4B540}"/>
+              </a:ext>
+            </a:extLst>
+          </p:cNvPr>
+          <p:cNvPicPr>
+            <a:picLocks noChangeAspect="1"/>
+          </p:cNvPicPr>
+          <p:nvPr/>
+        </p:nvPicPr>
+        <p:blipFill>
+          <a:blip r:embed="rId6"/>
+          <a:stretch>
+            <a:fillRect/>
+          </a:stretch>
+        </p:blipFill>
+        <p:spPr>
+          <a:xfrm>
+            <a:off x="5707120" y="337864"/>
+            <a:ext cx="1092200" cy="317500"/>
+          </a:xfrm>
+          <a:prstGeom prst="rect">
+            <a:avLst/>
+          </a:prstGeom>
+        </p:spPr>
+      </p:pic>
+      <p:pic>
+        <p:nvPicPr>
+          <p:cNvPr id="9" name="Picture 8">
+            <a:extLst>
+              <a:ext uri="{FF2B5EF4-FFF2-40B4-BE49-F238E27FC236}">
+                <a16:creationId xmlns:a16="http://schemas.microsoft.com/office/drawing/2014/main" id="{087AED3D-6226-FD47-8329-20098CE70BB9}"/>
+              </a:ext>
+            </a:extLst>
+          </p:cNvPr>
+          <p:cNvPicPr>
+            <a:picLocks noChangeAspect="1"/>
+          </p:cNvPicPr>
+          <p:nvPr/>
+        </p:nvPicPr>
+        <p:blipFill>
+          <a:blip r:embed="rId7"/>
+          <a:stretch>
+            <a:fillRect/>
+          </a:stretch>
+        </p:blipFill>
+        <p:spPr>
+          <a:xfrm>
+            <a:off x="7735613" y="2534526"/>
+            <a:ext cx="1092200" cy="317500"/>
+          </a:xfrm>
+          <a:prstGeom prst="rect">
+            <a:avLst/>
+          </a:prstGeom>
+        </p:spPr>
+      </p:pic>
     </p:spTree>
     <p:extLst>
       <p:ext uri="{BB962C8B-B14F-4D97-AF65-F5344CB8AC3E}">
-        <p14:creationId xmlns:p14="http://schemas.microsoft.com/office/powerpoint/2010/main" val="3648797150"/>
+        <p14:creationId xmlns:p14="http://schemas.microsoft.com/office/powerpoint/2010/main" val="1641645975"/>
       </p:ext>
     </p:extLst>
   </p:cSld>
@@ -40393,6 +40899,183 @@
     <p:extLst>
       <p:ext uri="{BB962C8B-B14F-4D97-AF65-F5344CB8AC3E}">
         <p14:creationId xmlns:p14="http://schemas.microsoft.com/office/powerpoint/2010/main" val="1236831092"/>
+      </p:ext>
+    </p:extLst>
+  </p:cSld>
+  <p:clrMapOvr>
+    <a:masterClrMapping/>
+  </p:clrMapOvr>
+</p:sld>
+</file>
+
+<file path=ppt/slides/slide50.xml><?xml version="1.0" encoding="utf-8"?>
+<p:sld xmlns:a="http://schemas.openxmlformats.org/drawingml/2006/main" xmlns:r="http://schemas.openxmlformats.org/officeDocument/2006/relationships" xmlns:p="http://schemas.openxmlformats.org/presentationml/2006/main">
+  <p:cSld>
+    <p:spTree>
+      <p:nvGrpSpPr>
+        <p:cNvPr id="1" name=""/>
+        <p:cNvGrpSpPr/>
+        <p:nvPr/>
+      </p:nvGrpSpPr>
+      <p:grpSpPr>
+        <a:xfrm>
+          <a:off x="0" y="0"/>
+          <a:ext cx="0" cy="0"/>
+          <a:chOff x="0" y="0"/>
+          <a:chExt cx="0" cy="0"/>
+        </a:xfrm>
+      </p:grpSpPr>
+      <p:sp>
+        <p:nvSpPr>
+          <p:cNvPr id="8" name="Title 1">
+            <a:extLst>
+              <a:ext uri="{FF2B5EF4-FFF2-40B4-BE49-F238E27FC236}">
+                <a16:creationId xmlns:a16="http://schemas.microsoft.com/office/drawing/2014/main" id="{7212974C-0D09-DA4D-BE58-409766B7D63D}"/>
+              </a:ext>
+            </a:extLst>
+          </p:cNvPr>
+          <p:cNvSpPr>
+            <a:spLocks noGrp="1"/>
+          </p:cNvSpPr>
+          <p:nvPr>
+            <p:ph type="title"/>
+          </p:nvPr>
+        </p:nvSpPr>
+        <p:spPr>
+          <a:xfrm>
+            <a:off x="457200" y="1249200"/>
+            <a:ext cx="8229600" cy="1143000"/>
+          </a:xfrm>
+        </p:spPr>
+        <p:txBody>
+          <a:bodyPr/>
+          <a:lstStyle/>
+          <a:p>
+            <a:r>
+              <a:rPr lang="en-US" dirty="0">
+                <a:latin typeface="Trebuchet MS" panose="020B0703020202090204" pitchFamily="34" charset="0"/>
+              </a:rPr>
+              <a:t>Naïve Bayes</a:t>
+            </a:r>
+          </a:p>
+        </p:txBody>
+      </p:sp>
+      <p:pic>
+        <p:nvPicPr>
+          <p:cNvPr id="9" name="Picture 8">
+            <a:extLst>
+              <a:ext uri="{FF2B5EF4-FFF2-40B4-BE49-F238E27FC236}">
+                <a16:creationId xmlns:a16="http://schemas.microsoft.com/office/drawing/2014/main" id="{2A776124-D9D4-304D-A181-7FC7CB797CB8}"/>
+              </a:ext>
+            </a:extLst>
+          </p:cNvPr>
+          <p:cNvPicPr>
+            <a:picLocks noChangeAspect="1"/>
+          </p:cNvPicPr>
+          <p:nvPr/>
+        </p:nvPicPr>
+        <p:blipFill>
+          <a:blip r:embed="rId2"/>
+          <a:stretch>
+            <a:fillRect/>
+          </a:stretch>
+        </p:blipFill>
+        <p:spPr>
+          <a:xfrm>
+            <a:off x="1384300" y="3270250"/>
+            <a:ext cx="6375400" cy="317500"/>
+          </a:xfrm>
+          <a:prstGeom prst="rect">
+            <a:avLst/>
+          </a:prstGeom>
+        </p:spPr>
+      </p:pic>
+      <p:pic>
+        <p:nvPicPr>
+          <p:cNvPr id="10" name="Picture 9">
+            <a:extLst>
+              <a:ext uri="{FF2B5EF4-FFF2-40B4-BE49-F238E27FC236}">
+                <a16:creationId xmlns:a16="http://schemas.microsoft.com/office/drawing/2014/main" id="{3623B87E-EF66-7A4B-B72A-B47063EDED71}"/>
+              </a:ext>
+            </a:extLst>
+          </p:cNvPr>
+          <p:cNvPicPr>
+            <a:picLocks noChangeAspect="1"/>
+          </p:cNvPicPr>
+          <p:nvPr/>
+        </p:nvPicPr>
+        <p:blipFill>
+          <a:blip r:embed="rId3"/>
+          <a:stretch>
+            <a:fillRect/>
+          </a:stretch>
+        </p:blipFill>
+        <p:spPr>
+          <a:xfrm>
+            <a:off x="1384300" y="4109981"/>
+            <a:ext cx="6375400" cy="317500"/>
+          </a:xfrm>
+          <a:prstGeom prst="rect">
+            <a:avLst/>
+          </a:prstGeom>
+        </p:spPr>
+      </p:pic>
+      <p:sp>
+        <p:nvSpPr>
+          <p:cNvPr id="11" name="TextBox 10">
+            <a:extLst>
+              <a:ext uri="{FF2B5EF4-FFF2-40B4-BE49-F238E27FC236}">
+                <a16:creationId xmlns:a16="http://schemas.microsoft.com/office/drawing/2014/main" id="{F2697D97-0151-0546-8051-730655511F48}"/>
+              </a:ext>
+            </a:extLst>
+          </p:cNvPr>
+          <p:cNvSpPr txBox="1"/>
+          <p:nvPr/>
+        </p:nvSpPr>
+        <p:spPr>
+          <a:xfrm>
+            <a:off x="3248561" y="5424134"/>
+            <a:ext cx="2646878" cy="369332"/>
+          </a:xfrm>
+          <a:prstGeom prst="rect">
+            <a:avLst/>
+          </a:prstGeom>
+          <a:noFill/>
+        </p:spPr>
+        <p:txBody>
+          <a:bodyPr wrap="none" rtlCol="0">
+            <a:spAutoFit/>
+          </a:bodyPr>
+          <a:lstStyle/>
+          <a:p>
+            <a:r>
+              <a:rPr lang="en-US" dirty="0" err="1">
+                <a:latin typeface="Trebuchet MS" panose="020B0703020202090204" pitchFamily="34" charset="0"/>
+              </a:rPr>
+              <a:t>Eventos</a:t>
+            </a:r>
+            <a:r>
+              <a:rPr lang="en-US" dirty="0">
+                <a:latin typeface="Trebuchet MS" panose="020B0703020202090204" pitchFamily="34" charset="0"/>
+              </a:rPr>
+              <a:t> </a:t>
+            </a:r>
+            <a:r>
+              <a:rPr lang="en-US" dirty="0" err="1">
+                <a:latin typeface="Trebuchet MS" panose="020B0703020202090204" pitchFamily="34" charset="0"/>
+              </a:rPr>
+              <a:t>independientes</a:t>
+            </a:r>
+            <a:endParaRPr lang="en-US" dirty="0">
+              <a:latin typeface="Trebuchet MS" panose="020B0703020202090204" pitchFamily="34" charset="0"/>
+            </a:endParaRPr>
+          </a:p>
+        </p:txBody>
+      </p:sp>
+    </p:spTree>
+    <p:extLst>
+      <p:ext uri="{BB962C8B-B14F-4D97-AF65-F5344CB8AC3E}">
+        <p14:creationId xmlns:p14="http://schemas.microsoft.com/office/powerpoint/2010/main" val="3648797150"/>
       </p:ext>
     </p:extLst>
   </p:cSld>

--- a/clases/Cap04_Clasificacion/presentations/PAT04_Bayes.pptx
+++ b/clases/Cap04_Clasificacion/presentations/PAT04_Bayes.pptx
@@ -34049,40 +34049,6 @@
           <a:chExt cx="0" cy="0"/>
         </a:xfrm>
       </p:grpSpPr>
-      <p:sp>
-        <p:nvSpPr>
-          <p:cNvPr id="5" name="Slide Number Placeholder 4">
-            <a:extLst>
-              <a:ext uri="{FF2B5EF4-FFF2-40B4-BE49-F238E27FC236}">
-                <a16:creationId xmlns:a16="http://schemas.microsoft.com/office/drawing/2014/main" id="{F2F454E6-07FA-E545-92D6-901D73E317DA}"/>
-              </a:ext>
-            </a:extLst>
-          </p:cNvPr>
-          <p:cNvSpPr>
-            <a:spLocks noGrp="1"/>
-          </p:cNvSpPr>
-          <p:nvPr>
-            <p:ph type="sldNum" sz="quarter" idx="12"/>
-          </p:nvPr>
-        </p:nvSpPr>
-        <p:spPr/>
-        <p:txBody>
-          <a:bodyPr/>
-          <a:lstStyle/>
-          <a:p>
-            <a:fld id="{B2515E32-AEC1-A643-BA35-1EE2E73D4B01}" type="slidenum">
-              <a:rPr lang="es-ES" smtClean="0">
-                <a:latin typeface="Trebuchet MS" panose="020B0703020202090204" pitchFamily="34" charset="0"/>
-              </a:rPr>
-              <a:pPr/>
-              <a:t>39</a:t>
-            </a:fld>
-            <a:endParaRPr lang="es-ES">
-              <a:latin typeface="Trebuchet MS" panose="020B0703020202090204" pitchFamily="34" charset="0"/>
-            </a:endParaRPr>
-          </a:p>
-        </p:txBody>
-      </p:sp>
       <p:pic>
         <p:nvPicPr>
           <p:cNvPr id="9" name="Picture 8">

--- a/clases/Cap04_Clasificacion/presentations/PAT04_Bayes.pptx
+++ b/clases/Cap04_Clasificacion/presentations/PAT04_Bayes.pptx
@@ -13753,7 +13753,7 @@
         <p:spPr>
           <a:xfrm>
             <a:off x="1274164" y="734521"/>
-            <a:ext cx="6421951" cy="3139321"/>
+            <a:ext cx="6686446" cy="2585323"/>
           </a:xfrm>
           <a:prstGeom prst="rect">
             <a:avLst/>
@@ -13767,21 +13767,11 @@
           <a:lstStyle/>
           <a:p>
             <a:r>
-              <a:rPr lang="es-ES_tradnl" dirty="0">
+              <a:rPr lang="es-ES_tradnl" b="1" dirty="0">
                 <a:latin typeface="Trebuchet MS" panose="020B0703020202090204" pitchFamily="34" charset="0"/>
               </a:rPr>
               <a:t>EJEMPLO: Una clase de cocina que imparte la municipalidad</a:t>
             </a:r>
-          </a:p>
-          <a:p>
-            <a:endParaRPr lang="es-ES_tradnl" dirty="0">
-              <a:latin typeface="Trebuchet MS" panose="020B0703020202090204" pitchFamily="34" charset="0"/>
-            </a:endParaRPr>
-          </a:p>
-          <a:p>
-            <a:endParaRPr lang="es-ES_tradnl" dirty="0">
-              <a:latin typeface="Trebuchet MS" panose="020B0703020202090204" pitchFamily="34" charset="0"/>
-            </a:endParaRPr>
           </a:p>
           <a:p>
             <a:endParaRPr lang="es-ES_tradnl" dirty="0">
@@ -13815,7 +13805,7 @@
               <a:rPr lang="es-ES_tradnl" dirty="0">
                 <a:latin typeface="Trebuchet MS" panose="020B0703020202090204" pitchFamily="34" charset="0"/>
               </a:rPr>
-              <a:t>60 hombres (40 jóvenes y 20 adultos)</a:t>
+              <a:t>60 hombres (40 jóvenes y 20 adultos mayores)</a:t>
             </a:r>
           </a:p>
           <a:p>
@@ -13827,7 +13817,7 @@
               <a:rPr lang="es-ES_tradnl" dirty="0">
                 <a:latin typeface="Trebuchet MS" panose="020B0703020202090204" pitchFamily="34" charset="0"/>
               </a:rPr>
-              <a:t>40 mujeres (30 jóvenes y 10 adultos)</a:t>
+              <a:t>40 mujeres (30 jóvenes y 10 adultos mayores)</a:t>
             </a:r>
           </a:p>
           <a:p>
@@ -13842,66 +13832,6 @@
           </a:p>
         </p:txBody>
       </p:sp>
-      <p:pic>
-        <p:nvPicPr>
-          <p:cNvPr id="7" name="Picture 6">
-            <a:extLst>
-              <a:ext uri="{FF2B5EF4-FFF2-40B4-BE49-F238E27FC236}">
-                <a16:creationId xmlns:a16="http://schemas.microsoft.com/office/drawing/2014/main" id="{8FD2CBAA-79DB-5646-8ED5-E6B883856D85}"/>
-              </a:ext>
-            </a:extLst>
-          </p:cNvPr>
-          <p:cNvPicPr>
-            <a:picLocks noChangeAspect="1"/>
-          </p:cNvPicPr>
-          <p:nvPr/>
-        </p:nvPicPr>
-        <p:blipFill>
-          <a:blip r:embed="rId2"/>
-          <a:stretch>
-            <a:fillRect/>
-          </a:stretch>
-        </p:blipFill>
-        <p:spPr>
-          <a:xfrm>
-            <a:off x="1481528" y="4573142"/>
-            <a:ext cx="5791200" cy="469900"/>
-          </a:xfrm>
-          <a:prstGeom prst="rect">
-            <a:avLst/>
-          </a:prstGeom>
-        </p:spPr>
-      </p:pic>
-      <p:pic>
-        <p:nvPicPr>
-          <p:cNvPr id="8" name="Picture 7">
-            <a:extLst>
-              <a:ext uri="{FF2B5EF4-FFF2-40B4-BE49-F238E27FC236}">
-                <a16:creationId xmlns:a16="http://schemas.microsoft.com/office/drawing/2014/main" id="{C6D7EECF-E692-484C-BED8-7A60B9D40D58}"/>
-              </a:ext>
-            </a:extLst>
-          </p:cNvPr>
-          <p:cNvPicPr>
-            <a:picLocks noChangeAspect="1"/>
-          </p:cNvPicPr>
-          <p:nvPr/>
-        </p:nvPicPr>
-        <p:blipFill>
-          <a:blip r:embed="rId3"/>
-          <a:stretch>
-            <a:fillRect/>
-          </a:stretch>
-        </p:blipFill>
-        <p:spPr>
-          <a:xfrm>
-            <a:off x="2854168" y="5336975"/>
-            <a:ext cx="3225800" cy="939800"/>
-          </a:xfrm>
-          <a:prstGeom prst="rect">
-            <a:avLst/>
-          </a:prstGeom>
-        </p:spPr>
-      </p:pic>
       <p:sp>
         <p:nvSpPr>
           <p:cNvPr id="9" name="Oval 8">
@@ -14390,6 +14320,66 @@
           </a:p>
         </p:txBody>
       </p:sp>
+      <p:pic>
+        <p:nvPicPr>
+          <p:cNvPr id="3" name="Picture 2">
+            <a:extLst>
+              <a:ext uri="{FF2B5EF4-FFF2-40B4-BE49-F238E27FC236}">
+                <a16:creationId xmlns:a16="http://schemas.microsoft.com/office/drawing/2014/main" id="{FCB2C276-BDD7-34EE-B4B5-CA7E75CEA1DD}"/>
+              </a:ext>
+            </a:extLst>
+          </p:cNvPr>
+          <p:cNvPicPr>
+            <a:picLocks noChangeAspect="1"/>
+          </p:cNvPicPr>
+          <p:nvPr/>
+        </p:nvPicPr>
+        <p:blipFill>
+          <a:blip r:embed="rId2"/>
+          <a:stretch>
+            <a:fillRect/>
+          </a:stretch>
+        </p:blipFill>
+        <p:spPr>
+          <a:xfrm>
+            <a:off x="1219838" y="3931598"/>
+            <a:ext cx="4749800" cy="1092200"/>
+          </a:xfrm>
+          <a:prstGeom prst="rect">
+            <a:avLst/>
+          </a:prstGeom>
+        </p:spPr>
+      </p:pic>
+      <p:pic>
+        <p:nvPicPr>
+          <p:cNvPr id="20" name="Picture 19">
+            <a:extLst>
+              <a:ext uri="{FF2B5EF4-FFF2-40B4-BE49-F238E27FC236}">
+                <a16:creationId xmlns:a16="http://schemas.microsoft.com/office/drawing/2014/main" id="{2B4C7A96-6974-6855-D55A-872E38FE8EA1}"/>
+              </a:ext>
+            </a:extLst>
+          </p:cNvPr>
+          <p:cNvPicPr>
+            <a:picLocks noChangeAspect="1"/>
+          </p:cNvPicPr>
+          <p:nvPr/>
+        </p:nvPicPr>
+        <p:blipFill>
+          <a:blip r:embed="rId3"/>
+          <a:stretch>
+            <a:fillRect/>
+          </a:stretch>
+        </p:blipFill>
+        <p:spPr>
+          <a:xfrm>
+            <a:off x="2247900" y="5374926"/>
+            <a:ext cx="3225800" cy="939800"/>
+          </a:xfrm>
+          <a:prstGeom prst="rect">
+            <a:avLst/>
+          </a:prstGeom>
+        </p:spPr>
+      </p:pic>
     </p:spTree>
     <p:extLst>
       <p:ext uri="{BB962C8B-B14F-4D97-AF65-F5344CB8AC3E}">

--- a/clases/Cap04_Clasificacion/presentations/PAT04_Bayes.pptx
+++ b/clases/Cap04_Clasificacion/presentations/PAT04_Bayes.pptx
@@ -14322,36 +14322,6 @@
       </p:sp>
       <p:pic>
         <p:nvPicPr>
-          <p:cNvPr id="3" name="Picture 2">
-            <a:extLst>
-              <a:ext uri="{FF2B5EF4-FFF2-40B4-BE49-F238E27FC236}">
-                <a16:creationId xmlns:a16="http://schemas.microsoft.com/office/drawing/2014/main" id="{FCB2C276-BDD7-34EE-B4B5-CA7E75CEA1DD}"/>
-              </a:ext>
-            </a:extLst>
-          </p:cNvPr>
-          <p:cNvPicPr>
-            <a:picLocks noChangeAspect="1"/>
-          </p:cNvPicPr>
-          <p:nvPr/>
-        </p:nvPicPr>
-        <p:blipFill>
-          <a:blip r:embed="rId2"/>
-          <a:stretch>
-            <a:fillRect/>
-          </a:stretch>
-        </p:blipFill>
-        <p:spPr>
-          <a:xfrm>
-            <a:off x="1219838" y="3931598"/>
-            <a:ext cx="4749800" cy="1092200"/>
-          </a:xfrm>
-          <a:prstGeom prst="rect">
-            <a:avLst/>
-          </a:prstGeom>
-        </p:spPr>
-      </p:pic>
-      <p:pic>
-        <p:nvPicPr>
           <p:cNvPr id="20" name="Picture 19">
             <a:extLst>
               <a:ext uri="{FF2B5EF4-FFF2-40B4-BE49-F238E27FC236}">
@@ -14365,6 +14335,36 @@
           <p:nvPr/>
         </p:nvPicPr>
         <p:blipFill>
+          <a:blip r:embed="rId2"/>
+          <a:stretch>
+            <a:fillRect/>
+          </a:stretch>
+        </p:blipFill>
+        <p:spPr>
+          <a:xfrm>
+            <a:off x="2247900" y="5374926"/>
+            <a:ext cx="3225800" cy="939800"/>
+          </a:xfrm>
+          <a:prstGeom prst="rect">
+            <a:avLst/>
+          </a:prstGeom>
+        </p:spPr>
+      </p:pic>
+      <p:pic>
+        <p:nvPicPr>
+          <p:cNvPr id="2" name="Picture 1">
+            <a:extLst>
+              <a:ext uri="{FF2B5EF4-FFF2-40B4-BE49-F238E27FC236}">
+                <a16:creationId xmlns:a16="http://schemas.microsoft.com/office/drawing/2014/main" id="{853D9032-28D0-C3C1-3004-09F83A5B5E1B}"/>
+              </a:ext>
+            </a:extLst>
+          </p:cNvPr>
+          <p:cNvPicPr>
+            <a:picLocks noChangeAspect="1"/>
+          </p:cNvPicPr>
+          <p:nvPr/>
+        </p:nvPicPr>
+        <p:blipFill>
           <a:blip r:embed="rId3"/>
           <a:stretch>
             <a:fillRect/>
@@ -14372,14 +14372,377 @@
         </p:blipFill>
         <p:spPr>
           <a:xfrm>
-            <a:off x="2247900" y="5374926"/>
-            <a:ext cx="3225800" cy="939800"/>
+            <a:off x="1224637" y="3963487"/>
+            <a:ext cx="4749800" cy="1092200"/>
           </a:xfrm>
           <a:prstGeom prst="rect">
             <a:avLst/>
           </a:prstGeom>
         </p:spPr>
       </p:pic>
+      <p:grpSp>
+        <p:nvGrpSpPr>
+          <p:cNvPr id="7" name="Group 6">
+            <a:extLst>
+              <a:ext uri="{FF2B5EF4-FFF2-40B4-BE49-F238E27FC236}">
+                <a16:creationId xmlns:a16="http://schemas.microsoft.com/office/drawing/2014/main" id="{5443D6AD-8E43-962B-CB2D-B881C535F9ED}"/>
+              </a:ext>
+            </a:extLst>
+          </p:cNvPr>
+          <p:cNvGrpSpPr/>
+          <p:nvPr/>
+        </p:nvGrpSpPr>
+        <p:grpSpPr>
+          <a:xfrm>
+            <a:off x="3320142" y="3789274"/>
+            <a:ext cx="1121229" cy="2796583"/>
+            <a:chOff x="3320142" y="3789274"/>
+            <a:chExt cx="1121229" cy="2796583"/>
+          </a:xfrm>
+        </p:grpSpPr>
+        <p:sp>
+          <p:nvSpPr>
+            <p:cNvPr id="4" name="Oval 3">
+              <a:extLst>
+                <a:ext uri="{FF2B5EF4-FFF2-40B4-BE49-F238E27FC236}">
+                  <a16:creationId xmlns:a16="http://schemas.microsoft.com/office/drawing/2014/main" id="{9C2C82DB-CDC9-16E9-CF1F-1F7976693695}"/>
+                </a:ext>
+              </a:extLst>
+            </p:cNvPr>
+            <p:cNvSpPr/>
+            <p:nvPr/>
+          </p:nvSpPr>
+          <p:spPr>
+            <a:xfrm>
+              <a:off x="3341913" y="5265055"/>
+              <a:ext cx="838201" cy="1320802"/>
+            </a:xfrm>
+            <a:prstGeom prst="ellipse">
+              <a:avLst/>
+            </a:prstGeom>
+            <a:noFill/>
+            <a:ln w="19050">
+              <a:solidFill>
+                <a:srgbClr val="FF0000"/>
+              </a:solidFill>
+            </a:ln>
+          </p:spPr>
+          <p:style>
+            <a:lnRef idx="1">
+              <a:schemeClr val="accent1"/>
+            </a:lnRef>
+            <a:fillRef idx="3">
+              <a:schemeClr val="accent1"/>
+            </a:fillRef>
+            <a:effectRef idx="2">
+              <a:schemeClr val="accent1"/>
+            </a:effectRef>
+            <a:fontRef idx="minor">
+              <a:schemeClr val="lt1"/>
+            </a:fontRef>
+          </p:style>
+          <p:txBody>
+            <a:bodyPr rtlCol="0" anchor="ctr"/>
+            <a:lstStyle/>
+            <a:p>
+              <a:pPr algn="ctr"/>
+              <a:endParaRPr lang="en-CL"/>
+            </a:p>
+          </p:txBody>
+        </p:sp>
+        <p:sp>
+          <p:nvSpPr>
+            <p:cNvPr id="5" name="Oval 4">
+              <a:extLst>
+                <a:ext uri="{FF2B5EF4-FFF2-40B4-BE49-F238E27FC236}">
+                  <a16:creationId xmlns:a16="http://schemas.microsoft.com/office/drawing/2014/main" id="{06B4DC8C-5C03-ACE6-A996-EB093EF0B060}"/>
+                </a:ext>
+              </a:extLst>
+            </p:cNvPr>
+            <p:cNvSpPr/>
+            <p:nvPr/>
+          </p:nvSpPr>
+          <p:spPr>
+            <a:xfrm>
+              <a:off x="3320142" y="3789274"/>
+              <a:ext cx="1121229" cy="760954"/>
+            </a:xfrm>
+            <a:prstGeom prst="ellipse">
+              <a:avLst/>
+            </a:prstGeom>
+            <a:noFill/>
+            <a:ln w="19050">
+              <a:solidFill>
+                <a:srgbClr val="FF0000"/>
+              </a:solidFill>
+            </a:ln>
+          </p:spPr>
+          <p:style>
+            <a:lnRef idx="1">
+              <a:schemeClr val="accent1"/>
+            </a:lnRef>
+            <a:fillRef idx="3">
+              <a:schemeClr val="accent1"/>
+            </a:fillRef>
+            <a:effectRef idx="2">
+              <a:schemeClr val="accent1"/>
+            </a:effectRef>
+            <a:fontRef idx="minor">
+              <a:schemeClr val="lt1"/>
+            </a:fontRef>
+          </p:style>
+          <p:txBody>
+            <a:bodyPr rtlCol="0" anchor="ctr"/>
+            <a:lstStyle/>
+            <a:p>
+              <a:pPr algn="ctr"/>
+              <a:endParaRPr lang="en-CL"/>
+            </a:p>
+          </p:txBody>
+        </p:sp>
+      </p:grpSp>
+      <p:grpSp>
+        <p:nvGrpSpPr>
+          <p:cNvPr id="8" name="Group 7">
+            <a:extLst>
+              <a:ext uri="{FF2B5EF4-FFF2-40B4-BE49-F238E27FC236}">
+                <a16:creationId xmlns:a16="http://schemas.microsoft.com/office/drawing/2014/main" id="{A05661EB-CBEE-9D82-12B6-2CD396AC68A4}"/>
+              </a:ext>
+            </a:extLst>
+          </p:cNvPr>
+          <p:cNvGrpSpPr/>
+          <p:nvPr/>
+        </p:nvGrpSpPr>
+        <p:grpSpPr>
+          <a:xfrm>
+            <a:off x="3869103" y="4381143"/>
+            <a:ext cx="1676400" cy="2208753"/>
+            <a:chOff x="3320142" y="3767502"/>
+            <a:chExt cx="1676400" cy="2208753"/>
+          </a:xfrm>
+        </p:grpSpPr>
+        <p:sp>
+          <p:nvSpPr>
+            <p:cNvPr id="21" name="Oval 20">
+              <a:extLst>
+                <a:ext uri="{FF2B5EF4-FFF2-40B4-BE49-F238E27FC236}">
+                  <a16:creationId xmlns:a16="http://schemas.microsoft.com/office/drawing/2014/main" id="{80C248BD-D124-7A0A-2461-7D300A1E91AB}"/>
+                </a:ext>
+              </a:extLst>
+            </p:cNvPr>
+            <p:cNvSpPr/>
+            <p:nvPr/>
+          </p:nvSpPr>
+          <p:spPr>
+            <a:xfrm>
+              <a:off x="4158341" y="4655453"/>
+              <a:ext cx="838201" cy="1320802"/>
+            </a:xfrm>
+            <a:prstGeom prst="ellipse">
+              <a:avLst/>
+            </a:prstGeom>
+            <a:noFill/>
+            <a:ln w="19050">
+              <a:solidFill>
+                <a:schemeClr val="accent2"/>
+              </a:solidFill>
+            </a:ln>
+          </p:spPr>
+          <p:style>
+            <a:lnRef idx="1">
+              <a:schemeClr val="accent1"/>
+            </a:lnRef>
+            <a:fillRef idx="3">
+              <a:schemeClr val="accent1"/>
+            </a:fillRef>
+            <a:effectRef idx="2">
+              <a:schemeClr val="accent1"/>
+            </a:effectRef>
+            <a:fontRef idx="minor">
+              <a:schemeClr val="lt1"/>
+            </a:fontRef>
+          </p:style>
+          <p:txBody>
+            <a:bodyPr rtlCol="0" anchor="ctr"/>
+            <a:lstStyle/>
+            <a:p>
+              <a:pPr algn="ctr"/>
+              <a:endParaRPr lang="en-CL"/>
+            </a:p>
+          </p:txBody>
+        </p:sp>
+        <p:sp>
+          <p:nvSpPr>
+            <p:cNvPr id="22" name="Oval 21">
+              <a:extLst>
+                <a:ext uri="{FF2B5EF4-FFF2-40B4-BE49-F238E27FC236}">
+                  <a16:creationId xmlns:a16="http://schemas.microsoft.com/office/drawing/2014/main" id="{78CFC594-035F-5D2D-9E06-1CC8C53AD5AC}"/>
+                </a:ext>
+              </a:extLst>
+            </p:cNvPr>
+            <p:cNvSpPr/>
+            <p:nvPr/>
+          </p:nvSpPr>
+          <p:spPr>
+            <a:xfrm>
+              <a:off x="3320142" y="3767502"/>
+              <a:ext cx="1506618" cy="887542"/>
+            </a:xfrm>
+            <a:prstGeom prst="ellipse">
+              <a:avLst/>
+            </a:prstGeom>
+            <a:noFill/>
+            <a:ln w="19050">
+              <a:solidFill>
+                <a:schemeClr val="accent2"/>
+              </a:solidFill>
+            </a:ln>
+          </p:spPr>
+          <p:style>
+            <a:lnRef idx="1">
+              <a:schemeClr val="accent1"/>
+            </a:lnRef>
+            <a:fillRef idx="3">
+              <a:schemeClr val="accent1"/>
+            </a:fillRef>
+            <a:effectRef idx="2">
+              <a:schemeClr val="accent1"/>
+            </a:effectRef>
+            <a:fontRef idx="minor">
+              <a:schemeClr val="lt1"/>
+            </a:fontRef>
+          </p:style>
+          <p:txBody>
+            <a:bodyPr rtlCol="0" anchor="ctr"/>
+            <a:lstStyle/>
+            <a:p>
+              <a:pPr algn="ctr"/>
+              <a:endParaRPr lang="en-CL"/>
+            </a:p>
+          </p:txBody>
+        </p:sp>
+      </p:grpSp>
+      <p:grpSp>
+        <p:nvGrpSpPr>
+          <p:cNvPr id="24" name="Group 23">
+            <a:extLst>
+              <a:ext uri="{FF2B5EF4-FFF2-40B4-BE49-F238E27FC236}">
+                <a16:creationId xmlns:a16="http://schemas.microsoft.com/office/drawing/2014/main" id="{AF6E65DF-E45D-3175-2B7C-1BA8BA45C3FB}"/>
+              </a:ext>
+            </a:extLst>
+          </p:cNvPr>
+          <p:cNvGrpSpPr/>
+          <p:nvPr/>
+        </p:nvGrpSpPr>
+        <p:grpSpPr>
+          <a:xfrm>
+            <a:off x="4054155" y="3749769"/>
+            <a:ext cx="1963823" cy="2818355"/>
+            <a:chOff x="2754078" y="3636871"/>
+            <a:chExt cx="1963823" cy="2818355"/>
+          </a:xfrm>
+        </p:grpSpPr>
+        <p:sp>
+          <p:nvSpPr>
+            <p:cNvPr id="25" name="Oval 24">
+              <a:extLst>
+                <a:ext uri="{FF2B5EF4-FFF2-40B4-BE49-F238E27FC236}">
+                  <a16:creationId xmlns:a16="http://schemas.microsoft.com/office/drawing/2014/main" id="{60FDD349-7789-13CD-F3EB-CD07A523E3F3}"/>
+                </a:ext>
+              </a:extLst>
+            </p:cNvPr>
+            <p:cNvSpPr/>
+            <p:nvPr/>
+          </p:nvSpPr>
+          <p:spPr>
+            <a:xfrm>
+              <a:off x="2754078" y="5134424"/>
+              <a:ext cx="838201" cy="1320802"/>
+            </a:xfrm>
+            <a:prstGeom prst="ellipse">
+              <a:avLst/>
+            </a:prstGeom>
+            <a:noFill/>
+            <a:ln w="19050">
+              <a:solidFill>
+                <a:srgbClr val="00B050"/>
+              </a:solidFill>
+            </a:ln>
+          </p:spPr>
+          <p:style>
+            <a:lnRef idx="1">
+              <a:schemeClr val="accent1"/>
+            </a:lnRef>
+            <a:fillRef idx="3">
+              <a:schemeClr val="accent1"/>
+            </a:fillRef>
+            <a:effectRef idx="2">
+              <a:schemeClr val="accent1"/>
+            </a:effectRef>
+            <a:fontRef idx="minor">
+              <a:schemeClr val="lt1"/>
+            </a:fontRef>
+          </p:style>
+          <p:txBody>
+            <a:bodyPr rtlCol="0" anchor="ctr"/>
+            <a:lstStyle/>
+            <a:p>
+              <a:pPr algn="ctr"/>
+              <a:endParaRPr lang="en-CL"/>
+            </a:p>
+          </p:txBody>
+        </p:sp>
+        <p:sp>
+          <p:nvSpPr>
+            <p:cNvPr id="26" name="Oval 25">
+              <a:extLst>
+                <a:ext uri="{FF2B5EF4-FFF2-40B4-BE49-F238E27FC236}">
+                  <a16:creationId xmlns:a16="http://schemas.microsoft.com/office/drawing/2014/main" id="{B71C7196-42FF-61AC-9BE6-44A5F24CE97D}"/>
+                </a:ext>
+              </a:extLst>
+            </p:cNvPr>
+            <p:cNvSpPr/>
+            <p:nvPr/>
+          </p:nvSpPr>
+          <p:spPr>
+            <a:xfrm>
+              <a:off x="3211283" y="3636871"/>
+              <a:ext cx="1506618" cy="887542"/>
+            </a:xfrm>
+            <a:prstGeom prst="ellipse">
+              <a:avLst/>
+            </a:prstGeom>
+            <a:noFill/>
+            <a:ln w="19050">
+              <a:solidFill>
+                <a:srgbClr val="00B050"/>
+              </a:solidFill>
+            </a:ln>
+          </p:spPr>
+          <p:style>
+            <a:lnRef idx="1">
+              <a:schemeClr val="accent1"/>
+            </a:lnRef>
+            <a:fillRef idx="3">
+              <a:schemeClr val="accent1"/>
+            </a:fillRef>
+            <a:effectRef idx="2">
+              <a:schemeClr val="accent1"/>
+            </a:effectRef>
+            <a:fontRef idx="minor">
+              <a:schemeClr val="lt1"/>
+            </a:fontRef>
+          </p:style>
+          <p:txBody>
+            <a:bodyPr rtlCol="0" anchor="ctr"/>
+            <a:lstStyle/>
+            <a:p>
+              <a:pPr algn="ctr"/>
+              <a:endParaRPr lang="en-CL"/>
+            </a:p>
+          </p:txBody>
+        </p:sp>
+      </p:grpSp>
     </p:spTree>
     <p:extLst>
       <p:ext uri="{BB962C8B-B14F-4D97-AF65-F5344CB8AC3E}">
@@ -14390,6 +14753,171 @@
   <p:clrMapOvr>
     <a:masterClrMapping/>
   </p:clrMapOvr>
+  <p:timing>
+    <p:tnLst>
+      <p:par>
+        <p:cTn id="1" dur="indefinite" restart="never" nodeType="tmRoot">
+          <p:childTnLst>
+            <p:seq concurrent="1" nextAc="seek">
+              <p:cTn id="2" dur="indefinite" nodeType="mainSeq">
+                <p:childTnLst>
+                  <p:par>
+                    <p:cTn id="3" fill="hold">
+                      <p:stCondLst>
+                        <p:cond delay="indefinite"/>
+                      </p:stCondLst>
+                      <p:childTnLst>
+                        <p:par>
+                          <p:cTn id="4" fill="hold">
+                            <p:stCondLst>
+                              <p:cond delay="0"/>
+                            </p:stCondLst>
+                            <p:childTnLst>
+                              <p:par>
+                                <p:cTn id="5" presetID="1" presetClass="entr" presetSubtype="0" fill="hold" nodeType="clickEffect">
+                                  <p:stCondLst>
+                                    <p:cond delay="0"/>
+                                  </p:stCondLst>
+                                  <p:childTnLst>
+                                    <p:set>
+                                      <p:cBhvr>
+                                        <p:cTn id="6" dur="1" fill="hold">
+                                          <p:stCondLst>
+                                            <p:cond delay="0"/>
+                                          </p:stCondLst>
+                                        </p:cTn>
+                                        <p:tgtEl>
+                                          <p:spTgt spid="7"/>
+                                        </p:tgtEl>
+                                        <p:attrNameLst>
+                                          <p:attrName>style.visibility</p:attrName>
+                                        </p:attrNameLst>
+                                      </p:cBhvr>
+                                      <p:to>
+                                        <p:strVal val="visible"/>
+                                      </p:to>
+                                    </p:set>
+                                  </p:childTnLst>
+                                </p:cTn>
+                              </p:par>
+                            </p:childTnLst>
+                          </p:cTn>
+                        </p:par>
+                      </p:childTnLst>
+                    </p:cTn>
+                  </p:par>
+                  <p:par>
+                    <p:cTn id="7" fill="hold">
+                      <p:stCondLst>
+                        <p:cond delay="indefinite"/>
+                      </p:stCondLst>
+                      <p:childTnLst>
+                        <p:par>
+                          <p:cTn id="8" fill="hold">
+                            <p:stCondLst>
+                              <p:cond delay="0"/>
+                            </p:stCondLst>
+                            <p:childTnLst>
+                              <p:par>
+                                <p:cTn id="9" presetID="1" presetClass="entr" presetSubtype="0" fill="hold" nodeType="clickEffect">
+                                  <p:stCondLst>
+                                    <p:cond delay="0"/>
+                                  </p:stCondLst>
+                                  <p:childTnLst>
+                                    <p:set>
+                                      <p:cBhvr>
+                                        <p:cTn id="10" dur="1" fill="hold">
+                                          <p:stCondLst>
+                                            <p:cond delay="0"/>
+                                          </p:stCondLst>
+                                        </p:cTn>
+                                        <p:tgtEl>
+                                          <p:spTgt spid="24"/>
+                                        </p:tgtEl>
+                                        <p:attrNameLst>
+                                          <p:attrName>style.visibility</p:attrName>
+                                        </p:attrNameLst>
+                                      </p:cBhvr>
+                                      <p:to>
+                                        <p:strVal val="visible"/>
+                                      </p:to>
+                                    </p:set>
+                                  </p:childTnLst>
+                                </p:cTn>
+                              </p:par>
+                            </p:childTnLst>
+                          </p:cTn>
+                        </p:par>
+                      </p:childTnLst>
+                    </p:cTn>
+                  </p:par>
+                  <p:par>
+                    <p:cTn id="11" fill="hold">
+                      <p:stCondLst>
+                        <p:cond delay="indefinite"/>
+                      </p:stCondLst>
+                      <p:childTnLst>
+                        <p:par>
+                          <p:cTn id="12" fill="hold">
+                            <p:stCondLst>
+                              <p:cond delay="0"/>
+                            </p:stCondLst>
+                            <p:childTnLst>
+                              <p:par>
+                                <p:cTn id="13" presetID="1" presetClass="entr" presetSubtype="0" fill="hold" nodeType="clickEffect">
+                                  <p:stCondLst>
+                                    <p:cond delay="0"/>
+                                  </p:stCondLst>
+                                  <p:childTnLst>
+                                    <p:set>
+                                      <p:cBhvr>
+                                        <p:cTn id="14" dur="1" fill="hold">
+                                          <p:stCondLst>
+                                            <p:cond delay="0"/>
+                                          </p:stCondLst>
+                                        </p:cTn>
+                                        <p:tgtEl>
+                                          <p:spTgt spid="8"/>
+                                        </p:tgtEl>
+                                        <p:attrNameLst>
+                                          <p:attrName>style.visibility</p:attrName>
+                                        </p:attrNameLst>
+                                      </p:cBhvr>
+                                      <p:to>
+                                        <p:strVal val="visible"/>
+                                      </p:to>
+                                    </p:set>
+                                  </p:childTnLst>
+                                </p:cTn>
+                              </p:par>
+                            </p:childTnLst>
+                          </p:cTn>
+                        </p:par>
+                      </p:childTnLst>
+                    </p:cTn>
+                  </p:par>
+                </p:childTnLst>
+              </p:cTn>
+              <p:prevCondLst>
+                <p:cond evt="onPrev" delay="0">
+                  <p:tgtEl>
+                    <p:sldTgt/>
+                  </p:tgtEl>
+                </p:cond>
+              </p:prevCondLst>
+              <p:nextCondLst>
+                <p:cond evt="onNext" delay="0">
+                  <p:tgtEl>
+                    <p:sldTgt/>
+                  </p:tgtEl>
+                </p:cond>
+              </p:nextCondLst>
+            </p:seq>
+          </p:childTnLst>
+        </p:cTn>
+      </p:par>
+    </p:tnLst>
+  </p:timing>
 </p:sld>
 </file>
 
